--- a/Web/WebArchitectureDef.pptx
+++ b/Web/WebArchitectureDef.pptx
@@ -1233,7 +1233,7 @@
           <p:cNvPr id="2" name="Titel 1">
             <a:extLst>
               <a:ext uri="{FF2B5EF4-FFF2-40B4-BE49-F238E27FC236}">
-                <a16:creationId xmlns="" xmlns:a16="http://schemas.microsoft.com/office/drawing/2014/main" id="{701EABE2-81DB-4A57-87BD-BAC9B81DA953}"/>
+                <a16:creationId xmlns:a16="http://schemas.microsoft.com/office/drawing/2014/main" xmlns="" id="{701EABE2-81DB-4A57-87BD-BAC9B81DA953}"/>
               </a:ext>
             </a:extLst>
           </p:cNvPr>
@@ -1270,7 +1270,7 @@
           <p:cNvPr id="3" name="Untertitel 2">
             <a:extLst>
               <a:ext uri="{FF2B5EF4-FFF2-40B4-BE49-F238E27FC236}">
-                <a16:creationId xmlns="" xmlns:a16="http://schemas.microsoft.com/office/drawing/2014/main" id="{9E44B19B-9953-4462-B98C-34C559DFD4BA}"/>
+                <a16:creationId xmlns:a16="http://schemas.microsoft.com/office/drawing/2014/main" xmlns="" id="{9E44B19B-9953-4462-B98C-34C559DFD4BA}"/>
               </a:ext>
             </a:extLst>
           </p:cNvPr>
@@ -1340,7 +1340,7 @@
           <p:cNvPr id="4" name="Datumsplatzhalter 3">
             <a:extLst>
               <a:ext uri="{FF2B5EF4-FFF2-40B4-BE49-F238E27FC236}">
-                <a16:creationId xmlns="" xmlns:a16="http://schemas.microsoft.com/office/drawing/2014/main" id="{85282A0B-87AA-4F5C-9252-AB7E74ABF29B}"/>
+                <a16:creationId xmlns:a16="http://schemas.microsoft.com/office/drawing/2014/main" xmlns="" id="{85282A0B-87AA-4F5C-9252-AB7E74ABF29B}"/>
               </a:ext>
             </a:extLst>
           </p:cNvPr>
@@ -1369,7 +1369,7 @@
           <p:cNvPr id="5" name="Fußzeilenplatzhalter 4">
             <a:extLst>
               <a:ext uri="{FF2B5EF4-FFF2-40B4-BE49-F238E27FC236}">
-                <a16:creationId xmlns="" xmlns:a16="http://schemas.microsoft.com/office/drawing/2014/main" id="{CCE46F71-BCF6-41F3-8C17-381DF36140FE}"/>
+                <a16:creationId xmlns:a16="http://schemas.microsoft.com/office/drawing/2014/main" xmlns="" id="{CCE46F71-BCF6-41F3-8C17-381DF36140FE}"/>
               </a:ext>
             </a:extLst>
           </p:cNvPr>
@@ -1402,7 +1402,7 @@
           <p:cNvPr id="6" name="Foliennummernplatzhalter 5">
             <a:extLst>
               <a:ext uri="{FF2B5EF4-FFF2-40B4-BE49-F238E27FC236}">
-                <a16:creationId xmlns="" xmlns:a16="http://schemas.microsoft.com/office/drawing/2014/main" id="{DF41A37E-A33B-4798-9922-3B8B5AE5A27B}"/>
+                <a16:creationId xmlns:a16="http://schemas.microsoft.com/office/drawing/2014/main" xmlns="" id="{DF41A37E-A33B-4798-9922-3B8B5AE5A27B}"/>
               </a:ext>
             </a:extLst>
           </p:cNvPr>
@@ -1469,7 +1469,7 @@
           <p:cNvPr id="2" name="Titel 1">
             <a:extLst>
               <a:ext uri="{FF2B5EF4-FFF2-40B4-BE49-F238E27FC236}">
-                <a16:creationId xmlns="" xmlns:a16="http://schemas.microsoft.com/office/drawing/2014/main" id="{FCE4A30D-3A8C-4B77-B82E-724CCF54EFD5}"/>
+                <a16:creationId xmlns:a16="http://schemas.microsoft.com/office/drawing/2014/main" xmlns="" id="{FCE4A30D-3A8C-4B77-B82E-724CCF54EFD5}"/>
               </a:ext>
             </a:extLst>
           </p:cNvPr>
@@ -1497,7 +1497,7 @@
           <p:cNvPr id="3" name="Vertikaler Textplatzhalter 2">
             <a:extLst>
               <a:ext uri="{FF2B5EF4-FFF2-40B4-BE49-F238E27FC236}">
-                <a16:creationId xmlns="" xmlns:a16="http://schemas.microsoft.com/office/drawing/2014/main" id="{D0312C4C-DD67-420D-AE80-FBF20CAD00FE}"/>
+                <a16:creationId xmlns:a16="http://schemas.microsoft.com/office/drawing/2014/main" xmlns="" id="{D0312C4C-DD67-420D-AE80-FBF20CAD00FE}"/>
               </a:ext>
             </a:extLst>
           </p:cNvPr>
@@ -1554,7 +1554,7 @@
           <p:cNvPr id="4" name="Datumsplatzhalter 3">
             <a:extLst>
               <a:ext uri="{FF2B5EF4-FFF2-40B4-BE49-F238E27FC236}">
-                <a16:creationId xmlns="" xmlns:a16="http://schemas.microsoft.com/office/drawing/2014/main" id="{752D94C2-424D-4096-8FAE-F12A3D4A5C7D}"/>
+                <a16:creationId xmlns:a16="http://schemas.microsoft.com/office/drawing/2014/main" xmlns="" id="{752D94C2-424D-4096-8FAE-F12A3D4A5C7D}"/>
               </a:ext>
             </a:extLst>
           </p:cNvPr>
@@ -1583,7 +1583,7 @@
           <p:cNvPr id="5" name="Fußzeilenplatzhalter 4">
             <a:extLst>
               <a:ext uri="{FF2B5EF4-FFF2-40B4-BE49-F238E27FC236}">
-                <a16:creationId xmlns="" xmlns:a16="http://schemas.microsoft.com/office/drawing/2014/main" id="{02BB29D6-C358-4D1F-90A7-5282C5CF3A2B}"/>
+                <a16:creationId xmlns:a16="http://schemas.microsoft.com/office/drawing/2014/main" xmlns="" id="{02BB29D6-C358-4D1F-90A7-5282C5CF3A2B}"/>
               </a:ext>
             </a:extLst>
           </p:cNvPr>
@@ -1611,7 +1611,7 @@
           <p:cNvPr id="6" name="Foliennummernplatzhalter 5">
             <a:extLst>
               <a:ext uri="{FF2B5EF4-FFF2-40B4-BE49-F238E27FC236}">
-                <a16:creationId xmlns="" xmlns:a16="http://schemas.microsoft.com/office/drawing/2014/main" id="{AE9CFC43-FC34-49A0-9C58-C1BA7EAB4CD1}"/>
+                <a16:creationId xmlns:a16="http://schemas.microsoft.com/office/drawing/2014/main" xmlns="" id="{AE9CFC43-FC34-49A0-9C58-C1BA7EAB4CD1}"/>
               </a:ext>
             </a:extLst>
           </p:cNvPr>
@@ -1678,7 +1678,7 @@
           <p:cNvPr id="2" name="Vertikaler Titel 1">
             <a:extLst>
               <a:ext uri="{FF2B5EF4-FFF2-40B4-BE49-F238E27FC236}">
-                <a16:creationId xmlns="" xmlns:a16="http://schemas.microsoft.com/office/drawing/2014/main" id="{C6AE7126-CFA4-458D-B5F5-AA476ABB117D}"/>
+                <a16:creationId xmlns:a16="http://schemas.microsoft.com/office/drawing/2014/main" xmlns="" id="{C6AE7126-CFA4-458D-B5F5-AA476ABB117D}"/>
               </a:ext>
             </a:extLst>
           </p:cNvPr>
@@ -1711,7 +1711,7 @@
           <p:cNvPr id="3" name="Vertikaler Textplatzhalter 2">
             <a:extLst>
               <a:ext uri="{FF2B5EF4-FFF2-40B4-BE49-F238E27FC236}">
-                <a16:creationId xmlns="" xmlns:a16="http://schemas.microsoft.com/office/drawing/2014/main" id="{E4719945-B69E-4CB7-AF62-A8E248C097C4}"/>
+                <a16:creationId xmlns:a16="http://schemas.microsoft.com/office/drawing/2014/main" xmlns="" id="{E4719945-B69E-4CB7-AF62-A8E248C097C4}"/>
               </a:ext>
             </a:extLst>
           </p:cNvPr>
@@ -1773,7 +1773,7 @@
           <p:cNvPr id="4" name="Datumsplatzhalter 3">
             <a:extLst>
               <a:ext uri="{FF2B5EF4-FFF2-40B4-BE49-F238E27FC236}">
-                <a16:creationId xmlns="" xmlns:a16="http://schemas.microsoft.com/office/drawing/2014/main" id="{194C9456-1825-45D5-AFC8-7437C4E58D48}"/>
+                <a16:creationId xmlns:a16="http://schemas.microsoft.com/office/drawing/2014/main" xmlns="" id="{194C9456-1825-45D5-AFC8-7437C4E58D48}"/>
               </a:ext>
             </a:extLst>
           </p:cNvPr>
@@ -1802,7 +1802,7 @@
           <p:cNvPr id="5" name="Fußzeilenplatzhalter 4">
             <a:extLst>
               <a:ext uri="{FF2B5EF4-FFF2-40B4-BE49-F238E27FC236}">
-                <a16:creationId xmlns="" xmlns:a16="http://schemas.microsoft.com/office/drawing/2014/main" id="{0B1CC9B3-FE3E-4DC0-B71D-312C93D1814D}"/>
+                <a16:creationId xmlns:a16="http://schemas.microsoft.com/office/drawing/2014/main" xmlns="" id="{0B1CC9B3-FE3E-4DC0-B71D-312C93D1814D}"/>
               </a:ext>
             </a:extLst>
           </p:cNvPr>
@@ -1830,7 +1830,7 @@
           <p:cNvPr id="6" name="Foliennummernplatzhalter 5">
             <a:extLst>
               <a:ext uri="{FF2B5EF4-FFF2-40B4-BE49-F238E27FC236}">
-                <a16:creationId xmlns="" xmlns:a16="http://schemas.microsoft.com/office/drawing/2014/main" id="{41E050D8-C164-4E85-94F4-BA2B19D46D58}"/>
+                <a16:creationId xmlns:a16="http://schemas.microsoft.com/office/drawing/2014/main" xmlns="" id="{41E050D8-C164-4E85-94F4-BA2B19D46D58}"/>
               </a:ext>
             </a:extLst>
           </p:cNvPr>
@@ -1897,7 +1897,7 @@
           <p:cNvPr id="2" name="Titel 1">
             <a:extLst>
               <a:ext uri="{FF2B5EF4-FFF2-40B4-BE49-F238E27FC236}">
-                <a16:creationId xmlns="" xmlns:a16="http://schemas.microsoft.com/office/drawing/2014/main" id="{C9100C2D-6625-4AF5-8937-424086BE0285}"/>
+                <a16:creationId xmlns:a16="http://schemas.microsoft.com/office/drawing/2014/main" xmlns="" id="{C9100C2D-6625-4AF5-8937-424086BE0285}"/>
               </a:ext>
             </a:extLst>
           </p:cNvPr>
@@ -1925,7 +1925,7 @@
           <p:cNvPr id="3" name="Inhaltsplatzhalter 2">
             <a:extLst>
               <a:ext uri="{FF2B5EF4-FFF2-40B4-BE49-F238E27FC236}">
-                <a16:creationId xmlns="" xmlns:a16="http://schemas.microsoft.com/office/drawing/2014/main" id="{38D1AAA1-BE3D-4A43-91C4-A2C3C6173375}"/>
+                <a16:creationId xmlns:a16="http://schemas.microsoft.com/office/drawing/2014/main" xmlns="" id="{38D1AAA1-BE3D-4A43-91C4-A2C3C6173375}"/>
               </a:ext>
             </a:extLst>
           </p:cNvPr>
@@ -1982,7 +1982,7 @@
           <p:cNvPr id="4" name="Datumsplatzhalter 3">
             <a:extLst>
               <a:ext uri="{FF2B5EF4-FFF2-40B4-BE49-F238E27FC236}">
-                <a16:creationId xmlns="" xmlns:a16="http://schemas.microsoft.com/office/drawing/2014/main" id="{48884C8B-06F5-44CC-B1D1-2A02463EC226}"/>
+                <a16:creationId xmlns:a16="http://schemas.microsoft.com/office/drawing/2014/main" xmlns="" id="{48884C8B-06F5-44CC-B1D1-2A02463EC226}"/>
               </a:ext>
             </a:extLst>
           </p:cNvPr>
@@ -2011,7 +2011,7 @@
           <p:cNvPr id="5" name="Fußzeilenplatzhalter 4">
             <a:extLst>
               <a:ext uri="{FF2B5EF4-FFF2-40B4-BE49-F238E27FC236}">
-                <a16:creationId xmlns="" xmlns:a16="http://schemas.microsoft.com/office/drawing/2014/main" id="{2EE480CA-0EC1-4AF7-9F30-F143FE83D99B}"/>
+                <a16:creationId xmlns:a16="http://schemas.microsoft.com/office/drawing/2014/main" xmlns="" id="{2EE480CA-0EC1-4AF7-9F30-F143FE83D99B}"/>
               </a:ext>
             </a:extLst>
           </p:cNvPr>
@@ -2044,7 +2044,7 @@
           <p:cNvPr id="6" name="Foliennummernplatzhalter 5">
             <a:extLst>
               <a:ext uri="{FF2B5EF4-FFF2-40B4-BE49-F238E27FC236}">
-                <a16:creationId xmlns="" xmlns:a16="http://schemas.microsoft.com/office/drawing/2014/main" id="{13337EC3-94DD-4B09-A484-F0141C1CB8B0}"/>
+                <a16:creationId xmlns:a16="http://schemas.microsoft.com/office/drawing/2014/main" xmlns="" id="{13337EC3-94DD-4B09-A484-F0141C1CB8B0}"/>
               </a:ext>
             </a:extLst>
           </p:cNvPr>
@@ -2111,7 +2111,7 @@
           <p:cNvPr id="2" name="Titel 1">
             <a:extLst>
               <a:ext uri="{FF2B5EF4-FFF2-40B4-BE49-F238E27FC236}">
-                <a16:creationId xmlns="" xmlns:a16="http://schemas.microsoft.com/office/drawing/2014/main" id="{CBDD584A-A976-4556-9716-DA9197EACC6F}"/>
+                <a16:creationId xmlns:a16="http://schemas.microsoft.com/office/drawing/2014/main" xmlns="" id="{CBDD584A-A976-4556-9716-DA9197EACC6F}"/>
               </a:ext>
             </a:extLst>
           </p:cNvPr>
@@ -2148,7 +2148,7 @@
           <p:cNvPr id="3" name="Textplatzhalter 2">
             <a:extLst>
               <a:ext uri="{FF2B5EF4-FFF2-40B4-BE49-F238E27FC236}">
-                <a16:creationId xmlns="" xmlns:a16="http://schemas.microsoft.com/office/drawing/2014/main" id="{C713F004-8C3B-4899-9F30-C6CC20E50B36}"/>
+                <a16:creationId xmlns:a16="http://schemas.microsoft.com/office/drawing/2014/main" xmlns="" id="{C713F004-8C3B-4899-9F30-C6CC20E50B36}"/>
               </a:ext>
             </a:extLst>
           </p:cNvPr>
@@ -2273,7 +2273,7 @@
           <p:cNvPr id="4" name="Datumsplatzhalter 3">
             <a:extLst>
               <a:ext uri="{FF2B5EF4-FFF2-40B4-BE49-F238E27FC236}">
-                <a16:creationId xmlns="" xmlns:a16="http://schemas.microsoft.com/office/drawing/2014/main" id="{B300BECA-2226-430E-B31A-3A70D7FB0DD4}"/>
+                <a16:creationId xmlns:a16="http://schemas.microsoft.com/office/drawing/2014/main" xmlns="" id="{B300BECA-2226-430E-B31A-3A70D7FB0DD4}"/>
               </a:ext>
             </a:extLst>
           </p:cNvPr>
@@ -2302,7 +2302,7 @@
           <p:cNvPr id="5" name="Fußzeilenplatzhalter 4">
             <a:extLst>
               <a:ext uri="{FF2B5EF4-FFF2-40B4-BE49-F238E27FC236}">
-                <a16:creationId xmlns="" xmlns:a16="http://schemas.microsoft.com/office/drawing/2014/main" id="{9D2C0B24-C4C7-4E3E-A30D-AD2B22A8CAC5}"/>
+                <a16:creationId xmlns:a16="http://schemas.microsoft.com/office/drawing/2014/main" xmlns="" id="{9D2C0B24-C4C7-4E3E-A30D-AD2B22A8CAC5}"/>
               </a:ext>
             </a:extLst>
           </p:cNvPr>
@@ -2335,7 +2335,7 @@
           <p:cNvPr id="6" name="Foliennummernplatzhalter 5">
             <a:extLst>
               <a:ext uri="{FF2B5EF4-FFF2-40B4-BE49-F238E27FC236}">
-                <a16:creationId xmlns="" xmlns:a16="http://schemas.microsoft.com/office/drawing/2014/main" id="{15EF3485-89F1-47E8-AB99-914FE8775138}"/>
+                <a16:creationId xmlns:a16="http://schemas.microsoft.com/office/drawing/2014/main" xmlns="" id="{15EF3485-89F1-47E8-AB99-914FE8775138}"/>
               </a:ext>
             </a:extLst>
           </p:cNvPr>
@@ -2402,7 +2402,7 @@
           <p:cNvPr id="2" name="Titel 1">
             <a:extLst>
               <a:ext uri="{FF2B5EF4-FFF2-40B4-BE49-F238E27FC236}">
-                <a16:creationId xmlns="" xmlns:a16="http://schemas.microsoft.com/office/drawing/2014/main" id="{6B45D284-4E4F-4976-80EC-400821F99BCF}"/>
+                <a16:creationId xmlns:a16="http://schemas.microsoft.com/office/drawing/2014/main" xmlns="" id="{6B45D284-4E4F-4976-80EC-400821F99BCF}"/>
               </a:ext>
             </a:extLst>
           </p:cNvPr>
@@ -2430,7 +2430,7 @@
           <p:cNvPr id="3" name="Inhaltsplatzhalter 2">
             <a:extLst>
               <a:ext uri="{FF2B5EF4-FFF2-40B4-BE49-F238E27FC236}">
-                <a16:creationId xmlns="" xmlns:a16="http://schemas.microsoft.com/office/drawing/2014/main" id="{61C980E4-B51F-4860-A848-EB6955BA36AF}"/>
+                <a16:creationId xmlns:a16="http://schemas.microsoft.com/office/drawing/2014/main" xmlns="" id="{61C980E4-B51F-4860-A848-EB6955BA36AF}"/>
               </a:ext>
             </a:extLst>
           </p:cNvPr>
@@ -2492,7 +2492,7 @@
           <p:cNvPr id="4" name="Inhaltsplatzhalter 3">
             <a:extLst>
               <a:ext uri="{FF2B5EF4-FFF2-40B4-BE49-F238E27FC236}">
-                <a16:creationId xmlns="" xmlns:a16="http://schemas.microsoft.com/office/drawing/2014/main" id="{8D7C296F-6044-4CF6-BBE5-CEA4560EEEB9}"/>
+                <a16:creationId xmlns:a16="http://schemas.microsoft.com/office/drawing/2014/main" xmlns="" id="{8D7C296F-6044-4CF6-BBE5-CEA4560EEEB9}"/>
               </a:ext>
             </a:extLst>
           </p:cNvPr>
@@ -2554,7 +2554,7 @@
           <p:cNvPr id="5" name="Datumsplatzhalter 4">
             <a:extLst>
               <a:ext uri="{FF2B5EF4-FFF2-40B4-BE49-F238E27FC236}">
-                <a16:creationId xmlns="" xmlns:a16="http://schemas.microsoft.com/office/drawing/2014/main" id="{F87A09FB-245D-407E-94D1-C81BBB221DC2}"/>
+                <a16:creationId xmlns:a16="http://schemas.microsoft.com/office/drawing/2014/main" xmlns="" id="{F87A09FB-245D-407E-94D1-C81BBB221DC2}"/>
               </a:ext>
             </a:extLst>
           </p:cNvPr>
@@ -2583,7 +2583,7 @@
           <p:cNvPr id="6" name="Fußzeilenplatzhalter 5">
             <a:extLst>
               <a:ext uri="{FF2B5EF4-FFF2-40B4-BE49-F238E27FC236}">
-                <a16:creationId xmlns="" xmlns:a16="http://schemas.microsoft.com/office/drawing/2014/main" id="{7713AD3F-FB16-4761-97DD-7D2895FBAF79}"/>
+                <a16:creationId xmlns:a16="http://schemas.microsoft.com/office/drawing/2014/main" xmlns="" id="{7713AD3F-FB16-4761-97DD-7D2895FBAF79}"/>
               </a:ext>
             </a:extLst>
           </p:cNvPr>
@@ -2616,7 +2616,7 @@
           <p:cNvPr id="7" name="Foliennummernplatzhalter 6">
             <a:extLst>
               <a:ext uri="{FF2B5EF4-FFF2-40B4-BE49-F238E27FC236}">
-                <a16:creationId xmlns="" xmlns:a16="http://schemas.microsoft.com/office/drawing/2014/main" id="{E08B0646-8FC5-4829-A454-55B654DBA3C4}"/>
+                <a16:creationId xmlns:a16="http://schemas.microsoft.com/office/drawing/2014/main" xmlns="" id="{E08B0646-8FC5-4829-A454-55B654DBA3C4}"/>
               </a:ext>
             </a:extLst>
           </p:cNvPr>
@@ -2683,7 +2683,7 @@
           <p:cNvPr id="2" name="Titel 1">
             <a:extLst>
               <a:ext uri="{FF2B5EF4-FFF2-40B4-BE49-F238E27FC236}">
-                <a16:creationId xmlns="" xmlns:a16="http://schemas.microsoft.com/office/drawing/2014/main" id="{87FFCFA6-D29A-4DD6-8A93-5742D6DB0521}"/>
+                <a16:creationId xmlns:a16="http://schemas.microsoft.com/office/drawing/2014/main" xmlns="" id="{87FFCFA6-D29A-4DD6-8A93-5742D6DB0521}"/>
               </a:ext>
             </a:extLst>
           </p:cNvPr>
@@ -2716,7 +2716,7 @@
           <p:cNvPr id="3" name="Textplatzhalter 2">
             <a:extLst>
               <a:ext uri="{FF2B5EF4-FFF2-40B4-BE49-F238E27FC236}">
-                <a16:creationId xmlns="" xmlns:a16="http://schemas.microsoft.com/office/drawing/2014/main" id="{52A062D5-F9A3-40F3-940E-784410DB79B5}"/>
+                <a16:creationId xmlns:a16="http://schemas.microsoft.com/office/drawing/2014/main" xmlns="" id="{52A062D5-F9A3-40F3-940E-784410DB79B5}"/>
               </a:ext>
             </a:extLst>
           </p:cNvPr>
@@ -2787,7 +2787,7 @@
           <p:cNvPr id="4" name="Inhaltsplatzhalter 3">
             <a:extLst>
               <a:ext uri="{FF2B5EF4-FFF2-40B4-BE49-F238E27FC236}">
-                <a16:creationId xmlns="" xmlns:a16="http://schemas.microsoft.com/office/drawing/2014/main" id="{0F2C725F-CDA6-419C-9990-237B92011EB3}"/>
+                <a16:creationId xmlns:a16="http://schemas.microsoft.com/office/drawing/2014/main" xmlns="" id="{0F2C725F-CDA6-419C-9990-237B92011EB3}"/>
               </a:ext>
             </a:extLst>
           </p:cNvPr>
@@ -2849,7 +2849,7 @@
           <p:cNvPr id="5" name="Textplatzhalter 4">
             <a:extLst>
               <a:ext uri="{FF2B5EF4-FFF2-40B4-BE49-F238E27FC236}">
-                <a16:creationId xmlns="" xmlns:a16="http://schemas.microsoft.com/office/drawing/2014/main" id="{57D0AB86-7ACC-4F81-BA1E-EABC81375E4C}"/>
+                <a16:creationId xmlns:a16="http://schemas.microsoft.com/office/drawing/2014/main" xmlns="" id="{57D0AB86-7ACC-4F81-BA1E-EABC81375E4C}"/>
               </a:ext>
             </a:extLst>
           </p:cNvPr>
@@ -2920,7 +2920,7 @@
           <p:cNvPr id="6" name="Inhaltsplatzhalter 5">
             <a:extLst>
               <a:ext uri="{FF2B5EF4-FFF2-40B4-BE49-F238E27FC236}">
-                <a16:creationId xmlns="" xmlns:a16="http://schemas.microsoft.com/office/drawing/2014/main" id="{1A5FCBEC-2F64-4023-881F-8C2D77F12391}"/>
+                <a16:creationId xmlns:a16="http://schemas.microsoft.com/office/drawing/2014/main" xmlns="" id="{1A5FCBEC-2F64-4023-881F-8C2D77F12391}"/>
               </a:ext>
             </a:extLst>
           </p:cNvPr>
@@ -2982,7 +2982,7 @@
           <p:cNvPr id="7" name="Datumsplatzhalter 6">
             <a:extLst>
               <a:ext uri="{FF2B5EF4-FFF2-40B4-BE49-F238E27FC236}">
-                <a16:creationId xmlns="" xmlns:a16="http://schemas.microsoft.com/office/drawing/2014/main" id="{1B579458-8146-4585-8116-8815B1984C10}"/>
+                <a16:creationId xmlns:a16="http://schemas.microsoft.com/office/drawing/2014/main" xmlns="" id="{1B579458-8146-4585-8116-8815B1984C10}"/>
               </a:ext>
             </a:extLst>
           </p:cNvPr>
@@ -3011,7 +3011,7 @@
           <p:cNvPr id="8" name="Fußzeilenplatzhalter 7">
             <a:extLst>
               <a:ext uri="{FF2B5EF4-FFF2-40B4-BE49-F238E27FC236}">
-                <a16:creationId xmlns="" xmlns:a16="http://schemas.microsoft.com/office/drawing/2014/main" id="{B8FE971A-3252-4BEE-AE2A-ED9DD64D786C}"/>
+                <a16:creationId xmlns:a16="http://schemas.microsoft.com/office/drawing/2014/main" xmlns="" id="{B8FE971A-3252-4BEE-AE2A-ED9DD64D786C}"/>
               </a:ext>
             </a:extLst>
           </p:cNvPr>
@@ -3044,7 +3044,7 @@
           <p:cNvPr id="9" name="Foliennummernplatzhalter 8">
             <a:extLst>
               <a:ext uri="{FF2B5EF4-FFF2-40B4-BE49-F238E27FC236}">
-                <a16:creationId xmlns="" xmlns:a16="http://schemas.microsoft.com/office/drawing/2014/main" id="{224F811E-098E-42CD-BF79-561DBDB14DE9}"/>
+                <a16:creationId xmlns:a16="http://schemas.microsoft.com/office/drawing/2014/main" xmlns="" id="{224F811E-098E-42CD-BF79-561DBDB14DE9}"/>
               </a:ext>
             </a:extLst>
           </p:cNvPr>
@@ -3111,7 +3111,7 @@
           <p:cNvPr id="2" name="Titel 1">
             <a:extLst>
               <a:ext uri="{FF2B5EF4-FFF2-40B4-BE49-F238E27FC236}">
-                <a16:creationId xmlns="" xmlns:a16="http://schemas.microsoft.com/office/drawing/2014/main" id="{466DE76C-FB01-463F-B2AD-A897695D3F41}"/>
+                <a16:creationId xmlns:a16="http://schemas.microsoft.com/office/drawing/2014/main" xmlns="" id="{466DE76C-FB01-463F-B2AD-A897695D3F41}"/>
               </a:ext>
             </a:extLst>
           </p:cNvPr>
@@ -3139,7 +3139,7 @@
           <p:cNvPr id="3" name="Datumsplatzhalter 2">
             <a:extLst>
               <a:ext uri="{FF2B5EF4-FFF2-40B4-BE49-F238E27FC236}">
-                <a16:creationId xmlns="" xmlns:a16="http://schemas.microsoft.com/office/drawing/2014/main" id="{6F7936C0-FCFE-4A57-9E63-31F514892227}"/>
+                <a16:creationId xmlns:a16="http://schemas.microsoft.com/office/drawing/2014/main" xmlns="" id="{6F7936C0-FCFE-4A57-9E63-31F514892227}"/>
               </a:ext>
             </a:extLst>
           </p:cNvPr>
@@ -3168,7 +3168,7 @@
           <p:cNvPr id="4" name="Fußzeilenplatzhalter 3">
             <a:extLst>
               <a:ext uri="{FF2B5EF4-FFF2-40B4-BE49-F238E27FC236}">
-                <a16:creationId xmlns="" xmlns:a16="http://schemas.microsoft.com/office/drawing/2014/main" id="{BF4C0BEA-1F74-43B8-B16A-0B93A98AF74A}"/>
+                <a16:creationId xmlns:a16="http://schemas.microsoft.com/office/drawing/2014/main" xmlns="" id="{BF4C0BEA-1F74-43B8-B16A-0B93A98AF74A}"/>
               </a:ext>
             </a:extLst>
           </p:cNvPr>
@@ -3196,7 +3196,7 @@
           <p:cNvPr id="5" name="Foliennummernplatzhalter 4">
             <a:extLst>
               <a:ext uri="{FF2B5EF4-FFF2-40B4-BE49-F238E27FC236}">
-                <a16:creationId xmlns="" xmlns:a16="http://schemas.microsoft.com/office/drawing/2014/main" id="{FDC612F2-A418-4792-A4B4-C0ABBAAB10A0}"/>
+                <a16:creationId xmlns:a16="http://schemas.microsoft.com/office/drawing/2014/main" xmlns="" id="{FDC612F2-A418-4792-A4B4-C0ABBAAB10A0}"/>
               </a:ext>
             </a:extLst>
           </p:cNvPr>
@@ -3263,7 +3263,7 @@
           <p:cNvPr id="2" name="Datumsplatzhalter 1">
             <a:extLst>
               <a:ext uri="{FF2B5EF4-FFF2-40B4-BE49-F238E27FC236}">
-                <a16:creationId xmlns="" xmlns:a16="http://schemas.microsoft.com/office/drawing/2014/main" id="{F1A16BA6-C843-4946-87C4-F009F9659E53}"/>
+                <a16:creationId xmlns:a16="http://schemas.microsoft.com/office/drawing/2014/main" xmlns="" id="{F1A16BA6-C843-4946-87C4-F009F9659E53}"/>
               </a:ext>
             </a:extLst>
           </p:cNvPr>
@@ -3292,7 +3292,7 @@
           <p:cNvPr id="3" name="Fußzeilenplatzhalter 2">
             <a:extLst>
               <a:ext uri="{FF2B5EF4-FFF2-40B4-BE49-F238E27FC236}">
-                <a16:creationId xmlns="" xmlns:a16="http://schemas.microsoft.com/office/drawing/2014/main" id="{74AD0BED-584B-4312-BC56-F22A5A97A8EA}"/>
+                <a16:creationId xmlns:a16="http://schemas.microsoft.com/office/drawing/2014/main" xmlns="" id="{74AD0BED-584B-4312-BC56-F22A5A97A8EA}"/>
               </a:ext>
             </a:extLst>
           </p:cNvPr>
@@ -3325,7 +3325,7 @@
           <p:cNvPr id="4" name="Foliennummernplatzhalter 3">
             <a:extLst>
               <a:ext uri="{FF2B5EF4-FFF2-40B4-BE49-F238E27FC236}">
-                <a16:creationId xmlns="" xmlns:a16="http://schemas.microsoft.com/office/drawing/2014/main" id="{ECAC19A7-F328-409E-92C0-6618959AF8AB}"/>
+                <a16:creationId xmlns:a16="http://schemas.microsoft.com/office/drawing/2014/main" xmlns="" id="{ECAC19A7-F328-409E-92C0-6618959AF8AB}"/>
               </a:ext>
             </a:extLst>
           </p:cNvPr>
@@ -3392,7 +3392,7 @@
           <p:cNvPr id="2" name="Titel 1">
             <a:extLst>
               <a:ext uri="{FF2B5EF4-FFF2-40B4-BE49-F238E27FC236}">
-                <a16:creationId xmlns="" xmlns:a16="http://schemas.microsoft.com/office/drawing/2014/main" id="{36B5D893-6A5A-4F5D-9559-23E40882374B}"/>
+                <a16:creationId xmlns:a16="http://schemas.microsoft.com/office/drawing/2014/main" xmlns="" id="{36B5D893-6A5A-4F5D-9559-23E40882374B}"/>
               </a:ext>
             </a:extLst>
           </p:cNvPr>
@@ -3429,7 +3429,7 @@
           <p:cNvPr id="3" name="Inhaltsplatzhalter 2">
             <a:extLst>
               <a:ext uri="{FF2B5EF4-FFF2-40B4-BE49-F238E27FC236}">
-                <a16:creationId xmlns="" xmlns:a16="http://schemas.microsoft.com/office/drawing/2014/main" id="{46211E4B-EF89-4D03-A97A-6EB546C0498D}"/>
+                <a16:creationId xmlns:a16="http://schemas.microsoft.com/office/drawing/2014/main" xmlns="" id="{46211E4B-EF89-4D03-A97A-6EB546C0498D}"/>
               </a:ext>
             </a:extLst>
           </p:cNvPr>
@@ -3519,7 +3519,7 @@
           <p:cNvPr id="4" name="Textplatzhalter 3">
             <a:extLst>
               <a:ext uri="{FF2B5EF4-FFF2-40B4-BE49-F238E27FC236}">
-                <a16:creationId xmlns="" xmlns:a16="http://schemas.microsoft.com/office/drawing/2014/main" id="{D4BEF54F-E067-4073-A803-29399235D78F}"/>
+                <a16:creationId xmlns:a16="http://schemas.microsoft.com/office/drawing/2014/main" xmlns="" id="{D4BEF54F-E067-4073-A803-29399235D78F}"/>
               </a:ext>
             </a:extLst>
           </p:cNvPr>
@@ -3590,7 +3590,7 @@
           <p:cNvPr id="5" name="Datumsplatzhalter 4">
             <a:extLst>
               <a:ext uri="{FF2B5EF4-FFF2-40B4-BE49-F238E27FC236}">
-                <a16:creationId xmlns="" xmlns:a16="http://schemas.microsoft.com/office/drawing/2014/main" id="{FF25F891-DBFE-4A5B-99B6-66F48C54174B}"/>
+                <a16:creationId xmlns:a16="http://schemas.microsoft.com/office/drawing/2014/main" xmlns="" id="{FF25F891-DBFE-4A5B-99B6-66F48C54174B}"/>
               </a:ext>
             </a:extLst>
           </p:cNvPr>
@@ -3619,7 +3619,7 @@
           <p:cNvPr id="6" name="Fußzeilenplatzhalter 5">
             <a:extLst>
               <a:ext uri="{FF2B5EF4-FFF2-40B4-BE49-F238E27FC236}">
-                <a16:creationId xmlns="" xmlns:a16="http://schemas.microsoft.com/office/drawing/2014/main" id="{C508CE39-F26E-4C31-84CD-D89EC83686D4}"/>
+                <a16:creationId xmlns:a16="http://schemas.microsoft.com/office/drawing/2014/main" xmlns="" id="{C508CE39-F26E-4C31-84CD-D89EC83686D4}"/>
               </a:ext>
             </a:extLst>
           </p:cNvPr>
@@ -3652,7 +3652,7 @@
           <p:cNvPr id="7" name="Foliennummernplatzhalter 6">
             <a:extLst>
               <a:ext uri="{FF2B5EF4-FFF2-40B4-BE49-F238E27FC236}">
-                <a16:creationId xmlns="" xmlns:a16="http://schemas.microsoft.com/office/drawing/2014/main" id="{5E1B48FE-614D-4BF1-8C39-73558F055C10}"/>
+                <a16:creationId xmlns:a16="http://schemas.microsoft.com/office/drawing/2014/main" xmlns="" id="{5E1B48FE-614D-4BF1-8C39-73558F055C10}"/>
               </a:ext>
             </a:extLst>
           </p:cNvPr>
@@ -3719,7 +3719,7 @@
           <p:cNvPr id="2" name="Titel 1">
             <a:extLst>
               <a:ext uri="{FF2B5EF4-FFF2-40B4-BE49-F238E27FC236}">
-                <a16:creationId xmlns="" xmlns:a16="http://schemas.microsoft.com/office/drawing/2014/main" id="{F9563009-E30B-45AC-BDD7-44EA72F78222}"/>
+                <a16:creationId xmlns:a16="http://schemas.microsoft.com/office/drawing/2014/main" xmlns="" id="{F9563009-E30B-45AC-BDD7-44EA72F78222}"/>
               </a:ext>
             </a:extLst>
           </p:cNvPr>
@@ -3756,7 +3756,7 @@
           <p:cNvPr id="3" name="Bildplatzhalter 2">
             <a:extLst>
               <a:ext uri="{FF2B5EF4-FFF2-40B4-BE49-F238E27FC236}">
-                <a16:creationId xmlns="" xmlns:a16="http://schemas.microsoft.com/office/drawing/2014/main" id="{11F2FF9F-8E72-4929-BF76-ED1330B5F674}"/>
+                <a16:creationId xmlns:a16="http://schemas.microsoft.com/office/drawing/2014/main" xmlns="" id="{11F2FF9F-8E72-4929-BF76-ED1330B5F674}"/>
               </a:ext>
             </a:extLst>
           </p:cNvPr>
@@ -3823,7 +3823,7 @@
           <p:cNvPr id="4" name="Textplatzhalter 3">
             <a:extLst>
               <a:ext uri="{FF2B5EF4-FFF2-40B4-BE49-F238E27FC236}">
-                <a16:creationId xmlns="" xmlns:a16="http://schemas.microsoft.com/office/drawing/2014/main" id="{4A21AA90-B6A3-4F03-A71E-8D4EFEBB4E8A}"/>
+                <a16:creationId xmlns:a16="http://schemas.microsoft.com/office/drawing/2014/main" xmlns="" id="{4A21AA90-B6A3-4F03-A71E-8D4EFEBB4E8A}"/>
               </a:ext>
             </a:extLst>
           </p:cNvPr>
@@ -3894,7 +3894,7 @@
           <p:cNvPr id="5" name="Datumsplatzhalter 4">
             <a:extLst>
               <a:ext uri="{FF2B5EF4-FFF2-40B4-BE49-F238E27FC236}">
-                <a16:creationId xmlns="" xmlns:a16="http://schemas.microsoft.com/office/drawing/2014/main" id="{B9A970BA-F10E-430D-9B5F-218F0B6AAD68}"/>
+                <a16:creationId xmlns:a16="http://schemas.microsoft.com/office/drawing/2014/main" xmlns="" id="{B9A970BA-F10E-430D-9B5F-218F0B6AAD68}"/>
               </a:ext>
             </a:extLst>
           </p:cNvPr>
@@ -3923,7 +3923,7 @@
           <p:cNvPr id="6" name="Fußzeilenplatzhalter 5">
             <a:extLst>
               <a:ext uri="{FF2B5EF4-FFF2-40B4-BE49-F238E27FC236}">
-                <a16:creationId xmlns="" xmlns:a16="http://schemas.microsoft.com/office/drawing/2014/main" id="{A141BF1C-61CE-44FF-8ABE-F08D6373AD97}"/>
+                <a16:creationId xmlns:a16="http://schemas.microsoft.com/office/drawing/2014/main" xmlns="" id="{A141BF1C-61CE-44FF-8ABE-F08D6373AD97}"/>
               </a:ext>
             </a:extLst>
           </p:cNvPr>
@@ -3956,7 +3956,7 @@
           <p:cNvPr id="7" name="Foliennummernplatzhalter 6">
             <a:extLst>
               <a:ext uri="{FF2B5EF4-FFF2-40B4-BE49-F238E27FC236}">
-                <a16:creationId xmlns="" xmlns:a16="http://schemas.microsoft.com/office/drawing/2014/main" id="{E76983E8-6FBA-42E6-85DE-B77806E23CA0}"/>
+                <a16:creationId xmlns:a16="http://schemas.microsoft.com/office/drawing/2014/main" xmlns="" id="{E76983E8-6FBA-42E6-85DE-B77806E23CA0}"/>
               </a:ext>
             </a:extLst>
           </p:cNvPr>
@@ -4028,7 +4028,7 @@
           <p:cNvPr id="2" name="Titelplatzhalter 1">
             <a:extLst>
               <a:ext uri="{FF2B5EF4-FFF2-40B4-BE49-F238E27FC236}">
-                <a16:creationId xmlns="" xmlns:a16="http://schemas.microsoft.com/office/drawing/2014/main" id="{F1B54F3D-85D6-4E2A-A184-2AD8788616C7}"/>
+                <a16:creationId xmlns:a16="http://schemas.microsoft.com/office/drawing/2014/main" xmlns="" id="{F1B54F3D-85D6-4E2A-A184-2AD8788616C7}"/>
               </a:ext>
             </a:extLst>
           </p:cNvPr>
@@ -4066,7 +4066,7 @@
           <p:cNvPr id="3" name="Textplatzhalter 2">
             <a:extLst>
               <a:ext uri="{FF2B5EF4-FFF2-40B4-BE49-F238E27FC236}">
-                <a16:creationId xmlns="" xmlns:a16="http://schemas.microsoft.com/office/drawing/2014/main" id="{62C62B55-DAE8-4571-9836-D8A9517A6717}"/>
+                <a16:creationId xmlns:a16="http://schemas.microsoft.com/office/drawing/2014/main" xmlns="" id="{62C62B55-DAE8-4571-9836-D8A9517A6717}"/>
               </a:ext>
             </a:extLst>
           </p:cNvPr>
@@ -4133,7 +4133,7 @@
           <p:cNvPr id="4" name="Datumsplatzhalter 3">
             <a:extLst>
               <a:ext uri="{FF2B5EF4-FFF2-40B4-BE49-F238E27FC236}">
-                <a16:creationId xmlns="" xmlns:a16="http://schemas.microsoft.com/office/drawing/2014/main" id="{202396F9-D19B-4197-A727-060829339B6B}"/>
+                <a16:creationId xmlns:a16="http://schemas.microsoft.com/office/drawing/2014/main" xmlns="" id="{202396F9-D19B-4197-A727-060829339B6B}"/>
               </a:ext>
             </a:extLst>
           </p:cNvPr>
@@ -4180,7 +4180,7 @@
           <p:cNvPr id="5" name="Fußzeilenplatzhalter 4">
             <a:extLst>
               <a:ext uri="{FF2B5EF4-FFF2-40B4-BE49-F238E27FC236}">
-                <a16:creationId xmlns="" xmlns:a16="http://schemas.microsoft.com/office/drawing/2014/main" id="{B1EA6A1B-5C13-45F1-9B85-4169FD91138A}"/>
+                <a16:creationId xmlns:a16="http://schemas.microsoft.com/office/drawing/2014/main" xmlns="" id="{B1EA6A1B-5C13-45F1-9B85-4169FD91138A}"/>
               </a:ext>
             </a:extLst>
           </p:cNvPr>
@@ -4231,7 +4231,7 @@
           <p:cNvPr id="7" name="Grafik 6">
             <a:extLst>
               <a:ext uri="{FF2B5EF4-FFF2-40B4-BE49-F238E27FC236}">
-                <a16:creationId xmlns="" xmlns:a16="http://schemas.microsoft.com/office/drawing/2014/main" id="{C59B35B2-0CE6-4FF9-984D-F5719598069C}"/>
+                <a16:creationId xmlns:a16="http://schemas.microsoft.com/office/drawing/2014/main" xmlns="" id="{C59B35B2-0CE6-4FF9-984D-F5719598069C}"/>
               </a:ext>
             </a:extLst>
           </p:cNvPr>
@@ -4267,7 +4267,7 @@
           <p:cNvPr id="8" name="Foliennummernplatzhalter 7">
             <a:extLst>
               <a:ext uri="{FF2B5EF4-FFF2-40B4-BE49-F238E27FC236}">
-                <a16:creationId xmlns="" xmlns:a16="http://schemas.microsoft.com/office/drawing/2014/main" id="{8B9E18AC-CAF1-4471-BF04-547435D80DDB}"/>
+                <a16:creationId xmlns:a16="http://schemas.microsoft.com/office/drawing/2014/main" xmlns="" id="{8B9E18AC-CAF1-4471-BF04-547435D80DDB}"/>
               </a:ext>
             </a:extLst>
           </p:cNvPr>
@@ -4636,7 +4636,7 @@
           <p:cNvPr id="2" name="Titel 1">
             <a:extLst>
               <a:ext uri="{FF2B5EF4-FFF2-40B4-BE49-F238E27FC236}">
-                <a16:creationId xmlns="" xmlns:a16="http://schemas.microsoft.com/office/drawing/2014/main" id="{19B6AC69-F81D-4459-ACD2-8110FA9FCE24}"/>
+                <a16:creationId xmlns:a16="http://schemas.microsoft.com/office/drawing/2014/main" xmlns="" id="{19B6AC69-F81D-4459-ACD2-8110FA9FCE24}"/>
               </a:ext>
             </a:extLst>
           </p:cNvPr>
@@ -4664,7 +4664,7 @@
           <p:cNvPr id="3" name="Untertitel 2">
             <a:extLst>
               <a:ext uri="{FF2B5EF4-FFF2-40B4-BE49-F238E27FC236}">
-                <a16:creationId xmlns="" xmlns:a16="http://schemas.microsoft.com/office/drawing/2014/main" id="{13737FBA-E6BC-4517-8A74-4336C01F7072}"/>
+                <a16:creationId xmlns:a16="http://schemas.microsoft.com/office/drawing/2014/main" xmlns="" id="{13737FBA-E6BC-4517-8A74-4336C01F7072}"/>
               </a:ext>
             </a:extLst>
           </p:cNvPr>
@@ -4809,7 +4809,7 @@
               <a:rPr lang="de-DE" smtClean="0"/>
               <a:t>13.04.2020</a:t>
             </a:fld>
-            <a:endParaRPr lang="de-DE"/>
+            <a:endParaRPr lang="de-DE" dirty="0"/>
           </a:p>
         </p:txBody>
       </p:sp>
@@ -4828,10 +4828,6 @@
           <a:bodyPr/>
           <a:lstStyle/>
           <a:p>
-            <a:r>
-              <a:rPr lang="de-DE" smtClean="0"/>
-              <a:t>Lisa Boos, Khaled Jallouli</a:t>
-            </a:r>
             <a:endParaRPr lang="de-DE" dirty="0"/>
           </a:p>
         </p:txBody>
@@ -5681,49 +5677,55 @@
       </p:pic>
       <p:sp>
         <p:nvSpPr>
-          <p:cNvPr id="46" name="Flèche droite 45"/>
+          <p:cNvPr id="21" name="Double flèche verticale 20"/>
           <p:cNvSpPr/>
           <p:nvPr/>
         </p:nvSpPr>
-        <p:spPr>
-          <a:xfrm>
-            <a:off x="3674592" y="3844157"/>
-            <a:ext cx="3257425" cy="196892"/>
+        <p:spPr bwMode="auto">
+          <a:xfrm rot="5400000">
+            <a:off x="5114989" y="2389645"/>
+            <a:ext cx="206853" cy="3035327"/>
           </a:xfrm>
-          <a:prstGeom prst="rightArrow">
+          <a:prstGeom prst="upDownArrow">
             <a:avLst/>
           </a:prstGeom>
           <a:solidFill>
             <a:srgbClr val="96D3E5"/>
           </a:solidFill>
-          <a:ln>
+          <a:ln w="9525" cap="flat" cmpd="sng" algn="ctr">
             <a:solidFill>
               <a:srgbClr val="96D3E5"/>
             </a:solidFill>
+            <a:prstDash val="solid"/>
+            <a:round/>
+            <a:headEnd type="none" w="med" len="med"/>
+            <a:tailEnd type="none" w="med" len="med"/>
           </a:ln>
+          <a:effectLst/>
+          <a:extLst/>
         </p:spPr>
-        <p:style>
-          <a:lnRef idx="2">
-            <a:schemeClr val="accent1">
-              <a:shade val="50000"/>
-            </a:schemeClr>
-          </a:lnRef>
-          <a:fillRef idx="1">
-            <a:schemeClr val="accent1"/>
-          </a:fillRef>
-          <a:effectRef idx="0">
-            <a:schemeClr val="accent1"/>
-          </a:effectRef>
-          <a:fontRef idx="minor">
-            <a:schemeClr val="lt1"/>
-          </a:fontRef>
-        </p:style>
-        <p:txBody>
-          <a:bodyPr rtlCol="0" anchor="ctr"/>
-          <a:lstStyle/>
-          <a:p>
-            <a:pPr algn="ctr"/>
-            <a:endParaRPr lang="fr-FR"/>
+        <p:txBody>
+          <a:bodyPr vert="horz" wrap="square" lIns="68562" tIns="34281" rIns="68562" bIns="34281" numCol="1" rtlCol="0" anchor="t" anchorCtr="0" compatLnSpc="1">
+            <a:prstTxWarp prst="textNoShape">
+              <a:avLst/>
+            </a:prstTxWarp>
+          </a:bodyPr>
+          <a:lstStyle/>
+          <a:p>
+            <a:pPr defTabSz="782032" fontAlgn="base">
+              <a:spcBef>
+                <a:spcPct val="0"/>
+              </a:spcBef>
+              <a:spcAft>
+                <a:spcPct val="0"/>
+              </a:spcAft>
+            </a:pPr>
+            <a:endParaRPr lang="fr-FR" sz="1575">
+              <a:solidFill>
+                <a:srgbClr val="000000"/>
+              </a:solidFill>
+              <a:cs typeface="Arial" charset="0"/>
+            </a:endParaRPr>
           </a:p>
         </p:txBody>
       </p:sp>
@@ -5857,10 +5859,6 @@
           <a:bodyPr/>
           <a:lstStyle/>
           <a:p>
-            <a:r>
-              <a:rPr lang="de-DE" smtClean="0"/>
-              <a:t>Lisa Boos, Khaled Jallouli</a:t>
-            </a:r>
             <a:endParaRPr lang="de-DE" dirty="0"/>
           </a:p>
         </p:txBody>

--- a/Web/WebArchitectureDef.pptx
+++ b/Web/WebArchitectureDef.pptx
@@ -843,7 +843,7 @@
           <a:p>
             <a:fld id="{9CDC8AA7-8D38-46C0-86D3-87BDB8133F92}" type="datetimeFigureOut">
               <a:rPr lang="de-DE" smtClean="0"/>
-              <a:t>13.04.2020</a:t>
+              <a:t>14.04.2020</a:t>
             </a:fld>
             <a:endParaRPr lang="de-DE"/>
           </a:p>
@@ -1233,7 +1233,7 @@
           <p:cNvPr id="2" name="Titel 1">
             <a:extLst>
               <a:ext uri="{FF2B5EF4-FFF2-40B4-BE49-F238E27FC236}">
-                <a16:creationId xmlns:a16="http://schemas.microsoft.com/office/drawing/2014/main" xmlns="" id="{701EABE2-81DB-4A57-87BD-BAC9B81DA953}"/>
+                <a16:creationId xmlns="" xmlns:a16="http://schemas.microsoft.com/office/drawing/2014/main" id="{701EABE2-81DB-4A57-87BD-BAC9B81DA953}"/>
               </a:ext>
             </a:extLst>
           </p:cNvPr>
@@ -1270,7 +1270,7 @@
           <p:cNvPr id="3" name="Untertitel 2">
             <a:extLst>
               <a:ext uri="{FF2B5EF4-FFF2-40B4-BE49-F238E27FC236}">
-                <a16:creationId xmlns:a16="http://schemas.microsoft.com/office/drawing/2014/main" xmlns="" id="{9E44B19B-9953-4462-B98C-34C559DFD4BA}"/>
+                <a16:creationId xmlns="" xmlns:a16="http://schemas.microsoft.com/office/drawing/2014/main" id="{9E44B19B-9953-4462-B98C-34C559DFD4BA}"/>
               </a:ext>
             </a:extLst>
           </p:cNvPr>
@@ -1340,7 +1340,7 @@
           <p:cNvPr id="4" name="Datumsplatzhalter 3">
             <a:extLst>
               <a:ext uri="{FF2B5EF4-FFF2-40B4-BE49-F238E27FC236}">
-                <a16:creationId xmlns:a16="http://schemas.microsoft.com/office/drawing/2014/main" xmlns="" id="{85282A0B-87AA-4F5C-9252-AB7E74ABF29B}"/>
+                <a16:creationId xmlns="" xmlns:a16="http://schemas.microsoft.com/office/drawing/2014/main" id="{85282A0B-87AA-4F5C-9252-AB7E74ABF29B}"/>
               </a:ext>
             </a:extLst>
           </p:cNvPr>
@@ -1358,7 +1358,7 @@
           <a:p>
             <a:fld id="{0BE53A1E-06E4-4C2E-89F2-9370B10FF3AC}" type="datetime1">
               <a:rPr lang="de-DE" smtClean="0"/>
-              <a:t>13.04.2020</a:t>
+              <a:t>14.04.2020</a:t>
             </a:fld>
             <a:endParaRPr lang="de-DE" dirty="0"/>
           </a:p>
@@ -1369,7 +1369,7 @@
           <p:cNvPr id="5" name="Fußzeilenplatzhalter 4">
             <a:extLst>
               <a:ext uri="{FF2B5EF4-FFF2-40B4-BE49-F238E27FC236}">
-                <a16:creationId xmlns:a16="http://schemas.microsoft.com/office/drawing/2014/main" xmlns="" id="{CCE46F71-BCF6-41F3-8C17-381DF36140FE}"/>
+                <a16:creationId xmlns="" xmlns:a16="http://schemas.microsoft.com/office/drawing/2014/main" id="{CCE46F71-BCF6-41F3-8C17-381DF36140FE}"/>
               </a:ext>
             </a:extLst>
           </p:cNvPr>
@@ -1402,7 +1402,7 @@
           <p:cNvPr id="6" name="Foliennummernplatzhalter 5">
             <a:extLst>
               <a:ext uri="{FF2B5EF4-FFF2-40B4-BE49-F238E27FC236}">
-                <a16:creationId xmlns:a16="http://schemas.microsoft.com/office/drawing/2014/main" xmlns="" id="{DF41A37E-A33B-4798-9922-3B8B5AE5A27B}"/>
+                <a16:creationId xmlns="" xmlns:a16="http://schemas.microsoft.com/office/drawing/2014/main" id="{DF41A37E-A33B-4798-9922-3B8B5AE5A27B}"/>
               </a:ext>
             </a:extLst>
           </p:cNvPr>
@@ -1469,7 +1469,7 @@
           <p:cNvPr id="2" name="Titel 1">
             <a:extLst>
               <a:ext uri="{FF2B5EF4-FFF2-40B4-BE49-F238E27FC236}">
-                <a16:creationId xmlns:a16="http://schemas.microsoft.com/office/drawing/2014/main" xmlns="" id="{FCE4A30D-3A8C-4B77-B82E-724CCF54EFD5}"/>
+                <a16:creationId xmlns="" xmlns:a16="http://schemas.microsoft.com/office/drawing/2014/main" id="{FCE4A30D-3A8C-4B77-B82E-724CCF54EFD5}"/>
               </a:ext>
             </a:extLst>
           </p:cNvPr>
@@ -1497,7 +1497,7 @@
           <p:cNvPr id="3" name="Vertikaler Textplatzhalter 2">
             <a:extLst>
               <a:ext uri="{FF2B5EF4-FFF2-40B4-BE49-F238E27FC236}">
-                <a16:creationId xmlns:a16="http://schemas.microsoft.com/office/drawing/2014/main" xmlns="" id="{D0312C4C-DD67-420D-AE80-FBF20CAD00FE}"/>
+                <a16:creationId xmlns="" xmlns:a16="http://schemas.microsoft.com/office/drawing/2014/main" id="{D0312C4C-DD67-420D-AE80-FBF20CAD00FE}"/>
               </a:ext>
             </a:extLst>
           </p:cNvPr>
@@ -1554,7 +1554,7 @@
           <p:cNvPr id="4" name="Datumsplatzhalter 3">
             <a:extLst>
               <a:ext uri="{FF2B5EF4-FFF2-40B4-BE49-F238E27FC236}">
-                <a16:creationId xmlns:a16="http://schemas.microsoft.com/office/drawing/2014/main" xmlns="" id="{752D94C2-424D-4096-8FAE-F12A3D4A5C7D}"/>
+                <a16:creationId xmlns="" xmlns:a16="http://schemas.microsoft.com/office/drawing/2014/main" id="{752D94C2-424D-4096-8FAE-F12A3D4A5C7D}"/>
               </a:ext>
             </a:extLst>
           </p:cNvPr>
@@ -1572,7 +1572,7 @@
           <a:p>
             <a:fld id="{97DCCE8C-7C19-4CE2-849C-730D9D984115}" type="datetime1">
               <a:rPr lang="de-DE" smtClean="0"/>
-              <a:t>13.04.2020</a:t>
+              <a:t>14.04.2020</a:t>
             </a:fld>
             <a:endParaRPr lang="de-DE"/>
           </a:p>
@@ -1583,7 +1583,7 @@
           <p:cNvPr id="5" name="Fußzeilenplatzhalter 4">
             <a:extLst>
               <a:ext uri="{FF2B5EF4-FFF2-40B4-BE49-F238E27FC236}">
-                <a16:creationId xmlns:a16="http://schemas.microsoft.com/office/drawing/2014/main" xmlns="" id="{02BB29D6-C358-4D1F-90A7-5282C5CF3A2B}"/>
+                <a16:creationId xmlns="" xmlns:a16="http://schemas.microsoft.com/office/drawing/2014/main" id="{02BB29D6-C358-4D1F-90A7-5282C5CF3A2B}"/>
               </a:ext>
             </a:extLst>
           </p:cNvPr>
@@ -1611,7 +1611,7 @@
           <p:cNvPr id="6" name="Foliennummernplatzhalter 5">
             <a:extLst>
               <a:ext uri="{FF2B5EF4-FFF2-40B4-BE49-F238E27FC236}">
-                <a16:creationId xmlns:a16="http://schemas.microsoft.com/office/drawing/2014/main" xmlns="" id="{AE9CFC43-FC34-49A0-9C58-C1BA7EAB4CD1}"/>
+                <a16:creationId xmlns="" xmlns:a16="http://schemas.microsoft.com/office/drawing/2014/main" id="{AE9CFC43-FC34-49A0-9C58-C1BA7EAB4CD1}"/>
               </a:ext>
             </a:extLst>
           </p:cNvPr>
@@ -1678,7 +1678,7 @@
           <p:cNvPr id="2" name="Vertikaler Titel 1">
             <a:extLst>
               <a:ext uri="{FF2B5EF4-FFF2-40B4-BE49-F238E27FC236}">
-                <a16:creationId xmlns:a16="http://schemas.microsoft.com/office/drawing/2014/main" xmlns="" id="{C6AE7126-CFA4-458D-B5F5-AA476ABB117D}"/>
+                <a16:creationId xmlns="" xmlns:a16="http://schemas.microsoft.com/office/drawing/2014/main" id="{C6AE7126-CFA4-458D-B5F5-AA476ABB117D}"/>
               </a:ext>
             </a:extLst>
           </p:cNvPr>
@@ -1711,7 +1711,7 @@
           <p:cNvPr id="3" name="Vertikaler Textplatzhalter 2">
             <a:extLst>
               <a:ext uri="{FF2B5EF4-FFF2-40B4-BE49-F238E27FC236}">
-                <a16:creationId xmlns:a16="http://schemas.microsoft.com/office/drawing/2014/main" xmlns="" id="{E4719945-B69E-4CB7-AF62-A8E248C097C4}"/>
+                <a16:creationId xmlns="" xmlns:a16="http://schemas.microsoft.com/office/drawing/2014/main" id="{E4719945-B69E-4CB7-AF62-A8E248C097C4}"/>
               </a:ext>
             </a:extLst>
           </p:cNvPr>
@@ -1773,7 +1773,7 @@
           <p:cNvPr id="4" name="Datumsplatzhalter 3">
             <a:extLst>
               <a:ext uri="{FF2B5EF4-FFF2-40B4-BE49-F238E27FC236}">
-                <a16:creationId xmlns:a16="http://schemas.microsoft.com/office/drawing/2014/main" xmlns="" id="{194C9456-1825-45D5-AFC8-7437C4E58D48}"/>
+                <a16:creationId xmlns="" xmlns:a16="http://schemas.microsoft.com/office/drawing/2014/main" id="{194C9456-1825-45D5-AFC8-7437C4E58D48}"/>
               </a:ext>
             </a:extLst>
           </p:cNvPr>
@@ -1791,7 +1791,7 @@
           <a:p>
             <a:fld id="{221A1AFA-2D7A-4A35-B2E9-5179FAD91C9A}" type="datetime1">
               <a:rPr lang="de-DE" smtClean="0"/>
-              <a:t>13.04.2020</a:t>
+              <a:t>14.04.2020</a:t>
             </a:fld>
             <a:endParaRPr lang="de-DE"/>
           </a:p>
@@ -1802,7 +1802,7 @@
           <p:cNvPr id="5" name="Fußzeilenplatzhalter 4">
             <a:extLst>
               <a:ext uri="{FF2B5EF4-FFF2-40B4-BE49-F238E27FC236}">
-                <a16:creationId xmlns:a16="http://schemas.microsoft.com/office/drawing/2014/main" xmlns="" id="{0B1CC9B3-FE3E-4DC0-B71D-312C93D1814D}"/>
+                <a16:creationId xmlns="" xmlns:a16="http://schemas.microsoft.com/office/drawing/2014/main" id="{0B1CC9B3-FE3E-4DC0-B71D-312C93D1814D}"/>
               </a:ext>
             </a:extLst>
           </p:cNvPr>
@@ -1830,7 +1830,7 @@
           <p:cNvPr id="6" name="Foliennummernplatzhalter 5">
             <a:extLst>
               <a:ext uri="{FF2B5EF4-FFF2-40B4-BE49-F238E27FC236}">
-                <a16:creationId xmlns:a16="http://schemas.microsoft.com/office/drawing/2014/main" xmlns="" id="{41E050D8-C164-4E85-94F4-BA2B19D46D58}"/>
+                <a16:creationId xmlns="" xmlns:a16="http://schemas.microsoft.com/office/drawing/2014/main" id="{41E050D8-C164-4E85-94F4-BA2B19D46D58}"/>
               </a:ext>
             </a:extLst>
           </p:cNvPr>
@@ -1897,7 +1897,7 @@
           <p:cNvPr id="2" name="Titel 1">
             <a:extLst>
               <a:ext uri="{FF2B5EF4-FFF2-40B4-BE49-F238E27FC236}">
-                <a16:creationId xmlns:a16="http://schemas.microsoft.com/office/drawing/2014/main" xmlns="" id="{C9100C2D-6625-4AF5-8937-424086BE0285}"/>
+                <a16:creationId xmlns="" xmlns:a16="http://schemas.microsoft.com/office/drawing/2014/main" id="{C9100C2D-6625-4AF5-8937-424086BE0285}"/>
               </a:ext>
             </a:extLst>
           </p:cNvPr>
@@ -1925,7 +1925,7 @@
           <p:cNvPr id="3" name="Inhaltsplatzhalter 2">
             <a:extLst>
               <a:ext uri="{FF2B5EF4-FFF2-40B4-BE49-F238E27FC236}">
-                <a16:creationId xmlns:a16="http://schemas.microsoft.com/office/drawing/2014/main" xmlns="" id="{38D1AAA1-BE3D-4A43-91C4-A2C3C6173375}"/>
+                <a16:creationId xmlns="" xmlns:a16="http://schemas.microsoft.com/office/drawing/2014/main" id="{38D1AAA1-BE3D-4A43-91C4-A2C3C6173375}"/>
               </a:ext>
             </a:extLst>
           </p:cNvPr>
@@ -1982,7 +1982,7 @@
           <p:cNvPr id="4" name="Datumsplatzhalter 3">
             <a:extLst>
               <a:ext uri="{FF2B5EF4-FFF2-40B4-BE49-F238E27FC236}">
-                <a16:creationId xmlns:a16="http://schemas.microsoft.com/office/drawing/2014/main" xmlns="" id="{48884C8B-06F5-44CC-B1D1-2A02463EC226}"/>
+                <a16:creationId xmlns="" xmlns:a16="http://schemas.microsoft.com/office/drawing/2014/main" id="{48884C8B-06F5-44CC-B1D1-2A02463EC226}"/>
               </a:ext>
             </a:extLst>
           </p:cNvPr>
@@ -2000,7 +2000,7 @@
           <a:p>
             <a:fld id="{C0D11AC0-B5D5-4B5F-9ECB-B7E6CF8984ED}" type="datetime1">
               <a:rPr lang="de-DE" smtClean="0"/>
-              <a:t>13.04.2020</a:t>
+              <a:t>14.04.2020</a:t>
             </a:fld>
             <a:endParaRPr lang="de-DE"/>
           </a:p>
@@ -2011,7 +2011,7 @@
           <p:cNvPr id="5" name="Fußzeilenplatzhalter 4">
             <a:extLst>
               <a:ext uri="{FF2B5EF4-FFF2-40B4-BE49-F238E27FC236}">
-                <a16:creationId xmlns:a16="http://schemas.microsoft.com/office/drawing/2014/main" xmlns="" id="{2EE480CA-0EC1-4AF7-9F30-F143FE83D99B}"/>
+                <a16:creationId xmlns="" xmlns:a16="http://schemas.microsoft.com/office/drawing/2014/main" id="{2EE480CA-0EC1-4AF7-9F30-F143FE83D99B}"/>
               </a:ext>
             </a:extLst>
           </p:cNvPr>
@@ -2044,7 +2044,7 @@
           <p:cNvPr id="6" name="Foliennummernplatzhalter 5">
             <a:extLst>
               <a:ext uri="{FF2B5EF4-FFF2-40B4-BE49-F238E27FC236}">
-                <a16:creationId xmlns:a16="http://schemas.microsoft.com/office/drawing/2014/main" xmlns="" id="{13337EC3-94DD-4B09-A484-F0141C1CB8B0}"/>
+                <a16:creationId xmlns="" xmlns:a16="http://schemas.microsoft.com/office/drawing/2014/main" id="{13337EC3-94DD-4B09-A484-F0141C1CB8B0}"/>
               </a:ext>
             </a:extLst>
           </p:cNvPr>
@@ -2111,7 +2111,7 @@
           <p:cNvPr id="2" name="Titel 1">
             <a:extLst>
               <a:ext uri="{FF2B5EF4-FFF2-40B4-BE49-F238E27FC236}">
-                <a16:creationId xmlns:a16="http://schemas.microsoft.com/office/drawing/2014/main" xmlns="" id="{CBDD584A-A976-4556-9716-DA9197EACC6F}"/>
+                <a16:creationId xmlns="" xmlns:a16="http://schemas.microsoft.com/office/drawing/2014/main" id="{CBDD584A-A976-4556-9716-DA9197EACC6F}"/>
               </a:ext>
             </a:extLst>
           </p:cNvPr>
@@ -2148,7 +2148,7 @@
           <p:cNvPr id="3" name="Textplatzhalter 2">
             <a:extLst>
               <a:ext uri="{FF2B5EF4-FFF2-40B4-BE49-F238E27FC236}">
-                <a16:creationId xmlns:a16="http://schemas.microsoft.com/office/drawing/2014/main" xmlns="" id="{C713F004-8C3B-4899-9F30-C6CC20E50B36}"/>
+                <a16:creationId xmlns="" xmlns:a16="http://schemas.microsoft.com/office/drawing/2014/main" id="{C713F004-8C3B-4899-9F30-C6CC20E50B36}"/>
               </a:ext>
             </a:extLst>
           </p:cNvPr>
@@ -2273,7 +2273,7 @@
           <p:cNvPr id="4" name="Datumsplatzhalter 3">
             <a:extLst>
               <a:ext uri="{FF2B5EF4-FFF2-40B4-BE49-F238E27FC236}">
-                <a16:creationId xmlns:a16="http://schemas.microsoft.com/office/drawing/2014/main" xmlns="" id="{B300BECA-2226-430E-B31A-3A70D7FB0DD4}"/>
+                <a16:creationId xmlns="" xmlns:a16="http://schemas.microsoft.com/office/drawing/2014/main" id="{B300BECA-2226-430E-B31A-3A70D7FB0DD4}"/>
               </a:ext>
             </a:extLst>
           </p:cNvPr>
@@ -2291,7 +2291,7 @@
           <a:p>
             <a:fld id="{0123EED1-A1E1-4DB9-BAD8-427B5E5A78DA}" type="datetime1">
               <a:rPr lang="de-DE" smtClean="0"/>
-              <a:t>13.04.2020</a:t>
+              <a:t>14.04.2020</a:t>
             </a:fld>
             <a:endParaRPr lang="de-DE"/>
           </a:p>
@@ -2302,7 +2302,7 @@
           <p:cNvPr id="5" name="Fußzeilenplatzhalter 4">
             <a:extLst>
               <a:ext uri="{FF2B5EF4-FFF2-40B4-BE49-F238E27FC236}">
-                <a16:creationId xmlns:a16="http://schemas.microsoft.com/office/drawing/2014/main" xmlns="" id="{9D2C0B24-C4C7-4E3E-A30D-AD2B22A8CAC5}"/>
+                <a16:creationId xmlns="" xmlns:a16="http://schemas.microsoft.com/office/drawing/2014/main" id="{9D2C0B24-C4C7-4E3E-A30D-AD2B22A8CAC5}"/>
               </a:ext>
             </a:extLst>
           </p:cNvPr>
@@ -2335,7 +2335,7 @@
           <p:cNvPr id="6" name="Foliennummernplatzhalter 5">
             <a:extLst>
               <a:ext uri="{FF2B5EF4-FFF2-40B4-BE49-F238E27FC236}">
-                <a16:creationId xmlns:a16="http://schemas.microsoft.com/office/drawing/2014/main" xmlns="" id="{15EF3485-89F1-47E8-AB99-914FE8775138}"/>
+                <a16:creationId xmlns="" xmlns:a16="http://schemas.microsoft.com/office/drawing/2014/main" id="{15EF3485-89F1-47E8-AB99-914FE8775138}"/>
               </a:ext>
             </a:extLst>
           </p:cNvPr>
@@ -2402,7 +2402,7 @@
           <p:cNvPr id="2" name="Titel 1">
             <a:extLst>
               <a:ext uri="{FF2B5EF4-FFF2-40B4-BE49-F238E27FC236}">
-                <a16:creationId xmlns:a16="http://schemas.microsoft.com/office/drawing/2014/main" xmlns="" id="{6B45D284-4E4F-4976-80EC-400821F99BCF}"/>
+                <a16:creationId xmlns="" xmlns:a16="http://schemas.microsoft.com/office/drawing/2014/main" id="{6B45D284-4E4F-4976-80EC-400821F99BCF}"/>
               </a:ext>
             </a:extLst>
           </p:cNvPr>
@@ -2430,7 +2430,7 @@
           <p:cNvPr id="3" name="Inhaltsplatzhalter 2">
             <a:extLst>
               <a:ext uri="{FF2B5EF4-FFF2-40B4-BE49-F238E27FC236}">
-                <a16:creationId xmlns:a16="http://schemas.microsoft.com/office/drawing/2014/main" xmlns="" id="{61C980E4-B51F-4860-A848-EB6955BA36AF}"/>
+                <a16:creationId xmlns="" xmlns:a16="http://schemas.microsoft.com/office/drawing/2014/main" id="{61C980E4-B51F-4860-A848-EB6955BA36AF}"/>
               </a:ext>
             </a:extLst>
           </p:cNvPr>
@@ -2492,7 +2492,7 @@
           <p:cNvPr id="4" name="Inhaltsplatzhalter 3">
             <a:extLst>
               <a:ext uri="{FF2B5EF4-FFF2-40B4-BE49-F238E27FC236}">
-                <a16:creationId xmlns:a16="http://schemas.microsoft.com/office/drawing/2014/main" xmlns="" id="{8D7C296F-6044-4CF6-BBE5-CEA4560EEEB9}"/>
+                <a16:creationId xmlns="" xmlns:a16="http://schemas.microsoft.com/office/drawing/2014/main" id="{8D7C296F-6044-4CF6-BBE5-CEA4560EEEB9}"/>
               </a:ext>
             </a:extLst>
           </p:cNvPr>
@@ -2554,7 +2554,7 @@
           <p:cNvPr id="5" name="Datumsplatzhalter 4">
             <a:extLst>
               <a:ext uri="{FF2B5EF4-FFF2-40B4-BE49-F238E27FC236}">
-                <a16:creationId xmlns:a16="http://schemas.microsoft.com/office/drawing/2014/main" xmlns="" id="{F87A09FB-245D-407E-94D1-C81BBB221DC2}"/>
+                <a16:creationId xmlns="" xmlns:a16="http://schemas.microsoft.com/office/drawing/2014/main" id="{F87A09FB-245D-407E-94D1-C81BBB221DC2}"/>
               </a:ext>
             </a:extLst>
           </p:cNvPr>
@@ -2572,7 +2572,7 @@
           <a:p>
             <a:fld id="{C0292DAF-4A36-4066-A6DB-535EF8475358}" type="datetime1">
               <a:rPr lang="de-DE" smtClean="0"/>
-              <a:t>13.04.2020</a:t>
+              <a:t>14.04.2020</a:t>
             </a:fld>
             <a:endParaRPr lang="de-DE"/>
           </a:p>
@@ -2583,7 +2583,7 @@
           <p:cNvPr id="6" name="Fußzeilenplatzhalter 5">
             <a:extLst>
               <a:ext uri="{FF2B5EF4-FFF2-40B4-BE49-F238E27FC236}">
-                <a16:creationId xmlns:a16="http://schemas.microsoft.com/office/drawing/2014/main" xmlns="" id="{7713AD3F-FB16-4761-97DD-7D2895FBAF79}"/>
+                <a16:creationId xmlns="" xmlns:a16="http://schemas.microsoft.com/office/drawing/2014/main" id="{7713AD3F-FB16-4761-97DD-7D2895FBAF79}"/>
               </a:ext>
             </a:extLst>
           </p:cNvPr>
@@ -2616,7 +2616,7 @@
           <p:cNvPr id="7" name="Foliennummernplatzhalter 6">
             <a:extLst>
               <a:ext uri="{FF2B5EF4-FFF2-40B4-BE49-F238E27FC236}">
-                <a16:creationId xmlns:a16="http://schemas.microsoft.com/office/drawing/2014/main" xmlns="" id="{E08B0646-8FC5-4829-A454-55B654DBA3C4}"/>
+                <a16:creationId xmlns="" xmlns:a16="http://schemas.microsoft.com/office/drawing/2014/main" id="{E08B0646-8FC5-4829-A454-55B654DBA3C4}"/>
               </a:ext>
             </a:extLst>
           </p:cNvPr>
@@ -2683,7 +2683,7 @@
           <p:cNvPr id="2" name="Titel 1">
             <a:extLst>
               <a:ext uri="{FF2B5EF4-FFF2-40B4-BE49-F238E27FC236}">
-                <a16:creationId xmlns:a16="http://schemas.microsoft.com/office/drawing/2014/main" xmlns="" id="{87FFCFA6-D29A-4DD6-8A93-5742D6DB0521}"/>
+                <a16:creationId xmlns="" xmlns:a16="http://schemas.microsoft.com/office/drawing/2014/main" id="{87FFCFA6-D29A-4DD6-8A93-5742D6DB0521}"/>
               </a:ext>
             </a:extLst>
           </p:cNvPr>
@@ -2716,7 +2716,7 @@
           <p:cNvPr id="3" name="Textplatzhalter 2">
             <a:extLst>
               <a:ext uri="{FF2B5EF4-FFF2-40B4-BE49-F238E27FC236}">
-                <a16:creationId xmlns:a16="http://schemas.microsoft.com/office/drawing/2014/main" xmlns="" id="{52A062D5-F9A3-40F3-940E-784410DB79B5}"/>
+                <a16:creationId xmlns="" xmlns:a16="http://schemas.microsoft.com/office/drawing/2014/main" id="{52A062D5-F9A3-40F3-940E-784410DB79B5}"/>
               </a:ext>
             </a:extLst>
           </p:cNvPr>
@@ -2787,7 +2787,7 @@
           <p:cNvPr id="4" name="Inhaltsplatzhalter 3">
             <a:extLst>
               <a:ext uri="{FF2B5EF4-FFF2-40B4-BE49-F238E27FC236}">
-                <a16:creationId xmlns:a16="http://schemas.microsoft.com/office/drawing/2014/main" xmlns="" id="{0F2C725F-CDA6-419C-9990-237B92011EB3}"/>
+                <a16:creationId xmlns="" xmlns:a16="http://schemas.microsoft.com/office/drawing/2014/main" id="{0F2C725F-CDA6-419C-9990-237B92011EB3}"/>
               </a:ext>
             </a:extLst>
           </p:cNvPr>
@@ -2849,7 +2849,7 @@
           <p:cNvPr id="5" name="Textplatzhalter 4">
             <a:extLst>
               <a:ext uri="{FF2B5EF4-FFF2-40B4-BE49-F238E27FC236}">
-                <a16:creationId xmlns:a16="http://schemas.microsoft.com/office/drawing/2014/main" xmlns="" id="{57D0AB86-7ACC-4F81-BA1E-EABC81375E4C}"/>
+                <a16:creationId xmlns="" xmlns:a16="http://schemas.microsoft.com/office/drawing/2014/main" id="{57D0AB86-7ACC-4F81-BA1E-EABC81375E4C}"/>
               </a:ext>
             </a:extLst>
           </p:cNvPr>
@@ -2920,7 +2920,7 @@
           <p:cNvPr id="6" name="Inhaltsplatzhalter 5">
             <a:extLst>
               <a:ext uri="{FF2B5EF4-FFF2-40B4-BE49-F238E27FC236}">
-                <a16:creationId xmlns:a16="http://schemas.microsoft.com/office/drawing/2014/main" xmlns="" id="{1A5FCBEC-2F64-4023-881F-8C2D77F12391}"/>
+                <a16:creationId xmlns="" xmlns:a16="http://schemas.microsoft.com/office/drawing/2014/main" id="{1A5FCBEC-2F64-4023-881F-8C2D77F12391}"/>
               </a:ext>
             </a:extLst>
           </p:cNvPr>
@@ -2982,7 +2982,7 @@
           <p:cNvPr id="7" name="Datumsplatzhalter 6">
             <a:extLst>
               <a:ext uri="{FF2B5EF4-FFF2-40B4-BE49-F238E27FC236}">
-                <a16:creationId xmlns:a16="http://schemas.microsoft.com/office/drawing/2014/main" xmlns="" id="{1B579458-8146-4585-8116-8815B1984C10}"/>
+                <a16:creationId xmlns="" xmlns:a16="http://schemas.microsoft.com/office/drawing/2014/main" id="{1B579458-8146-4585-8116-8815B1984C10}"/>
               </a:ext>
             </a:extLst>
           </p:cNvPr>
@@ -3000,7 +3000,7 @@
           <a:p>
             <a:fld id="{082539BE-CECA-45E4-BBE9-22C1404E74AB}" type="datetime1">
               <a:rPr lang="de-DE" smtClean="0"/>
-              <a:t>13.04.2020</a:t>
+              <a:t>14.04.2020</a:t>
             </a:fld>
             <a:endParaRPr lang="de-DE"/>
           </a:p>
@@ -3011,7 +3011,7 @@
           <p:cNvPr id="8" name="Fußzeilenplatzhalter 7">
             <a:extLst>
               <a:ext uri="{FF2B5EF4-FFF2-40B4-BE49-F238E27FC236}">
-                <a16:creationId xmlns:a16="http://schemas.microsoft.com/office/drawing/2014/main" xmlns="" id="{B8FE971A-3252-4BEE-AE2A-ED9DD64D786C}"/>
+                <a16:creationId xmlns="" xmlns:a16="http://schemas.microsoft.com/office/drawing/2014/main" id="{B8FE971A-3252-4BEE-AE2A-ED9DD64D786C}"/>
               </a:ext>
             </a:extLst>
           </p:cNvPr>
@@ -3044,7 +3044,7 @@
           <p:cNvPr id="9" name="Foliennummernplatzhalter 8">
             <a:extLst>
               <a:ext uri="{FF2B5EF4-FFF2-40B4-BE49-F238E27FC236}">
-                <a16:creationId xmlns:a16="http://schemas.microsoft.com/office/drawing/2014/main" xmlns="" id="{224F811E-098E-42CD-BF79-561DBDB14DE9}"/>
+                <a16:creationId xmlns="" xmlns:a16="http://schemas.microsoft.com/office/drawing/2014/main" id="{224F811E-098E-42CD-BF79-561DBDB14DE9}"/>
               </a:ext>
             </a:extLst>
           </p:cNvPr>
@@ -3111,7 +3111,7 @@
           <p:cNvPr id="2" name="Titel 1">
             <a:extLst>
               <a:ext uri="{FF2B5EF4-FFF2-40B4-BE49-F238E27FC236}">
-                <a16:creationId xmlns:a16="http://schemas.microsoft.com/office/drawing/2014/main" xmlns="" id="{466DE76C-FB01-463F-B2AD-A897695D3F41}"/>
+                <a16:creationId xmlns="" xmlns:a16="http://schemas.microsoft.com/office/drawing/2014/main" id="{466DE76C-FB01-463F-B2AD-A897695D3F41}"/>
               </a:ext>
             </a:extLst>
           </p:cNvPr>
@@ -3139,7 +3139,7 @@
           <p:cNvPr id="3" name="Datumsplatzhalter 2">
             <a:extLst>
               <a:ext uri="{FF2B5EF4-FFF2-40B4-BE49-F238E27FC236}">
-                <a16:creationId xmlns:a16="http://schemas.microsoft.com/office/drawing/2014/main" xmlns="" id="{6F7936C0-FCFE-4A57-9E63-31F514892227}"/>
+                <a16:creationId xmlns="" xmlns:a16="http://schemas.microsoft.com/office/drawing/2014/main" id="{6F7936C0-FCFE-4A57-9E63-31F514892227}"/>
               </a:ext>
             </a:extLst>
           </p:cNvPr>
@@ -3157,7 +3157,7 @@
           <a:p>
             <a:fld id="{7AFFB96A-BCEB-45BA-8370-8CD7A48406BE}" type="datetime1">
               <a:rPr lang="de-DE" smtClean="0"/>
-              <a:t>13.04.2020</a:t>
+              <a:t>14.04.2020</a:t>
             </a:fld>
             <a:endParaRPr lang="de-DE"/>
           </a:p>
@@ -3168,7 +3168,7 @@
           <p:cNvPr id="4" name="Fußzeilenplatzhalter 3">
             <a:extLst>
               <a:ext uri="{FF2B5EF4-FFF2-40B4-BE49-F238E27FC236}">
-                <a16:creationId xmlns:a16="http://schemas.microsoft.com/office/drawing/2014/main" xmlns="" id="{BF4C0BEA-1F74-43B8-B16A-0B93A98AF74A}"/>
+                <a16:creationId xmlns="" xmlns:a16="http://schemas.microsoft.com/office/drawing/2014/main" id="{BF4C0BEA-1F74-43B8-B16A-0B93A98AF74A}"/>
               </a:ext>
             </a:extLst>
           </p:cNvPr>
@@ -3196,7 +3196,7 @@
           <p:cNvPr id="5" name="Foliennummernplatzhalter 4">
             <a:extLst>
               <a:ext uri="{FF2B5EF4-FFF2-40B4-BE49-F238E27FC236}">
-                <a16:creationId xmlns:a16="http://schemas.microsoft.com/office/drawing/2014/main" xmlns="" id="{FDC612F2-A418-4792-A4B4-C0ABBAAB10A0}"/>
+                <a16:creationId xmlns="" xmlns:a16="http://schemas.microsoft.com/office/drawing/2014/main" id="{FDC612F2-A418-4792-A4B4-C0ABBAAB10A0}"/>
               </a:ext>
             </a:extLst>
           </p:cNvPr>
@@ -3263,7 +3263,7 @@
           <p:cNvPr id="2" name="Datumsplatzhalter 1">
             <a:extLst>
               <a:ext uri="{FF2B5EF4-FFF2-40B4-BE49-F238E27FC236}">
-                <a16:creationId xmlns:a16="http://schemas.microsoft.com/office/drawing/2014/main" xmlns="" id="{F1A16BA6-C843-4946-87C4-F009F9659E53}"/>
+                <a16:creationId xmlns="" xmlns:a16="http://schemas.microsoft.com/office/drawing/2014/main" id="{F1A16BA6-C843-4946-87C4-F009F9659E53}"/>
               </a:ext>
             </a:extLst>
           </p:cNvPr>
@@ -3281,7 +3281,7 @@
           <a:p>
             <a:fld id="{DE3AD3D5-E4EA-4F9D-AD7B-23F76A457472}" type="datetime1">
               <a:rPr lang="de-DE" smtClean="0"/>
-              <a:t>13.04.2020</a:t>
+              <a:t>14.04.2020</a:t>
             </a:fld>
             <a:endParaRPr lang="de-DE"/>
           </a:p>
@@ -3292,7 +3292,7 @@
           <p:cNvPr id="3" name="Fußzeilenplatzhalter 2">
             <a:extLst>
               <a:ext uri="{FF2B5EF4-FFF2-40B4-BE49-F238E27FC236}">
-                <a16:creationId xmlns:a16="http://schemas.microsoft.com/office/drawing/2014/main" xmlns="" id="{74AD0BED-584B-4312-BC56-F22A5A97A8EA}"/>
+                <a16:creationId xmlns="" xmlns:a16="http://schemas.microsoft.com/office/drawing/2014/main" id="{74AD0BED-584B-4312-BC56-F22A5A97A8EA}"/>
               </a:ext>
             </a:extLst>
           </p:cNvPr>
@@ -3325,7 +3325,7 @@
           <p:cNvPr id="4" name="Foliennummernplatzhalter 3">
             <a:extLst>
               <a:ext uri="{FF2B5EF4-FFF2-40B4-BE49-F238E27FC236}">
-                <a16:creationId xmlns:a16="http://schemas.microsoft.com/office/drawing/2014/main" xmlns="" id="{ECAC19A7-F328-409E-92C0-6618959AF8AB}"/>
+                <a16:creationId xmlns="" xmlns:a16="http://schemas.microsoft.com/office/drawing/2014/main" id="{ECAC19A7-F328-409E-92C0-6618959AF8AB}"/>
               </a:ext>
             </a:extLst>
           </p:cNvPr>
@@ -3392,7 +3392,7 @@
           <p:cNvPr id="2" name="Titel 1">
             <a:extLst>
               <a:ext uri="{FF2B5EF4-FFF2-40B4-BE49-F238E27FC236}">
-                <a16:creationId xmlns:a16="http://schemas.microsoft.com/office/drawing/2014/main" xmlns="" id="{36B5D893-6A5A-4F5D-9559-23E40882374B}"/>
+                <a16:creationId xmlns="" xmlns:a16="http://schemas.microsoft.com/office/drawing/2014/main" id="{36B5D893-6A5A-4F5D-9559-23E40882374B}"/>
               </a:ext>
             </a:extLst>
           </p:cNvPr>
@@ -3429,7 +3429,7 @@
           <p:cNvPr id="3" name="Inhaltsplatzhalter 2">
             <a:extLst>
               <a:ext uri="{FF2B5EF4-FFF2-40B4-BE49-F238E27FC236}">
-                <a16:creationId xmlns:a16="http://schemas.microsoft.com/office/drawing/2014/main" xmlns="" id="{46211E4B-EF89-4D03-A97A-6EB546C0498D}"/>
+                <a16:creationId xmlns="" xmlns:a16="http://schemas.microsoft.com/office/drawing/2014/main" id="{46211E4B-EF89-4D03-A97A-6EB546C0498D}"/>
               </a:ext>
             </a:extLst>
           </p:cNvPr>
@@ -3519,7 +3519,7 @@
           <p:cNvPr id="4" name="Textplatzhalter 3">
             <a:extLst>
               <a:ext uri="{FF2B5EF4-FFF2-40B4-BE49-F238E27FC236}">
-                <a16:creationId xmlns:a16="http://schemas.microsoft.com/office/drawing/2014/main" xmlns="" id="{D4BEF54F-E067-4073-A803-29399235D78F}"/>
+                <a16:creationId xmlns="" xmlns:a16="http://schemas.microsoft.com/office/drawing/2014/main" id="{D4BEF54F-E067-4073-A803-29399235D78F}"/>
               </a:ext>
             </a:extLst>
           </p:cNvPr>
@@ -3590,7 +3590,7 @@
           <p:cNvPr id="5" name="Datumsplatzhalter 4">
             <a:extLst>
               <a:ext uri="{FF2B5EF4-FFF2-40B4-BE49-F238E27FC236}">
-                <a16:creationId xmlns:a16="http://schemas.microsoft.com/office/drawing/2014/main" xmlns="" id="{FF25F891-DBFE-4A5B-99B6-66F48C54174B}"/>
+                <a16:creationId xmlns="" xmlns:a16="http://schemas.microsoft.com/office/drawing/2014/main" id="{FF25F891-DBFE-4A5B-99B6-66F48C54174B}"/>
               </a:ext>
             </a:extLst>
           </p:cNvPr>
@@ -3608,7 +3608,7 @@
           <a:p>
             <a:fld id="{85B45B05-9F08-4563-869B-61599241AF1E}" type="datetime1">
               <a:rPr lang="de-DE" smtClean="0"/>
-              <a:t>13.04.2020</a:t>
+              <a:t>14.04.2020</a:t>
             </a:fld>
             <a:endParaRPr lang="de-DE"/>
           </a:p>
@@ -3619,7 +3619,7 @@
           <p:cNvPr id="6" name="Fußzeilenplatzhalter 5">
             <a:extLst>
               <a:ext uri="{FF2B5EF4-FFF2-40B4-BE49-F238E27FC236}">
-                <a16:creationId xmlns:a16="http://schemas.microsoft.com/office/drawing/2014/main" xmlns="" id="{C508CE39-F26E-4C31-84CD-D89EC83686D4}"/>
+                <a16:creationId xmlns="" xmlns:a16="http://schemas.microsoft.com/office/drawing/2014/main" id="{C508CE39-F26E-4C31-84CD-D89EC83686D4}"/>
               </a:ext>
             </a:extLst>
           </p:cNvPr>
@@ -3652,7 +3652,7 @@
           <p:cNvPr id="7" name="Foliennummernplatzhalter 6">
             <a:extLst>
               <a:ext uri="{FF2B5EF4-FFF2-40B4-BE49-F238E27FC236}">
-                <a16:creationId xmlns:a16="http://schemas.microsoft.com/office/drawing/2014/main" xmlns="" id="{5E1B48FE-614D-4BF1-8C39-73558F055C10}"/>
+                <a16:creationId xmlns="" xmlns:a16="http://schemas.microsoft.com/office/drawing/2014/main" id="{5E1B48FE-614D-4BF1-8C39-73558F055C10}"/>
               </a:ext>
             </a:extLst>
           </p:cNvPr>
@@ -3719,7 +3719,7 @@
           <p:cNvPr id="2" name="Titel 1">
             <a:extLst>
               <a:ext uri="{FF2B5EF4-FFF2-40B4-BE49-F238E27FC236}">
-                <a16:creationId xmlns:a16="http://schemas.microsoft.com/office/drawing/2014/main" xmlns="" id="{F9563009-E30B-45AC-BDD7-44EA72F78222}"/>
+                <a16:creationId xmlns="" xmlns:a16="http://schemas.microsoft.com/office/drawing/2014/main" id="{F9563009-E30B-45AC-BDD7-44EA72F78222}"/>
               </a:ext>
             </a:extLst>
           </p:cNvPr>
@@ -3756,7 +3756,7 @@
           <p:cNvPr id="3" name="Bildplatzhalter 2">
             <a:extLst>
               <a:ext uri="{FF2B5EF4-FFF2-40B4-BE49-F238E27FC236}">
-                <a16:creationId xmlns:a16="http://schemas.microsoft.com/office/drawing/2014/main" xmlns="" id="{11F2FF9F-8E72-4929-BF76-ED1330B5F674}"/>
+                <a16:creationId xmlns="" xmlns:a16="http://schemas.microsoft.com/office/drawing/2014/main" id="{11F2FF9F-8E72-4929-BF76-ED1330B5F674}"/>
               </a:ext>
             </a:extLst>
           </p:cNvPr>
@@ -3823,7 +3823,7 @@
           <p:cNvPr id="4" name="Textplatzhalter 3">
             <a:extLst>
               <a:ext uri="{FF2B5EF4-FFF2-40B4-BE49-F238E27FC236}">
-                <a16:creationId xmlns:a16="http://schemas.microsoft.com/office/drawing/2014/main" xmlns="" id="{4A21AA90-B6A3-4F03-A71E-8D4EFEBB4E8A}"/>
+                <a16:creationId xmlns="" xmlns:a16="http://schemas.microsoft.com/office/drawing/2014/main" id="{4A21AA90-B6A3-4F03-A71E-8D4EFEBB4E8A}"/>
               </a:ext>
             </a:extLst>
           </p:cNvPr>
@@ -3894,7 +3894,7 @@
           <p:cNvPr id="5" name="Datumsplatzhalter 4">
             <a:extLst>
               <a:ext uri="{FF2B5EF4-FFF2-40B4-BE49-F238E27FC236}">
-                <a16:creationId xmlns:a16="http://schemas.microsoft.com/office/drawing/2014/main" xmlns="" id="{B9A970BA-F10E-430D-9B5F-218F0B6AAD68}"/>
+                <a16:creationId xmlns="" xmlns:a16="http://schemas.microsoft.com/office/drawing/2014/main" id="{B9A970BA-F10E-430D-9B5F-218F0B6AAD68}"/>
               </a:ext>
             </a:extLst>
           </p:cNvPr>
@@ -3912,7 +3912,7 @@
           <a:p>
             <a:fld id="{D652A3BE-F7B5-4A63-8062-DDAA4613127D}" type="datetime1">
               <a:rPr lang="de-DE" smtClean="0"/>
-              <a:t>13.04.2020</a:t>
+              <a:t>14.04.2020</a:t>
             </a:fld>
             <a:endParaRPr lang="de-DE"/>
           </a:p>
@@ -3923,7 +3923,7 @@
           <p:cNvPr id="6" name="Fußzeilenplatzhalter 5">
             <a:extLst>
               <a:ext uri="{FF2B5EF4-FFF2-40B4-BE49-F238E27FC236}">
-                <a16:creationId xmlns:a16="http://schemas.microsoft.com/office/drawing/2014/main" xmlns="" id="{A141BF1C-61CE-44FF-8ABE-F08D6373AD97}"/>
+                <a16:creationId xmlns="" xmlns:a16="http://schemas.microsoft.com/office/drawing/2014/main" id="{A141BF1C-61CE-44FF-8ABE-F08D6373AD97}"/>
               </a:ext>
             </a:extLst>
           </p:cNvPr>
@@ -3956,7 +3956,7 @@
           <p:cNvPr id="7" name="Foliennummernplatzhalter 6">
             <a:extLst>
               <a:ext uri="{FF2B5EF4-FFF2-40B4-BE49-F238E27FC236}">
-                <a16:creationId xmlns:a16="http://schemas.microsoft.com/office/drawing/2014/main" xmlns="" id="{E76983E8-6FBA-42E6-85DE-B77806E23CA0}"/>
+                <a16:creationId xmlns="" xmlns:a16="http://schemas.microsoft.com/office/drawing/2014/main" id="{E76983E8-6FBA-42E6-85DE-B77806E23CA0}"/>
               </a:ext>
             </a:extLst>
           </p:cNvPr>
@@ -4028,7 +4028,7 @@
           <p:cNvPr id="2" name="Titelplatzhalter 1">
             <a:extLst>
               <a:ext uri="{FF2B5EF4-FFF2-40B4-BE49-F238E27FC236}">
-                <a16:creationId xmlns:a16="http://schemas.microsoft.com/office/drawing/2014/main" xmlns="" id="{F1B54F3D-85D6-4E2A-A184-2AD8788616C7}"/>
+                <a16:creationId xmlns="" xmlns:a16="http://schemas.microsoft.com/office/drawing/2014/main" id="{F1B54F3D-85D6-4E2A-A184-2AD8788616C7}"/>
               </a:ext>
             </a:extLst>
           </p:cNvPr>
@@ -4066,7 +4066,7 @@
           <p:cNvPr id="3" name="Textplatzhalter 2">
             <a:extLst>
               <a:ext uri="{FF2B5EF4-FFF2-40B4-BE49-F238E27FC236}">
-                <a16:creationId xmlns:a16="http://schemas.microsoft.com/office/drawing/2014/main" xmlns="" id="{62C62B55-DAE8-4571-9836-D8A9517A6717}"/>
+                <a16:creationId xmlns="" xmlns:a16="http://schemas.microsoft.com/office/drawing/2014/main" id="{62C62B55-DAE8-4571-9836-D8A9517A6717}"/>
               </a:ext>
             </a:extLst>
           </p:cNvPr>
@@ -4133,7 +4133,7 @@
           <p:cNvPr id="4" name="Datumsplatzhalter 3">
             <a:extLst>
               <a:ext uri="{FF2B5EF4-FFF2-40B4-BE49-F238E27FC236}">
-                <a16:creationId xmlns:a16="http://schemas.microsoft.com/office/drawing/2014/main" xmlns="" id="{202396F9-D19B-4197-A727-060829339B6B}"/>
+                <a16:creationId xmlns="" xmlns:a16="http://schemas.microsoft.com/office/drawing/2014/main" id="{202396F9-D19B-4197-A727-060829339B6B}"/>
               </a:ext>
             </a:extLst>
           </p:cNvPr>
@@ -4169,7 +4169,7 @@
           <a:p>
             <a:fld id="{021D039D-3FEB-4CB2-8AA5-58331A7224C8}" type="datetime1">
               <a:rPr lang="de-DE" smtClean="0"/>
-              <a:t>13.04.2020</a:t>
+              <a:t>14.04.2020</a:t>
             </a:fld>
             <a:endParaRPr lang="de-DE" dirty="0"/>
           </a:p>
@@ -4180,7 +4180,7 @@
           <p:cNvPr id="5" name="Fußzeilenplatzhalter 4">
             <a:extLst>
               <a:ext uri="{FF2B5EF4-FFF2-40B4-BE49-F238E27FC236}">
-                <a16:creationId xmlns:a16="http://schemas.microsoft.com/office/drawing/2014/main" xmlns="" id="{B1EA6A1B-5C13-45F1-9B85-4169FD91138A}"/>
+                <a16:creationId xmlns="" xmlns:a16="http://schemas.microsoft.com/office/drawing/2014/main" id="{B1EA6A1B-5C13-45F1-9B85-4169FD91138A}"/>
               </a:ext>
             </a:extLst>
           </p:cNvPr>
@@ -4231,7 +4231,7 @@
           <p:cNvPr id="7" name="Grafik 6">
             <a:extLst>
               <a:ext uri="{FF2B5EF4-FFF2-40B4-BE49-F238E27FC236}">
-                <a16:creationId xmlns:a16="http://schemas.microsoft.com/office/drawing/2014/main" xmlns="" id="{C59B35B2-0CE6-4FF9-984D-F5719598069C}"/>
+                <a16:creationId xmlns="" xmlns:a16="http://schemas.microsoft.com/office/drawing/2014/main" id="{C59B35B2-0CE6-4FF9-984D-F5719598069C}"/>
               </a:ext>
             </a:extLst>
           </p:cNvPr>
@@ -4267,7 +4267,7 @@
           <p:cNvPr id="8" name="Foliennummernplatzhalter 7">
             <a:extLst>
               <a:ext uri="{FF2B5EF4-FFF2-40B4-BE49-F238E27FC236}">
-                <a16:creationId xmlns:a16="http://schemas.microsoft.com/office/drawing/2014/main" xmlns="" id="{8B9E18AC-CAF1-4471-BF04-547435D80DDB}"/>
+                <a16:creationId xmlns="" xmlns:a16="http://schemas.microsoft.com/office/drawing/2014/main" id="{8B9E18AC-CAF1-4471-BF04-547435D80DDB}"/>
               </a:ext>
             </a:extLst>
           </p:cNvPr>
@@ -4636,7 +4636,7 @@
           <p:cNvPr id="2" name="Titel 1">
             <a:extLst>
               <a:ext uri="{FF2B5EF4-FFF2-40B4-BE49-F238E27FC236}">
-                <a16:creationId xmlns:a16="http://schemas.microsoft.com/office/drawing/2014/main" xmlns="" id="{19B6AC69-F81D-4459-ACD2-8110FA9FCE24}"/>
+                <a16:creationId xmlns="" xmlns:a16="http://schemas.microsoft.com/office/drawing/2014/main" id="{19B6AC69-F81D-4459-ACD2-8110FA9FCE24}"/>
               </a:ext>
             </a:extLst>
           </p:cNvPr>
@@ -4664,7 +4664,7 @@
           <p:cNvPr id="3" name="Untertitel 2">
             <a:extLst>
               <a:ext uri="{FF2B5EF4-FFF2-40B4-BE49-F238E27FC236}">
-                <a16:creationId xmlns:a16="http://schemas.microsoft.com/office/drawing/2014/main" xmlns="" id="{13737FBA-E6BC-4517-8A74-4336C01F7072}"/>
+                <a16:creationId xmlns="" xmlns:a16="http://schemas.microsoft.com/office/drawing/2014/main" id="{13737FBA-E6BC-4517-8A74-4336C01F7072}"/>
               </a:ext>
             </a:extLst>
           </p:cNvPr>
@@ -4807,7 +4807,7 @@
           <a:p>
             <a:fld id="{C0D11AC0-B5D5-4B5F-9ECB-B7E6CF8984ED}" type="datetime1">
               <a:rPr lang="de-DE" smtClean="0"/>
-              <a:t>13.04.2020</a:t>
+              <a:t>14.04.2020</a:t>
             </a:fld>
             <a:endParaRPr lang="de-DE" dirty="0"/>
           </a:p>
@@ -5838,7 +5838,7 @@
           <a:p>
             <a:fld id="{C0D11AC0-B5D5-4B5F-9ECB-B7E6CF8984ED}" type="datetime1">
               <a:rPr lang="de-DE" smtClean="0"/>
-              <a:t>13.04.2020</a:t>
+              <a:t>14.04.2020</a:t>
             </a:fld>
             <a:endParaRPr lang="de-DE"/>
           </a:p>
@@ -5888,7 +5888,7 @@
       </p:sp>
       <p:pic>
         <p:nvPicPr>
-          <p:cNvPr id="7" name="Image 6"/>
+          <p:cNvPr id="8" name="Image 7"/>
           <p:cNvPicPr>
             <a:picLocks noChangeAspect="1"/>
           </p:cNvPicPr>
@@ -5908,8 +5908,8 @@
         </p:blipFill>
         <p:spPr>
           <a:xfrm>
-            <a:off x="2640278" y="2323127"/>
-            <a:ext cx="4851649" cy="4108661"/>
+            <a:off x="3581401" y="2431307"/>
+            <a:ext cx="3794760" cy="3783347"/>
           </a:xfrm>
           <a:prstGeom prst="rect">
             <a:avLst/>

--- a/Web/WebArchitectureDef.pptx
+++ b/Web/WebArchitectureDef.pptx
@@ -1233,7 +1233,7 @@
           <p:cNvPr id="2" name="Titel 1">
             <a:extLst>
               <a:ext uri="{FF2B5EF4-FFF2-40B4-BE49-F238E27FC236}">
-                <a16:creationId xmlns="" xmlns:a16="http://schemas.microsoft.com/office/drawing/2014/main" id="{701EABE2-81DB-4A57-87BD-BAC9B81DA953}"/>
+                <a16:creationId xmlns:a16="http://schemas.microsoft.com/office/drawing/2014/main" xmlns="" id="{701EABE2-81DB-4A57-87BD-BAC9B81DA953}"/>
               </a:ext>
             </a:extLst>
           </p:cNvPr>
@@ -1270,7 +1270,7 @@
           <p:cNvPr id="3" name="Untertitel 2">
             <a:extLst>
               <a:ext uri="{FF2B5EF4-FFF2-40B4-BE49-F238E27FC236}">
-                <a16:creationId xmlns="" xmlns:a16="http://schemas.microsoft.com/office/drawing/2014/main" id="{9E44B19B-9953-4462-B98C-34C559DFD4BA}"/>
+                <a16:creationId xmlns:a16="http://schemas.microsoft.com/office/drawing/2014/main" xmlns="" id="{9E44B19B-9953-4462-B98C-34C559DFD4BA}"/>
               </a:ext>
             </a:extLst>
           </p:cNvPr>
@@ -1340,7 +1340,7 @@
           <p:cNvPr id="4" name="Datumsplatzhalter 3">
             <a:extLst>
               <a:ext uri="{FF2B5EF4-FFF2-40B4-BE49-F238E27FC236}">
-                <a16:creationId xmlns="" xmlns:a16="http://schemas.microsoft.com/office/drawing/2014/main" id="{85282A0B-87AA-4F5C-9252-AB7E74ABF29B}"/>
+                <a16:creationId xmlns:a16="http://schemas.microsoft.com/office/drawing/2014/main" xmlns="" id="{85282A0B-87AA-4F5C-9252-AB7E74ABF29B}"/>
               </a:ext>
             </a:extLst>
           </p:cNvPr>
@@ -1369,7 +1369,7 @@
           <p:cNvPr id="5" name="Fußzeilenplatzhalter 4">
             <a:extLst>
               <a:ext uri="{FF2B5EF4-FFF2-40B4-BE49-F238E27FC236}">
-                <a16:creationId xmlns="" xmlns:a16="http://schemas.microsoft.com/office/drawing/2014/main" id="{CCE46F71-BCF6-41F3-8C17-381DF36140FE}"/>
+                <a16:creationId xmlns:a16="http://schemas.microsoft.com/office/drawing/2014/main" xmlns="" id="{CCE46F71-BCF6-41F3-8C17-381DF36140FE}"/>
               </a:ext>
             </a:extLst>
           </p:cNvPr>
@@ -1402,7 +1402,7 @@
           <p:cNvPr id="6" name="Foliennummernplatzhalter 5">
             <a:extLst>
               <a:ext uri="{FF2B5EF4-FFF2-40B4-BE49-F238E27FC236}">
-                <a16:creationId xmlns="" xmlns:a16="http://schemas.microsoft.com/office/drawing/2014/main" id="{DF41A37E-A33B-4798-9922-3B8B5AE5A27B}"/>
+                <a16:creationId xmlns:a16="http://schemas.microsoft.com/office/drawing/2014/main" xmlns="" id="{DF41A37E-A33B-4798-9922-3B8B5AE5A27B}"/>
               </a:ext>
             </a:extLst>
           </p:cNvPr>
@@ -1469,7 +1469,7 @@
           <p:cNvPr id="2" name="Titel 1">
             <a:extLst>
               <a:ext uri="{FF2B5EF4-FFF2-40B4-BE49-F238E27FC236}">
-                <a16:creationId xmlns="" xmlns:a16="http://schemas.microsoft.com/office/drawing/2014/main" id="{FCE4A30D-3A8C-4B77-B82E-724CCF54EFD5}"/>
+                <a16:creationId xmlns:a16="http://schemas.microsoft.com/office/drawing/2014/main" xmlns="" id="{FCE4A30D-3A8C-4B77-B82E-724CCF54EFD5}"/>
               </a:ext>
             </a:extLst>
           </p:cNvPr>
@@ -1497,7 +1497,7 @@
           <p:cNvPr id="3" name="Vertikaler Textplatzhalter 2">
             <a:extLst>
               <a:ext uri="{FF2B5EF4-FFF2-40B4-BE49-F238E27FC236}">
-                <a16:creationId xmlns="" xmlns:a16="http://schemas.microsoft.com/office/drawing/2014/main" id="{D0312C4C-DD67-420D-AE80-FBF20CAD00FE}"/>
+                <a16:creationId xmlns:a16="http://schemas.microsoft.com/office/drawing/2014/main" xmlns="" id="{D0312C4C-DD67-420D-AE80-FBF20CAD00FE}"/>
               </a:ext>
             </a:extLst>
           </p:cNvPr>
@@ -1554,7 +1554,7 @@
           <p:cNvPr id="4" name="Datumsplatzhalter 3">
             <a:extLst>
               <a:ext uri="{FF2B5EF4-FFF2-40B4-BE49-F238E27FC236}">
-                <a16:creationId xmlns="" xmlns:a16="http://schemas.microsoft.com/office/drawing/2014/main" id="{752D94C2-424D-4096-8FAE-F12A3D4A5C7D}"/>
+                <a16:creationId xmlns:a16="http://schemas.microsoft.com/office/drawing/2014/main" xmlns="" id="{752D94C2-424D-4096-8FAE-F12A3D4A5C7D}"/>
               </a:ext>
             </a:extLst>
           </p:cNvPr>
@@ -1583,7 +1583,7 @@
           <p:cNvPr id="5" name="Fußzeilenplatzhalter 4">
             <a:extLst>
               <a:ext uri="{FF2B5EF4-FFF2-40B4-BE49-F238E27FC236}">
-                <a16:creationId xmlns="" xmlns:a16="http://schemas.microsoft.com/office/drawing/2014/main" id="{02BB29D6-C358-4D1F-90A7-5282C5CF3A2B}"/>
+                <a16:creationId xmlns:a16="http://schemas.microsoft.com/office/drawing/2014/main" xmlns="" id="{02BB29D6-C358-4D1F-90A7-5282C5CF3A2B}"/>
               </a:ext>
             </a:extLst>
           </p:cNvPr>
@@ -1611,7 +1611,7 @@
           <p:cNvPr id="6" name="Foliennummernplatzhalter 5">
             <a:extLst>
               <a:ext uri="{FF2B5EF4-FFF2-40B4-BE49-F238E27FC236}">
-                <a16:creationId xmlns="" xmlns:a16="http://schemas.microsoft.com/office/drawing/2014/main" id="{AE9CFC43-FC34-49A0-9C58-C1BA7EAB4CD1}"/>
+                <a16:creationId xmlns:a16="http://schemas.microsoft.com/office/drawing/2014/main" xmlns="" id="{AE9CFC43-FC34-49A0-9C58-C1BA7EAB4CD1}"/>
               </a:ext>
             </a:extLst>
           </p:cNvPr>
@@ -1678,7 +1678,7 @@
           <p:cNvPr id="2" name="Vertikaler Titel 1">
             <a:extLst>
               <a:ext uri="{FF2B5EF4-FFF2-40B4-BE49-F238E27FC236}">
-                <a16:creationId xmlns="" xmlns:a16="http://schemas.microsoft.com/office/drawing/2014/main" id="{C6AE7126-CFA4-458D-B5F5-AA476ABB117D}"/>
+                <a16:creationId xmlns:a16="http://schemas.microsoft.com/office/drawing/2014/main" xmlns="" id="{C6AE7126-CFA4-458D-B5F5-AA476ABB117D}"/>
               </a:ext>
             </a:extLst>
           </p:cNvPr>
@@ -1711,7 +1711,7 @@
           <p:cNvPr id="3" name="Vertikaler Textplatzhalter 2">
             <a:extLst>
               <a:ext uri="{FF2B5EF4-FFF2-40B4-BE49-F238E27FC236}">
-                <a16:creationId xmlns="" xmlns:a16="http://schemas.microsoft.com/office/drawing/2014/main" id="{E4719945-B69E-4CB7-AF62-A8E248C097C4}"/>
+                <a16:creationId xmlns:a16="http://schemas.microsoft.com/office/drawing/2014/main" xmlns="" id="{E4719945-B69E-4CB7-AF62-A8E248C097C4}"/>
               </a:ext>
             </a:extLst>
           </p:cNvPr>
@@ -1773,7 +1773,7 @@
           <p:cNvPr id="4" name="Datumsplatzhalter 3">
             <a:extLst>
               <a:ext uri="{FF2B5EF4-FFF2-40B4-BE49-F238E27FC236}">
-                <a16:creationId xmlns="" xmlns:a16="http://schemas.microsoft.com/office/drawing/2014/main" id="{194C9456-1825-45D5-AFC8-7437C4E58D48}"/>
+                <a16:creationId xmlns:a16="http://schemas.microsoft.com/office/drawing/2014/main" xmlns="" id="{194C9456-1825-45D5-AFC8-7437C4E58D48}"/>
               </a:ext>
             </a:extLst>
           </p:cNvPr>
@@ -1802,7 +1802,7 @@
           <p:cNvPr id="5" name="Fußzeilenplatzhalter 4">
             <a:extLst>
               <a:ext uri="{FF2B5EF4-FFF2-40B4-BE49-F238E27FC236}">
-                <a16:creationId xmlns="" xmlns:a16="http://schemas.microsoft.com/office/drawing/2014/main" id="{0B1CC9B3-FE3E-4DC0-B71D-312C93D1814D}"/>
+                <a16:creationId xmlns:a16="http://schemas.microsoft.com/office/drawing/2014/main" xmlns="" id="{0B1CC9B3-FE3E-4DC0-B71D-312C93D1814D}"/>
               </a:ext>
             </a:extLst>
           </p:cNvPr>
@@ -1830,7 +1830,7 @@
           <p:cNvPr id="6" name="Foliennummernplatzhalter 5">
             <a:extLst>
               <a:ext uri="{FF2B5EF4-FFF2-40B4-BE49-F238E27FC236}">
-                <a16:creationId xmlns="" xmlns:a16="http://schemas.microsoft.com/office/drawing/2014/main" id="{41E050D8-C164-4E85-94F4-BA2B19D46D58}"/>
+                <a16:creationId xmlns:a16="http://schemas.microsoft.com/office/drawing/2014/main" xmlns="" id="{41E050D8-C164-4E85-94F4-BA2B19D46D58}"/>
               </a:ext>
             </a:extLst>
           </p:cNvPr>
@@ -1897,7 +1897,7 @@
           <p:cNvPr id="2" name="Titel 1">
             <a:extLst>
               <a:ext uri="{FF2B5EF4-FFF2-40B4-BE49-F238E27FC236}">
-                <a16:creationId xmlns="" xmlns:a16="http://schemas.microsoft.com/office/drawing/2014/main" id="{C9100C2D-6625-4AF5-8937-424086BE0285}"/>
+                <a16:creationId xmlns:a16="http://schemas.microsoft.com/office/drawing/2014/main" xmlns="" id="{C9100C2D-6625-4AF5-8937-424086BE0285}"/>
               </a:ext>
             </a:extLst>
           </p:cNvPr>
@@ -1925,7 +1925,7 @@
           <p:cNvPr id="3" name="Inhaltsplatzhalter 2">
             <a:extLst>
               <a:ext uri="{FF2B5EF4-FFF2-40B4-BE49-F238E27FC236}">
-                <a16:creationId xmlns="" xmlns:a16="http://schemas.microsoft.com/office/drawing/2014/main" id="{38D1AAA1-BE3D-4A43-91C4-A2C3C6173375}"/>
+                <a16:creationId xmlns:a16="http://schemas.microsoft.com/office/drawing/2014/main" xmlns="" id="{38D1AAA1-BE3D-4A43-91C4-A2C3C6173375}"/>
               </a:ext>
             </a:extLst>
           </p:cNvPr>
@@ -1982,7 +1982,7 @@
           <p:cNvPr id="4" name="Datumsplatzhalter 3">
             <a:extLst>
               <a:ext uri="{FF2B5EF4-FFF2-40B4-BE49-F238E27FC236}">
-                <a16:creationId xmlns="" xmlns:a16="http://schemas.microsoft.com/office/drawing/2014/main" id="{48884C8B-06F5-44CC-B1D1-2A02463EC226}"/>
+                <a16:creationId xmlns:a16="http://schemas.microsoft.com/office/drawing/2014/main" xmlns="" id="{48884C8B-06F5-44CC-B1D1-2A02463EC226}"/>
               </a:ext>
             </a:extLst>
           </p:cNvPr>
@@ -2011,7 +2011,7 @@
           <p:cNvPr id="5" name="Fußzeilenplatzhalter 4">
             <a:extLst>
               <a:ext uri="{FF2B5EF4-FFF2-40B4-BE49-F238E27FC236}">
-                <a16:creationId xmlns="" xmlns:a16="http://schemas.microsoft.com/office/drawing/2014/main" id="{2EE480CA-0EC1-4AF7-9F30-F143FE83D99B}"/>
+                <a16:creationId xmlns:a16="http://schemas.microsoft.com/office/drawing/2014/main" xmlns="" id="{2EE480CA-0EC1-4AF7-9F30-F143FE83D99B}"/>
               </a:ext>
             </a:extLst>
           </p:cNvPr>
@@ -2044,7 +2044,7 @@
           <p:cNvPr id="6" name="Foliennummernplatzhalter 5">
             <a:extLst>
               <a:ext uri="{FF2B5EF4-FFF2-40B4-BE49-F238E27FC236}">
-                <a16:creationId xmlns="" xmlns:a16="http://schemas.microsoft.com/office/drawing/2014/main" id="{13337EC3-94DD-4B09-A484-F0141C1CB8B0}"/>
+                <a16:creationId xmlns:a16="http://schemas.microsoft.com/office/drawing/2014/main" xmlns="" id="{13337EC3-94DD-4B09-A484-F0141C1CB8B0}"/>
               </a:ext>
             </a:extLst>
           </p:cNvPr>
@@ -2111,7 +2111,7 @@
           <p:cNvPr id="2" name="Titel 1">
             <a:extLst>
               <a:ext uri="{FF2B5EF4-FFF2-40B4-BE49-F238E27FC236}">
-                <a16:creationId xmlns="" xmlns:a16="http://schemas.microsoft.com/office/drawing/2014/main" id="{CBDD584A-A976-4556-9716-DA9197EACC6F}"/>
+                <a16:creationId xmlns:a16="http://schemas.microsoft.com/office/drawing/2014/main" xmlns="" id="{CBDD584A-A976-4556-9716-DA9197EACC6F}"/>
               </a:ext>
             </a:extLst>
           </p:cNvPr>
@@ -2148,7 +2148,7 @@
           <p:cNvPr id="3" name="Textplatzhalter 2">
             <a:extLst>
               <a:ext uri="{FF2B5EF4-FFF2-40B4-BE49-F238E27FC236}">
-                <a16:creationId xmlns="" xmlns:a16="http://schemas.microsoft.com/office/drawing/2014/main" id="{C713F004-8C3B-4899-9F30-C6CC20E50B36}"/>
+                <a16:creationId xmlns:a16="http://schemas.microsoft.com/office/drawing/2014/main" xmlns="" id="{C713F004-8C3B-4899-9F30-C6CC20E50B36}"/>
               </a:ext>
             </a:extLst>
           </p:cNvPr>
@@ -2273,7 +2273,7 @@
           <p:cNvPr id="4" name="Datumsplatzhalter 3">
             <a:extLst>
               <a:ext uri="{FF2B5EF4-FFF2-40B4-BE49-F238E27FC236}">
-                <a16:creationId xmlns="" xmlns:a16="http://schemas.microsoft.com/office/drawing/2014/main" id="{B300BECA-2226-430E-B31A-3A70D7FB0DD4}"/>
+                <a16:creationId xmlns:a16="http://schemas.microsoft.com/office/drawing/2014/main" xmlns="" id="{B300BECA-2226-430E-B31A-3A70D7FB0DD4}"/>
               </a:ext>
             </a:extLst>
           </p:cNvPr>
@@ -2302,7 +2302,7 @@
           <p:cNvPr id="5" name="Fußzeilenplatzhalter 4">
             <a:extLst>
               <a:ext uri="{FF2B5EF4-FFF2-40B4-BE49-F238E27FC236}">
-                <a16:creationId xmlns="" xmlns:a16="http://schemas.microsoft.com/office/drawing/2014/main" id="{9D2C0B24-C4C7-4E3E-A30D-AD2B22A8CAC5}"/>
+                <a16:creationId xmlns:a16="http://schemas.microsoft.com/office/drawing/2014/main" xmlns="" id="{9D2C0B24-C4C7-4E3E-A30D-AD2B22A8CAC5}"/>
               </a:ext>
             </a:extLst>
           </p:cNvPr>
@@ -2335,7 +2335,7 @@
           <p:cNvPr id="6" name="Foliennummernplatzhalter 5">
             <a:extLst>
               <a:ext uri="{FF2B5EF4-FFF2-40B4-BE49-F238E27FC236}">
-                <a16:creationId xmlns="" xmlns:a16="http://schemas.microsoft.com/office/drawing/2014/main" id="{15EF3485-89F1-47E8-AB99-914FE8775138}"/>
+                <a16:creationId xmlns:a16="http://schemas.microsoft.com/office/drawing/2014/main" xmlns="" id="{15EF3485-89F1-47E8-AB99-914FE8775138}"/>
               </a:ext>
             </a:extLst>
           </p:cNvPr>
@@ -2402,7 +2402,7 @@
           <p:cNvPr id="2" name="Titel 1">
             <a:extLst>
               <a:ext uri="{FF2B5EF4-FFF2-40B4-BE49-F238E27FC236}">
-                <a16:creationId xmlns="" xmlns:a16="http://schemas.microsoft.com/office/drawing/2014/main" id="{6B45D284-4E4F-4976-80EC-400821F99BCF}"/>
+                <a16:creationId xmlns:a16="http://schemas.microsoft.com/office/drawing/2014/main" xmlns="" id="{6B45D284-4E4F-4976-80EC-400821F99BCF}"/>
               </a:ext>
             </a:extLst>
           </p:cNvPr>
@@ -2430,7 +2430,7 @@
           <p:cNvPr id="3" name="Inhaltsplatzhalter 2">
             <a:extLst>
               <a:ext uri="{FF2B5EF4-FFF2-40B4-BE49-F238E27FC236}">
-                <a16:creationId xmlns="" xmlns:a16="http://schemas.microsoft.com/office/drawing/2014/main" id="{61C980E4-B51F-4860-A848-EB6955BA36AF}"/>
+                <a16:creationId xmlns:a16="http://schemas.microsoft.com/office/drawing/2014/main" xmlns="" id="{61C980E4-B51F-4860-A848-EB6955BA36AF}"/>
               </a:ext>
             </a:extLst>
           </p:cNvPr>
@@ -2492,7 +2492,7 @@
           <p:cNvPr id="4" name="Inhaltsplatzhalter 3">
             <a:extLst>
               <a:ext uri="{FF2B5EF4-FFF2-40B4-BE49-F238E27FC236}">
-                <a16:creationId xmlns="" xmlns:a16="http://schemas.microsoft.com/office/drawing/2014/main" id="{8D7C296F-6044-4CF6-BBE5-CEA4560EEEB9}"/>
+                <a16:creationId xmlns:a16="http://schemas.microsoft.com/office/drawing/2014/main" xmlns="" id="{8D7C296F-6044-4CF6-BBE5-CEA4560EEEB9}"/>
               </a:ext>
             </a:extLst>
           </p:cNvPr>
@@ -2554,7 +2554,7 @@
           <p:cNvPr id="5" name="Datumsplatzhalter 4">
             <a:extLst>
               <a:ext uri="{FF2B5EF4-FFF2-40B4-BE49-F238E27FC236}">
-                <a16:creationId xmlns="" xmlns:a16="http://schemas.microsoft.com/office/drawing/2014/main" id="{F87A09FB-245D-407E-94D1-C81BBB221DC2}"/>
+                <a16:creationId xmlns:a16="http://schemas.microsoft.com/office/drawing/2014/main" xmlns="" id="{F87A09FB-245D-407E-94D1-C81BBB221DC2}"/>
               </a:ext>
             </a:extLst>
           </p:cNvPr>
@@ -2583,7 +2583,7 @@
           <p:cNvPr id="6" name="Fußzeilenplatzhalter 5">
             <a:extLst>
               <a:ext uri="{FF2B5EF4-FFF2-40B4-BE49-F238E27FC236}">
-                <a16:creationId xmlns="" xmlns:a16="http://schemas.microsoft.com/office/drawing/2014/main" id="{7713AD3F-FB16-4761-97DD-7D2895FBAF79}"/>
+                <a16:creationId xmlns:a16="http://schemas.microsoft.com/office/drawing/2014/main" xmlns="" id="{7713AD3F-FB16-4761-97DD-7D2895FBAF79}"/>
               </a:ext>
             </a:extLst>
           </p:cNvPr>
@@ -2616,7 +2616,7 @@
           <p:cNvPr id="7" name="Foliennummernplatzhalter 6">
             <a:extLst>
               <a:ext uri="{FF2B5EF4-FFF2-40B4-BE49-F238E27FC236}">
-                <a16:creationId xmlns="" xmlns:a16="http://schemas.microsoft.com/office/drawing/2014/main" id="{E08B0646-8FC5-4829-A454-55B654DBA3C4}"/>
+                <a16:creationId xmlns:a16="http://schemas.microsoft.com/office/drawing/2014/main" xmlns="" id="{E08B0646-8FC5-4829-A454-55B654DBA3C4}"/>
               </a:ext>
             </a:extLst>
           </p:cNvPr>
@@ -2683,7 +2683,7 @@
           <p:cNvPr id="2" name="Titel 1">
             <a:extLst>
               <a:ext uri="{FF2B5EF4-FFF2-40B4-BE49-F238E27FC236}">
-                <a16:creationId xmlns="" xmlns:a16="http://schemas.microsoft.com/office/drawing/2014/main" id="{87FFCFA6-D29A-4DD6-8A93-5742D6DB0521}"/>
+                <a16:creationId xmlns:a16="http://schemas.microsoft.com/office/drawing/2014/main" xmlns="" id="{87FFCFA6-D29A-4DD6-8A93-5742D6DB0521}"/>
               </a:ext>
             </a:extLst>
           </p:cNvPr>
@@ -2716,7 +2716,7 @@
           <p:cNvPr id="3" name="Textplatzhalter 2">
             <a:extLst>
               <a:ext uri="{FF2B5EF4-FFF2-40B4-BE49-F238E27FC236}">
-                <a16:creationId xmlns="" xmlns:a16="http://schemas.microsoft.com/office/drawing/2014/main" id="{52A062D5-F9A3-40F3-940E-784410DB79B5}"/>
+                <a16:creationId xmlns:a16="http://schemas.microsoft.com/office/drawing/2014/main" xmlns="" id="{52A062D5-F9A3-40F3-940E-784410DB79B5}"/>
               </a:ext>
             </a:extLst>
           </p:cNvPr>
@@ -2787,7 +2787,7 @@
           <p:cNvPr id="4" name="Inhaltsplatzhalter 3">
             <a:extLst>
               <a:ext uri="{FF2B5EF4-FFF2-40B4-BE49-F238E27FC236}">
-                <a16:creationId xmlns="" xmlns:a16="http://schemas.microsoft.com/office/drawing/2014/main" id="{0F2C725F-CDA6-419C-9990-237B92011EB3}"/>
+                <a16:creationId xmlns:a16="http://schemas.microsoft.com/office/drawing/2014/main" xmlns="" id="{0F2C725F-CDA6-419C-9990-237B92011EB3}"/>
               </a:ext>
             </a:extLst>
           </p:cNvPr>
@@ -2849,7 +2849,7 @@
           <p:cNvPr id="5" name="Textplatzhalter 4">
             <a:extLst>
               <a:ext uri="{FF2B5EF4-FFF2-40B4-BE49-F238E27FC236}">
-                <a16:creationId xmlns="" xmlns:a16="http://schemas.microsoft.com/office/drawing/2014/main" id="{57D0AB86-7ACC-4F81-BA1E-EABC81375E4C}"/>
+                <a16:creationId xmlns:a16="http://schemas.microsoft.com/office/drawing/2014/main" xmlns="" id="{57D0AB86-7ACC-4F81-BA1E-EABC81375E4C}"/>
               </a:ext>
             </a:extLst>
           </p:cNvPr>
@@ -2920,7 +2920,7 @@
           <p:cNvPr id="6" name="Inhaltsplatzhalter 5">
             <a:extLst>
               <a:ext uri="{FF2B5EF4-FFF2-40B4-BE49-F238E27FC236}">
-                <a16:creationId xmlns="" xmlns:a16="http://schemas.microsoft.com/office/drawing/2014/main" id="{1A5FCBEC-2F64-4023-881F-8C2D77F12391}"/>
+                <a16:creationId xmlns:a16="http://schemas.microsoft.com/office/drawing/2014/main" xmlns="" id="{1A5FCBEC-2F64-4023-881F-8C2D77F12391}"/>
               </a:ext>
             </a:extLst>
           </p:cNvPr>
@@ -2982,7 +2982,7 @@
           <p:cNvPr id="7" name="Datumsplatzhalter 6">
             <a:extLst>
               <a:ext uri="{FF2B5EF4-FFF2-40B4-BE49-F238E27FC236}">
-                <a16:creationId xmlns="" xmlns:a16="http://schemas.microsoft.com/office/drawing/2014/main" id="{1B579458-8146-4585-8116-8815B1984C10}"/>
+                <a16:creationId xmlns:a16="http://schemas.microsoft.com/office/drawing/2014/main" xmlns="" id="{1B579458-8146-4585-8116-8815B1984C10}"/>
               </a:ext>
             </a:extLst>
           </p:cNvPr>
@@ -3011,7 +3011,7 @@
           <p:cNvPr id="8" name="Fußzeilenplatzhalter 7">
             <a:extLst>
               <a:ext uri="{FF2B5EF4-FFF2-40B4-BE49-F238E27FC236}">
-                <a16:creationId xmlns="" xmlns:a16="http://schemas.microsoft.com/office/drawing/2014/main" id="{B8FE971A-3252-4BEE-AE2A-ED9DD64D786C}"/>
+                <a16:creationId xmlns:a16="http://schemas.microsoft.com/office/drawing/2014/main" xmlns="" id="{B8FE971A-3252-4BEE-AE2A-ED9DD64D786C}"/>
               </a:ext>
             </a:extLst>
           </p:cNvPr>
@@ -3044,7 +3044,7 @@
           <p:cNvPr id="9" name="Foliennummernplatzhalter 8">
             <a:extLst>
               <a:ext uri="{FF2B5EF4-FFF2-40B4-BE49-F238E27FC236}">
-                <a16:creationId xmlns="" xmlns:a16="http://schemas.microsoft.com/office/drawing/2014/main" id="{224F811E-098E-42CD-BF79-561DBDB14DE9}"/>
+                <a16:creationId xmlns:a16="http://schemas.microsoft.com/office/drawing/2014/main" xmlns="" id="{224F811E-098E-42CD-BF79-561DBDB14DE9}"/>
               </a:ext>
             </a:extLst>
           </p:cNvPr>
@@ -3111,7 +3111,7 @@
           <p:cNvPr id="2" name="Titel 1">
             <a:extLst>
               <a:ext uri="{FF2B5EF4-FFF2-40B4-BE49-F238E27FC236}">
-                <a16:creationId xmlns="" xmlns:a16="http://schemas.microsoft.com/office/drawing/2014/main" id="{466DE76C-FB01-463F-B2AD-A897695D3F41}"/>
+                <a16:creationId xmlns:a16="http://schemas.microsoft.com/office/drawing/2014/main" xmlns="" id="{466DE76C-FB01-463F-B2AD-A897695D3F41}"/>
               </a:ext>
             </a:extLst>
           </p:cNvPr>
@@ -3139,7 +3139,7 @@
           <p:cNvPr id="3" name="Datumsplatzhalter 2">
             <a:extLst>
               <a:ext uri="{FF2B5EF4-FFF2-40B4-BE49-F238E27FC236}">
-                <a16:creationId xmlns="" xmlns:a16="http://schemas.microsoft.com/office/drawing/2014/main" id="{6F7936C0-FCFE-4A57-9E63-31F514892227}"/>
+                <a16:creationId xmlns:a16="http://schemas.microsoft.com/office/drawing/2014/main" xmlns="" id="{6F7936C0-FCFE-4A57-9E63-31F514892227}"/>
               </a:ext>
             </a:extLst>
           </p:cNvPr>
@@ -3168,7 +3168,7 @@
           <p:cNvPr id="4" name="Fußzeilenplatzhalter 3">
             <a:extLst>
               <a:ext uri="{FF2B5EF4-FFF2-40B4-BE49-F238E27FC236}">
-                <a16:creationId xmlns="" xmlns:a16="http://schemas.microsoft.com/office/drawing/2014/main" id="{BF4C0BEA-1F74-43B8-B16A-0B93A98AF74A}"/>
+                <a16:creationId xmlns:a16="http://schemas.microsoft.com/office/drawing/2014/main" xmlns="" id="{BF4C0BEA-1F74-43B8-B16A-0B93A98AF74A}"/>
               </a:ext>
             </a:extLst>
           </p:cNvPr>
@@ -3196,7 +3196,7 @@
           <p:cNvPr id="5" name="Foliennummernplatzhalter 4">
             <a:extLst>
               <a:ext uri="{FF2B5EF4-FFF2-40B4-BE49-F238E27FC236}">
-                <a16:creationId xmlns="" xmlns:a16="http://schemas.microsoft.com/office/drawing/2014/main" id="{FDC612F2-A418-4792-A4B4-C0ABBAAB10A0}"/>
+                <a16:creationId xmlns:a16="http://schemas.microsoft.com/office/drawing/2014/main" xmlns="" id="{FDC612F2-A418-4792-A4B4-C0ABBAAB10A0}"/>
               </a:ext>
             </a:extLst>
           </p:cNvPr>
@@ -3263,7 +3263,7 @@
           <p:cNvPr id="2" name="Datumsplatzhalter 1">
             <a:extLst>
               <a:ext uri="{FF2B5EF4-FFF2-40B4-BE49-F238E27FC236}">
-                <a16:creationId xmlns="" xmlns:a16="http://schemas.microsoft.com/office/drawing/2014/main" id="{F1A16BA6-C843-4946-87C4-F009F9659E53}"/>
+                <a16:creationId xmlns:a16="http://schemas.microsoft.com/office/drawing/2014/main" xmlns="" id="{F1A16BA6-C843-4946-87C4-F009F9659E53}"/>
               </a:ext>
             </a:extLst>
           </p:cNvPr>
@@ -3292,7 +3292,7 @@
           <p:cNvPr id="3" name="Fußzeilenplatzhalter 2">
             <a:extLst>
               <a:ext uri="{FF2B5EF4-FFF2-40B4-BE49-F238E27FC236}">
-                <a16:creationId xmlns="" xmlns:a16="http://schemas.microsoft.com/office/drawing/2014/main" id="{74AD0BED-584B-4312-BC56-F22A5A97A8EA}"/>
+                <a16:creationId xmlns:a16="http://schemas.microsoft.com/office/drawing/2014/main" xmlns="" id="{74AD0BED-584B-4312-BC56-F22A5A97A8EA}"/>
               </a:ext>
             </a:extLst>
           </p:cNvPr>
@@ -3325,7 +3325,7 @@
           <p:cNvPr id="4" name="Foliennummernplatzhalter 3">
             <a:extLst>
               <a:ext uri="{FF2B5EF4-FFF2-40B4-BE49-F238E27FC236}">
-                <a16:creationId xmlns="" xmlns:a16="http://schemas.microsoft.com/office/drawing/2014/main" id="{ECAC19A7-F328-409E-92C0-6618959AF8AB}"/>
+                <a16:creationId xmlns:a16="http://schemas.microsoft.com/office/drawing/2014/main" xmlns="" id="{ECAC19A7-F328-409E-92C0-6618959AF8AB}"/>
               </a:ext>
             </a:extLst>
           </p:cNvPr>
@@ -3392,7 +3392,7 @@
           <p:cNvPr id="2" name="Titel 1">
             <a:extLst>
               <a:ext uri="{FF2B5EF4-FFF2-40B4-BE49-F238E27FC236}">
-                <a16:creationId xmlns="" xmlns:a16="http://schemas.microsoft.com/office/drawing/2014/main" id="{36B5D893-6A5A-4F5D-9559-23E40882374B}"/>
+                <a16:creationId xmlns:a16="http://schemas.microsoft.com/office/drawing/2014/main" xmlns="" id="{36B5D893-6A5A-4F5D-9559-23E40882374B}"/>
               </a:ext>
             </a:extLst>
           </p:cNvPr>
@@ -3429,7 +3429,7 @@
           <p:cNvPr id="3" name="Inhaltsplatzhalter 2">
             <a:extLst>
               <a:ext uri="{FF2B5EF4-FFF2-40B4-BE49-F238E27FC236}">
-                <a16:creationId xmlns="" xmlns:a16="http://schemas.microsoft.com/office/drawing/2014/main" id="{46211E4B-EF89-4D03-A97A-6EB546C0498D}"/>
+                <a16:creationId xmlns:a16="http://schemas.microsoft.com/office/drawing/2014/main" xmlns="" id="{46211E4B-EF89-4D03-A97A-6EB546C0498D}"/>
               </a:ext>
             </a:extLst>
           </p:cNvPr>
@@ -3519,7 +3519,7 @@
           <p:cNvPr id="4" name="Textplatzhalter 3">
             <a:extLst>
               <a:ext uri="{FF2B5EF4-FFF2-40B4-BE49-F238E27FC236}">
-                <a16:creationId xmlns="" xmlns:a16="http://schemas.microsoft.com/office/drawing/2014/main" id="{D4BEF54F-E067-4073-A803-29399235D78F}"/>
+                <a16:creationId xmlns:a16="http://schemas.microsoft.com/office/drawing/2014/main" xmlns="" id="{D4BEF54F-E067-4073-A803-29399235D78F}"/>
               </a:ext>
             </a:extLst>
           </p:cNvPr>
@@ -3590,7 +3590,7 @@
           <p:cNvPr id="5" name="Datumsplatzhalter 4">
             <a:extLst>
               <a:ext uri="{FF2B5EF4-FFF2-40B4-BE49-F238E27FC236}">
-                <a16:creationId xmlns="" xmlns:a16="http://schemas.microsoft.com/office/drawing/2014/main" id="{FF25F891-DBFE-4A5B-99B6-66F48C54174B}"/>
+                <a16:creationId xmlns:a16="http://schemas.microsoft.com/office/drawing/2014/main" xmlns="" id="{FF25F891-DBFE-4A5B-99B6-66F48C54174B}"/>
               </a:ext>
             </a:extLst>
           </p:cNvPr>
@@ -3619,7 +3619,7 @@
           <p:cNvPr id="6" name="Fußzeilenplatzhalter 5">
             <a:extLst>
               <a:ext uri="{FF2B5EF4-FFF2-40B4-BE49-F238E27FC236}">
-                <a16:creationId xmlns="" xmlns:a16="http://schemas.microsoft.com/office/drawing/2014/main" id="{C508CE39-F26E-4C31-84CD-D89EC83686D4}"/>
+                <a16:creationId xmlns:a16="http://schemas.microsoft.com/office/drawing/2014/main" xmlns="" id="{C508CE39-F26E-4C31-84CD-D89EC83686D4}"/>
               </a:ext>
             </a:extLst>
           </p:cNvPr>
@@ -3652,7 +3652,7 @@
           <p:cNvPr id="7" name="Foliennummernplatzhalter 6">
             <a:extLst>
               <a:ext uri="{FF2B5EF4-FFF2-40B4-BE49-F238E27FC236}">
-                <a16:creationId xmlns="" xmlns:a16="http://schemas.microsoft.com/office/drawing/2014/main" id="{5E1B48FE-614D-4BF1-8C39-73558F055C10}"/>
+                <a16:creationId xmlns:a16="http://schemas.microsoft.com/office/drawing/2014/main" xmlns="" id="{5E1B48FE-614D-4BF1-8C39-73558F055C10}"/>
               </a:ext>
             </a:extLst>
           </p:cNvPr>
@@ -3719,7 +3719,7 @@
           <p:cNvPr id="2" name="Titel 1">
             <a:extLst>
               <a:ext uri="{FF2B5EF4-FFF2-40B4-BE49-F238E27FC236}">
-                <a16:creationId xmlns="" xmlns:a16="http://schemas.microsoft.com/office/drawing/2014/main" id="{F9563009-E30B-45AC-BDD7-44EA72F78222}"/>
+                <a16:creationId xmlns:a16="http://schemas.microsoft.com/office/drawing/2014/main" xmlns="" id="{F9563009-E30B-45AC-BDD7-44EA72F78222}"/>
               </a:ext>
             </a:extLst>
           </p:cNvPr>
@@ -3756,7 +3756,7 @@
           <p:cNvPr id="3" name="Bildplatzhalter 2">
             <a:extLst>
               <a:ext uri="{FF2B5EF4-FFF2-40B4-BE49-F238E27FC236}">
-                <a16:creationId xmlns="" xmlns:a16="http://schemas.microsoft.com/office/drawing/2014/main" id="{11F2FF9F-8E72-4929-BF76-ED1330B5F674}"/>
+                <a16:creationId xmlns:a16="http://schemas.microsoft.com/office/drawing/2014/main" xmlns="" id="{11F2FF9F-8E72-4929-BF76-ED1330B5F674}"/>
               </a:ext>
             </a:extLst>
           </p:cNvPr>
@@ -3823,7 +3823,7 @@
           <p:cNvPr id="4" name="Textplatzhalter 3">
             <a:extLst>
               <a:ext uri="{FF2B5EF4-FFF2-40B4-BE49-F238E27FC236}">
-                <a16:creationId xmlns="" xmlns:a16="http://schemas.microsoft.com/office/drawing/2014/main" id="{4A21AA90-B6A3-4F03-A71E-8D4EFEBB4E8A}"/>
+                <a16:creationId xmlns:a16="http://schemas.microsoft.com/office/drawing/2014/main" xmlns="" id="{4A21AA90-B6A3-4F03-A71E-8D4EFEBB4E8A}"/>
               </a:ext>
             </a:extLst>
           </p:cNvPr>
@@ -3894,7 +3894,7 @@
           <p:cNvPr id="5" name="Datumsplatzhalter 4">
             <a:extLst>
               <a:ext uri="{FF2B5EF4-FFF2-40B4-BE49-F238E27FC236}">
-                <a16:creationId xmlns="" xmlns:a16="http://schemas.microsoft.com/office/drawing/2014/main" id="{B9A970BA-F10E-430D-9B5F-218F0B6AAD68}"/>
+                <a16:creationId xmlns:a16="http://schemas.microsoft.com/office/drawing/2014/main" xmlns="" id="{B9A970BA-F10E-430D-9B5F-218F0B6AAD68}"/>
               </a:ext>
             </a:extLst>
           </p:cNvPr>
@@ -3923,7 +3923,7 @@
           <p:cNvPr id="6" name="Fußzeilenplatzhalter 5">
             <a:extLst>
               <a:ext uri="{FF2B5EF4-FFF2-40B4-BE49-F238E27FC236}">
-                <a16:creationId xmlns="" xmlns:a16="http://schemas.microsoft.com/office/drawing/2014/main" id="{A141BF1C-61CE-44FF-8ABE-F08D6373AD97}"/>
+                <a16:creationId xmlns:a16="http://schemas.microsoft.com/office/drawing/2014/main" xmlns="" id="{A141BF1C-61CE-44FF-8ABE-F08D6373AD97}"/>
               </a:ext>
             </a:extLst>
           </p:cNvPr>
@@ -3956,7 +3956,7 @@
           <p:cNvPr id="7" name="Foliennummernplatzhalter 6">
             <a:extLst>
               <a:ext uri="{FF2B5EF4-FFF2-40B4-BE49-F238E27FC236}">
-                <a16:creationId xmlns="" xmlns:a16="http://schemas.microsoft.com/office/drawing/2014/main" id="{E76983E8-6FBA-42E6-85DE-B77806E23CA0}"/>
+                <a16:creationId xmlns:a16="http://schemas.microsoft.com/office/drawing/2014/main" xmlns="" id="{E76983E8-6FBA-42E6-85DE-B77806E23CA0}"/>
               </a:ext>
             </a:extLst>
           </p:cNvPr>
@@ -4028,7 +4028,7 @@
           <p:cNvPr id="2" name="Titelplatzhalter 1">
             <a:extLst>
               <a:ext uri="{FF2B5EF4-FFF2-40B4-BE49-F238E27FC236}">
-                <a16:creationId xmlns="" xmlns:a16="http://schemas.microsoft.com/office/drawing/2014/main" id="{F1B54F3D-85D6-4E2A-A184-2AD8788616C7}"/>
+                <a16:creationId xmlns:a16="http://schemas.microsoft.com/office/drawing/2014/main" xmlns="" id="{F1B54F3D-85D6-4E2A-A184-2AD8788616C7}"/>
               </a:ext>
             </a:extLst>
           </p:cNvPr>
@@ -4066,7 +4066,7 @@
           <p:cNvPr id="3" name="Textplatzhalter 2">
             <a:extLst>
               <a:ext uri="{FF2B5EF4-FFF2-40B4-BE49-F238E27FC236}">
-                <a16:creationId xmlns="" xmlns:a16="http://schemas.microsoft.com/office/drawing/2014/main" id="{62C62B55-DAE8-4571-9836-D8A9517A6717}"/>
+                <a16:creationId xmlns:a16="http://schemas.microsoft.com/office/drawing/2014/main" xmlns="" id="{62C62B55-DAE8-4571-9836-D8A9517A6717}"/>
               </a:ext>
             </a:extLst>
           </p:cNvPr>
@@ -4133,7 +4133,7 @@
           <p:cNvPr id="4" name="Datumsplatzhalter 3">
             <a:extLst>
               <a:ext uri="{FF2B5EF4-FFF2-40B4-BE49-F238E27FC236}">
-                <a16:creationId xmlns="" xmlns:a16="http://schemas.microsoft.com/office/drawing/2014/main" id="{202396F9-D19B-4197-A727-060829339B6B}"/>
+                <a16:creationId xmlns:a16="http://schemas.microsoft.com/office/drawing/2014/main" xmlns="" id="{202396F9-D19B-4197-A727-060829339B6B}"/>
               </a:ext>
             </a:extLst>
           </p:cNvPr>
@@ -4180,7 +4180,7 @@
           <p:cNvPr id="5" name="Fußzeilenplatzhalter 4">
             <a:extLst>
               <a:ext uri="{FF2B5EF4-FFF2-40B4-BE49-F238E27FC236}">
-                <a16:creationId xmlns="" xmlns:a16="http://schemas.microsoft.com/office/drawing/2014/main" id="{B1EA6A1B-5C13-45F1-9B85-4169FD91138A}"/>
+                <a16:creationId xmlns:a16="http://schemas.microsoft.com/office/drawing/2014/main" xmlns="" id="{B1EA6A1B-5C13-45F1-9B85-4169FD91138A}"/>
               </a:ext>
             </a:extLst>
           </p:cNvPr>
@@ -4231,7 +4231,7 @@
           <p:cNvPr id="7" name="Grafik 6">
             <a:extLst>
               <a:ext uri="{FF2B5EF4-FFF2-40B4-BE49-F238E27FC236}">
-                <a16:creationId xmlns="" xmlns:a16="http://schemas.microsoft.com/office/drawing/2014/main" id="{C59B35B2-0CE6-4FF9-984D-F5719598069C}"/>
+                <a16:creationId xmlns:a16="http://schemas.microsoft.com/office/drawing/2014/main" xmlns="" id="{C59B35B2-0CE6-4FF9-984D-F5719598069C}"/>
               </a:ext>
             </a:extLst>
           </p:cNvPr>
@@ -4267,7 +4267,7 @@
           <p:cNvPr id="8" name="Foliennummernplatzhalter 7">
             <a:extLst>
               <a:ext uri="{FF2B5EF4-FFF2-40B4-BE49-F238E27FC236}">
-                <a16:creationId xmlns="" xmlns:a16="http://schemas.microsoft.com/office/drawing/2014/main" id="{8B9E18AC-CAF1-4471-BF04-547435D80DDB}"/>
+                <a16:creationId xmlns:a16="http://schemas.microsoft.com/office/drawing/2014/main" xmlns="" id="{8B9E18AC-CAF1-4471-BF04-547435D80DDB}"/>
               </a:ext>
             </a:extLst>
           </p:cNvPr>
@@ -4636,7 +4636,7 @@
           <p:cNvPr id="2" name="Titel 1">
             <a:extLst>
               <a:ext uri="{FF2B5EF4-FFF2-40B4-BE49-F238E27FC236}">
-                <a16:creationId xmlns="" xmlns:a16="http://schemas.microsoft.com/office/drawing/2014/main" id="{19B6AC69-F81D-4459-ACD2-8110FA9FCE24}"/>
+                <a16:creationId xmlns:a16="http://schemas.microsoft.com/office/drawing/2014/main" xmlns="" id="{19B6AC69-F81D-4459-ACD2-8110FA9FCE24}"/>
               </a:ext>
             </a:extLst>
           </p:cNvPr>
@@ -4664,7 +4664,7 @@
           <p:cNvPr id="3" name="Untertitel 2">
             <a:extLst>
               <a:ext uri="{FF2B5EF4-FFF2-40B4-BE49-F238E27FC236}">
-                <a16:creationId xmlns="" xmlns:a16="http://schemas.microsoft.com/office/drawing/2014/main" id="{13737FBA-E6BC-4517-8A74-4336C01F7072}"/>
+                <a16:creationId xmlns:a16="http://schemas.microsoft.com/office/drawing/2014/main" xmlns="" id="{13737FBA-E6BC-4517-8A74-4336C01F7072}"/>
               </a:ext>
             </a:extLst>
           </p:cNvPr>
@@ -5510,8 +5510,8 @@
         </p:nvSpPr>
         <p:spPr>
           <a:xfrm>
-            <a:off x="4138109" y="3579549"/>
-            <a:ext cx="858858" cy="265457"/>
+            <a:off x="4138108" y="3579549"/>
+            <a:ext cx="1679189" cy="265457"/>
           </a:xfrm>
           <a:prstGeom prst="rect">
             <a:avLst/>
@@ -5547,8 +5547,14 @@
                 </a:solidFill>
                 <a:cs typeface="Arial" charset="0"/>
               </a:rPr>
-              <a:t>REST </a:t>
-            </a:r>
+              <a:t>REST (GET) </a:t>
+            </a:r>
+            <a:endParaRPr lang="fr-FR" sz="1125" dirty="0" smtClean="0">
+              <a:solidFill>
+                <a:srgbClr val="00B050"/>
+              </a:solidFill>
+              <a:cs typeface="Arial" charset="0"/>
+            </a:endParaRPr>
           </a:p>
         </p:txBody>
       </p:sp>
@@ -5808,12 +5814,16 @@
               <a:t>GET list of predicted soccer games: GET /</a:t>
             </a:r>
             <a:r>
-              <a:rPr lang="en-US" dirty="0" err="1"/>
-              <a:t>soccergames</a:t>
+              <a:rPr lang="en-US" dirty="0" err="1" smtClean="0"/>
+              <a:t>soccerGames</a:t>
+            </a:r>
+            <a:r>
+              <a:rPr lang="en-US" dirty="0" smtClean="0"/>
+              <a:t> </a:t>
             </a:r>
             <a:r>
               <a:rPr lang="en-US" dirty="0"/>
-              <a:t> in a JSON format.</a:t>
+              <a:t>in a JSON format.</a:t>
             </a:r>
           </a:p>
           <a:p>
@@ -5888,7 +5898,7 @@
       </p:sp>
       <p:pic>
         <p:nvPicPr>
-          <p:cNvPr id="8" name="Image 7"/>
+          <p:cNvPr id="7" name="Image 6"/>
           <p:cNvPicPr>
             <a:picLocks noChangeAspect="1"/>
           </p:cNvPicPr>
@@ -5908,8 +5918,8 @@
         </p:blipFill>
         <p:spPr>
           <a:xfrm>
-            <a:off x="3581401" y="2431307"/>
-            <a:ext cx="3794760" cy="3783347"/>
+            <a:off x="3390632" y="2323895"/>
+            <a:ext cx="5219968" cy="3988005"/>
           </a:xfrm>
           <a:prstGeom prst="rect">
             <a:avLst/>

--- a/Web/WebArchitectureDef.pptx
+++ b/Web/WebArchitectureDef.pptx
@@ -122,10 +122,10 @@
   <p1510:revLst>
     <p1510:client id="{20A3EE01-A5DE-4061-8792-411F3BD47289}" v="42" dt="2020-01-19T10:03:37.844"/>
     <p1510:client id="{45FD4B75-A3FC-44CB-82E5-76D6F7DD7E3B}" v="375" dt="2020-01-19T13:46:40.518"/>
-    <p1510:client id="{C631908C-1A98-4B70-95DA-3D04A3C60BBB}" v="171" dt="2020-01-21T12:32:07.929"/>
     <p1510:client id="{5343ECE3-9E46-444C-A3E7-13AED39F1A6F}" v="194" dt="2020-01-19T09:07:38.824"/>
     <p1510:client id="{6F85AB3B-9C26-4979-A8FD-2AB86F961360}" v="566" dt="2020-01-19T11:36:28.921"/>
     <p1510:client id="{88307E76-9AA9-468C-AF85-650B13E9EA55}" v="12" dt="2020-01-19T09:35:01.725"/>
+    <p1510:client id="{C631908C-1A98-4B70-95DA-3D04A3C60BBB}" v="171" dt="2020-01-21T12:32:07.929"/>
     <p1510:client id="{FE7B93E8-EE30-4C20-B6B5-A7FAB8A0E614}" v="635" dt="2020-01-19T13:03:37.165"/>
   </p1510:revLst>
 </p1510:revInfo>
@@ -843,7 +843,7 @@
           <a:p>
             <a:fld id="{9CDC8AA7-8D38-46C0-86D3-87BDB8133F92}" type="datetimeFigureOut">
               <a:rPr lang="de-DE" smtClean="0"/>
-              <a:t>14.04.2020</a:t>
+              <a:t>17.04.2020</a:t>
             </a:fld>
             <a:endParaRPr lang="de-DE"/>
           </a:p>
@@ -1001,7 +1001,7 @@
           <a:p>
             <a:fld id="{10D08ABD-147D-43D8-AD0E-C56070E2C69D}" type="slidenum">
               <a:rPr lang="de-DE" smtClean="0"/>
-              <a:t>‹N°›</a:t>
+              <a:t>‹#›</a:t>
             </a:fld>
             <a:endParaRPr lang="de-DE"/>
           </a:p>
@@ -1171,7 +1171,7 @@
               <a:tabLst/>
               <a:defRPr/>
             </a:pPr>
-            <a:endParaRPr lang="en-US" baseline="0" dirty="0" smtClean="0"/>
+            <a:endParaRPr lang="en-US" baseline="0" dirty="0"/>
           </a:p>
         </p:txBody>
       </p:sp>
@@ -1233,7 +1233,7 @@
           <p:cNvPr id="2" name="Titel 1">
             <a:extLst>
               <a:ext uri="{FF2B5EF4-FFF2-40B4-BE49-F238E27FC236}">
-                <a16:creationId xmlns:a16="http://schemas.microsoft.com/office/drawing/2014/main" xmlns="" id="{701EABE2-81DB-4A57-87BD-BAC9B81DA953}"/>
+                <a16:creationId xmlns:a16="http://schemas.microsoft.com/office/drawing/2014/main" id="{701EABE2-81DB-4A57-87BD-BAC9B81DA953}"/>
               </a:ext>
             </a:extLst>
           </p:cNvPr>
@@ -1270,7 +1270,7 @@
           <p:cNvPr id="3" name="Untertitel 2">
             <a:extLst>
               <a:ext uri="{FF2B5EF4-FFF2-40B4-BE49-F238E27FC236}">
-                <a16:creationId xmlns:a16="http://schemas.microsoft.com/office/drawing/2014/main" xmlns="" id="{9E44B19B-9953-4462-B98C-34C559DFD4BA}"/>
+                <a16:creationId xmlns:a16="http://schemas.microsoft.com/office/drawing/2014/main" id="{9E44B19B-9953-4462-B98C-34C559DFD4BA}"/>
               </a:ext>
             </a:extLst>
           </p:cNvPr>
@@ -1340,7 +1340,7 @@
           <p:cNvPr id="4" name="Datumsplatzhalter 3">
             <a:extLst>
               <a:ext uri="{FF2B5EF4-FFF2-40B4-BE49-F238E27FC236}">
-                <a16:creationId xmlns:a16="http://schemas.microsoft.com/office/drawing/2014/main" xmlns="" id="{85282A0B-87AA-4F5C-9252-AB7E74ABF29B}"/>
+                <a16:creationId xmlns:a16="http://schemas.microsoft.com/office/drawing/2014/main" id="{85282A0B-87AA-4F5C-9252-AB7E74ABF29B}"/>
               </a:ext>
             </a:extLst>
           </p:cNvPr>
@@ -1358,7 +1358,7 @@
           <a:p>
             <a:fld id="{0BE53A1E-06E4-4C2E-89F2-9370B10FF3AC}" type="datetime1">
               <a:rPr lang="de-DE" smtClean="0"/>
-              <a:t>14.04.2020</a:t>
+              <a:t>17.04.2020</a:t>
             </a:fld>
             <a:endParaRPr lang="de-DE" dirty="0"/>
           </a:p>
@@ -1369,7 +1369,7 @@
           <p:cNvPr id="5" name="Fußzeilenplatzhalter 4">
             <a:extLst>
               <a:ext uri="{FF2B5EF4-FFF2-40B4-BE49-F238E27FC236}">
-                <a16:creationId xmlns:a16="http://schemas.microsoft.com/office/drawing/2014/main" xmlns="" id="{CCE46F71-BCF6-41F3-8C17-381DF36140FE}"/>
+                <a16:creationId xmlns:a16="http://schemas.microsoft.com/office/drawing/2014/main" id="{CCE46F71-BCF6-41F3-8C17-381DF36140FE}"/>
               </a:ext>
             </a:extLst>
           </p:cNvPr>
@@ -1402,7 +1402,7 @@
           <p:cNvPr id="6" name="Foliennummernplatzhalter 5">
             <a:extLst>
               <a:ext uri="{FF2B5EF4-FFF2-40B4-BE49-F238E27FC236}">
-                <a16:creationId xmlns:a16="http://schemas.microsoft.com/office/drawing/2014/main" xmlns="" id="{DF41A37E-A33B-4798-9922-3B8B5AE5A27B}"/>
+                <a16:creationId xmlns:a16="http://schemas.microsoft.com/office/drawing/2014/main" id="{DF41A37E-A33B-4798-9922-3B8B5AE5A27B}"/>
               </a:ext>
             </a:extLst>
           </p:cNvPr>
@@ -1428,7 +1428,7 @@
           <a:p>
             <a:fld id="{9A48FC86-4651-46AF-9E4A-D3FC30E17613}" type="slidenum">
               <a:rPr lang="de-DE" smtClean="0"/>
-              <a:t>‹N°›</a:t>
+              <a:t>‹#›</a:t>
             </a:fld>
             <a:endParaRPr lang="de-DE"/>
           </a:p>
@@ -1469,7 +1469,7 @@
           <p:cNvPr id="2" name="Titel 1">
             <a:extLst>
               <a:ext uri="{FF2B5EF4-FFF2-40B4-BE49-F238E27FC236}">
-                <a16:creationId xmlns:a16="http://schemas.microsoft.com/office/drawing/2014/main" xmlns="" id="{FCE4A30D-3A8C-4B77-B82E-724CCF54EFD5}"/>
+                <a16:creationId xmlns:a16="http://schemas.microsoft.com/office/drawing/2014/main" id="{FCE4A30D-3A8C-4B77-B82E-724CCF54EFD5}"/>
               </a:ext>
             </a:extLst>
           </p:cNvPr>
@@ -1497,7 +1497,7 @@
           <p:cNvPr id="3" name="Vertikaler Textplatzhalter 2">
             <a:extLst>
               <a:ext uri="{FF2B5EF4-FFF2-40B4-BE49-F238E27FC236}">
-                <a16:creationId xmlns:a16="http://schemas.microsoft.com/office/drawing/2014/main" xmlns="" id="{D0312C4C-DD67-420D-AE80-FBF20CAD00FE}"/>
+                <a16:creationId xmlns:a16="http://schemas.microsoft.com/office/drawing/2014/main" id="{D0312C4C-DD67-420D-AE80-FBF20CAD00FE}"/>
               </a:ext>
             </a:extLst>
           </p:cNvPr>
@@ -1554,7 +1554,7 @@
           <p:cNvPr id="4" name="Datumsplatzhalter 3">
             <a:extLst>
               <a:ext uri="{FF2B5EF4-FFF2-40B4-BE49-F238E27FC236}">
-                <a16:creationId xmlns:a16="http://schemas.microsoft.com/office/drawing/2014/main" xmlns="" id="{752D94C2-424D-4096-8FAE-F12A3D4A5C7D}"/>
+                <a16:creationId xmlns:a16="http://schemas.microsoft.com/office/drawing/2014/main" id="{752D94C2-424D-4096-8FAE-F12A3D4A5C7D}"/>
               </a:ext>
             </a:extLst>
           </p:cNvPr>
@@ -1572,7 +1572,7 @@
           <a:p>
             <a:fld id="{97DCCE8C-7C19-4CE2-849C-730D9D984115}" type="datetime1">
               <a:rPr lang="de-DE" smtClean="0"/>
-              <a:t>14.04.2020</a:t>
+              <a:t>17.04.2020</a:t>
             </a:fld>
             <a:endParaRPr lang="de-DE"/>
           </a:p>
@@ -1583,7 +1583,7 @@
           <p:cNvPr id="5" name="Fußzeilenplatzhalter 4">
             <a:extLst>
               <a:ext uri="{FF2B5EF4-FFF2-40B4-BE49-F238E27FC236}">
-                <a16:creationId xmlns:a16="http://schemas.microsoft.com/office/drawing/2014/main" xmlns="" id="{02BB29D6-C358-4D1F-90A7-5282C5CF3A2B}"/>
+                <a16:creationId xmlns:a16="http://schemas.microsoft.com/office/drawing/2014/main" id="{02BB29D6-C358-4D1F-90A7-5282C5CF3A2B}"/>
               </a:ext>
             </a:extLst>
           </p:cNvPr>
@@ -1611,7 +1611,7 @@
           <p:cNvPr id="6" name="Foliennummernplatzhalter 5">
             <a:extLst>
               <a:ext uri="{FF2B5EF4-FFF2-40B4-BE49-F238E27FC236}">
-                <a16:creationId xmlns:a16="http://schemas.microsoft.com/office/drawing/2014/main" xmlns="" id="{AE9CFC43-FC34-49A0-9C58-C1BA7EAB4CD1}"/>
+                <a16:creationId xmlns:a16="http://schemas.microsoft.com/office/drawing/2014/main" id="{AE9CFC43-FC34-49A0-9C58-C1BA7EAB4CD1}"/>
               </a:ext>
             </a:extLst>
           </p:cNvPr>
@@ -1637,7 +1637,7 @@
           <a:p>
             <a:fld id="{9A48FC86-4651-46AF-9E4A-D3FC30E17613}" type="slidenum">
               <a:rPr lang="de-DE" smtClean="0"/>
-              <a:t>‹N°›</a:t>
+              <a:t>‹#›</a:t>
             </a:fld>
             <a:endParaRPr lang="de-DE"/>
           </a:p>
@@ -1678,7 +1678,7 @@
           <p:cNvPr id="2" name="Vertikaler Titel 1">
             <a:extLst>
               <a:ext uri="{FF2B5EF4-FFF2-40B4-BE49-F238E27FC236}">
-                <a16:creationId xmlns:a16="http://schemas.microsoft.com/office/drawing/2014/main" xmlns="" id="{C6AE7126-CFA4-458D-B5F5-AA476ABB117D}"/>
+                <a16:creationId xmlns:a16="http://schemas.microsoft.com/office/drawing/2014/main" id="{C6AE7126-CFA4-458D-B5F5-AA476ABB117D}"/>
               </a:ext>
             </a:extLst>
           </p:cNvPr>
@@ -1711,7 +1711,7 @@
           <p:cNvPr id="3" name="Vertikaler Textplatzhalter 2">
             <a:extLst>
               <a:ext uri="{FF2B5EF4-FFF2-40B4-BE49-F238E27FC236}">
-                <a16:creationId xmlns:a16="http://schemas.microsoft.com/office/drawing/2014/main" xmlns="" id="{E4719945-B69E-4CB7-AF62-A8E248C097C4}"/>
+                <a16:creationId xmlns:a16="http://schemas.microsoft.com/office/drawing/2014/main" id="{E4719945-B69E-4CB7-AF62-A8E248C097C4}"/>
               </a:ext>
             </a:extLst>
           </p:cNvPr>
@@ -1773,7 +1773,7 @@
           <p:cNvPr id="4" name="Datumsplatzhalter 3">
             <a:extLst>
               <a:ext uri="{FF2B5EF4-FFF2-40B4-BE49-F238E27FC236}">
-                <a16:creationId xmlns:a16="http://schemas.microsoft.com/office/drawing/2014/main" xmlns="" id="{194C9456-1825-45D5-AFC8-7437C4E58D48}"/>
+                <a16:creationId xmlns:a16="http://schemas.microsoft.com/office/drawing/2014/main" id="{194C9456-1825-45D5-AFC8-7437C4E58D48}"/>
               </a:ext>
             </a:extLst>
           </p:cNvPr>
@@ -1791,7 +1791,7 @@
           <a:p>
             <a:fld id="{221A1AFA-2D7A-4A35-B2E9-5179FAD91C9A}" type="datetime1">
               <a:rPr lang="de-DE" smtClean="0"/>
-              <a:t>14.04.2020</a:t>
+              <a:t>17.04.2020</a:t>
             </a:fld>
             <a:endParaRPr lang="de-DE"/>
           </a:p>
@@ -1802,7 +1802,7 @@
           <p:cNvPr id="5" name="Fußzeilenplatzhalter 4">
             <a:extLst>
               <a:ext uri="{FF2B5EF4-FFF2-40B4-BE49-F238E27FC236}">
-                <a16:creationId xmlns:a16="http://schemas.microsoft.com/office/drawing/2014/main" xmlns="" id="{0B1CC9B3-FE3E-4DC0-B71D-312C93D1814D}"/>
+                <a16:creationId xmlns:a16="http://schemas.microsoft.com/office/drawing/2014/main" id="{0B1CC9B3-FE3E-4DC0-B71D-312C93D1814D}"/>
               </a:ext>
             </a:extLst>
           </p:cNvPr>
@@ -1830,7 +1830,7 @@
           <p:cNvPr id="6" name="Foliennummernplatzhalter 5">
             <a:extLst>
               <a:ext uri="{FF2B5EF4-FFF2-40B4-BE49-F238E27FC236}">
-                <a16:creationId xmlns:a16="http://schemas.microsoft.com/office/drawing/2014/main" xmlns="" id="{41E050D8-C164-4E85-94F4-BA2B19D46D58}"/>
+                <a16:creationId xmlns:a16="http://schemas.microsoft.com/office/drawing/2014/main" id="{41E050D8-C164-4E85-94F4-BA2B19D46D58}"/>
               </a:ext>
             </a:extLst>
           </p:cNvPr>
@@ -1856,7 +1856,7 @@
           <a:p>
             <a:fld id="{9A48FC86-4651-46AF-9E4A-D3FC30E17613}" type="slidenum">
               <a:rPr lang="de-DE" smtClean="0"/>
-              <a:t>‹N°›</a:t>
+              <a:t>‹#›</a:t>
             </a:fld>
             <a:endParaRPr lang="de-DE"/>
           </a:p>
@@ -1897,7 +1897,7 @@
           <p:cNvPr id="2" name="Titel 1">
             <a:extLst>
               <a:ext uri="{FF2B5EF4-FFF2-40B4-BE49-F238E27FC236}">
-                <a16:creationId xmlns:a16="http://schemas.microsoft.com/office/drawing/2014/main" xmlns="" id="{C9100C2D-6625-4AF5-8937-424086BE0285}"/>
+                <a16:creationId xmlns:a16="http://schemas.microsoft.com/office/drawing/2014/main" id="{C9100C2D-6625-4AF5-8937-424086BE0285}"/>
               </a:ext>
             </a:extLst>
           </p:cNvPr>
@@ -1925,7 +1925,7 @@
           <p:cNvPr id="3" name="Inhaltsplatzhalter 2">
             <a:extLst>
               <a:ext uri="{FF2B5EF4-FFF2-40B4-BE49-F238E27FC236}">
-                <a16:creationId xmlns:a16="http://schemas.microsoft.com/office/drawing/2014/main" xmlns="" id="{38D1AAA1-BE3D-4A43-91C4-A2C3C6173375}"/>
+                <a16:creationId xmlns:a16="http://schemas.microsoft.com/office/drawing/2014/main" id="{38D1AAA1-BE3D-4A43-91C4-A2C3C6173375}"/>
               </a:ext>
             </a:extLst>
           </p:cNvPr>
@@ -1982,7 +1982,7 @@
           <p:cNvPr id="4" name="Datumsplatzhalter 3">
             <a:extLst>
               <a:ext uri="{FF2B5EF4-FFF2-40B4-BE49-F238E27FC236}">
-                <a16:creationId xmlns:a16="http://schemas.microsoft.com/office/drawing/2014/main" xmlns="" id="{48884C8B-06F5-44CC-B1D1-2A02463EC226}"/>
+                <a16:creationId xmlns:a16="http://schemas.microsoft.com/office/drawing/2014/main" id="{48884C8B-06F5-44CC-B1D1-2A02463EC226}"/>
               </a:ext>
             </a:extLst>
           </p:cNvPr>
@@ -2000,7 +2000,7 @@
           <a:p>
             <a:fld id="{C0D11AC0-B5D5-4B5F-9ECB-B7E6CF8984ED}" type="datetime1">
               <a:rPr lang="de-DE" smtClean="0"/>
-              <a:t>14.04.2020</a:t>
+              <a:t>17.04.2020</a:t>
             </a:fld>
             <a:endParaRPr lang="de-DE"/>
           </a:p>
@@ -2011,7 +2011,7 @@
           <p:cNvPr id="5" name="Fußzeilenplatzhalter 4">
             <a:extLst>
               <a:ext uri="{FF2B5EF4-FFF2-40B4-BE49-F238E27FC236}">
-                <a16:creationId xmlns:a16="http://schemas.microsoft.com/office/drawing/2014/main" xmlns="" id="{2EE480CA-0EC1-4AF7-9F30-F143FE83D99B}"/>
+                <a16:creationId xmlns:a16="http://schemas.microsoft.com/office/drawing/2014/main" id="{2EE480CA-0EC1-4AF7-9F30-F143FE83D99B}"/>
               </a:ext>
             </a:extLst>
           </p:cNvPr>
@@ -2044,7 +2044,7 @@
           <p:cNvPr id="6" name="Foliennummernplatzhalter 5">
             <a:extLst>
               <a:ext uri="{FF2B5EF4-FFF2-40B4-BE49-F238E27FC236}">
-                <a16:creationId xmlns:a16="http://schemas.microsoft.com/office/drawing/2014/main" xmlns="" id="{13337EC3-94DD-4B09-A484-F0141C1CB8B0}"/>
+                <a16:creationId xmlns:a16="http://schemas.microsoft.com/office/drawing/2014/main" id="{13337EC3-94DD-4B09-A484-F0141C1CB8B0}"/>
               </a:ext>
             </a:extLst>
           </p:cNvPr>
@@ -2070,7 +2070,7 @@
           <a:p>
             <a:fld id="{9A48FC86-4651-46AF-9E4A-D3FC30E17613}" type="slidenum">
               <a:rPr lang="de-DE" smtClean="0"/>
-              <a:t>‹N°›</a:t>
+              <a:t>‹#›</a:t>
             </a:fld>
             <a:endParaRPr lang="de-DE"/>
           </a:p>
@@ -2111,7 +2111,7 @@
           <p:cNvPr id="2" name="Titel 1">
             <a:extLst>
               <a:ext uri="{FF2B5EF4-FFF2-40B4-BE49-F238E27FC236}">
-                <a16:creationId xmlns:a16="http://schemas.microsoft.com/office/drawing/2014/main" xmlns="" id="{CBDD584A-A976-4556-9716-DA9197EACC6F}"/>
+                <a16:creationId xmlns:a16="http://schemas.microsoft.com/office/drawing/2014/main" id="{CBDD584A-A976-4556-9716-DA9197EACC6F}"/>
               </a:ext>
             </a:extLst>
           </p:cNvPr>
@@ -2148,7 +2148,7 @@
           <p:cNvPr id="3" name="Textplatzhalter 2">
             <a:extLst>
               <a:ext uri="{FF2B5EF4-FFF2-40B4-BE49-F238E27FC236}">
-                <a16:creationId xmlns:a16="http://schemas.microsoft.com/office/drawing/2014/main" xmlns="" id="{C713F004-8C3B-4899-9F30-C6CC20E50B36}"/>
+                <a16:creationId xmlns:a16="http://schemas.microsoft.com/office/drawing/2014/main" id="{C713F004-8C3B-4899-9F30-C6CC20E50B36}"/>
               </a:ext>
             </a:extLst>
           </p:cNvPr>
@@ -2273,7 +2273,7 @@
           <p:cNvPr id="4" name="Datumsplatzhalter 3">
             <a:extLst>
               <a:ext uri="{FF2B5EF4-FFF2-40B4-BE49-F238E27FC236}">
-                <a16:creationId xmlns:a16="http://schemas.microsoft.com/office/drawing/2014/main" xmlns="" id="{B300BECA-2226-430E-B31A-3A70D7FB0DD4}"/>
+                <a16:creationId xmlns:a16="http://schemas.microsoft.com/office/drawing/2014/main" id="{B300BECA-2226-430E-B31A-3A70D7FB0DD4}"/>
               </a:ext>
             </a:extLst>
           </p:cNvPr>
@@ -2291,7 +2291,7 @@
           <a:p>
             <a:fld id="{0123EED1-A1E1-4DB9-BAD8-427B5E5A78DA}" type="datetime1">
               <a:rPr lang="de-DE" smtClean="0"/>
-              <a:t>14.04.2020</a:t>
+              <a:t>17.04.2020</a:t>
             </a:fld>
             <a:endParaRPr lang="de-DE"/>
           </a:p>
@@ -2302,7 +2302,7 @@
           <p:cNvPr id="5" name="Fußzeilenplatzhalter 4">
             <a:extLst>
               <a:ext uri="{FF2B5EF4-FFF2-40B4-BE49-F238E27FC236}">
-                <a16:creationId xmlns:a16="http://schemas.microsoft.com/office/drawing/2014/main" xmlns="" id="{9D2C0B24-C4C7-4E3E-A30D-AD2B22A8CAC5}"/>
+                <a16:creationId xmlns:a16="http://schemas.microsoft.com/office/drawing/2014/main" id="{9D2C0B24-C4C7-4E3E-A30D-AD2B22A8CAC5}"/>
               </a:ext>
             </a:extLst>
           </p:cNvPr>
@@ -2335,7 +2335,7 @@
           <p:cNvPr id="6" name="Foliennummernplatzhalter 5">
             <a:extLst>
               <a:ext uri="{FF2B5EF4-FFF2-40B4-BE49-F238E27FC236}">
-                <a16:creationId xmlns:a16="http://schemas.microsoft.com/office/drawing/2014/main" xmlns="" id="{15EF3485-89F1-47E8-AB99-914FE8775138}"/>
+                <a16:creationId xmlns:a16="http://schemas.microsoft.com/office/drawing/2014/main" id="{15EF3485-89F1-47E8-AB99-914FE8775138}"/>
               </a:ext>
             </a:extLst>
           </p:cNvPr>
@@ -2361,7 +2361,7 @@
           <a:p>
             <a:fld id="{9A48FC86-4651-46AF-9E4A-D3FC30E17613}" type="slidenum">
               <a:rPr lang="de-DE" smtClean="0"/>
-              <a:t>‹N°›</a:t>
+              <a:t>‹#›</a:t>
             </a:fld>
             <a:endParaRPr lang="de-DE"/>
           </a:p>
@@ -2402,7 +2402,7 @@
           <p:cNvPr id="2" name="Titel 1">
             <a:extLst>
               <a:ext uri="{FF2B5EF4-FFF2-40B4-BE49-F238E27FC236}">
-                <a16:creationId xmlns:a16="http://schemas.microsoft.com/office/drawing/2014/main" xmlns="" id="{6B45D284-4E4F-4976-80EC-400821F99BCF}"/>
+                <a16:creationId xmlns:a16="http://schemas.microsoft.com/office/drawing/2014/main" id="{6B45D284-4E4F-4976-80EC-400821F99BCF}"/>
               </a:ext>
             </a:extLst>
           </p:cNvPr>
@@ -2430,7 +2430,7 @@
           <p:cNvPr id="3" name="Inhaltsplatzhalter 2">
             <a:extLst>
               <a:ext uri="{FF2B5EF4-FFF2-40B4-BE49-F238E27FC236}">
-                <a16:creationId xmlns:a16="http://schemas.microsoft.com/office/drawing/2014/main" xmlns="" id="{61C980E4-B51F-4860-A848-EB6955BA36AF}"/>
+                <a16:creationId xmlns:a16="http://schemas.microsoft.com/office/drawing/2014/main" id="{61C980E4-B51F-4860-A848-EB6955BA36AF}"/>
               </a:ext>
             </a:extLst>
           </p:cNvPr>
@@ -2492,7 +2492,7 @@
           <p:cNvPr id="4" name="Inhaltsplatzhalter 3">
             <a:extLst>
               <a:ext uri="{FF2B5EF4-FFF2-40B4-BE49-F238E27FC236}">
-                <a16:creationId xmlns:a16="http://schemas.microsoft.com/office/drawing/2014/main" xmlns="" id="{8D7C296F-6044-4CF6-BBE5-CEA4560EEEB9}"/>
+                <a16:creationId xmlns:a16="http://schemas.microsoft.com/office/drawing/2014/main" id="{8D7C296F-6044-4CF6-BBE5-CEA4560EEEB9}"/>
               </a:ext>
             </a:extLst>
           </p:cNvPr>
@@ -2554,7 +2554,7 @@
           <p:cNvPr id="5" name="Datumsplatzhalter 4">
             <a:extLst>
               <a:ext uri="{FF2B5EF4-FFF2-40B4-BE49-F238E27FC236}">
-                <a16:creationId xmlns:a16="http://schemas.microsoft.com/office/drawing/2014/main" xmlns="" id="{F87A09FB-245D-407E-94D1-C81BBB221DC2}"/>
+                <a16:creationId xmlns:a16="http://schemas.microsoft.com/office/drawing/2014/main" id="{F87A09FB-245D-407E-94D1-C81BBB221DC2}"/>
               </a:ext>
             </a:extLst>
           </p:cNvPr>
@@ -2572,7 +2572,7 @@
           <a:p>
             <a:fld id="{C0292DAF-4A36-4066-A6DB-535EF8475358}" type="datetime1">
               <a:rPr lang="de-DE" smtClean="0"/>
-              <a:t>14.04.2020</a:t>
+              <a:t>17.04.2020</a:t>
             </a:fld>
             <a:endParaRPr lang="de-DE"/>
           </a:p>
@@ -2583,7 +2583,7 @@
           <p:cNvPr id="6" name="Fußzeilenplatzhalter 5">
             <a:extLst>
               <a:ext uri="{FF2B5EF4-FFF2-40B4-BE49-F238E27FC236}">
-                <a16:creationId xmlns:a16="http://schemas.microsoft.com/office/drawing/2014/main" xmlns="" id="{7713AD3F-FB16-4761-97DD-7D2895FBAF79}"/>
+                <a16:creationId xmlns:a16="http://schemas.microsoft.com/office/drawing/2014/main" id="{7713AD3F-FB16-4761-97DD-7D2895FBAF79}"/>
               </a:ext>
             </a:extLst>
           </p:cNvPr>
@@ -2616,7 +2616,7 @@
           <p:cNvPr id="7" name="Foliennummernplatzhalter 6">
             <a:extLst>
               <a:ext uri="{FF2B5EF4-FFF2-40B4-BE49-F238E27FC236}">
-                <a16:creationId xmlns:a16="http://schemas.microsoft.com/office/drawing/2014/main" xmlns="" id="{E08B0646-8FC5-4829-A454-55B654DBA3C4}"/>
+                <a16:creationId xmlns:a16="http://schemas.microsoft.com/office/drawing/2014/main" id="{E08B0646-8FC5-4829-A454-55B654DBA3C4}"/>
               </a:ext>
             </a:extLst>
           </p:cNvPr>
@@ -2642,7 +2642,7 @@
           <a:p>
             <a:fld id="{9A48FC86-4651-46AF-9E4A-D3FC30E17613}" type="slidenum">
               <a:rPr lang="de-DE" smtClean="0"/>
-              <a:t>‹N°›</a:t>
+              <a:t>‹#›</a:t>
             </a:fld>
             <a:endParaRPr lang="de-DE"/>
           </a:p>
@@ -2683,7 +2683,7 @@
           <p:cNvPr id="2" name="Titel 1">
             <a:extLst>
               <a:ext uri="{FF2B5EF4-FFF2-40B4-BE49-F238E27FC236}">
-                <a16:creationId xmlns:a16="http://schemas.microsoft.com/office/drawing/2014/main" xmlns="" id="{87FFCFA6-D29A-4DD6-8A93-5742D6DB0521}"/>
+                <a16:creationId xmlns:a16="http://schemas.microsoft.com/office/drawing/2014/main" id="{87FFCFA6-D29A-4DD6-8A93-5742D6DB0521}"/>
               </a:ext>
             </a:extLst>
           </p:cNvPr>
@@ -2716,7 +2716,7 @@
           <p:cNvPr id="3" name="Textplatzhalter 2">
             <a:extLst>
               <a:ext uri="{FF2B5EF4-FFF2-40B4-BE49-F238E27FC236}">
-                <a16:creationId xmlns:a16="http://schemas.microsoft.com/office/drawing/2014/main" xmlns="" id="{52A062D5-F9A3-40F3-940E-784410DB79B5}"/>
+                <a16:creationId xmlns:a16="http://schemas.microsoft.com/office/drawing/2014/main" id="{52A062D5-F9A3-40F3-940E-784410DB79B5}"/>
               </a:ext>
             </a:extLst>
           </p:cNvPr>
@@ -2787,7 +2787,7 @@
           <p:cNvPr id="4" name="Inhaltsplatzhalter 3">
             <a:extLst>
               <a:ext uri="{FF2B5EF4-FFF2-40B4-BE49-F238E27FC236}">
-                <a16:creationId xmlns:a16="http://schemas.microsoft.com/office/drawing/2014/main" xmlns="" id="{0F2C725F-CDA6-419C-9990-237B92011EB3}"/>
+                <a16:creationId xmlns:a16="http://schemas.microsoft.com/office/drawing/2014/main" id="{0F2C725F-CDA6-419C-9990-237B92011EB3}"/>
               </a:ext>
             </a:extLst>
           </p:cNvPr>
@@ -2849,7 +2849,7 @@
           <p:cNvPr id="5" name="Textplatzhalter 4">
             <a:extLst>
               <a:ext uri="{FF2B5EF4-FFF2-40B4-BE49-F238E27FC236}">
-                <a16:creationId xmlns:a16="http://schemas.microsoft.com/office/drawing/2014/main" xmlns="" id="{57D0AB86-7ACC-4F81-BA1E-EABC81375E4C}"/>
+                <a16:creationId xmlns:a16="http://schemas.microsoft.com/office/drawing/2014/main" id="{57D0AB86-7ACC-4F81-BA1E-EABC81375E4C}"/>
               </a:ext>
             </a:extLst>
           </p:cNvPr>
@@ -2920,7 +2920,7 @@
           <p:cNvPr id="6" name="Inhaltsplatzhalter 5">
             <a:extLst>
               <a:ext uri="{FF2B5EF4-FFF2-40B4-BE49-F238E27FC236}">
-                <a16:creationId xmlns:a16="http://schemas.microsoft.com/office/drawing/2014/main" xmlns="" id="{1A5FCBEC-2F64-4023-881F-8C2D77F12391}"/>
+                <a16:creationId xmlns:a16="http://schemas.microsoft.com/office/drawing/2014/main" id="{1A5FCBEC-2F64-4023-881F-8C2D77F12391}"/>
               </a:ext>
             </a:extLst>
           </p:cNvPr>
@@ -2982,7 +2982,7 @@
           <p:cNvPr id="7" name="Datumsplatzhalter 6">
             <a:extLst>
               <a:ext uri="{FF2B5EF4-FFF2-40B4-BE49-F238E27FC236}">
-                <a16:creationId xmlns:a16="http://schemas.microsoft.com/office/drawing/2014/main" xmlns="" id="{1B579458-8146-4585-8116-8815B1984C10}"/>
+                <a16:creationId xmlns:a16="http://schemas.microsoft.com/office/drawing/2014/main" id="{1B579458-8146-4585-8116-8815B1984C10}"/>
               </a:ext>
             </a:extLst>
           </p:cNvPr>
@@ -3000,7 +3000,7 @@
           <a:p>
             <a:fld id="{082539BE-CECA-45E4-BBE9-22C1404E74AB}" type="datetime1">
               <a:rPr lang="de-DE" smtClean="0"/>
-              <a:t>14.04.2020</a:t>
+              <a:t>17.04.2020</a:t>
             </a:fld>
             <a:endParaRPr lang="de-DE"/>
           </a:p>
@@ -3011,7 +3011,7 @@
           <p:cNvPr id="8" name="Fußzeilenplatzhalter 7">
             <a:extLst>
               <a:ext uri="{FF2B5EF4-FFF2-40B4-BE49-F238E27FC236}">
-                <a16:creationId xmlns:a16="http://schemas.microsoft.com/office/drawing/2014/main" xmlns="" id="{B8FE971A-3252-4BEE-AE2A-ED9DD64D786C}"/>
+                <a16:creationId xmlns:a16="http://schemas.microsoft.com/office/drawing/2014/main" id="{B8FE971A-3252-4BEE-AE2A-ED9DD64D786C}"/>
               </a:ext>
             </a:extLst>
           </p:cNvPr>
@@ -3044,7 +3044,7 @@
           <p:cNvPr id="9" name="Foliennummernplatzhalter 8">
             <a:extLst>
               <a:ext uri="{FF2B5EF4-FFF2-40B4-BE49-F238E27FC236}">
-                <a16:creationId xmlns:a16="http://schemas.microsoft.com/office/drawing/2014/main" xmlns="" id="{224F811E-098E-42CD-BF79-561DBDB14DE9}"/>
+                <a16:creationId xmlns:a16="http://schemas.microsoft.com/office/drawing/2014/main" id="{224F811E-098E-42CD-BF79-561DBDB14DE9}"/>
               </a:ext>
             </a:extLst>
           </p:cNvPr>
@@ -3070,7 +3070,7 @@
           <a:p>
             <a:fld id="{9A48FC86-4651-46AF-9E4A-D3FC30E17613}" type="slidenum">
               <a:rPr lang="de-DE" smtClean="0"/>
-              <a:t>‹N°›</a:t>
+              <a:t>‹#›</a:t>
             </a:fld>
             <a:endParaRPr lang="de-DE"/>
           </a:p>
@@ -3111,7 +3111,7 @@
           <p:cNvPr id="2" name="Titel 1">
             <a:extLst>
               <a:ext uri="{FF2B5EF4-FFF2-40B4-BE49-F238E27FC236}">
-                <a16:creationId xmlns:a16="http://schemas.microsoft.com/office/drawing/2014/main" xmlns="" id="{466DE76C-FB01-463F-B2AD-A897695D3F41}"/>
+                <a16:creationId xmlns:a16="http://schemas.microsoft.com/office/drawing/2014/main" id="{466DE76C-FB01-463F-B2AD-A897695D3F41}"/>
               </a:ext>
             </a:extLst>
           </p:cNvPr>
@@ -3139,7 +3139,7 @@
           <p:cNvPr id="3" name="Datumsplatzhalter 2">
             <a:extLst>
               <a:ext uri="{FF2B5EF4-FFF2-40B4-BE49-F238E27FC236}">
-                <a16:creationId xmlns:a16="http://schemas.microsoft.com/office/drawing/2014/main" xmlns="" id="{6F7936C0-FCFE-4A57-9E63-31F514892227}"/>
+                <a16:creationId xmlns:a16="http://schemas.microsoft.com/office/drawing/2014/main" id="{6F7936C0-FCFE-4A57-9E63-31F514892227}"/>
               </a:ext>
             </a:extLst>
           </p:cNvPr>
@@ -3157,7 +3157,7 @@
           <a:p>
             <a:fld id="{7AFFB96A-BCEB-45BA-8370-8CD7A48406BE}" type="datetime1">
               <a:rPr lang="de-DE" smtClean="0"/>
-              <a:t>14.04.2020</a:t>
+              <a:t>17.04.2020</a:t>
             </a:fld>
             <a:endParaRPr lang="de-DE"/>
           </a:p>
@@ -3168,7 +3168,7 @@
           <p:cNvPr id="4" name="Fußzeilenplatzhalter 3">
             <a:extLst>
               <a:ext uri="{FF2B5EF4-FFF2-40B4-BE49-F238E27FC236}">
-                <a16:creationId xmlns:a16="http://schemas.microsoft.com/office/drawing/2014/main" xmlns="" id="{BF4C0BEA-1F74-43B8-B16A-0B93A98AF74A}"/>
+                <a16:creationId xmlns:a16="http://schemas.microsoft.com/office/drawing/2014/main" id="{BF4C0BEA-1F74-43B8-B16A-0B93A98AF74A}"/>
               </a:ext>
             </a:extLst>
           </p:cNvPr>
@@ -3196,7 +3196,7 @@
           <p:cNvPr id="5" name="Foliennummernplatzhalter 4">
             <a:extLst>
               <a:ext uri="{FF2B5EF4-FFF2-40B4-BE49-F238E27FC236}">
-                <a16:creationId xmlns:a16="http://schemas.microsoft.com/office/drawing/2014/main" xmlns="" id="{FDC612F2-A418-4792-A4B4-C0ABBAAB10A0}"/>
+                <a16:creationId xmlns:a16="http://schemas.microsoft.com/office/drawing/2014/main" id="{FDC612F2-A418-4792-A4B4-C0ABBAAB10A0}"/>
               </a:ext>
             </a:extLst>
           </p:cNvPr>
@@ -3222,7 +3222,7 @@
           <a:p>
             <a:fld id="{9A48FC86-4651-46AF-9E4A-D3FC30E17613}" type="slidenum">
               <a:rPr lang="de-DE" smtClean="0"/>
-              <a:t>‹N°›</a:t>
+              <a:t>‹#›</a:t>
             </a:fld>
             <a:endParaRPr lang="de-DE"/>
           </a:p>
@@ -3263,7 +3263,7 @@
           <p:cNvPr id="2" name="Datumsplatzhalter 1">
             <a:extLst>
               <a:ext uri="{FF2B5EF4-FFF2-40B4-BE49-F238E27FC236}">
-                <a16:creationId xmlns:a16="http://schemas.microsoft.com/office/drawing/2014/main" xmlns="" id="{F1A16BA6-C843-4946-87C4-F009F9659E53}"/>
+                <a16:creationId xmlns:a16="http://schemas.microsoft.com/office/drawing/2014/main" id="{F1A16BA6-C843-4946-87C4-F009F9659E53}"/>
               </a:ext>
             </a:extLst>
           </p:cNvPr>
@@ -3281,7 +3281,7 @@
           <a:p>
             <a:fld id="{DE3AD3D5-E4EA-4F9D-AD7B-23F76A457472}" type="datetime1">
               <a:rPr lang="de-DE" smtClean="0"/>
-              <a:t>14.04.2020</a:t>
+              <a:t>17.04.2020</a:t>
             </a:fld>
             <a:endParaRPr lang="de-DE"/>
           </a:p>
@@ -3292,7 +3292,7 @@
           <p:cNvPr id="3" name="Fußzeilenplatzhalter 2">
             <a:extLst>
               <a:ext uri="{FF2B5EF4-FFF2-40B4-BE49-F238E27FC236}">
-                <a16:creationId xmlns:a16="http://schemas.microsoft.com/office/drawing/2014/main" xmlns="" id="{74AD0BED-584B-4312-BC56-F22A5A97A8EA}"/>
+                <a16:creationId xmlns:a16="http://schemas.microsoft.com/office/drawing/2014/main" id="{74AD0BED-584B-4312-BC56-F22A5A97A8EA}"/>
               </a:ext>
             </a:extLst>
           </p:cNvPr>
@@ -3325,7 +3325,7 @@
           <p:cNvPr id="4" name="Foliennummernplatzhalter 3">
             <a:extLst>
               <a:ext uri="{FF2B5EF4-FFF2-40B4-BE49-F238E27FC236}">
-                <a16:creationId xmlns:a16="http://schemas.microsoft.com/office/drawing/2014/main" xmlns="" id="{ECAC19A7-F328-409E-92C0-6618959AF8AB}"/>
+                <a16:creationId xmlns:a16="http://schemas.microsoft.com/office/drawing/2014/main" id="{ECAC19A7-F328-409E-92C0-6618959AF8AB}"/>
               </a:ext>
             </a:extLst>
           </p:cNvPr>
@@ -3351,7 +3351,7 @@
           <a:p>
             <a:fld id="{9A48FC86-4651-46AF-9E4A-D3FC30E17613}" type="slidenum">
               <a:rPr lang="de-DE" smtClean="0"/>
-              <a:t>‹N°›</a:t>
+              <a:t>‹#›</a:t>
             </a:fld>
             <a:endParaRPr lang="de-DE"/>
           </a:p>
@@ -3392,7 +3392,7 @@
           <p:cNvPr id="2" name="Titel 1">
             <a:extLst>
               <a:ext uri="{FF2B5EF4-FFF2-40B4-BE49-F238E27FC236}">
-                <a16:creationId xmlns:a16="http://schemas.microsoft.com/office/drawing/2014/main" xmlns="" id="{36B5D893-6A5A-4F5D-9559-23E40882374B}"/>
+                <a16:creationId xmlns:a16="http://schemas.microsoft.com/office/drawing/2014/main" id="{36B5D893-6A5A-4F5D-9559-23E40882374B}"/>
               </a:ext>
             </a:extLst>
           </p:cNvPr>
@@ -3429,7 +3429,7 @@
           <p:cNvPr id="3" name="Inhaltsplatzhalter 2">
             <a:extLst>
               <a:ext uri="{FF2B5EF4-FFF2-40B4-BE49-F238E27FC236}">
-                <a16:creationId xmlns:a16="http://schemas.microsoft.com/office/drawing/2014/main" xmlns="" id="{46211E4B-EF89-4D03-A97A-6EB546C0498D}"/>
+                <a16:creationId xmlns:a16="http://schemas.microsoft.com/office/drawing/2014/main" id="{46211E4B-EF89-4D03-A97A-6EB546C0498D}"/>
               </a:ext>
             </a:extLst>
           </p:cNvPr>
@@ -3519,7 +3519,7 @@
           <p:cNvPr id="4" name="Textplatzhalter 3">
             <a:extLst>
               <a:ext uri="{FF2B5EF4-FFF2-40B4-BE49-F238E27FC236}">
-                <a16:creationId xmlns:a16="http://schemas.microsoft.com/office/drawing/2014/main" xmlns="" id="{D4BEF54F-E067-4073-A803-29399235D78F}"/>
+                <a16:creationId xmlns:a16="http://schemas.microsoft.com/office/drawing/2014/main" id="{D4BEF54F-E067-4073-A803-29399235D78F}"/>
               </a:ext>
             </a:extLst>
           </p:cNvPr>
@@ -3590,7 +3590,7 @@
           <p:cNvPr id="5" name="Datumsplatzhalter 4">
             <a:extLst>
               <a:ext uri="{FF2B5EF4-FFF2-40B4-BE49-F238E27FC236}">
-                <a16:creationId xmlns:a16="http://schemas.microsoft.com/office/drawing/2014/main" xmlns="" id="{FF25F891-DBFE-4A5B-99B6-66F48C54174B}"/>
+                <a16:creationId xmlns:a16="http://schemas.microsoft.com/office/drawing/2014/main" id="{FF25F891-DBFE-4A5B-99B6-66F48C54174B}"/>
               </a:ext>
             </a:extLst>
           </p:cNvPr>
@@ -3608,7 +3608,7 @@
           <a:p>
             <a:fld id="{85B45B05-9F08-4563-869B-61599241AF1E}" type="datetime1">
               <a:rPr lang="de-DE" smtClean="0"/>
-              <a:t>14.04.2020</a:t>
+              <a:t>17.04.2020</a:t>
             </a:fld>
             <a:endParaRPr lang="de-DE"/>
           </a:p>
@@ -3619,7 +3619,7 @@
           <p:cNvPr id="6" name="Fußzeilenplatzhalter 5">
             <a:extLst>
               <a:ext uri="{FF2B5EF4-FFF2-40B4-BE49-F238E27FC236}">
-                <a16:creationId xmlns:a16="http://schemas.microsoft.com/office/drawing/2014/main" xmlns="" id="{C508CE39-F26E-4C31-84CD-D89EC83686D4}"/>
+                <a16:creationId xmlns:a16="http://schemas.microsoft.com/office/drawing/2014/main" id="{C508CE39-F26E-4C31-84CD-D89EC83686D4}"/>
               </a:ext>
             </a:extLst>
           </p:cNvPr>
@@ -3652,7 +3652,7 @@
           <p:cNvPr id="7" name="Foliennummernplatzhalter 6">
             <a:extLst>
               <a:ext uri="{FF2B5EF4-FFF2-40B4-BE49-F238E27FC236}">
-                <a16:creationId xmlns:a16="http://schemas.microsoft.com/office/drawing/2014/main" xmlns="" id="{5E1B48FE-614D-4BF1-8C39-73558F055C10}"/>
+                <a16:creationId xmlns:a16="http://schemas.microsoft.com/office/drawing/2014/main" id="{5E1B48FE-614D-4BF1-8C39-73558F055C10}"/>
               </a:ext>
             </a:extLst>
           </p:cNvPr>
@@ -3678,7 +3678,7 @@
           <a:p>
             <a:fld id="{9A48FC86-4651-46AF-9E4A-D3FC30E17613}" type="slidenum">
               <a:rPr lang="de-DE" smtClean="0"/>
-              <a:t>‹N°›</a:t>
+              <a:t>‹#›</a:t>
             </a:fld>
             <a:endParaRPr lang="de-DE"/>
           </a:p>
@@ -3719,7 +3719,7 @@
           <p:cNvPr id="2" name="Titel 1">
             <a:extLst>
               <a:ext uri="{FF2B5EF4-FFF2-40B4-BE49-F238E27FC236}">
-                <a16:creationId xmlns:a16="http://schemas.microsoft.com/office/drawing/2014/main" xmlns="" id="{F9563009-E30B-45AC-BDD7-44EA72F78222}"/>
+                <a16:creationId xmlns:a16="http://schemas.microsoft.com/office/drawing/2014/main" id="{F9563009-E30B-45AC-BDD7-44EA72F78222}"/>
               </a:ext>
             </a:extLst>
           </p:cNvPr>
@@ -3756,7 +3756,7 @@
           <p:cNvPr id="3" name="Bildplatzhalter 2">
             <a:extLst>
               <a:ext uri="{FF2B5EF4-FFF2-40B4-BE49-F238E27FC236}">
-                <a16:creationId xmlns:a16="http://schemas.microsoft.com/office/drawing/2014/main" xmlns="" id="{11F2FF9F-8E72-4929-BF76-ED1330B5F674}"/>
+                <a16:creationId xmlns:a16="http://schemas.microsoft.com/office/drawing/2014/main" id="{11F2FF9F-8E72-4929-BF76-ED1330B5F674}"/>
               </a:ext>
             </a:extLst>
           </p:cNvPr>
@@ -3823,7 +3823,7 @@
           <p:cNvPr id="4" name="Textplatzhalter 3">
             <a:extLst>
               <a:ext uri="{FF2B5EF4-FFF2-40B4-BE49-F238E27FC236}">
-                <a16:creationId xmlns:a16="http://schemas.microsoft.com/office/drawing/2014/main" xmlns="" id="{4A21AA90-B6A3-4F03-A71E-8D4EFEBB4E8A}"/>
+                <a16:creationId xmlns:a16="http://schemas.microsoft.com/office/drawing/2014/main" id="{4A21AA90-B6A3-4F03-A71E-8D4EFEBB4E8A}"/>
               </a:ext>
             </a:extLst>
           </p:cNvPr>
@@ -3894,7 +3894,7 @@
           <p:cNvPr id="5" name="Datumsplatzhalter 4">
             <a:extLst>
               <a:ext uri="{FF2B5EF4-FFF2-40B4-BE49-F238E27FC236}">
-                <a16:creationId xmlns:a16="http://schemas.microsoft.com/office/drawing/2014/main" xmlns="" id="{B9A970BA-F10E-430D-9B5F-218F0B6AAD68}"/>
+                <a16:creationId xmlns:a16="http://schemas.microsoft.com/office/drawing/2014/main" id="{B9A970BA-F10E-430D-9B5F-218F0B6AAD68}"/>
               </a:ext>
             </a:extLst>
           </p:cNvPr>
@@ -3912,7 +3912,7 @@
           <a:p>
             <a:fld id="{D652A3BE-F7B5-4A63-8062-DDAA4613127D}" type="datetime1">
               <a:rPr lang="de-DE" smtClean="0"/>
-              <a:t>14.04.2020</a:t>
+              <a:t>17.04.2020</a:t>
             </a:fld>
             <a:endParaRPr lang="de-DE"/>
           </a:p>
@@ -3923,7 +3923,7 @@
           <p:cNvPr id="6" name="Fußzeilenplatzhalter 5">
             <a:extLst>
               <a:ext uri="{FF2B5EF4-FFF2-40B4-BE49-F238E27FC236}">
-                <a16:creationId xmlns:a16="http://schemas.microsoft.com/office/drawing/2014/main" xmlns="" id="{A141BF1C-61CE-44FF-8ABE-F08D6373AD97}"/>
+                <a16:creationId xmlns:a16="http://schemas.microsoft.com/office/drawing/2014/main" id="{A141BF1C-61CE-44FF-8ABE-F08D6373AD97}"/>
               </a:ext>
             </a:extLst>
           </p:cNvPr>
@@ -3956,7 +3956,7 @@
           <p:cNvPr id="7" name="Foliennummernplatzhalter 6">
             <a:extLst>
               <a:ext uri="{FF2B5EF4-FFF2-40B4-BE49-F238E27FC236}">
-                <a16:creationId xmlns:a16="http://schemas.microsoft.com/office/drawing/2014/main" xmlns="" id="{E76983E8-6FBA-42E6-85DE-B77806E23CA0}"/>
+                <a16:creationId xmlns:a16="http://schemas.microsoft.com/office/drawing/2014/main" id="{E76983E8-6FBA-42E6-85DE-B77806E23CA0}"/>
               </a:ext>
             </a:extLst>
           </p:cNvPr>
@@ -3982,7 +3982,7 @@
           <a:p>
             <a:fld id="{9A48FC86-4651-46AF-9E4A-D3FC30E17613}" type="slidenum">
               <a:rPr lang="de-DE" smtClean="0"/>
-              <a:t>‹N°›</a:t>
+              <a:t>‹#›</a:t>
             </a:fld>
             <a:endParaRPr lang="de-DE"/>
           </a:p>
@@ -4028,7 +4028,7 @@
           <p:cNvPr id="2" name="Titelplatzhalter 1">
             <a:extLst>
               <a:ext uri="{FF2B5EF4-FFF2-40B4-BE49-F238E27FC236}">
-                <a16:creationId xmlns:a16="http://schemas.microsoft.com/office/drawing/2014/main" xmlns="" id="{F1B54F3D-85D6-4E2A-A184-2AD8788616C7}"/>
+                <a16:creationId xmlns:a16="http://schemas.microsoft.com/office/drawing/2014/main" id="{F1B54F3D-85D6-4E2A-A184-2AD8788616C7}"/>
               </a:ext>
             </a:extLst>
           </p:cNvPr>
@@ -4066,7 +4066,7 @@
           <p:cNvPr id="3" name="Textplatzhalter 2">
             <a:extLst>
               <a:ext uri="{FF2B5EF4-FFF2-40B4-BE49-F238E27FC236}">
-                <a16:creationId xmlns:a16="http://schemas.microsoft.com/office/drawing/2014/main" xmlns="" id="{62C62B55-DAE8-4571-9836-D8A9517A6717}"/>
+                <a16:creationId xmlns:a16="http://schemas.microsoft.com/office/drawing/2014/main" id="{62C62B55-DAE8-4571-9836-D8A9517A6717}"/>
               </a:ext>
             </a:extLst>
           </p:cNvPr>
@@ -4133,7 +4133,7 @@
           <p:cNvPr id="4" name="Datumsplatzhalter 3">
             <a:extLst>
               <a:ext uri="{FF2B5EF4-FFF2-40B4-BE49-F238E27FC236}">
-                <a16:creationId xmlns:a16="http://schemas.microsoft.com/office/drawing/2014/main" xmlns="" id="{202396F9-D19B-4197-A727-060829339B6B}"/>
+                <a16:creationId xmlns:a16="http://schemas.microsoft.com/office/drawing/2014/main" id="{202396F9-D19B-4197-A727-060829339B6B}"/>
               </a:ext>
             </a:extLst>
           </p:cNvPr>
@@ -4169,7 +4169,7 @@
           <a:p>
             <a:fld id="{021D039D-3FEB-4CB2-8AA5-58331A7224C8}" type="datetime1">
               <a:rPr lang="de-DE" smtClean="0"/>
-              <a:t>14.04.2020</a:t>
+              <a:t>17.04.2020</a:t>
             </a:fld>
             <a:endParaRPr lang="de-DE" dirty="0"/>
           </a:p>
@@ -4180,7 +4180,7 @@
           <p:cNvPr id="5" name="Fußzeilenplatzhalter 4">
             <a:extLst>
               <a:ext uri="{FF2B5EF4-FFF2-40B4-BE49-F238E27FC236}">
-                <a16:creationId xmlns:a16="http://schemas.microsoft.com/office/drawing/2014/main" xmlns="" id="{B1EA6A1B-5C13-45F1-9B85-4169FD91138A}"/>
+                <a16:creationId xmlns:a16="http://schemas.microsoft.com/office/drawing/2014/main" id="{B1EA6A1B-5C13-45F1-9B85-4169FD91138A}"/>
               </a:ext>
             </a:extLst>
           </p:cNvPr>
@@ -4231,7 +4231,7 @@
           <p:cNvPr id="7" name="Grafik 6">
             <a:extLst>
               <a:ext uri="{FF2B5EF4-FFF2-40B4-BE49-F238E27FC236}">
-                <a16:creationId xmlns:a16="http://schemas.microsoft.com/office/drawing/2014/main" xmlns="" id="{C59B35B2-0CE6-4FF9-984D-F5719598069C}"/>
+                <a16:creationId xmlns:a16="http://schemas.microsoft.com/office/drawing/2014/main" id="{C59B35B2-0CE6-4FF9-984D-F5719598069C}"/>
               </a:ext>
             </a:extLst>
           </p:cNvPr>
@@ -4267,7 +4267,7 @@
           <p:cNvPr id="8" name="Foliennummernplatzhalter 7">
             <a:extLst>
               <a:ext uri="{FF2B5EF4-FFF2-40B4-BE49-F238E27FC236}">
-                <a16:creationId xmlns:a16="http://schemas.microsoft.com/office/drawing/2014/main" xmlns="" id="{8B9E18AC-CAF1-4471-BF04-547435D80DDB}"/>
+                <a16:creationId xmlns:a16="http://schemas.microsoft.com/office/drawing/2014/main" id="{8B9E18AC-CAF1-4471-BF04-547435D80DDB}"/>
               </a:ext>
             </a:extLst>
           </p:cNvPr>
@@ -4303,7 +4303,7 @@
           <a:p>
             <a:fld id="{5999A4A4-2D96-49E3-B364-04D265390CD4}" type="slidenum">
               <a:rPr lang="de-DE" smtClean="0"/>
-              <a:t>‹N°›</a:t>
+              <a:t>‹#›</a:t>
             </a:fld>
             <a:endParaRPr lang="de-DE"/>
           </a:p>
@@ -4636,7 +4636,7 @@
           <p:cNvPr id="2" name="Titel 1">
             <a:extLst>
               <a:ext uri="{FF2B5EF4-FFF2-40B4-BE49-F238E27FC236}">
-                <a16:creationId xmlns:a16="http://schemas.microsoft.com/office/drawing/2014/main" xmlns="" id="{19B6AC69-F81D-4459-ACD2-8110FA9FCE24}"/>
+                <a16:creationId xmlns:a16="http://schemas.microsoft.com/office/drawing/2014/main" id="{19B6AC69-F81D-4459-ACD2-8110FA9FCE24}"/>
               </a:ext>
             </a:extLst>
           </p:cNvPr>
@@ -4664,7 +4664,7 @@
           <p:cNvPr id="3" name="Untertitel 2">
             <a:extLst>
               <a:ext uri="{FF2B5EF4-FFF2-40B4-BE49-F238E27FC236}">
-                <a16:creationId xmlns:a16="http://schemas.microsoft.com/office/drawing/2014/main" xmlns="" id="{13737FBA-E6BC-4517-8A74-4336C01F7072}"/>
+                <a16:creationId xmlns:a16="http://schemas.microsoft.com/office/drawing/2014/main" id="{13737FBA-E6BC-4517-8A74-4336C01F7072}"/>
               </a:ext>
             </a:extLst>
           </p:cNvPr>
@@ -4740,13 +4740,6 @@
   <p:clrMapOvr>
     <a:masterClrMapping/>
   </p:clrMapOvr>
-  <p:timing>
-    <p:tnLst>
-      <p:par>
-        <p:cTn id="1" dur="indefinite" restart="never" nodeType="tmRoot"/>
-      </p:par>
-    </p:tnLst>
-  </p:timing>
 </p:sld>
 </file>
 
@@ -4783,10 +4776,9 @@
           <a:lstStyle/>
           <a:p>
             <a:r>
-              <a:rPr lang="en-US" dirty="0" smtClean="0"/>
+              <a:rPr lang="en-US" dirty="0"/>
               <a:t>Web Architecture</a:t>
             </a:r>
-            <a:endParaRPr lang="en-US" dirty="0"/>
           </a:p>
         </p:txBody>
       </p:sp>
@@ -4807,7 +4799,7 @@
           <a:p>
             <a:fld id="{C0D11AC0-B5D5-4B5F-9ECB-B7E6CF8984ED}" type="datetime1">
               <a:rPr lang="de-DE" smtClean="0"/>
-              <a:t>14.04.2020</a:t>
+              <a:t>17.04.2020</a:t>
             </a:fld>
             <a:endParaRPr lang="de-DE" dirty="0"/>
           </a:p>
@@ -4863,8 +4855,8 @@
         </p:nvSpPr>
         <p:spPr bwMode="auto">
           <a:xfrm>
-            <a:off x="5253464" y="2987236"/>
-            <a:ext cx="4985616" cy="2780136"/>
+            <a:off x="5253463" y="2987236"/>
+            <a:ext cx="6348923" cy="2780136"/>
           </a:xfrm>
           <a:prstGeom prst="roundRect">
             <a:avLst/>
@@ -4877,7 +4869,6 @@
             <a:headEnd type="none" w="med" len="med"/>
             <a:tailEnd type="none" w="med" len="med"/>
           </a:ln>
-          <a:extLst/>
         </p:spPr>
         <p:style>
           <a:lnRef idx="2">
@@ -4925,8 +4916,8 @@
         </p:nvSpPr>
         <p:spPr bwMode="auto">
           <a:xfrm>
-            <a:off x="6932017" y="3575628"/>
-            <a:ext cx="2793992" cy="688310"/>
+            <a:off x="5729586" y="3568954"/>
+            <a:ext cx="2361885" cy="688310"/>
           </a:xfrm>
           <a:prstGeom prst="rect">
             <a:avLst/>
@@ -4938,7 +4929,6 @@
             <a:headEnd type="none" w="med" len="med"/>
             <a:tailEnd type="none" w="med" len="med"/>
           </a:ln>
-          <a:extLst/>
         </p:spPr>
         <p:style>
           <a:lnRef idx="2">
@@ -4986,7 +4976,7 @@
               </a:rPr>
             </a:br>
             <a:r>
-              <a:rPr lang="fr-FR" sz="1350" dirty="0" smtClean="0">
+              <a:rPr lang="fr-FR" sz="1350" dirty="0">
                 <a:solidFill>
                   <a:srgbClr val="00B050"/>
                 </a:solidFill>
@@ -4994,7 +4984,7 @@
               <a:t>Python (</a:t>
             </a:r>
             <a:r>
-              <a:rPr lang="fr-FR" sz="1350" dirty="0" err="1" smtClean="0">
+              <a:rPr lang="fr-FR" sz="1350" dirty="0" err="1">
                 <a:solidFill>
                   <a:srgbClr val="00B050"/>
                 </a:solidFill>
@@ -5002,18 +4992,13 @@
               <a:t>Flask</a:t>
             </a:r>
             <a:r>
-              <a:rPr lang="fr-FR" sz="1350" dirty="0" smtClean="0">
+              <a:rPr lang="fr-FR" sz="1350" dirty="0">
                 <a:solidFill>
                   <a:srgbClr val="00B050"/>
                 </a:solidFill>
               </a:rPr>
               <a:t>)</a:t>
             </a:r>
-            <a:endParaRPr lang="fr-FR" sz="1350" dirty="0">
-              <a:solidFill>
-                <a:srgbClr val="00B050"/>
-              </a:solidFill>
-            </a:endParaRPr>
           </a:p>
         </p:txBody>
       </p:sp>
@@ -5025,8 +5010,8 @@
         </p:nvSpPr>
         <p:spPr bwMode="auto">
           <a:xfrm>
-            <a:off x="6932017" y="4652911"/>
-            <a:ext cx="2793991" cy="538398"/>
+            <a:off x="5729586" y="4697602"/>
+            <a:ext cx="2361885" cy="706446"/>
           </a:xfrm>
           <a:prstGeom prst="rect">
             <a:avLst/>
@@ -5038,7 +5023,6 @@
             <a:headEnd type="none" w="med" len="med"/>
             <a:tailEnd type="none" w="med" len="med"/>
           </a:ln>
-          <a:extLst/>
         </p:spPr>
         <p:style>
           <a:lnRef idx="2">
@@ -5071,7 +5055,7 @@
               </a:spcAft>
             </a:pPr>
             <a:r>
-              <a:rPr lang="fr-FR" sz="1350" dirty="0" err="1" smtClean="0">
+              <a:rPr lang="fr-FR" sz="1350" dirty="0" err="1">
                 <a:solidFill>
                   <a:srgbClr val="000000"/>
                 </a:solidFill>
@@ -5079,18 +5063,13 @@
               <a:t>Trained</a:t>
             </a:r>
             <a:r>
-              <a:rPr lang="fr-FR" sz="1350" dirty="0" smtClean="0">
+              <a:rPr lang="fr-FR" sz="1350" dirty="0">
                 <a:solidFill>
                   <a:srgbClr val="000000"/>
                 </a:solidFill>
               </a:rPr>
               <a:t> Model (.h5 file)</a:t>
             </a:r>
-            <a:endParaRPr lang="fr-FR" sz="1350" dirty="0">
-              <a:solidFill>
-                <a:srgbClr val="000000"/>
-              </a:solidFill>
-            </a:endParaRPr>
           </a:p>
         </p:txBody>
       </p:sp>
@@ -5102,7 +5081,7 @@
         </p:nvSpPr>
         <p:spPr bwMode="auto">
           <a:xfrm>
-            <a:off x="1486893" y="1489366"/>
+            <a:off x="782363" y="1496861"/>
             <a:ext cx="2651852" cy="4278006"/>
           </a:xfrm>
           <a:prstGeom prst="roundRect">
@@ -5116,7 +5095,6 @@
             <a:headEnd type="none" w="med" len="med"/>
             <a:tailEnd type="none" w="med" len="med"/>
           </a:ln>
-          <a:extLst/>
         </p:spPr>
         <p:style>
           <a:lnRef idx="2">
@@ -5156,174 +5134,195 @@
           </a:p>
         </p:txBody>
       </p:sp>
-      <p:pic>
-        <p:nvPicPr>
-          <p:cNvPr id="34" name="Picture 2" descr="http://www.myiconfinder.com/uploads/iconsets/bce29d40d69e6a5f274890b2b3959992-computer.png"/>
-          <p:cNvPicPr>
-            <a:picLocks noChangeAspect="1" noChangeArrowheads="1"/>
-          </p:cNvPicPr>
+      <p:grpSp>
+        <p:nvGrpSpPr>
+          <p:cNvPr id="7" name="Group 6">
+            <a:extLst>
+              <a:ext uri="{FF2B5EF4-FFF2-40B4-BE49-F238E27FC236}">
+                <a16:creationId xmlns:a16="http://schemas.microsoft.com/office/drawing/2014/main" id="{7309C384-6DCD-4775-B2C4-21469D66386A}"/>
+              </a:ext>
+            </a:extLst>
+          </p:cNvPr>
+          <p:cNvGrpSpPr/>
           <p:nvPr/>
-        </p:nvPicPr>
-        <p:blipFill rotWithShape="1">
-          <a:blip r:embed="rId2" cstate="print">
-            <a:extLst>
-              <a:ext uri="{28A0092B-C50C-407E-A947-70E740481C1C}">
-                <a14:useLocalDpi xmlns:a14="http://schemas.microsoft.com/office/drawing/2010/main" val="0"/>
-              </a:ext>
-            </a:extLst>
-          </a:blip>
-          <a:srcRect b="40240"/>
-          <a:stretch/>
-        </p:blipFill>
-        <p:spPr bwMode="auto">
+        </p:nvGrpSpPr>
+        <p:grpSpPr>
           <a:xfrm>
-            <a:off x="2764954" y="2361721"/>
-            <a:ext cx="786052" cy="477978"/>
+            <a:off x="1247608" y="1936650"/>
+            <a:ext cx="1721361" cy="909064"/>
+            <a:chOff x="1125115" y="1938130"/>
+            <a:chExt cx="1721361" cy="909064"/>
           </a:xfrm>
-          <a:prstGeom prst="rect">
-            <a:avLst/>
-          </a:prstGeom>
-          <a:noFill/>
-          <a:extLst>
-            <a:ext uri="{909E8E84-426E-40DD-AFC4-6F175D3DCCD1}">
-              <a14:hiddenFill xmlns:a14="http://schemas.microsoft.com/office/drawing/2010/main">
+        </p:grpSpPr>
+        <p:pic>
+          <p:nvPicPr>
+            <p:cNvPr id="34" name="Picture 2" descr="http://www.myiconfinder.com/uploads/iconsets/bce29d40d69e6a5f274890b2b3959992-computer.png"/>
+            <p:cNvPicPr>
+              <a:picLocks noChangeAspect="1" noChangeArrowheads="1"/>
+            </p:cNvPicPr>
+            <p:nvPr/>
+          </p:nvPicPr>
+          <p:blipFill rotWithShape="1">
+            <a:blip r:embed="rId2" cstate="print">
+              <a:extLst>
+                <a:ext uri="{28A0092B-C50C-407E-A947-70E740481C1C}">
+                  <a14:useLocalDpi xmlns:a14="http://schemas.microsoft.com/office/drawing/2010/main" val="0"/>
+                </a:ext>
+              </a:extLst>
+            </a:blip>
+            <a:srcRect b="40240"/>
+            <a:stretch/>
+          </p:blipFill>
+          <p:spPr bwMode="auto">
+            <a:xfrm>
+              <a:off x="2060424" y="2369216"/>
+              <a:ext cx="786052" cy="477978"/>
+            </a:xfrm>
+            <a:prstGeom prst="rect">
+              <a:avLst/>
+            </a:prstGeom>
+            <a:noFill/>
+            <a:extLst>
+              <a:ext uri="{909E8E84-426E-40DD-AFC4-6F175D3DCCD1}">
+                <a14:hiddenFill xmlns:a14="http://schemas.microsoft.com/office/drawing/2010/main">
+                  <a:solidFill>
+                    <a:srgbClr val="FFFFFF"/>
+                  </a:solidFill>
+                </a14:hiddenFill>
+              </a:ext>
+            </a:extLst>
+          </p:spPr>
+        </p:pic>
+        <p:pic>
+          <p:nvPicPr>
+            <p:cNvPr id="35" name="Picture 2" descr="Image result for smartphone icon"/>
+            <p:cNvPicPr>
+              <a:picLocks noChangeAspect="1" noChangeArrowheads="1"/>
+            </p:cNvPicPr>
+            <p:nvPr/>
+          </p:nvPicPr>
+          <p:blipFill>
+            <a:blip r:embed="rId3" cstate="print">
+              <a:extLst>
+                <a:ext uri="{28A0092B-C50C-407E-A947-70E740481C1C}">
+                  <a14:useLocalDpi xmlns:a14="http://schemas.microsoft.com/office/drawing/2010/main" val="0"/>
+                </a:ext>
+              </a:extLst>
+            </a:blip>
+            <a:srcRect/>
+            <a:stretch>
+              <a:fillRect/>
+            </a:stretch>
+          </p:blipFill>
+          <p:spPr bwMode="auto">
+            <a:xfrm flipH="1">
+              <a:off x="1125115" y="2369216"/>
+              <a:ext cx="477978" cy="477978"/>
+            </a:xfrm>
+            <a:prstGeom prst="rect">
+              <a:avLst/>
+            </a:prstGeom>
+            <a:noFill/>
+            <a:extLst>
+              <a:ext uri="{909E8E84-426E-40DD-AFC4-6F175D3DCCD1}">
+                <a14:hiddenFill xmlns:a14="http://schemas.microsoft.com/office/drawing/2010/main">
+                  <a:solidFill>
+                    <a:srgbClr val="FFFFFF"/>
+                  </a:solidFill>
+                </a14:hiddenFill>
+              </a:ext>
+            </a:extLst>
+          </p:spPr>
+        </p:pic>
+        <p:pic>
+          <p:nvPicPr>
+            <p:cNvPr id="36" name="Picture 4" descr="Image result for tablette icon"/>
+            <p:cNvPicPr>
+              <a:picLocks noChangeAspect="1" noChangeArrowheads="1"/>
+            </p:cNvPicPr>
+            <p:nvPr/>
+          </p:nvPicPr>
+          <p:blipFill>
+            <a:blip r:embed="rId4" cstate="print">
+              <a:extLst>
+                <a:ext uri="{28A0092B-C50C-407E-A947-70E740481C1C}">
+                  <a14:useLocalDpi xmlns:a14="http://schemas.microsoft.com/office/drawing/2010/main" val="0"/>
+                </a:ext>
+              </a:extLst>
+            </a:blip>
+            <a:srcRect/>
+            <a:stretch>
+              <a:fillRect/>
+            </a:stretch>
+          </p:blipFill>
+          <p:spPr bwMode="auto">
+            <a:xfrm>
+              <a:off x="1552072" y="2369216"/>
+              <a:ext cx="477978" cy="477978"/>
+            </a:xfrm>
+            <a:prstGeom prst="rect">
+              <a:avLst/>
+            </a:prstGeom>
+            <a:noFill/>
+            <a:extLst>
+              <a:ext uri="{909E8E84-426E-40DD-AFC4-6F175D3DCCD1}">
+                <a14:hiddenFill xmlns:a14="http://schemas.microsoft.com/office/drawing/2010/main">
+                  <a:solidFill>
+                    <a:srgbClr val="FFFFFF"/>
+                  </a:solidFill>
+                </a14:hiddenFill>
+              </a:ext>
+            </a:extLst>
+          </p:spPr>
+        </p:pic>
+        <p:sp>
+          <p:nvSpPr>
+            <p:cNvPr id="37" name="Rectangle 36"/>
+            <p:cNvSpPr/>
+            <p:nvPr/>
+          </p:nvSpPr>
+          <p:spPr>
+            <a:xfrm>
+              <a:off x="1444173" y="1938130"/>
+              <a:ext cx="1088772" cy="334707"/>
+            </a:xfrm>
+            <a:prstGeom prst="rect">
+              <a:avLst/>
+            </a:prstGeom>
+          </p:spPr>
+          <p:txBody>
+            <a:bodyPr wrap="square">
+              <a:spAutoFit/>
+            </a:bodyPr>
+            <a:lstStyle/>
+            <a:p>
+              <a:pPr algn="ctr" defTabSz="782032" fontAlgn="base">
+                <a:spcBef>
+                  <a:spcPct val="0"/>
+                </a:spcBef>
+                <a:spcAft>
+                  <a:spcPct val="0"/>
+                </a:spcAft>
+              </a:pPr>
+              <a:r>
+                <a:rPr lang="fr-FR" sz="1575" dirty="0">
+                  <a:solidFill>
+                    <a:srgbClr val="000000"/>
+                  </a:solidFill>
+                  <a:cs typeface="Arial" charset="0"/>
+                </a:rPr>
+                <a:t>Web App</a:t>
+              </a:r>
+              <a:endParaRPr lang="fr-FR" sz="1575" dirty="0">
                 <a:solidFill>
-                  <a:srgbClr val="FFFFFF"/>
-                </a:solidFill>
-              </a14:hiddenFill>
-            </a:ext>
-          </a:extLst>
-        </p:spPr>
-      </p:pic>
-      <p:pic>
-        <p:nvPicPr>
-          <p:cNvPr id="35" name="Picture 2" descr="Image result for smartphone icon"/>
-          <p:cNvPicPr>
-            <a:picLocks noChangeAspect="1" noChangeArrowheads="1"/>
-          </p:cNvPicPr>
-          <p:nvPr/>
-        </p:nvPicPr>
-        <p:blipFill>
-          <a:blip r:embed="rId3" cstate="print">
-            <a:extLst>
-              <a:ext uri="{28A0092B-C50C-407E-A947-70E740481C1C}">
-                <a14:useLocalDpi xmlns:a14="http://schemas.microsoft.com/office/drawing/2010/main" val="0"/>
-              </a:ext>
-            </a:extLst>
-          </a:blip>
-          <a:srcRect/>
-          <a:stretch>
-            <a:fillRect/>
-          </a:stretch>
-        </p:blipFill>
-        <p:spPr bwMode="auto">
-          <a:xfrm flipH="1">
-            <a:off x="1829645" y="2361721"/>
-            <a:ext cx="477978" cy="477978"/>
-          </a:xfrm>
-          <a:prstGeom prst="rect">
-            <a:avLst/>
-          </a:prstGeom>
-          <a:noFill/>
-          <a:extLst>
-            <a:ext uri="{909E8E84-426E-40DD-AFC4-6F175D3DCCD1}">
-              <a14:hiddenFill xmlns:a14="http://schemas.microsoft.com/office/drawing/2010/main">
-                <a:solidFill>
-                  <a:srgbClr val="FFFFFF"/>
-                </a:solidFill>
-              </a14:hiddenFill>
-            </a:ext>
-          </a:extLst>
-        </p:spPr>
-      </p:pic>
-      <p:pic>
-        <p:nvPicPr>
-          <p:cNvPr id="36" name="Picture 4" descr="Image result for tablette icon"/>
-          <p:cNvPicPr>
-            <a:picLocks noChangeAspect="1" noChangeArrowheads="1"/>
-          </p:cNvPicPr>
-          <p:nvPr/>
-        </p:nvPicPr>
-        <p:blipFill>
-          <a:blip r:embed="rId4" cstate="print">
-            <a:extLst>
-              <a:ext uri="{28A0092B-C50C-407E-A947-70E740481C1C}">
-                <a14:useLocalDpi xmlns:a14="http://schemas.microsoft.com/office/drawing/2010/main" val="0"/>
-              </a:ext>
-            </a:extLst>
-          </a:blip>
-          <a:srcRect/>
-          <a:stretch>
-            <a:fillRect/>
-          </a:stretch>
-        </p:blipFill>
-        <p:spPr bwMode="auto">
-          <a:xfrm>
-            <a:off x="2256602" y="2361721"/>
-            <a:ext cx="477978" cy="477978"/>
-          </a:xfrm>
-          <a:prstGeom prst="rect">
-            <a:avLst/>
-          </a:prstGeom>
-          <a:noFill/>
-          <a:extLst>
-            <a:ext uri="{909E8E84-426E-40DD-AFC4-6F175D3DCCD1}">
-              <a14:hiddenFill xmlns:a14="http://schemas.microsoft.com/office/drawing/2010/main">
-                <a:solidFill>
-                  <a:srgbClr val="FFFFFF"/>
-                </a:solidFill>
-              </a14:hiddenFill>
-            </a:ext>
-          </a:extLst>
-        </p:spPr>
-      </p:pic>
-      <p:sp>
-        <p:nvSpPr>
-          <p:cNvPr id="37" name="Rectangle 36"/>
-          <p:cNvSpPr/>
-          <p:nvPr/>
-        </p:nvSpPr>
-        <p:spPr>
-          <a:xfrm>
-            <a:off x="2148703" y="1930635"/>
-            <a:ext cx="1088772" cy="334707"/>
-          </a:xfrm>
-          <a:prstGeom prst="rect">
-            <a:avLst/>
-          </a:prstGeom>
-        </p:spPr>
-        <p:txBody>
-          <a:bodyPr wrap="square">
-            <a:spAutoFit/>
-          </a:bodyPr>
-          <a:lstStyle/>
-          <a:p>
-            <a:pPr algn="ctr" defTabSz="782032" fontAlgn="base">
-              <a:spcBef>
-                <a:spcPct val="0"/>
-              </a:spcBef>
-              <a:spcAft>
-                <a:spcPct val="0"/>
-              </a:spcAft>
-            </a:pPr>
-            <a:r>
-              <a:rPr lang="fr-FR" sz="1575" dirty="0">
-                <a:solidFill>
-                  <a:srgbClr val="000000"/>
+                  <a:srgbClr val="00B050"/>
                 </a:solidFill>
                 <a:cs typeface="Arial" charset="0"/>
-              </a:rPr>
-              <a:t>Web App</a:t>
-            </a:r>
-            <a:endParaRPr lang="fr-FR" sz="1575" dirty="0">
-              <a:solidFill>
-                <a:srgbClr val="00B050"/>
-              </a:solidFill>
-              <a:cs typeface="Arial" charset="0"/>
-            </a:endParaRPr>
-          </a:p>
-        </p:txBody>
-      </p:sp>
+              </a:endParaRPr>
+            </a:p>
+          </p:txBody>
+        </p:sp>
+      </p:grpSp>
       <p:sp>
         <p:nvSpPr>
           <p:cNvPr id="38" name="Rectangle 37"/>
@@ -5332,7 +5331,7 @@
         </p:nvSpPr>
         <p:spPr>
           <a:xfrm>
-            <a:off x="3180301" y="3565651"/>
+            <a:off x="2648156" y="3573146"/>
             <a:ext cx="609331" cy="611706"/>
           </a:xfrm>
           <a:prstGeom prst="rect">
@@ -5354,7 +5353,7 @@
               </a:spcAft>
             </a:pPr>
             <a:r>
-              <a:rPr lang="fr-FR" sz="1125" dirty="0" smtClean="0">
+              <a:rPr lang="fr-FR" sz="1125" dirty="0">
                 <a:solidFill>
                   <a:srgbClr val="000000"/>
                 </a:solidFill>
@@ -5373,7 +5372,7 @@
               </a:spcAft>
             </a:pPr>
             <a:r>
-              <a:rPr lang="fr-FR" sz="1125" dirty="0" smtClean="0">
+              <a:rPr lang="fr-FR" sz="1125" dirty="0">
                 <a:solidFill>
                   <a:srgbClr val="000000"/>
                 </a:solidFill>
@@ -5392,7 +5391,7 @@
               </a:spcAft>
             </a:pPr>
             <a:r>
-              <a:rPr lang="fr-FR" sz="1125" dirty="0" smtClean="0">
+              <a:rPr lang="fr-FR" sz="1125" dirty="0">
                 <a:solidFill>
                   <a:srgbClr val="000000"/>
                 </a:solidFill>
@@ -5400,12 +5399,6 @@
               </a:rPr>
               <a:t>CSS</a:t>
             </a:r>
-            <a:endParaRPr lang="fr-FR" sz="1125" dirty="0">
-              <a:solidFill>
-                <a:srgbClr val="000000"/>
-              </a:solidFill>
-              <a:cs typeface="Arial" charset="0"/>
-            </a:endParaRPr>
           </a:p>
         </p:txBody>
       </p:sp>
@@ -5430,7 +5423,7 @@
         </p:blipFill>
         <p:spPr bwMode="auto">
           <a:xfrm>
-            <a:off x="4315326" y="4010733"/>
+            <a:off x="4015520" y="3953266"/>
             <a:ext cx="500668" cy="475221"/>
           </a:xfrm>
           <a:prstGeom prst="rect">
@@ -5456,7 +5449,7 @@
         </p:nvSpPr>
         <p:spPr bwMode="auto">
           <a:xfrm>
-            <a:off x="8123798" y="4226629"/>
+            <a:off x="6893578" y="4238928"/>
             <a:ext cx="199381" cy="458674"/>
           </a:xfrm>
           <a:prstGeom prst="upDownArrow">
@@ -5475,7 +5468,6 @@
             <a:tailEnd type="none" w="med" len="med"/>
           </a:ln>
           <a:effectLst/>
-          <a:extLst/>
         </p:spPr>
         <p:txBody>
           <a:bodyPr vert="horz" wrap="square" lIns="68562" tIns="34281" rIns="68562" bIns="34281" numCol="1" rtlCol="0" anchor="t" anchorCtr="0" compatLnSpc="1">
@@ -5510,7 +5502,7 @@
         </p:nvSpPr>
         <p:spPr>
           <a:xfrm>
-            <a:off x="4138108" y="3579549"/>
+            <a:off x="3655566" y="3525462"/>
             <a:ext cx="1679189" cy="265457"/>
           </a:xfrm>
           <a:prstGeom prst="rect">
@@ -5538,149 +5530,172 @@
                 </a:solidFill>
                 <a:cs typeface="Arial" charset="0"/>
               </a:rPr>
-              <a:t>API </a:t>
-            </a:r>
-            <a:r>
-              <a:rPr lang="fr-FR" sz="1125" dirty="0" smtClean="0">
+              <a:t>RESTful API (GET </a:t>
+            </a:r>
+            <a:r>
+              <a:rPr lang="fr-FR" sz="1125" dirty="0" err="1">
                 <a:solidFill>
                   <a:srgbClr val="00B050"/>
                 </a:solidFill>
                 <a:cs typeface="Arial" charset="0"/>
               </a:rPr>
-              <a:t>REST (GET) </a:t>
-            </a:r>
-            <a:endParaRPr lang="fr-FR" sz="1125" dirty="0" smtClean="0">
+              <a:t>only</a:t>
+            </a:r>
+            <a:r>
+              <a:rPr lang="fr-FR" sz="1125" dirty="0">
+                <a:solidFill>
+                  <a:srgbClr val="00B050"/>
+                </a:solidFill>
+                <a:cs typeface="Arial" charset="0"/>
+              </a:rPr>
+              <a:t>) </a:t>
+            </a:r>
+          </a:p>
+        </p:txBody>
+      </p:sp>
+      <p:grpSp>
+        <p:nvGrpSpPr>
+          <p:cNvPr id="3" name="Group 2">
+            <a:extLst>
+              <a:ext uri="{FF2B5EF4-FFF2-40B4-BE49-F238E27FC236}">
+                <a16:creationId xmlns:a16="http://schemas.microsoft.com/office/drawing/2014/main" id="{38150398-1A64-4FB7-A3DE-19041D5C1156}"/>
+              </a:ext>
+            </a:extLst>
+          </p:cNvPr>
+          <p:cNvGrpSpPr/>
+          <p:nvPr/>
+        </p:nvGrpSpPr>
+        <p:grpSpPr>
+          <a:xfrm>
+            <a:off x="1013079" y="3490858"/>
+            <a:ext cx="1637026" cy="713120"/>
+            <a:chOff x="840694" y="3558313"/>
+            <a:chExt cx="1637026" cy="713120"/>
+          </a:xfrm>
+        </p:grpSpPr>
+        <p:sp>
+          <p:nvSpPr>
+            <p:cNvPr id="44" name="Rectangle 43"/>
+            <p:cNvSpPr/>
+            <p:nvPr/>
+          </p:nvSpPr>
+          <p:spPr bwMode="auto">
+            <a:xfrm>
+              <a:off x="840694" y="3558313"/>
+              <a:ext cx="1637026" cy="713120"/>
+            </a:xfrm>
+            <a:prstGeom prst="rect">
+              <a:avLst/>
+            </a:prstGeom>
+            <a:ln w="19050">
               <a:solidFill>
-                <a:srgbClr val="00B050"/>
+                <a:srgbClr val="96D3E5"/>
               </a:solidFill>
-              <a:cs typeface="Arial" charset="0"/>
-            </a:endParaRPr>
-          </a:p>
-        </p:txBody>
-      </p:sp>
-      <p:sp>
-        <p:nvSpPr>
-          <p:cNvPr id="44" name="Rectangle 43"/>
-          <p:cNvSpPr/>
-          <p:nvPr/>
-        </p:nvSpPr>
-        <p:spPr bwMode="auto">
-          <a:xfrm>
-            <a:off x="1545224" y="3550818"/>
-            <a:ext cx="1637026" cy="713120"/>
-          </a:xfrm>
-          <a:prstGeom prst="rect">
-            <a:avLst/>
-          </a:prstGeom>
-          <a:ln w="19050">
-            <a:solidFill>
-              <a:srgbClr val="96D3E5"/>
-            </a:solidFill>
-            <a:headEnd type="none" w="med" len="med"/>
-            <a:tailEnd type="none" w="med" len="med"/>
-          </a:ln>
-          <a:extLst/>
-        </p:spPr>
-        <p:style>
-          <a:lnRef idx="2">
-            <a:schemeClr val="accent1"/>
-          </a:lnRef>
-          <a:fillRef idx="1">
-            <a:schemeClr val="lt1"/>
-          </a:fillRef>
-          <a:effectRef idx="0">
-            <a:schemeClr val="accent1"/>
-          </a:effectRef>
-          <a:fontRef idx="minor">
-            <a:schemeClr val="dk1"/>
-          </a:fontRef>
-        </p:style>
-        <p:txBody>
-          <a:bodyPr vert="horz" wrap="square" lIns="68562" tIns="34281" rIns="68562" bIns="34281" numCol="1" rtlCol="0" anchor="t" anchorCtr="0" compatLnSpc="1">
-            <a:prstTxWarp prst="textNoShape">
-              <a:avLst/>
-            </a:prstTxWarp>
-          </a:bodyPr>
-          <a:lstStyle/>
-          <a:p>
-            <a:pPr defTabSz="782032" fontAlgn="base">
-              <a:spcBef>
-                <a:spcPct val="0"/>
-              </a:spcBef>
-              <a:spcAft>
-                <a:spcPct val="0"/>
-              </a:spcAft>
-            </a:pPr>
-            <a:endParaRPr lang="fr-FR" sz="1275" dirty="0">
-              <a:solidFill>
-                <a:srgbClr val="000000"/>
-              </a:solidFill>
-            </a:endParaRPr>
-          </a:p>
-          <a:p>
-            <a:pPr defTabSz="782032" fontAlgn="base">
-              <a:spcBef>
-                <a:spcPct val="0"/>
-              </a:spcBef>
-              <a:spcAft>
-                <a:spcPct val="0"/>
-              </a:spcAft>
-            </a:pPr>
-            <a:r>
-              <a:rPr lang="fr-FR" sz="1350" dirty="0" smtClean="0">
+              <a:headEnd type="none" w="med" len="med"/>
+              <a:tailEnd type="none" w="med" len="med"/>
+            </a:ln>
+          </p:spPr>
+          <p:style>
+            <a:lnRef idx="2">
+              <a:schemeClr val="accent1"/>
+            </a:lnRef>
+            <a:fillRef idx="1">
+              <a:schemeClr val="lt1"/>
+            </a:fillRef>
+            <a:effectRef idx="0">
+              <a:schemeClr val="accent1"/>
+            </a:effectRef>
+            <a:fontRef idx="minor">
+              <a:schemeClr val="dk1"/>
+            </a:fontRef>
+          </p:style>
+          <p:txBody>
+            <a:bodyPr vert="horz" wrap="square" lIns="68562" tIns="34281" rIns="68562" bIns="34281" numCol="1" rtlCol="0" anchor="t" anchorCtr="0" compatLnSpc="1">
+              <a:prstTxWarp prst="textNoShape">
+                <a:avLst/>
+              </a:prstTxWarp>
+            </a:bodyPr>
+            <a:lstStyle/>
+            <a:p>
+              <a:pPr defTabSz="782032" fontAlgn="base">
+                <a:spcBef>
+                  <a:spcPct val="0"/>
+                </a:spcBef>
+                <a:spcAft>
+                  <a:spcPct val="0"/>
+                </a:spcAft>
+              </a:pPr>
+              <a:endParaRPr lang="fr-FR" sz="1275" dirty="0">
                 <a:solidFill>
                   <a:srgbClr val="000000"/>
                 </a:solidFill>
-              </a:rPr>
-              <a:t>Front-end</a:t>
-            </a:r>
-            <a:endParaRPr lang="fr-FR" sz="1350" dirty="0">
-              <a:solidFill>
-                <a:srgbClr val="00B050"/>
-              </a:solidFill>
-            </a:endParaRPr>
-          </a:p>
-        </p:txBody>
-      </p:sp>
-      <p:pic>
-        <p:nvPicPr>
-          <p:cNvPr id="45" name="Picture 2" descr="Related image"/>
-          <p:cNvPicPr>
-            <a:picLocks noChangeAspect="1" noChangeArrowheads="1"/>
-          </p:cNvPicPr>
-          <p:nvPr/>
-        </p:nvPicPr>
-        <p:blipFill rotWithShape="1">
-          <a:blip r:embed="rId6" cstate="print">
-            <a:extLst>
-              <a:ext uri="{28A0092B-C50C-407E-A947-70E740481C1C}">
-                <a14:useLocalDpi xmlns:a14="http://schemas.microsoft.com/office/drawing/2010/main" val="0"/>
-              </a:ext>
-            </a:extLst>
-          </a:blip>
-          <a:srcRect l="35861" r="32336"/>
-          <a:stretch/>
-        </p:blipFill>
-        <p:spPr bwMode="auto">
-          <a:xfrm>
-            <a:off x="2649526" y="3565651"/>
-            <a:ext cx="501610" cy="673277"/>
-          </a:xfrm>
-          <a:prstGeom prst="rect">
-            <a:avLst/>
-          </a:prstGeom>
-          <a:noFill/>
-          <a:extLst>
-            <a:ext uri="{909E8E84-426E-40DD-AFC4-6F175D3DCCD1}">
-              <a14:hiddenFill xmlns:a14="http://schemas.microsoft.com/office/drawing/2010/main">
+              </a:endParaRPr>
+            </a:p>
+            <a:p>
+              <a:pPr defTabSz="782032" fontAlgn="base">
+                <a:spcBef>
+                  <a:spcPct val="0"/>
+                </a:spcBef>
+                <a:spcAft>
+                  <a:spcPct val="0"/>
+                </a:spcAft>
+              </a:pPr>
+              <a:r>
+                <a:rPr lang="fr-FR" sz="1350" dirty="0" err="1">
+                  <a:solidFill>
+                    <a:srgbClr val="000000"/>
+                  </a:solidFill>
+                </a:rPr>
+                <a:t>Front-end</a:t>
+              </a:r>
+              <a:endParaRPr lang="fr-FR" sz="1350" dirty="0">
                 <a:solidFill>
-                  <a:srgbClr val="FFFFFF"/>
+                  <a:srgbClr val="000000"/>
                 </a:solidFill>
-              </a14:hiddenFill>
-            </a:ext>
-          </a:extLst>
-        </p:spPr>
-      </p:pic>
+              </a:endParaRPr>
+            </a:p>
+          </p:txBody>
+        </p:sp>
+        <p:pic>
+          <p:nvPicPr>
+            <p:cNvPr id="45" name="Picture 2" descr="Related image"/>
+            <p:cNvPicPr>
+              <a:picLocks noChangeAspect="1" noChangeArrowheads="1"/>
+            </p:cNvPicPr>
+            <p:nvPr/>
+          </p:nvPicPr>
+          <p:blipFill rotWithShape="1">
+            <a:blip r:embed="rId6" cstate="print">
+              <a:extLst>
+                <a:ext uri="{28A0092B-C50C-407E-A947-70E740481C1C}">
+                  <a14:useLocalDpi xmlns:a14="http://schemas.microsoft.com/office/drawing/2010/main" val="0"/>
+                </a:ext>
+              </a:extLst>
+            </a:blip>
+            <a:srcRect l="35861" r="32336"/>
+            <a:stretch/>
+          </p:blipFill>
+          <p:spPr bwMode="auto">
+            <a:xfrm>
+              <a:off x="1944996" y="3573146"/>
+              <a:ext cx="501610" cy="673277"/>
+            </a:xfrm>
+            <a:prstGeom prst="rect">
+              <a:avLst/>
+            </a:prstGeom>
+            <a:noFill/>
+            <a:extLst>
+              <a:ext uri="{909E8E84-426E-40DD-AFC4-6F175D3DCCD1}">
+                <a14:hiddenFill xmlns:a14="http://schemas.microsoft.com/office/drawing/2010/main">
+                  <a:solidFill>
+                    <a:srgbClr val="FFFFFF"/>
+                  </a:solidFill>
+                </a14:hiddenFill>
+              </a:ext>
+            </a:extLst>
+          </p:spPr>
+        </p:pic>
+      </p:grpSp>
       <p:sp>
         <p:nvSpPr>
           <p:cNvPr id="21" name="Double flèche verticale 20"/>
@@ -5689,8 +5704,8 @@
         </p:nvSpPr>
         <p:spPr bwMode="auto">
           <a:xfrm rot="5400000">
-            <a:off x="5114989" y="2389645"/>
-            <a:ext cx="206853" cy="3035327"/>
+            <a:off x="4211110" y="2910914"/>
+            <a:ext cx="265457" cy="1819248"/>
           </a:xfrm>
           <a:prstGeom prst="upDownArrow">
             <a:avLst/>
@@ -5708,7 +5723,6 @@
             <a:tailEnd type="none" w="med" len="med"/>
           </a:ln>
           <a:effectLst/>
-          <a:extLst/>
         </p:spPr>
         <p:txBody>
           <a:bodyPr vert="horz" wrap="square" lIns="68562" tIns="34281" rIns="68562" bIns="34281" numCol="1" rtlCol="0" anchor="t" anchorCtr="0" compatLnSpc="1">
@@ -5735,6 +5749,157 @@
           </a:p>
         </p:txBody>
       </p:sp>
+      <p:sp>
+        <p:nvSpPr>
+          <p:cNvPr id="22" name="Rectangle 21">
+            <a:extLst>
+              <a:ext uri="{FF2B5EF4-FFF2-40B4-BE49-F238E27FC236}">
+                <a16:creationId xmlns:a16="http://schemas.microsoft.com/office/drawing/2014/main" id="{38C51A38-4A07-49FD-B6ED-48F08A46D64E}"/>
+              </a:ext>
+            </a:extLst>
+          </p:cNvPr>
+          <p:cNvSpPr/>
+          <p:nvPr/>
+        </p:nvSpPr>
+        <p:spPr bwMode="auto">
+          <a:xfrm>
+            <a:off x="8536435" y="3567664"/>
+            <a:ext cx="2361885" cy="696273"/>
+          </a:xfrm>
+          <a:prstGeom prst="rect">
+            <a:avLst/>
+          </a:prstGeom>
+          <a:ln w="19050">
+            <a:solidFill>
+              <a:srgbClr val="96D3E5"/>
+            </a:solidFill>
+            <a:headEnd type="none" w="med" len="med"/>
+            <a:tailEnd type="none" w="med" len="med"/>
+          </a:ln>
+        </p:spPr>
+        <p:style>
+          <a:lnRef idx="2">
+            <a:schemeClr val="accent1"/>
+          </a:lnRef>
+          <a:fillRef idx="1">
+            <a:schemeClr val="lt1"/>
+          </a:fillRef>
+          <a:effectRef idx="0">
+            <a:schemeClr val="accent1"/>
+          </a:effectRef>
+          <a:fontRef idx="minor">
+            <a:schemeClr val="dk1"/>
+          </a:fontRef>
+        </p:style>
+        <p:txBody>
+          <a:bodyPr vert="horz" wrap="square" lIns="68562" tIns="34281" rIns="68562" bIns="34281" numCol="1" rtlCol="0" anchor="t" anchorCtr="0" compatLnSpc="1">
+            <a:prstTxWarp prst="textNoShape">
+              <a:avLst/>
+            </a:prstTxWarp>
+          </a:bodyPr>
+          <a:lstStyle/>
+          <a:p>
+            <a:pPr algn="ctr" defTabSz="782032" fontAlgn="base">
+              <a:spcBef>
+                <a:spcPct val="0"/>
+              </a:spcBef>
+              <a:spcAft>
+                <a:spcPct val="0"/>
+              </a:spcAft>
+            </a:pPr>
+            <a:r>
+              <a:rPr lang="fr-FR" sz="1350" dirty="0" err="1">
+                <a:solidFill>
+                  <a:srgbClr val="000000"/>
+                </a:solidFill>
+              </a:rPr>
+              <a:t>Database</a:t>
+            </a:r>
+            <a:endParaRPr lang="fr-FR" sz="1350" dirty="0">
+              <a:solidFill>
+                <a:srgbClr val="000000"/>
+              </a:solidFill>
+            </a:endParaRPr>
+          </a:p>
+          <a:p>
+            <a:pPr algn="ctr" defTabSz="782032" fontAlgn="base">
+              <a:spcBef>
+                <a:spcPct val="0"/>
+              </a:spcBef>
+              <a:spcAft>
+                <a:spcPct val="0"/>
+              </a:spcAft>
+            </a:pPr>
+            <a:r>
+              <a:rPr lang="fr-FR" sz="1350" dirty="0">
+                <a:solidFill>
+                  <a:srgbClr val="000000"/>
+                </a:solidFill>
+              </a:rPr>
+              <a:t>(SQLite)</a:t>
+            </a:r>
+          </a:p>
+        </p:txBody>
+      </p:sp>
+      <p:sp>
+        <p:nvSpPr>
+          <p:cNvPr id="23" name="Double flèche verticale 40">
+            <a:extLst>
+              <a:ext uri="{FF2B5EF4-FFF2-40B4-BE49-F238E27FC236}">
+                <a16:creationId xmlns:a16="http://schemas.microsoft.com/office/drawing/2014/main" id="{10F5781E-ED8C-4D2E-B33A-E89C91B92733}"/>
+              </a:ext>
+            </a:extLst>
+          </p:cNvPr>
+          <p:cNvSpPr/>
+          <p:nvPr/>
+        </p:nvSpPr>
+        <p:spPr bwMode="auto">
+          <a:xfrm rot="5400000">
+            <a:off x="8210515" y="3682570"/>
+            <a:ext cx="199381" cy="458674"/>
+          </a:xfrm>
+          <a:prstGeom prst="upDownArrow">
+            <a:avLst/>
+          </a:prstGeom>
+          <a:solidFill>
+            <a:srgbClr val="96D3E5"/>
+          </a:solidFill>
+          <a:ln w="9525" cap="flat" cmpd="sng" algn="ctr">
+            <a:solidFill>
+              <a:srgbClr val="96D3E5"/>
+            </a:solidFill>
+            <a:prstDash val="solid"/>
+            <a:round/>
+            <a:headEnd type="none" w="med" len="med"/>
+            <a:tailEnd type="none" w="med" len="med"/>
+          </a:ln>
+          <a:effectLst/>
+        </p:spPr>
+        <p:txBody>
+          <a:bodyPr vert="horz" wrap="square" lIns="68562" tIns="34281" rIns="68562" bIns="34281" numCol="1" rtlCol="0" anchor="t" anchorCtr="0" compatLnSpc="1">
+            <a:prstTxWarp prst="textNoShape">
+              <a:avLst/>
+            </a:prstTxWarp>
+          </a:bodyPr>
+          <a:lstStyle/>
+          <a:p>
+            <a:pPr defTabSz="782032" fontAlgn="base">
+              <a:spcBef>
+                <a:spcPct val="0"/>
+              </a:spcBef>
+              <a:spcAft>
+                <a:spcPct val="0"/>
+              </a:spcAft>
+            </a:pPr>
+            <a:endParaRPr lang="fr-FR" sz="1575">
+              <a:solidFill>
+                <a:srgbClr val="000000"/>
+              </a:solidFill>
+              <a:cs typeface="Arial" charset="0"/>
+            </a:endParaRPr>
+          </a:p>
+        </p:txBody>
+      </p:sp>
     </p:spTree>
     <p:extLst>
       <p:ext uri="{BB962C8B-B14F-4D97-AF65-F5344CB8AC3E}">
@@ -5745,13 +5910,6 @@
   <p:clrMapOvr>
     <a:masterClrMapping/>
   </p:clrMapOvr>
-  <p:timing>
-    <p:tnLst>
-      <p:par>
-        <p:cTn id="1" dur="indefinite" restart="never" nodeType="tmRoot"/>
-      </p:par>
-    </p:tnLst>
-  </p:timing>
 </p:sld>
 </file>
 
@@ -5814,16 +5972,12 @@
               <a:t>GET list of predicted soccer games: GET /</a:t>
             </a:r>
             <a:r>
-              <a:rPr lang="en-US" dirty="0" err="1" smtClean="0"/>
+              <a:rPr lang="en-US" dirty="0" err="1"/>
               <a:t>soccerGames</a:t>
             </a:r>
             <a:r>
-              <a:rPr lang="en-US" dirty="0" smtClean="0"/>
-              <a:t> </a:t>
-            </a:r>
-            <a:r>
               <a:rPr lang="en-US" dirty="0"/>
-              <a:t>in a JSON format.</a:t>
+              <a:t> in a JSON format.</a:t>
             </a:r>
           </a:p>
           <a:p>
@@ -5848,7 +6002,7 @@
           <a:p>
             <a:fld id="{C0D11AC0-B5D5-4B5F-9ECB-B7E6CF8984ED}" type="datetime1">
               <a:rPr lang="de-DE" smtClean="0"/>
-              <a:t>14.04.2020</a:t>
+              <a:t>17.04.2020</a:t>
             </a:fld>
             <a:endParaRPr lang="de-DE"/>
           </a:p>
@@ -5936,13 +6090,6 @@
   <p:clrMapOvr>
     <a:masterClrMapping/>
   </p:clrMapOvr>
-  <p:timing>
-    <p:tnLst>
-      <p:par>
-        <p:cTn id="1" dur="indefinite" restart="never" nodeType="tmRoot"/>
-      </p:par>
-    </p:tnLst>
-  </p:timing>
 </p:sld>
 </file>
 

--- a/Web/WebArchitectureDef.pptx
+++ b/Web/WebArchitectureDef.pptx
@@ -5,12 +5,14 @@
     <p:sldMasterId id="2147483648" r:id="rId1"/>
   </p:sldMasterIdLst>
   <p:notesMasterIdLst>
-    <p:notesMasterId r:id="rId5"/>
+    <p:notesMasterId r:id="rId7"/>
   </p:notesMasterIdLst>
   <p:sldIdLst>
     <p:sldId id="256" r:id="rId2"/>
     <p:sldId id="257" r:id="rId3"/>
     <p:sldId id="258" r:id="rId4"/>
+    <p:sldId id="259" r:id="rId5"/>
+    <p:sldId id="260" r:id="rId6"/>
   </p:sldIdLst>
   <p:sldSz cx="12192000" cy="6858000"/>
   <p:notesSz cx="6858000" cy="9144000"/>
@@ -843,7 +845,7 @@
           <a:p>
             <a:fld id="{9CDC8AA7-8D38-46C0-86D3-87BDB8133F92}" type="datetimeFigureOut">
               <a:rPr lang="de-DE" smtClean="0"/>
-              <a:t>17.04.2020</a:t>
+              <a:t>18.04.2020</a:t>
             </a:fld>
             <a:endParaRPr lang="de-DE"/>
           </a:p>
@@ -1001,7 +1003,7 @@
           <a:p>
             <a:fld id="{10D08ABD-147D-43D8-AD0E-C56070E2C69D}" type="slidenum">
               <a:rPr lang="de-DE" smtClean="0"/>
-              <a:t>‹#›</a:t>
+              <a:t>‹N°›</a:t>
             </a:fld>
             <a:endParaRPr lang="de-DE"/>
           </a:p>
@@ -1233,7 +1235,7 @@
           <p:cNvPr id="2" name="Titel 1">
             <a:extLst>
               <a:ext uri="{FF2B5EF4-FFF2-40B4-BE49-F238E27FC236}">
-                <a16:creationId xmlns:a16="http://schemas.microsoft.com/office/drawing/2014/main" id="{701EABE2-81DB-4A57-87BD-BAC9B81DA953}"/>
+                <a16:creationId xmlns="" xmlns:a16="http://schemas.microsoft.com/office/drawing/2014/main" id="{701EABE2-81DB-4A57-87BD-BAC9B81DA953}"/>
               </a:ext>
             </a:extLst>
           </p:cNvPr>
@@ -1270,7 +1272,7 @@
           <p:cNvPr id="3" name="Untertitel 2">
             <a:extLst>
               <a:ext uri="{FF2B5EF4-FFF2-40B4-BE49-F238E27FC236}">
-                <a16:creationId xmlns:a16="http://schemas.microsoft.com/office/drawing/2014/main" id="{9E44B19B-9953-4462-B98C-34C559DFD4BA}"/>
+                <a16:creationId xmlns="" xmlns:a16="http://schemas.microsoft.com/office/drawing/2014/main" id="{9E44B19B-9953-4462-B98C-34C559DFD4BA}"/>
               </a:ext>
             </a:extLst>
           </p:cNvPr>
@@ -1340,7 +1342,7 @@
           <p:cNvPr id="4" name="Datumsplatzhalter 3">
             <a:extLst>
               <a:ext uri="{FF2B5EF4-FFF2-40B4-BE49-F238E27FC236}">
-                <a16:creationId xmlns:a16="http://schemas.microsoft.com/office/drawing/2014/main" id="{85282A0B-87AA-4F5C-9252-AB7E74ABF29B}"/>
+                <a16:creationId xmlns="" xmlns:a16="http://schemas.microsoft.com/office/drawing/2014/main" id="{85282A0B-87AA-4F5C-9252-AB7E74ABF29B}"/>
               </a:ext>
             </a:extLst>
           </p:cNvPr>
@@ -1358,7 +1360,7 @@
           <a:p>
             <a:fld id="{0BE53A1E-06E4-4C2E-89F2-9370B10FF3AC}" type="datetime1">
               <a:rPr lang="de-DE" smtClean="0"/>
-              <a:t>17.04.2020</a:t>
+              <a:t>18.04.2020</a:t>
             </a:fld>
             <a:endParaRPr lang="de-DE" dirty="0"/>
           </a:p>
@@ -1369,7 +1371,7 @@
           <p:cNvPr id="5" name="Fußzeilenplatzhalter 4">
             <a:extLst>
               <a:ext uri="{FF2B5EF4-FFF2-40B4-BE49-F238E27FC236}">
-                <a16:creationId xmlns:a16="http://schemas.microsoft.com/office/drawing/2014/main" id="{CCE46F71-BCF6-41F3-8C17-381DF36140FE}"/>
+                <a16:creationId xmlns="" xmlns:a16="http://schemas.microsoft.com/office/drawing/2014/main" id="{CCE46F71-BCF6-41F3-8C17-381DF36140FE}"/>
               </a:ext>
             </a:extLst>
           </p:cNvPr>
@@ -1402,7 +1404,7 @@
           <p:cNvPr id="6" name="Foliennummernplatzhalter 5">
             <a:extLst>
               <a:ext uri="{FF2B5EF4-FFF2-40B4-BE49-F238E27FC236}">
-                <a16:creationId xmlns:a16="http://schemas.microsoft.com/office/drawing/2014/main" id="{DF41A37E-A33B-4798-9922-3B8B5AE5A27B}"/>
+                <a16:creationId xmlns="" xmlns:a16="http://schemas.microsoft.com/office/drawing/2014/main" id="{DF41A37E-A33B-4798-9922-3B8B5AE5A27B}"/>
               </a:ext>
             </a:extLst>
           </p:cNvPr>
@@ -1428,7 +1430,7 @@
           <a:p>
             <a:fld id="{9A48FC86-4651-46AF-9E4A-D3FC30E17613}" type="slidenum">
               <a:rPr lang="de-DE" smtClean="0"/>
-              <a:t>‹#›</a:t>
+              <a:t>‹N°›</a:t>
             </a:fld>
             <a:endParaRPr lang="de-DE"/>
           </a:p>
@@ -1469,7 +1471,7 @@
           <p:cNvPr id="2" name="Titel 1">
             <a:extLst>
               <a:ext uri="{FF2B5EF4-FFF2-40B4-BE49-F238E27FC236}">
-                <a16:creationId xmlns:a16="http://schemas.microsoft.com/office/drawing/2014/main" id="{FCE4A30D-3A8C-4B77-B82E-724CCF54EFD5}"/>
+                <a16:creationId xmlns="" xmlns:a16="http://schemas.microsoft.com/office/drawing/2014/main" id="{FCE4A30D-3A8C-4B77-B82E-724CCF54EFD5}"/>
               </a:ext>
             </a:extLst>
           </p:cNvPr>
@@ -1497,7 +1499,7 @@
           <p:cNvPr id="3" name="Vertikaler Textplatzhalter 2">
             <a:extLst>
               <a:ext uri="{FF2B5EF4-FFF2-40B4-BE49-F238E27FC236}">
-                <a16:creationId xmlns:a16="http://schemas.microsoft.com/office/drawing/2014/main" id="{D0312C4C-DD67-420D-AE80-FBF20CAD00FE}"/>
+                <a16:creationId xmlns="" xmlns:a16="http://schemas.microsoft.com/office/drawing/2014/main" id="{D0312C4C-DD67-420D-AE80-FBF20CAD00FE}"/>
               </a:ext>
             </a:extLst>
           </p:cNvPr>
@@ -1554,7 +1556,7 @@
           <p:cNvPr id="4" name="Datumsplatzhalter 3">
             <a:extLst>
               <a:ext uri="{FF2B5EF4-FFF2-40B4-BE49-F238E27FC236}">
-                <a16:creationId xmlns:a16="http://schemas.microsoft.com/office/drawing/2014/main" id="{752D94C2-424D-4096-8FAE-F12A3D4A5C7D}"/>
+                <a16:creationId xmlns="" xmlns:a16="http://schemas.microsoft.com/office/drawing/2014/main" id="{752D94C2-424D-4096-8FAE-F12A3D4A5C7D}"/>
               </a:ext>
             </a:extLst>
           </p:cNvPr>
@@ -1572,7 +1574,7 @@
           <a:p>
             <a:fld id="{97DCCE8C-7C19-4CE2-849C-730D9D984115}" type="datetime1">
               <a:rPr lang="de-DE" smtClean="0"/>
-              <a:t>17.04.2020</a:t>
+              <a:t>18.04.2020</a:t>
             </a:fld>
             <a:endParaRPr lang="de-DE"/>
           </a:p>
@@ -1583,7 +1585,7 @@
           <p:cNvPr id="5" name="Fußzeilenplatzhalter 4">
             <a:extLst>
               <a:ext uri="{FF2B5EF4-FFF2-40B4-BE49-F238E27FC236}">
-                <a16:creationId xmlns:a16="http://schemas.microsoft.com/office/drawing/2014/main" id="{02BB29D6-C358-4D1F-90A7-5282C5CF3A2B}"/>
+                <a16:creationId xmlns="" xmlns:a16="http://schemas.microsoft.com/office/drawing/2014/main" id="{02BB29D6-C358-4D1F-90A7-5282C5CF3A2B}"/>
               </a:ext>
             </a:extLst>
           </p:cNvPr>
@@ -1611,7 +1613,7 @@
           <p:cNvPr id="6" name="Foliennummernplatzhalter 5">
             <a:extLst>
               <a:ext uri="{FF2B5EF4-FFF2-40B4-BE49-F238E27FC236}">
-                <a16:creationId xmlns:a16="http://schemas.microsoft.com/office/drawing/2014/main" id="{AE9CFC43-FC34-49A0-9C58-C1BA7EAB4CD1}"/>
+                <a16:creationId xmlns="" xmlns:a16="http://schemas.microsoft.com/office/drawing/2014/main" id="{AE9CFC43-FC34-49A0-9C58-C1BA7EAB4CD1}"/>
               </a:ext>
             </a:extLst>
           </p:cNvPr>
@@ -1637,7 +1639,7 @@
           <a:p>
             <a:fld id="{9A48FC86-4651-46AF-9E4A-D3FC30E17613}" type="slidenum">
               <a:rPr lang="de-DE" smtClean="0"/>
-              <a:t>‹#›</a:t>
+              <a:t>‹N°›</a:t>
             </a:fld>
             <a:endParaRPr lang="de-DE"/>
           </a:p>
@@ -1678,7 +1680,7 @@
           <p:cNvPr id="2" name="Vertikaler Titel 1">
             <a:extLst>
               <a:ext uri="{FF2B5EF4-FFF2-40B4-BE49-F238E27FC236}">
-                <a16:creationId xmlns:a16="http://schemas.microsoft.com/office/drawing/2014/main" id="{C6AE7126-CFA4-458D-B5F5-AA476ABB117D}"/>
+                <a16:creationId xmlns="" xmlns:a16="http://schemas.microsoft.com/office/drawing/2014/main" id="{C6AE7126-CFA4-458D-B5F5-AA476ABB117D}"/>
               </a:ext>
             </a:extLst>
           </p:cNvPr>
@@ -1711,7 +1713,7 @@
           <p:cNvPr id="3" name="Vertikaler Textplatzhalter 2">
             <a:extLst>
               <a:ext uri="{FF2B5EF4-FFF2-40B4-BE49-F238E27FC236}">
-                <a16:creationId xmlns:a16="http://schemas.microsoft.com/office/drawing/2014/main" id="{E4719945-B69E-4CB7-AF62-A8E248C097C4}"/>
+                <a16:creationId xmlns="" xmlns:a16="http://schemas.microsoft.com/office/drawing/2014/main" id="{E4719945-B69E-4CB7-AF62-A8E248C097C4}"/>
               </a:ext>
             </a:extLst>
           </p:cNvPr>
@@ -1773,7 +1775,7 @@
           <p:cNvPr id="4" name="Datumsplatzhalter 3">
             <a:extLst>
               <a:ext uri="{FF2B5EF4-FFF2-40B4-BE49-F238E27FC236}">
-                <a16:creationId xmlns:a16="http://schemas.microsoft.com/office/drawing/2014/main" id="{194C9456-1825-45D5-AFC8-7437C4E58D48}"/>
+                <a16:creationId xmlns="" xmlns:a16="http://schemas.microsoft.com/office/drawing/2014/main" id="{194C9456-1825-45D5-AFC8-7437C4E58D48}"/>
               </a:ext>
             </a:extLst>
           </p:cNvPr>
@@ -1791,7 +1793,7 @@
           <a:p>
             <a:fld id="{221A1AFA-2D7A-4A35-B2E9-5179FAD91C9A}" type="datetime1">
               <a:rPr lang="de-DE" smtClean="0"/>
-              <a:t>17.04.2020</a:t>
+              <a:t>18.04.2020</a:t>
             </a:fld>
             <a:endParaRPr lang="de-DE"/>
           </a:p>
@@ -1802,7 +1804,7 @@
           <p:cNvPr id="5" name="Fußzeilenplatzhalter 4">
             <a:extLst>
               <a:ext uri="{FF2B5EF4-FFF2-40B4-BE49-F238E27FC236}">
-                <a16:creationId xmlns:a16="http://schemas.microsoft.com/office/drawing/2014/main" id="{0B1CC9B3-FE3E-4DC0-B71D-312C93D1814D}"/>
+                <a16:creationId xmlns="" xmlns:a16="http://schemas.microsoft.com/office/drawing/2014/main" id="{0B1CC9B3-FE3E-4DC0-B71D-312C93D1814D}"/>
               </a:ext>
             </a:extLst>
           </p:cNvPr>
@@ -1830,7 +1832,7 @@
           <p:cNvPr id="6" name="Foliennummernplatzhalter 5">
             <a:extLst>
               <a:ext uri="{FF2B5EF4-FFF2-40B4-BE49-F238E27FC236}">
-                <a16:creationId xmlns:a16="http://schemas.microsoft.com/office/drawing/2014/main" id="{41E050D8-C164-4E85-94F4-BA2B19D46D58}"/>
+                <a16:creationId xmlns="" xmlns:a16="http://schemas.microsoft.com/office/drawing/2014/main" id="{41E050D8-C164-4E85-94F4-BA2B19D46D58}"/>
               </a:ext>
             </a:extLst>
           </p:cNvPr>
@@ -1856,7 +1858,7 @@
           <a:p>
             <a:fld id="{9A48FC86-4651-46AF-9E4A-D3FC30E17613}" type="slidenum">
               <a:rPr lang="de-DE" smtClean="0"/>
-              <a:t>‹#›</a:t>
+              <a:t>‹N°›</a:t>
             </a:fld>
             <a:endParaRPr lang="de-DE"/>
           </a:p>
@@ -1897,7 +1899,7 @@
           <p:cNvPr id="2" name="Titel 1">
             <a:extLst>
               <a:ext uri="{FF2B5EF4-FFF2-40B4-BE49-F238E27FC236}">
-                <a16:creationId xmlns:a16="http://schemas.microsoft.com/office/drawing/2014/main" id="{C9100C2D-6625-4AF5-8937-424086BE0285}"/>
+                <a16:creationId xmlns="" xmlns:a16="http://schemas.microsoft.com/office/drawing/2014/main" id="{C9100C2D-6625-4AF5-8937-424086BE0285}"/>
               </a:ext>
             </a:extLst>
           </p:cNvPr>
@@ -1925,7 +1927,7 @@
           <p:cNvPr id="3" name="Inhaltsplatzhalter 2">
             <a:extLst>
               <a:ext uri="{FF2B5EF4-FFF2-40B4-BE49-F238E27FC236}">
-                <a16:creationId xmlns:a16="http://schemas.microsoft.com/office/drawing/2014/main" id="{38D1AAA1-BE3D-4A43-91C4-A2C3C6173375}"/>
+                <a16:creationId xmlns="" xmlns:a16="http://schemas.microsoft.com/office/drawing/2014/main" id="{38D1AAA1-BE3D-4A43-91C4-A2C3C6173375}"/>
               </a:ext>
             </a:extLst>
           </p:cNvPr>
@@ -1982,7 +1984,7 @@
           <p:cNvPr id="4" name="Datumsplatzhalter 3">
             <a:extLst>
               <a:ext uri="{FF2B5EF4-FFF2-40B4-BE49-F238E27FC236}">
-                <a16:creationId xmlns:a16="http://schemas.microsoft.com/office/drawing/2014/main" id="{48884C8B-06F5-44CC-B1D1-2A02463EC226}"/>
+                <a16:creationId xmlns="" xmlns:a16="http://schemas.microsoft.com/office/drawing/2014/main" id="{48884C8B-06F5-44CC-B1D1-2A02463EC226}"/>
               </a:ext>
             </a:extLst>
           </p:cNvPr>
@@ -2000,7 +2002,7 @@
           <a:p>
             <a:fld id="{C0D11AC0-B5D5-4B5F-9ECB-B7E6CF8984ED}" type="datetime1">
               <a:rPr lang="de-DE" smtClean="0"/>
-              <a:t>17.04.2020</a:t>
+              <a:t>18.04.2020</a:t>
             </a:fld>
             <a:endParaRPr lang="de-DE"/>
           </a:p>
@@ -2011,7 +2013,7 @@
           <p:cNvPr id="5" name="Fußzeilenplatzhalter 4">
             <a:extLst>
               <a:ext uri="{FF2B5EF4-FFF2-40B4-BE49-F238E27FC236}">
-                <a16:creationId xmlns:a16="http://schemas.microsoft.com/office/drawing/2014/main" id="{2EE480CA-0EC1-4AF7-9F30-F143FE83D99B}"/>
+                <a16:creationId xmlns="" xmlns:a16="http://schemas.microsoft.com/office/drawing/2014/main" id="{2EE480CA-0EC1-4AF7-9F30-F143FE83D99B}"/>
               </a:ext>
             </a:extLst>
           </p:cNvPr>
@@ -2044,7 +2046,7 @@
           <p:cNvPr id="6" name="Foliennummernplatzhalter 5">
             <a:extLst>
               <a:ext uri="{FF2B5EF4-FFF2-40B4-BE49-F238E27FC236}">
-                <a16:creationId xmlns:a16="http://schemas.microsoft.com/office/drawing/2014/main" id="{13337EC3-94DD-4B09-A484-F0141C1CB8B0}"/>
+                <a16:creationId xmlns="" xmlns:a16="http://schemas.microsoft.com/office/drawing/2014/main" id="{13337EC3-94DD-4B09-A484-F0141C1CB8B0}"/>
               </a:ext>
             </a:extLst>
           </p:cNvPr>
@@ -2070,7 +2072,7 @@
           <a:p>
             <a:fld id="{9A48FC86-4651-46AF-9E4A-D3FC30E17613}" type="slidenum">
               <a:rPr lang="de-DE" smtClean="0"/>
-              <a:t>‹#›</a:t>
+              <a:t>‹N°›</a:t>
             </a:fld>
             <a:endParaRPr lang="de-DE"/>
           </a:p>
@@ -2111,7 +2113,7 @@
           <p:cNvPr id="2" name="Titel 1">
             <a:extLst>
               <a:ext uri="{FF2B5EF4-FFF2-40B4-BE49-F238E27FC236}">
-                <a16:creationId xmlns:a16="http://schemas.microsoft.com/office/drawing/2014/main" id="{CBDD584A-A976-4556-9716-DA9197EACC6F}"/>
+                <a16:creationId xmlns="" xmlns:a16="http://schemas.microsoft.com/office/drawing/2014/main" id="{CBDD584A-A976-4556-9716-DA9197EACC6F}"/>
               </a:ext>
             </a:extLst>
           </p:cNvPr>
@@ -2148,7 +2150,7 @@
           <p:cNvPr id="3" name="Textplatzhalter 2">
             <a:extLst>
               <a:ext uri="{FF2B5EF4-FFF2-40B4-BE49-F238E27FC236}">
-                <a16:creationId xmlns:a16="http://schemas.microsoft.com/office/drawing/2014/main" id="{C713F004-8C3B-4899-9F30-C6CC20E50B36}"/>
+                <a16:creationId xmlns="" xmlns:a16="http://schemas.microsoft.com/office/drawing/2014/main" id="{C713F004-8C3B-4899-9F30-C6CC20E50B36}"/>
               </a:ext>
             </a:extLst>
           </p:cNvPr>
@@ -2273,7 +2275,7 @@
           <p:cNvPr id="4" name="Datumsplatzhalter 3">
             <a:extLst>
               <a:ext uri="{FF2B5EF4-FFF2-40B4-BE49-F238E27FC236}">
-                <a16:creationId xmlns:a16="http://schemas.microsoft.com/office/drawing/2014/main" id="{B300BECA-2226-430E-B31A-3A70D7FB0DD4}"/>
+                <a16:creationId xmlns="" xmlns:a16="http://schemas.microsoft.com/office/drawing/2014/main" id="{B300BECA-2226-430E-B31A-3A70D7FB0DD4}"/>
               </a:ext>
             </a:extLst>
           </p:cNvPr>
@@ -2291,7 +2293,7 @@
           <a:p>
             <a:fld id="{0123EED1-A1E1-4DB9-BAD8-427B5E5A78DA}" type="datetime1">
               <a:rPr lang="de-DE" smtClean="0"/>
-              <a:t>17.04.2020</a:t>
+              <a:t>18.04.2020</a:t>
             </a:fld>
             <a:endParaRPr lang="de-DE"/>
           </a:p>
@@ -2302,7 +2304,7 @@
           <p:cNvPr id="5" name="Fußzeilenplatzhalter 4">
             <a:extLst>
               <a:ext uri="{FF2B5EF4-FFF2-40B4-BE49-F238E27FC236}">
-                <a16:creationId xmlns:a16="http://schemas.microsoft.com/office/drawing/2014/main" id="{9D2C0B24-C4C7-4E3E-A30D-AD2B22A8CAC5}"/>
+                <a16:creationId xmlns="" xmlns:a16="http://schemas.microsoft.com/office/drawing/2014/main" id="{9D2C0B24-C4C7-4E3E-A30D-AD2B22A8CAC5}"/>
               </a:ext>
             </a:extLst>
           </p:cNvPr>
@@ -2335,7 +2337,7 @@
           <p:cNvPr id="6" name="Foliennummernplatzhalter 5">
             <a:extLst>
               <a:ext uri="{FF2B5EF4-FFF2-40B4-BE49-F238E27FC236}">
-                <a16:creationId xmlns:a16="http://schemas.microsoft.com/office/drawing/2014/main" id="{15EF3485-89F1-47E8-AB99-914FE8775138}"/>
+                <a16:creationId xmlns="" xmlns:a16="http://schemas.microsoft.com/office/drawing/2014/main" id="{15EF3485-89F1-47E8-AB99-914FE8775138}"/>
               </a:ext>
             </a:extLst>
           </p:cNvPr>
@@ -2361,7 +2363,7 @@
           <a:p>
             <a:fld id="{9A48FC86-4651-46AF-9E4A-D3FC30E17613}" type="slidenum">
               <a:rPr lang="de-DE" smtClean="0"/>
-              <a:t>‹#›</a:t>
+              <a:t>‹N°›</a:t>
             </a:fld>
             <a:endParaRPr lang="de-DE"/>
           </a:p>
@@ -2402,7 +2404,7 @@
           <p:cNvPr id="2" name="Titel 1">
             <a:extLst>
               <a:ext uri="{FF2B5EF4-FFF2-40B4-BE49-F238E27FC236}">
-                <a16:creationId xmlns:a16="http://schemas.microsoft.com/office/drawing/2014/main" id="{6B45D284-4E4F-4976-80EC-400821F99BCF}"/>
+                <a16:creationId xmlns="" xmlns:a16="http://schemas.microsoft.com/office/drawing/2014/main" id="{6B45D284-4E4F-4976-80EC-400821F99BCF}"/>
               </a:ext>
             </a:extLst>
           </p:cNvPr>
@@ -2430,7 +2432,7 @@
           <p:cNvPr id="3" name="Inhaltsplatzhalter 2">
             <a:extLst>
               <a:ext uri="{FF2B5EF4-FFF2-40B4-BE49-F238E27FC236}">
-                <a16:creationId xmlns:a16="http://schemas.microsoft.com/office/drawing/2014/main" id="{61C980E4-B51F-4860-A848-EB6955BA36AF}"/>
+                <a16:creationId xmlns="" xmlns:a16="http://schemas.microsoft.com/office/drawing/2014/main" id="{61C980E4-B51F-4860-A848-EB6955BA36AF}"/>
               </a:ext>
             </a:extLst>
           </p:cNvPr>
@@ -2492,7 +2494,7 @@
           <p:cNvPr id="4" name="Inhaltsplatzhalter 3">
             <a:extLst>
               <a:ext uri="{FF2B5EF4-FFF2-40B4-BE49-F238E27FC236}">
-                <a16:creationId xmlns:a16="http://schemas.microsoft.com/office/drawing/2014/main" id="{8D7C296F-6044-4CF6-BBE5-CEA4560EEEB9}"/>
+                <a16:creationId xmlns="" xmlns:a16="http://schemas.microsoft.com/office/drawing/2014/main" id="{8D7C296F-6044-4CF6-BBE5-CEA4560EEEB9}"/>
               </a:ext>
             </a:extLst>
           </p:cNvPr>
@@ -2554,7 +2556,7 @@
           <p:cNvPr id="5" name="Datumsplatzhalter 4">
             <a:extLst>
               <a:ext uri="{FF2B5EF4-FFF2-40B4-BE49-F238E27FC236}">
-                <a16:creationId xmlns:a16="http://schemas.microsoft.com/office/drawing/2014/main" id="{F87A09FB-245D-407E-94D1-C81BBB221DC2}"/>
+                <a16:creationId xmlns="" xmlns:a16="http://schemas.microsoft.com/office/drawing/2014/main" id="{F87A09FB-245D-407E-94D1-C81BBB221DC2}"/>
               </a:ext>
             </a:extLst>
           </p:cNvPr>
@@ -2572,7 +2574,7 @@
           <a:p>
             <a:fld id="{C0292DAF-4A36-4066-A6DB-535EF8475358}" type="datetime1">
               <a:rPr lang="de-DE" smtClean="0"/>
-              <a:t>17.04.2020</a:t>
+              <a:t>18.04.2020</a:t>
             </a:fld>
             <a:endParaRPr lang="de-DE"/>
           </a:p>
@@ -2583,7 +2585,7 @@
           <p:cNvPr id="6" name="Fußzeilenplatzhalter 5">
             <a:extLst>
               <a:ext uri="{FF2B5EF4-FFF2-40B4-BE49-F238E27FC236}">
-                <a16:creationId xmlns:a16="http://schemas.microsoft.com/office/drawing/2014/main" id="{7713AD3F-FB16-4761-97DD-7D2895FBAF79}"/>
+                <a16:creationId xmlns="" xmlns:a16="http://schemas.microsoft.com/office/drawing/2014/main" id="{7713AD3F-FB16-4761-97DD-7D2895FBAF79}"/>
               </a:ext>
             </a:extLst>
           </p:cNvPr>
@@ -2616,7 +2618,7 @@
           <p:cNvPr id="7" name="Foliennummernplatzhalter 6">
             <a:extLst>
               <a:ext uri="{FF2B5EF4-FFF2-40B4-BE49-F238E27FC236}">
-                <a16:creationId xmlns:a16="http://schemas.microsoft.com/office/drawing/2014/main" id="{E08B0646-8FC5-4829-A454-55B654DBA3C4}"/>
+                <a16:creationId xmlns="" xmlns:a16="http://schemas.microsoft.com/office/drawing/2014/main" id="{E08B0646-8FC5-4829-A454-55B654DBA3C4}"/>
               </a:ext>
             </a:extLst>
           </p:cNvPr>
@@ -2642,7 +2644,7 @@
           <a:p>
             <a:fld id="{9A48FC86-4651-46AF-9E4A-D3FC30E17613}" type="slidenum">
               <a:rPr lang="de-DE" smtClean="0"/>
-              <a:t>‹#›</a:t>
+              <a:t>‹N°›</a:t>
             </a:fld>
             <a:endParaRPr lang="de-DE"/>
           </a:p>
@@ -2683,7 +2685,7 @@
           <p:cNvPr id="2" name="Titel 1">
             <a:extLst>
               <a:ext uri="{FF2B5EF4-FFF2-40B4-BE49-F238E27FC236}">
-                <a16:creationId xmlns:a16="http://schemas.microsoft.com/office/drawing/2014/main" id="{87FFCFA6-D29A-4DD6-8A93-5742D6DB0521}"/>
+                <a16:creationId xmlns="" xmlns:a16="http://schemas.microsoft.com/office/drawing/2014/main" id="{87FFCFA6-D29A-4DD6-8A93-5742D6DB0521}"/>
               </a:ext>
             </a:extLst>
           </p:cNvPr>
@@ -2716,7 +2718,7 @@
           <p:cNvPr id="3" name="Textplatzhalter 2">
             <a:extLst>
               <a:ext uri="{FF2B5EF4-FFF2-40B4-BE49-F238E27FC236}">
-                <a16:creationId xmlns:a16="http://schemas.microsoft.com/office/drawing/2014/main" id="{52A062D5-F9A3-40F3-940E-784410DB79B5}"/>
+                <a16:creationId xmlns="" xmlns:a16="http://schemas.microsoft.com/office/drawing/2014/main" id="{52A062D5-F9A3-40F3-940E-784410DB79B5}"/>
               </a:ext>
             </a:extLst>
           </p:cNvPr>
@@ -2787,7 +2789,7 @@
           <p:cNvPr id="4" name="Inhaltsplatzhalter 3">
             <a:extLst>
               <a:ext uri="{FF2B5EF4-FFF2-40B4-BE49-F238E27FC236}">
-                <a16:creationId xmlns:a16="http://schemas.microsoft.com/office/drawing/2014/main" id="{0F2C725F-CDA6-419C-9990-237B92011EB3}"/>
+                <a16:creationId xmlns="" xmlns:a16="http://schemas.microsoft.com/office/drawing/2014/main" id="{0F2C725F-CDA6-419C-9990-237B92011EB3}"/>
               </a:ext>
             </a:extLst>
           </p:cNvPr>
@@ -2849,7 +2851,7 @@
           <p:cNvPr id="5" name="Textplatzhalter 4">
             <a:extLst>
               <a:ext uri="{FF2B5EF4-FFF2-40B4-BE49-F238E27FC236}">
-                <a16:creationId xmlns:a16="http://schemas.microsoft.com/office/drawing/2014/main" id="{57D0AB86-7ACC-4F81-BA1E-EABC81375E4C}"/>
+                <a16:creationId xmlns="" xmlns:a16="http://schemas.microsoft.com/office/drawing/2014/main" id="{57D0AB86-7ACC-4F81-BA1E-EABC81375E4C}"/>
               </a:ext>
             </a:extLst>
           </p:cNvPr>
@@ -2920,7 +2922,7 @@
           <p:cNvPr id="6" name="Inhaltsplatzhalter 5">
             <a:extLst>
               <a:ext uri="{FF2B5EF4-FFF2-40B4-BE49-F238E27FC236}">
-                <a16:creationId xmlns:a16="http://schemas.microsoft.com/office/drawing/2014/main" id="{1A5FCBEC-2F64-4023-881F-8C2D77F12391}"/>
+                <a16:creationId xmlns="" xmlns:a16="http://schemas.microsoft.com/office/drawing/2014/main" id="{1A5FCBEC-2F64-4023-881F-8C2D77F12391}"/>
               </a:ext>
             </a:extLst>
           </p:cNvPr>
@@ -2982,7 +2984,7 @@
           <p:cNvPr id="7" name="Datumsplatzhalter 6">
             <a:extLst>
               <a:ext uri="{FF2B5EF4-FFF2-40B4-BE49-F238E27FC236}">
-                <a16:creationId xmlns:a16="http://schemas.microsoft.com/office/drawing/2014/main" id="{1B579458-8146-4585-8116-8815B1984C10}"/>
+                <a16:creationId xmlns="" xmlns:a16="http://schemas.microsoft.com/office/drawing/2014/main" id="{1B579458-8146-4585-8116-8815B1984C10}"/>
               </a:ext>
             </a:extLst>
           </p:cNvPr>
@@ -3000,7 +3002,7 @@
           <a:p>
             <a:fld id="{082539BE-CECA-45E4-BBE9-22C1404E74AB}" type="datetime1">
               <a:rPr lang="de-DE" smtClean="0"/>
-              <a:t>17.04.2020</a:t>
+              <a:t>18.04.2020</a:t>
             </a:fld>
             <a:endParaRPr lang="de-DE"/>
           </a:p>
@@ -3011,7 +3013,7 @@
           <p:cNvPr id="8" name="Fußzeilenplatzhalter 7">
             <a:extLst>
               <a:ext uri="{FF2B5EF4-FFF2-40B4-BE49-F238E27FC236}">
-                <a16:creationId xmlns:a16="http://schemas.microsoft.com/office/drawing/2014/main" id="{B8FE971A-3252-4BEE-AE2A-ED9DD64D786C}"/>
+                <a16:creationId xmlns="" xmlns:a16="http://schemas.microsoft.com/office/drawing/2014/main" id="{B8FE971A-3252-4BEE-AE2A-ED9DD64D786C}"/>
               </a:ext>
             </a:extLst>
           </p:cNvPr>
@@ -3044,7 +3046,7 @@
           <p:cNvPr id="9" name="Foliennummernplatzhalter 8">
             <a:extLst>
               <a:ext uri="{FF2B5EF4-FFF2-40B4-BE49-F238E27FC236}">
-                <a16:creationId xmlns:a16="http://schemas.microsoft.com/office/drawing/2014/main" id="{224F811E-098E-42CD-BF79-561DBDB14DE9}"/>
+                <a16:creationId xmlns="" xmlns:a16="http://schemas.microsoft.com/office/drawing/2014/main" id="{224F811E-098E-42CD-BF79-561DBDB14DE9}"/>
               </a:ext>
             </a:extLst>
           </p:cNvPr>
@@ -3070,7 +3072,7 @@
           <a:p>
             <a:fld id="{9A48FC86-4651-46AF-9E4A-D3FC30E17613}" type="slidenum">
               <a:rPr lang="de-DE" smtClean="0"/>
-              <a:t>‹#›</a:t>
+              <a:t>‹N°›</a:t>
             </a:fld>
             <a:endParaRPr lang="de-DE"/>
           </a:p>
@@ -3111,7 +3113,7 @@
           <p:cNvPr id="2" name="Titel 1">
             <a:extLst>
               <a:ext uri="{FF2B5EF4-FFF2-40B4-BE49-F238E27FC236}">
-                <a16:creationId xmlns:a16="http://schemas.microsoft.com/office/drawing/2014/main" id="{466DE76C-FB01-463F-B2AD-A897695D3F41}"/>
+                <a16:creationId xmlns="" xmlns:a16="http://schemas.microsoft.com/office/drawing/2014/main" id="{466DE76C-FB01-463F-B2AD-A897695D3F41}"/>
               </a:ext>
             </a:extLst>
           </p:cNvPr>
@@ -3139,7 +3141,7 @@
           <p:cNvPr id="3" name="Datumsplatzhalter 2">
             <a:extLst>
               <a:ext uri="{FF2B5EF4-FFF2-40B4-BE49-F238E27FC236}">
-                <a16:creationId xmlns:a16="http://schemas.microsoft.com/office/drawing/2014/main" id="{6F7936C0-FCFE-4A57-9E63-31F514892227}"/>
+                <a16:creationId xmlns="" xmlns:a16="http://schemas.microsoft.com/office/drawing/2014/main" id="{6F7936C0-FCFE-4A57-9E63-31F514892227}"/>
               </a:ext>
             </a:extLst>
           </p:cNvPr>
@@ -3157,7 +3159,7 @@
           <a:p>
             <a:fld id="{7AFFB96A-BCEB-45BA-8370-8CD7A48406BE}" type="datetime1">
               <a:rPr lang="de-DE" smtClean="0"/>
-              <a:t>17.04.2020</a:t>
+              <a:t>18.04.2020</a:t>
             </a:fld>
             <a:endParaRPr lang="de-DE"/>
           </a:p>
@@ -3168,7 +3170,7 @@
           <p:cNvPr id="4" name="Fußzeilenplatzhalter 3">
             <a:extLst>
               <a:ext uri="{FF2B5EF4-FFF2-40B4-BE49-F238E27FC236}">
-                <a16:creationId xmlns:a16="http://schemas.microsoft.com/office/drawing/2014/main" id="{BF4C0BEA-1F74-43B8-B16A-0B93A98AF74A}"/>
+                <a16:creationId xmlns="" xmlns:a16="http://schemas.microsoft.com/office/drawing/2014/main" id="{BF4C0BEA-1F74-43B8-B16A-0B93A98AF74A}"/>
               </a:ext>
             </a:extLst>
           </p:cNvPr>
@@ -3196,7 +3198,7 @@
           <p:cNvPr id="5" name="Foliennummernplatzhalter 4">
             <a:extLst>
               <a:ext uri="{FF2B5EF4-FFF2-40B4-BE49-F238E27FC236}">
-                <a16:creationId xmlns:a16="http://schemas.microsoft.com/office/drawing/2014/main" id="{FDC612F2-A418-4792-A4B4-C0ABBAAB10A0}"/>
+                <a16:creationId xmlns="" xmlns:a16="http://schemas.microsoft.com/office/drawing/2014/main" id="{FDC612F2-A418-4792-A4B4-C0ABBAAB10A0}"/>
               </a:ext>
             </a:extLst>
           </p:cNvPr>
@@ -3222,7 +3224,7 @@
           <a:p>
             <a:fld id="{9A48FC86-4651-46AF-9E4A-D3FC30E17613}" type="slidenum">
               <a:rPr lang="de-DE" smtClean="0"/>
-              <a:t>‹#›</a:t>
+              <a:t>‹N°›</a:t>
             </a:fld>
             <a:endParaRPr lang="de-DE"/>
           </a:p>
@@ -3263,7 +3265,7 @@
           <p:cNvPr id="2" name="Datumsplatzhalter 1">
             <a:extLst>
               <a:ext uri="{FF2B5EF4-FFF2-40B4-BE49-F238E27FC236}">
-                <a16:creationId xmlns:a16="http://schemas.microsoft.com/office/drawing/2014/main" id="{F1A16BA6-C843-4946-87C4-F009F9659E53}"/>
+                <a16:creationId xmlns="" xmlns:a16="http://schemas.microsoft.com/office/drawing/2014/main" id="{F1A16BA6-C843-4946-87C4-F009F9659E53}"/>
               </a:ext>
             </a:extLst>
           </p:cNvPr>
@@ -3281,7 +3283,7 @@
           <a:p>
             <a:fld id="{DE3AD3D5-E4EA-4F9D-AD7B-23F76A457472}" type="datetime1">
               <a:rPr lang="de-DE" smtClean="0"/>
-              <a:t>17.04.2020</a:t>
+              <a:t>18.04.2020</a:t>
             </a:fld>
             <a:endParaRPr lang="de-DE"/>
           </a:p>
@@ -3292,7 +3294,7 @@
           <p:cNvPr id="3" name="Fußzeilenplatzhalter 2">
             <a:extLst>
               <a:ext uri="{FF2B5EF4-FFF2-40B4-BE49-F238E27FC236}">
-                <a16:creationId xmlns:a16="http://schemas.microsoft.com/office/drawing/2014/main" id="{74AD0BED-584B-4312-BC56-F22A5A97A8EA}"/>
+                <a16:creationId xmlns="" xmlns:a16="http://schemas.microsoft.com/office/drawing/2014/main" id="{74AD0BED-584B-4312-BC56-F22A5A97A8EA}"/>
               </a:ext>
             </a:extLst>
           </p:cNvPr>
@@ -3325,7 +3327,7 @@
           <p:cNvPr id="4" name="Foliennummernplatzhalter 3">
             <a:extLst>
               <a:ext uri="{FF2B5EF4-FFF2-40B4-BE49-F238E27FC236}">
-                <a16:creationId xmlns:a16="http://schemas.microsoft.com/office/drawing/2014/main" id="{ECAC19A7-F328-409E-92C0-6618959AF8AB}"/>
+                <a16:creationId xmlns="" xmlns:a16="http://schemas.microsoft.com/office/drawing/2014/main" id="{ECAC19A7-F328-409E-92C0-6618959AF8AB}"/>
               </a:ext>
             </a:extLst>
           </p:cNvPr>
@@ -3351,7 +3353,7 @@
           <a:p>
             <a:fld id="{9A48FC86-4651-46AF-9E4A-D3FC30E17613}" type="slidenum">
               <a:rPr lang="de-DE" smtClean="0"/>
-              <a:t>‹#›</a:t>
+              <a:t>‹N°›</a:t>
             </a:fld>
             <a:endParaRPr lang="de-DE"/>
           </a:p>
@@ -3392,7 +3394,7 @@
           <p:cNvPr id="2" name="Titel 1">
             <a:extLst>
               <a:ext uri="{FF2B5EF4-FFF2-40B4-BE49-F238E27FC236}">
-                <a16:creationId xmlns:a16="http://schemas.microsoft.com/office/drawing/2014/main" id="{36B5D893-6A5A-4F5D-9559-23E40882374B}"/>
+                <a16:creationId xmlns="" xmlns:a16="http://schemas.microsoft.com/office/drawing/2014/main" id="{36B5D893-6A5A-4F5D-9559-23E40882374B}"/>
               </a:ext>
             </a:extLst>
           </p:cNvPr>
@@ -3429,7 +3431,7 @@
           <p:cNvPr id="3" name="Inhaltsplatzhalter 2">
             <a:extLst>
               <a:ext uri="{FF2B5EF4-FFF2-40B4-BE49-F238E27FC236}">
-                <a16:creationId xmlns:a16="http://schemas.microsoft.com/office/drawing/2014/main" id="{46211E4B-EF89-4D03-A97A-6EB546C0498D}"/>
+                <a16:creationId xmlns="" xmlns:a16="http://schemas.microsoft.com/office/drawing/2014/main" id="{46211E4B-EF89-4D03-A97A-6EB546C0498D}"/>
               </a:ext>
             </a:extLst>
           </p:cNvPr>
@@ -3519,7 +3521,7 @@
           <p:cNvPr id="4" name="Textplatzhalter 3">
             <a:extLst>
               <a:ext uri="{FF2B5EF4-FFF2-40B4-BE49-F238E27FC236}">
-                <a16:creationId xmlns:a16="http://schemas.microsoft.com/office/drawing/2014/main" id="{D4BEF54F-E067-4073-A803-29399235D78F}"/>
+                <a16:creationId xmlns="" xmlns:a16="http://schemas.microsoft.com/office/drawing/2014/main" id="{D4BEF54F-E067-4073-A803-29399235D78F}"/>
               </a:ext>
             </a:extLst>
           </p:cNvPr>
@@ -3590,7 +3592,7 @@
           <p:cNvPr id="5" name="Datumsplatzhalter 4">
             <a:extLst>
               <a:ext uri="{FF2B5EF4-FFF2-40B4-BE49-F238E27FC236}">
-                <a16:creationId xmlns:a16="http://schemas.microsoft.com/office/drawing/2014/main" id="{FF25F891-DBFE-4A5B-99B6-66F48C54174B}"/>
+                <a16:creationId xmlns="" xmlns:a16="http://schemas.microsoft.com/office/drawing/2014/main" id="{FF25F891-DBFE-4A5B-99B6-66F48C54174B}"/>
               </a:ext>
             </a:extLst>
           </p:cNvPr>
@@ -3608,7 +3610,7 @@
           <a:p>
             <a:fld id="{85B45B05-9F08-4563-869B-61599241AF1E}" type="datetime1">
               <a:rPr lang="de-DE" smtClean="0"/>
-              <a:t>17.04.2020</a:t>
+              <a:t>18.04.2020</a:t>
             </a:fld>
             <a:endParaRPr lang="de-DE"/>
           </a:p>
@@ -3619,7 +3621,7 @@
           <p:cNvPr id="6" name="Fußzeilenplatzhalter 5">
             <a:extLst>
               <a:ext uri="{FF2B5EF4-FFF2-40B4-BE49-F238E27FC236}">
-                <a16:creationId xmlns:a16="http://schemas.microsoft.com/office/drawing/2014/main" id="{C508CE39-F26E-4C31-84CD-D89EC83686D4}"/>
+                <a16:creationId xmlns="" xmlns:a16="http://schemas.microsoft.com/office/drawing/2014/main" id="{C508CE39-F26E-4C31-84CD-D89EC83686D4}"/>
               </a:ext>
             </a:extLst>
           </p:cNvPr>
@@ -3652,7 +3654,7 @@
           <p:cNvPr id="7" name="Foliennummernplatzhalter 6">
             <a:extLst>
               <a:ext uri="{FF2B5EF4-FFF2-40B4-BE49-F238E27FC236}">
-                <a16:creationId xmlns:a16="http://schemas.microsoft.com/office/drawing/2014/main" id="{5E1B48FE-614D-4BF1-8C39-73558F055C10}"/>
+                <a16:creationId xmlns="" xmlns:a16="http://schemas.microsoft.com/office/drawing/2014/main" id="{5E1B48FE-614D-4BF1-8C39-73558F055C10}"/>
               </a:ext>
             </a:extLst>
           </p:cNvPr>
@@ -3678,7 +3680,7 @@
           <a:p>
             <a:fld id="{9A48FC86-4651-46AF-9E4A-D3FC30E17613}" type="slidenum">
               <a:rPr lang="de-DE" smtClean="0"/>
-              <a:t>‹#›</a:t>
+              <a:t>‹N°›</a:t>
             </a:fld>
             <a:endParaRPr lang="de-DE"/>
           </a:p>
@@ -3719,7 +3721,7 @@
           <p:cNvPr id="2" name="Titel 1">
             <a:extLst>
               <a:ext uri="{FF2B5EF4-FFF2-40B4-BE49-F238E27FC236}">
-                <a16:creationId xmlns:a16="http://schemas.microsoft.com/office/drawing/2014/main" id="{F9563009-E30B-45AC-BDD7-44EA72F78222}"/>
+                <a16:creationId xmlns="" xmlns:a16="http://schemas.microsoft.com/office/drawing/2014/main" id="{F9563009-E30B-45AC-BDD7-44EA72F78222}"/>
               </a:ext>
             </a:extLst>
           </p:cNvPr>
@@ -3756,7 +3758,7 @@
           <p:cNvPr id="3" name="Bildplatzhalter 2">
             <a:extLst>
               <a:ext uri="{FF2B5EF4-FFF2-40B4-BE49-F238E27FC236}">
-                <a16:creationId xmlns:a16="http://schemas.microsoft.com/office/drawing/2014/main" id="{11F2FF9F-8E72-4929-BF76-ED1330B5F674}"/>
+                <a16:creationId xmlns="" xmlns:a16="http://schemas.microsoft.com/office/drawing/2014/main" id="{11F2FF9F-8E72-4929-BF76-ED1330B5F674}"/>
               </a:ext>
             </a:extLst>
           </p:cNvPr>
@@ -3823,7 +3825,7 @@
           <p:cNvPr id="4" name="Textplatzhalter 3">
             <a:extLst>
               <a:ext uri="{FF2B5EF4-FFF2-40B4-BE49-F238E27FC236}">
-                <a16:creationId xmlns:a16="http://schemas.microsoft.com/office/drawing/2014/main" id="{4A21AA90-B6A3-4F03-A71E-8D4EFEBB4E8A}"/>
+                <a16:creationId xmlns="" xmlns:a16="http://schemas.microsoft.com/office/drawing/2014/main" id="{4A21AA90-B6A3-4F03-A71E-8D4EFEBB4E8A}"/>
               </a:ext>
             </a:extLst>
           </p:cNvPr>
@@ -3894,7 +3896,7 @@
           <p:cNvPr id="5" name="Datumsplatzhalter 4">
             <a:extLst>
               <a:ext uri="{FF2B5EF4-FFF2-40B4-BE49-F238E27FC236}">
-                <a16:creationId xmlns:a16="http://schemas.microsoft.com/office/drawing/2014/main" id="{B9A970BA-F10E-430D-9B5F-218F0B6AAD68}"/>
+                <a16:creationId xmlns="" xmlns:a16="http://schemas.microsoft.com/office/drawing/2014/main" id="{B9A970BA-F10E-430D-9B5F-218F0B6AAD68}"/>
               </a:ext>
             </a:extLst>
           </p:cNvPr>
@@ -3912,7 +3914,7 @@
           <a:p>
             <a:fld id="{D652A3BE-F7B5-4A63-8062-DDAA4613127D}" type="datetime1">
               <a:rPr lang="de-DE" smtClean="0"/>
-              <a:t>17.04.2020</a:t>
+              <a:t>18.04.2020</a:t>
             </a:fld>
             <a:endParaRPr lang="de-DE"/>
           </a:p>
@@ -3923,7 +3925,7 @@
           <p:cNvPr id="6" name="Fußzeilenplatzhalter 5">
             <a:extLst>
               <a:ext uri="{FF2B5EF4-FFF2-40B4-BE49-F238E27FC236}">
-                <a16:creationId xmlns:a16="http://schemas.microsoft.com/office/drawing/2014/main" id="{A141BF1C-61CE-44FF-8ABE-F08D6373AD97}"/>
+                <a16:creationId xmlns="" xmlns:a16="http://schemas.microsoft.com/office/drawing/2014/main" id="{A141BF1C-61CE-44FF-8ABE-F08D6373AD97}"/>
               </a:ext>
             </a:extLst>
           </p:cNvPr>
@@ -3956,7 +3958,7 @@
           <p:cNvPr id="7" name="Foliennummernplatzhalter 6">
             <a:extLst>
               <a:ext uri="{FF2B5EF4-FFF2-40B4-BE49-F238E27FC236}">
-                <a16:creationId xmlns:a16="http://schemas.microsoft.com/office/drawing/2014/main" id="{E76983E8-6FBA-42E6-85DE-B77806E23CA0}"/>
+                <a16:creationId xmlns="" xmlns:a16="http://schemas.microsoft.com/office/drawing/2014/main" id="{E76983E8-6FBA-42E6-85DE-B77806E23CA0}"/>
               </a:ext>
             </a:extLst>
           </p:cNvPr>
@@ -3982,7 +3984,7 @@
           <a:p>
             <a:fld id="{9A48FC86-4651-46AF-9E4A-D3FC30E17613}" type="slidenum">
               <a:rPr lang="de-DE" smtClean="0"/>
-              <a:t>‹#›</a:t>
+              <a:t>‹N°›</a:t>
             </a:fld>
             <a:endParaRPr lang="de-DE"/>
           </a:p>
@@ -4028,7 +4030,7 @@
           <p:cNvPr id="2" name="Titelplatzhalter 1">
             <a:extLst>
               <a:ext uri="{FF2B5EF4-FFF2-40B4-BE49-F238E27FC236}">
-                <a16:creationId xmlns:a16="http://schemas.microsoft.com/office/drawing/2014/main" id="{F1B54F3D-85D6-4E2A-A184-2AD8788616C7}"/>
+                <a16:creationId xmlns="" xmlns:a16="http://schemas.microsoft.com/office/drawing/2014/main" id="{F1B54F3D-85D6-4E2A-A184-2AD8788616C7}"/>
               </a:ext>
             </a:extLst>
           </p:cNvPr>
@@ -4066,7 +4068,7 @@
           <p:cNvPr id="3" name="Textplatzhalter 2">
             <a:extLst>
               <a:ext uri="{FF2B5EF4-FFF2-40B4-BE49-F238E27FC236}">
-                <a16:creationId xmlns:a16="http://schemas.microsoft.com/office/drawing/2014/main" id="{62C62B55-DAE8-4571-9836-D8A9517A6717}"/>
+                <a16:creationId xmlns="" xmlns:a16="http://schemas.microsoft.com/office/drawing/2014/main" id="{62C62B55-DAE8-4571-9836-D8A9517A6717}"/>
               </a:ext>
             </a:extLst>
           </p:cNvPr>
@@ -4133,7 +4135,7 @@
           <p:cNvPr id="4" name="Datumsplatzhalter 3">
             <a:extLst>
               <a:ext uri="{FF2B5EF4-FFF2-40B4-BE49-F238E27FC236}">
-                <a16:creationId xmlns:a16="http://schemas.microsoft.com/office/drawing/2014/main" id="{202396F9-D19B-4197-A727-060829339B6B}"/>
+                <a16:creationId xmlns="" xmlns:a16="http://schemas.microsoft.com/office/drawing/2014/main" id="{202396F9-D19B-4197-A727-060829339B6B}"/>
               </a:ext>
             </a:extLst>
           </p:cNvPr>
@@ -4169,7 +4171,7 @@
           <a:p>
             <a:fld id="{021D039D-3FEB-4CB2-8AA5-58331A7224C8}" type="datetime1">
               <a:rPr lang="de-DE" smtClean="0"/>
-              <a:t>17.04.2020</a:t>
+              <a:t>18.04.2020</a:t>
             </a:fld>
             <a:endParaRPr lang="de-DE" dirty="0"/>
           </a:p>
@@ -4180,7 +4182,7 @@
           <p:cNvPr id="5" name="Fußzeilenplatzhalter 4">
             <a:extLst>
               <a:ext uri="{FF2B5EF4-FFF2-40B4-BE49-F238E27FC236}">
-                <a16:creationId xmlns:a16="http://schemas.microsoft.com/office/drawing/2014/main" id="{B1EA6A1B-5C13-45F1-9B85-4169FD91138A}"/>
+                <a16:creationId xmlns="" xmlns:a16="http://schemas.microsoft.com/office/drawing/2014/main" id="{B1EA6A1B-5C13-45F1-9B85-4169FD91138A}"/>
               </a:ext>
             </a:extLst>
           </p:cNvPr>
@@ -4231,7 +4233,7 @@
           <p:cNvPr id="7" name="Grafik 6">
             <a:extLst>
               <a:ext uri="{FF2B5EF4-FFF2-40B4-BE49-F238E27FC236}">
-                <a16:creationId xmlns:a16="http://schemas.microsoft.com/office/drawing/2014/main" id="{C59B35B2-0CE6-4FF9-984D-F5719598069C}"/>
+                <a16:creationId xmlns="" xmlns:a16="http://schemas.microsoft.com/office/drawing/2014/main" id="{C59B35B2-0CE6-4FF9-984D-F5719598069C}"/>
               </a:ext>
             </a:extLst>
           </p:cNvPr>
@@ -4267,7 +4269,7 @@
           <p:cNvPr id="8" name="Foliennummernplatzhalter 7">
             <a:extLst>
               <a:ext uri="{FF2B5EF4-FFF2-40B4-BE49-F238E27FC236}">
-                <a16:creationId xmlns:a16="http://schemas.microsoft.com/office/drawing/2014/main" id="{8B9E18AC-CAF1-4471-BF04-547435D80DDB}"/>
+                <a16:creationId xmlns="" xmlns:a16="http://schemas.microsoft.com/office/drawing/2014/main" id="{8B9E18AC-CAF1-4471-BF04-547435D80DDB}"/>
               </a:ext>
             </a:extLst>
           </p:cNvPr>
@@ -4303,7 +4305,7 @@
           <a:p>
             <a:fld id="{5999A4A4-2D96-49E3-B364-04D265390CD4}" type="slidenum">
               <a:rPr lang="de-DE" smtClean="0"/>
-              <a:t>‹#›</a:t>
+              <a:t>‹N°›</a:t>
             </a:fld>
             <a:endParaRPr lang="de-DE"/>
           </a:p>
@@ -4636,7 +4638,7 @@
           <p:cNvPr id="2" name="Titel 1">
             <a:extLst>
               <a:ext uri="{FF2B5EF4-FFF2-40B4-BE49-F238E27FC236}">
-                <a16:creationId xmlns:a16="http://schemas.microsoft.com/office/drawing/2014/main" id="{19B6AC69-F81D-4459-ACD2-8110FA9FCE24}"/>
+                <a16:creationId xmlns="" xmlns:a16="http://schemas.microsoft.com/office/drawing/2014/main" id="{19B6AC69-F81D-4459-ACD2-8110FA9FCE24}"/>
               </a:ext>
             </a:extLst>
           </p:cNvPr>
@@ -4664,7 +4666,7 @@
           <p:cNvPr id="3" name="Untertitel 2">
             <a:extLst>
               <a:ext uri="{FF2B5EF4-FFF2-40B4-BE49-F238E27FC236}">
-                <a16:creationId xmlns:a16="http://schemas.microsoft.com/office/drawing/2014/main" id="{13737FBA-E6BC-4517-8A74-4336C01F7072}"/>
+                <a16:creationId xmlns="" xmlns:a16="http://schemas.microsoft.com/office/drawing/2014/main" id="{13737FBA-E6BC-4517-8A74-4336C01F7072}"/>
               </a:ext>
             </a:extLst>
           </p:cNvPr>
@@ -4740,6 +4742,13 @@
   <p:clrMapOvr>
     <a:masterClrMapping/>
   </p:clrMapOvr>
+  <p:timing>
+    <p:tnLst>
+      <p:par>
+        <p:cTn id="1" dur="indefinite" restart="never" nodeType="tmRoot"/>
+      </p:par>
+    </p:tnLst>
+  </p:timing>
 </p:sld>
 </file>
 
@@ -4799,7 +4808,7 @@
           <a:p>
             <a:fld id="{C0D11AC0-B5D5-4B5F-9ECB-B7E6CF8984ED}" type="datetime1">
               <a:rPr lang="de-DE" smtClean="0"/>
-              <a:t>17.04.2020</a:t>
+              <a:t>18.04.2020</a:t>
             </a:fld>
             <a:endParaRPr lang="de-DE" dirty="0"/>
           </a:p>
@@ -5139,7 +5148,7 @@
           <p:cNvPr id="7" name="Group 6">
             <a:extLst>
               <a:ext uri="{FF2B5EF4-FFF2-40B4-BE49-F238E27FC236}">
-                <a16:creationId xmlns:a16="http://schemas.microsoft.com/office/drawing/2014/main" id="{7309C384-6DCD-4775-B2C4-21469D66386A}"/>
+                <a16:creationId xmlns="" xmlns:a16="http://schemas.microsoft.com/office/drawing/2014/main" id="{7309C384-6DCD-4775-B2C4-21469D66386A}"/>
               </a:ext>
             </a:extLst>
           </p:cNvPr>
@@ -5558,7 +5567,7 @@
           <p:cNvPr id="3" name="Group 2">
             <a:extLst>
               <a:ext uri="{FF2B5EF4-FFF2-40B4-BE49-F238E27FC236}">
-                <a16:creationId xmlns:a16="http://schemas.microsoft.com/office/drawing/2014/main" id="{38150398-1A64-4FB7-A3DE-19041D5C1156}"/>
+                <a16:creationId xmlns="" xmlns:a16="http://schemas.microsoft.com/office/drawing/2014/main" id="{38150398-1A64-4FB7-A3DE-19041D5C1156}"/>
               </a:ext>
             </a:extLst>
           </p:cNvPr>
@@ -5754,7 +5763,7 @@
           <p:cNvPr id="22" name="Rectangle 21">
             <a:extLst>
               <a:ext uri="{FF2B5EF4-FFF2-40B4-BE49-F238E27FC236}">
-                <a16:creationId xmlns:a16="http://schemas.microsoft.com/office/drawing/2014/main" id="{38C51A38-4A07-49FD-B6ED-48F08A46D64E}"/>
+                <a16:creationId xmlns="" xmlns:a16="http://schemas.microsoft.com/office/drawing/2014/main" id="{38C51A38-4A07-49FD-B6ED-48F08A46D64E}"/>
               </a:ext>
             </a:extLst>
           </p:cNvPr>
@@ -5846,7 +5855,7 @@
           <p:cNvPr id="23" name="Double flèche verticale 40">
             <a:extLst>
               <a:ext uri="{FF2B5EF4-FFF2-40B4-BE49-F238E27FC236}">
-                <a16:creationId xmlns:a16="http://schemas.microsoft.com/office/drawing/2014/main" id="{10F5781E-ED8C-4D2E-B33A-E89C91B92733}"/>
+                <a16:creationId xmlns="" xmlns:a16="http://schemas.microsoft.com/office/drawing/2014/main" id="{10F5781E-ED8C-4D2E-B33A-E89C91B92733}"/>
               </a:ext>
             </a:extLst>
           </p:cNvPr>
@@ -5910,6 +5919,13 @@
   <p:clrMapOvr>
     <a:masterClrMapping/>
   </p:clrMapOvr>
+  <p:timing>
+    <p:tnLst>
+      <p:par>
+        <p:cTn id="1" dur="indefinite" restart="never" nodeType="tmRoot"/>
+      </p:par>
+    </p:tnLst>
+  </p:timing>
 </p:sld>
 </file>
 
@@ -5969,7 +5985,15 @@
           <a:p>
             <a:r>
               <a:rPr lang="en-US" dirty="0"/>
-              <a:t>GET list of predicted soccer games: GET /</a:t>
+              <a:t>GET </a:t>
+            </a:r>
+            <a:r>
+              <a:rPr lang="en-US" dirty="0" smtClean="0"/>
+              <a:t>the list </a:t>
+            </a:r>
+            <a:r>
+              <a:rPr lang="en-US" dirty="0"/>
+              <a:t>of predicted soccer games: GET /</a:t>
             </a:r>
             <a:r>
               <a:rPr lang="en-US" dirty="0" err="1"/>
@@ -6002,7 +6026,7 @@
           <a:p>
             <a:fld id="{C0D11AC0-B5D5-4B5F-9ECB-B7E6CF8984ED}" type="datetime1">
               <a:rPr lang="de-DE" smtClean="0"/>
-              <a:t>17.04.2020</a:t>
+              <a:t>18.04.2020</a:t>
             </a:fld>
             <a:endParaRPr lang="de-DE"/>
           </a:p>
@@ -6084,6 +6108,403 @@
     <p:extLst>
       <p:ext uri="{BB962C8B-B14F-4D97-AF65-F5344CB8AC3E}">
         <p14:creationId xmlns:p14="http://schemas.microsoft.com/office/powerpoint/2010/main" val="3976330916"/>
+      </p:ext>
+    </p:extLst>
+  </p:cSld>
+  <p:clrMapOvr>
+    <a:masterClrMapping/>
+  </p:clrMapOvr>
+  <p:timing>
+    <p:tnLst>
+      <p:par>
+        <p:cTn id="1" dur="indefinite" restart="never" nodeType="tmRoot"/>
+      </p:par>
+    </p:tnLst>
+  </p:timing>
+</p:sld>
+</file>
+
+<file path=ppt/slides/slide4.xml><?xml version="1.0" encoding="utf-8"?>
+<p:sld xmlns:a="http://schemas.openxmlformats.org/drawingml/2006/main" xmlns:r="http://schemas.openxmlformats.org/officeDocument/2006/relationships" xmlns:p="http://schemas.openxmlformats.org/presentationml/2006/main">
+  <p:cSld>
+    <p:spTree>
+      <p:nvGrpSpPr>
+        <p:cNvPr id="1" name=""/>
+        <p:cNvGrpSpPr/>
+        <p:nvPr/>
+      </p:nvGrpSpPr>
+      <p:grpSpPr>
+        <a:xfrm>
+          <a:off x="0" y="0"/>
+          <a:ext cx="0" cy="0"/>
+          <a:chOff x="0" y="0"/>
+          <a:chExt cx="0" cy="0"/>
+        </a:xfrm>
+      </p:grpSpPr>
+      <p:sp>
+        <p:nvSpPr>
+          <p:cNvPr id="2" name="Titre 1"/>
+          <p:cNvSpPr>
+            <a:spLocks noGrp="1"/>
+          </p:cNvSpPr>
+          <p:nvPr>
+            <p:ph type="title"/>
+          </p:nvPr>
+        </p:nvSpPr>
+        <p:spPr/>
+        <p:txBody>
+          <a:bodyPr/>
+          <a:lstStyle/>
+          <a:p>
+            <a:r>
+              <a:rPr lang="en-US" dirty="0" smtClean="0"/>
+              <a:t>Frontend Implementation</a:t>
+            </a:r>
+            <a:endParaRPr lang="en-US" dirty="0"/>
+          </a:p>
+        </p:txBody>
+      </p:sp>
+      <p:pic>
+        <p:nvPicPr>
+          <p:cNvPr id="7" name="Espace réservé du contenu 6"/>
+          <p:cNvPicPr>
+            <a:picLocks noGrp="1" noChangeAspect="1"/>
+          </p:cNvPicPr>
+          <p:nvPr>
+            <p:ph idx="1"/>
+          </p:nvPr>
+        </p:nvPicPr>
+        <p:blipFill>
+          <a:blip r:embed="rId2">
+            <a:extLst>
+              <a:ext uri="{28A0092B-C50C-407E-A947-70E740481C1C}">
+                <a14:useLocalDpi xmlns:a14="http://schemas.microsoft.com/office/drawing/2010/main" val="0"/>
+              </a:ext>
+            </a:extLst>
+          </a:blip>
+          <a:stretch>
+            <a:fillRect/>
+          </a:stretch>
+        </p:blipFill>
+        <p:spPr>
+          <a:xfrm>
+            <a:off x="1188720" y="2060020"/>
+            <a:ext cx="7420590" cy="1736553"/>
+          </a:xfrm>
+        </p:spPr>
+      </p:pic>
+      <p:sp>
+        <p:nvSpPr>
+          <p:cNvPr id="4" name="Espace réservé de la date 3"/>
+          <p:cNvSpPr>
+            <a:spLocks noGrp="1"/>
+          </p:cNvSpPr>
+          <p:nvPr>
+            <p:ph type="dt" sz="half" idx="10"/>
+          </p:nvPr>
+        </p:nvSpPr>
+        <p:spPr/>
+        <p:txBody>
+          <a:bodyPr/>
+          <a:lstStyle/>
+          <a:p>
+            <a:fld id="{C0D11AC0-B5D5-4B5F-9ECB-B7E6CF8984ED}" type="datetime1">
+              <a:rPr lang="de-DE" smtClean="0"/>
+              <a:t>18.04.2020</a:t>
+            </a:fld>
+            <a:endParaRPr lang="de-DE"/>
+          </a:p>
+        </p:txBody>
+      </p:sp>
+      <p:sp>
+        <p:nvSpPr>
+          <p:cNvPr id="5" name="Espace réservé du pied de page 4"/>
+          <p:cNvSpPr>
+            <a:spLocks noGrp="1"/>
+          </p:cNvSpPr>
+          <p:nvPr>
+            <p:ph type="ftr" sz="quarter" idx="11"/>
+          </p:nvPr>
+        </p:nvSpPr>
+        <p:spPr/>
+        <p:txBody>
+          <a:bodyPr/>
+          <a:lstStyle/>
+          <a:p>
+            <a:endParaRPr lang="de-DE" dirty="0"/>
+          </a:p>
+        </p:txBody>
+      </p:sp>
+      <p:sp>
+        <p:nvSpPr>
+          <p:cNvPr id="6" name="Espace réservé du numéro de diapositive 5"/>
+          <p:cNvSpPr>
+            <a:spLocks noGrp="1"/>
+          </p:cNvSpPr>
+          <p:nvPr>
+            <p:ph type="sldNum" sz="quarter" idx="12"/>
+          </p:nvPr>
+        </p:nvSpPr>
+        <p:spPr/>
+        <p:txBody>
+          <a:bodyPr/>
+          <a:lstStyle/>
+          <a:p>
+            <a:fld id="{9A48FC86-4651-46AF-9E4A-D3FC30E17613}" type="slidenum">
+              <a:rPr lang="de-DE" smtClean="0"/>
+              <a:t>4</a:t>
+            </a:fld>
+            <a:endParaRPr lang="de-DE"/>
+          </a:p>
+        </p:txBody>
+      </p:sp>
+      <p:sp>
+        <p:nvSpPr>
+          <p:cNvPr id="8" name="Rectangle 7"/>
+          <p:cNvSpPr/>
+          <p:nvPr/>
+        </p:nvSpPr>
+        <p:spPr>
+          <a:xfrm>
+            <a:off x="1188720" y="1558837"/>
+            <a:ext cx="6096000" cy="369332"/>
+          </a:xfrm>
+          <a:prstGeom prst="rect">
+            <a:avLst/>
+          </a:prstGeom>
+        </p:spPr>
+        <p:txBody>
+          <a:bodyPr>
+            <a:spAutoFit/>
+          </a:bodyPr>
+          <a:lstStyle/>
+          <a:p>
+            <a:r>
+              <a:rPr lang="en-US" dirty="0" smtClean="0"/>
+              <a:t>- Get the list </a:t>
+            </a:r>
+            <a:r>
+              <a:rPr lang="en-US" dirty="0"/>
+              <a:t>of predicted soccer </a:t>
+            </a:r>
+            <a:r>
+              <a:rPr lang="en-US" dirty="0" smtClean="0"/>
+              <a:t>games from the backend:</a:t>
+            </a:r>
+            <a:endParaRPr lang="en-US" dirty="0"/>
+          </a:p>
+        </p:txBody>
+      </p:sp>
+      <p:sp>
+        <p:nvSpPr>
+          <p:cNvPr id="9" name="Rectangle 8"/>
+          <p:cNvSpPr/>
+          <p:nvPr/>
+        </p:nvSpPr>
+        <p:spPr>
+          <a:xfrm>
+            <a:off x="1188720" y="4065799"/>
+            <a:ext cx="3290837" cy="369332"/>
+          </a:xfrm>
+          <a:prstGeom prst="rect">
+            <a:avLst/>
+          </a:prstGeom>
+        </p:spPr>
+        <p:txBody>
+          <a:bodyPr wrap="none">
+            <a:spAutoFit/>
+          </a:bodyPr>
+          <a:lstStyle/>
+          <a:p>
+            <a:r>
+              <a:rPr lang="en-US" dirty="0" smtClean="0"/>
+              <a:t>- Output the list of soccer games:</a:t>
+            </a:r>
+            <a:endParaRPr lang="en-US" dirty="0"/>
+          </a:p>
+        </p:txBody>
+      </p:sp>
+      <p:pic>
+        <p:nvPicPr>
+          <p:cNvPr id="12" name="Image 11"/>
+          <p:cNvPicPr>
+            <a:picLocks noChangeAspect="1"/>
+          </p:cNvPicPr>
+          <p:nvPr/>
+        </p:nvPicPr>
+        <p:blipFill>
+          <a:blip r:embed="rId3">
+            <a:extLst>
+              <a:ext uri="{28A0092B-C50C-407E-A947-70E740481C1C}">
+                <a14:useLocalDpi xmlns:a14="http://schemas.microsoft.com/office/drawing/2010/main" val="0"/>
+              </a:ext>
+            </a:extLst>
+          </a:blip>
+          <a:stretch>
+            <a:fillRect/>
+          </a:stretch>
+        </p:blipFill>
+        <p:spPr>
+          <a:xfrm>
+            <a:off x="1188720" y="4628170"/>
+            <a:ext cx="10017760" cy="1137207"/>
+          </a:xfrm>
+          <a:prstGeom prst="rect">
+            <a:avLst/>
+          </a:prstGeom>
+        </p:spPr>
+      </p:pic>
+    </p:spTree>
+    <p:extLst>
+      <p:ext uri="{BB962C8B-B14F-4D97-AF65-F5344CB8AC3E}">
+        <p14:creationId xmlns:p14="http://schemas.microsoft.com/office/powerpoint/2010/main" val="3075498974"/>
+      </p:ext>
+    </p:extLst>
+  </p:cSld>
+  <p:clrMapOvr>
+    <a:masterClrMapping/>
+  </p:clrMapOvr>
+</p:sld>
+</file>
+
+<file path=ppt/slides/slide5.xml><?xml version="1.0" encoding="utf-8"?>
+<p:sld xmlns:a="http://schemas.openxmlformats.org/drawingml/2006/main" xmlns:r="http://schemas.openxmlformats.org/officeDocument/2006/relationships" xmlns:p="http://schemas.openxmlformats.org/presentationml/2006/main">
+  <p:cSld>
+    <p:spTree>
+      <p:nvGrpSpPr>
+        <p:cNvPr id="1" name=""/>
+        <p:cNvGrpSpPr/>
+        <p:nvPr/>
+      </p:nvGrpSpPr>
+      <p:grpSpPr>
+        <a:xfrm>
+          <a:off x="0" y="0"/>
+          <a:ext cx="0" cy="0"/>
+          <a:chOff x="0" y="0"/>
+          <a:chExt cx="0" cy="0"/>
+        </a:xfrm>
+      </p:grpSpPr>
+      <p:sp>
+        <p:nvSpPr>
+          <p:cNvPr id="2" name="Titre 1"/>
+          <p:cNvSpPr>
+            <a:spLocks noGrp="1"/>
+          </p:cNvSpPr>
+          <p:nvPr>
+            <p:ph type="title"/>
+          </p:nvPr>
+        </p:nvSpPr>
+        <p:spPr/>
+        <p:txBody>
+          <a:bodyPr/>
+          <a:lstStyle/>
+          <a:p>
+            <a:r>
+              <a:rPr lang="en-US" smtClean="0"/>
+              <a:t>Frontend Web Page </a:t>
+            </a:r>
+            <a:endParaRPr lang="en-US" dirty="0"/>
+          </a:p>
+        </p:txBody>
+      </p:sp>
+      <p:pic>
+        <p:nvPicPr>
+          <p:cNvPr id="7" name="Espace réservé du contenu 6"/>
+          <p:cNvPicPr>
+            <a:picLocks noGrp="1" noChangeAspect="1"/>
+          </p:cNvPicPr>
+          <p:nvPr>
+            <p:ph idx="1"/>
+          </p:nvPr>
+        </p:nvPicPr>
+        <p:blipFill>
+          <a:blip r:embed="rId2">
+            <a:extLst>
+              <a:ext uri="{28A0092B-C50C-407E-A947-70E740481C1C}">
+                <a14:useLocalDpi xmlns:a14="http://schemas.microsoft.com/office/drawing/2010/main" val="0"/>
+              </a:ext>
+            </a:extLst>
+          </a:blip>
+          <a:stretch>
+            <a:fillRect/>
+          </a:stretch>
+        </p:blipFill>
+        <p:spPr>
+          <a:xfrm>
+            <a:off x="924560" y="1742805"/>
+            <a:ext cx="9887486" cy="4561427"/>
+          </a:xfrm>
+        </p:spPr>
+      </p:pic>
+      <p:sp>
+        <p:nvSpPr>
+          <p:cNvPr id="4" name="Espace réservé de la date 3"/>
+          <p:cNvSpPr>
+            <a:spLocks noGrp="1"/>
+          </p:cNvSpPr>
+          <p:nvPr>
+            <p:ph type="dt" sz="half" idx="10"/>
+          </p:nvPr>
+        </p:nvSpPr>
+        <p:spPr/>
+        <p:txBody>
+          <a:bodyPr/>
+          <a:lstStyle/>
+          <a:p>
+            <a:fld id="{C0D11AC0-B5D5-4B5F-9ECB-B7E6CF8984ED}" type="datetime1">
+              <a:rPr lang="de-DE" smtClean="0"/>
+              <a:t>18.04.2020</a:t>
+            </a:fld>
+            <a:endParaRPr lang="de-DE"/>
+          </a:p>
+        </p:txBody>
+      </p:sp>
+      <p:sp>
+        <p:nvSpPr>
+          <p:cNvPr id="5" name="Espace réservé du pied de page 4"/>
+          <p:cNvSpPr>
+            <a:spLocks noGrp="1"/>
+          </p:cNvSpPr>
+          <p:nvPr>
+            <p:ph type="ftr" sz="quarter" idx="11"/>
+          </p:nvPr>
+        </p:nvSpPr>
+        <p:spPr/>
+        <p:txBody>
+          <a:bodyPr/>
+          <a:lstStyle/>
+          <a:p>
+            <a:endParaRPr lang="de-DE" dirty="0"/>
+          </a:p>
+        </p:txBody>
+      </p:sp>
+      <p:sp>
+        <p:nvSpPr>
+          <p:cNvPr id="6" name="Espace réservé du numéro de diapositive 5"/>
+          <p:cNvSpPr>
+            <a:spLocks noGrp="1"/>
+          </p:cNvSpPr>
+          <p:nvPr>
+            <p:ph type="sldNum" sz="quarter" idx="12"/>
+          </p:nvPr>
+        </p:nvSpPr>
+        <p:spPr/>
+        <p:txBody>
+          <a:bodyPr/>
+          <a:lstStyle/>
+          <a:p>
+            <a:fld id="{9A48FC86-4651-46AF-9E4A-D3FC30E17613}" type="slidenum">
+              <a:rPr lang="de-DE" smtClean="0"/>
+              <a:t>5</a:t>
+            </a:fld>
+            <a:endParaRPr lang="de-DE"/>
+          </a:p>
+        </p:txBody>
+      </p:sp>
+    </p:spTree>
+    <p:extLst>
+      <p:ext uri="{BB962C8B-B14F-4D97-AF65-F5344CB8AC3E}">
+        <p14:creationId xmlns:p14="http://schemas.microsoft.com/office/powerpoint/2010/main" val="4064694010"/>
       </p:ext>
     </p:extLst>
   </p:cSld>

--- a/Web/WebArchitectureDef.pptx
+++ b/Web/WebArchitectureDef.pptx
@@ -5,14 +5,18 @@
     <p:sldMasterId id="2147483648" r:id="rId1"/>
   </p:sldMasterIdLst>
   <p:notesMasterIdLst>
-    <p:notesMasterId r:id="rId7"/>
+    <p:notesMasterId r:id="rId11"/>
   </p:notesMasterIdLst>
   <p:sldIdLst>
     <p:sldId id="256" r:id="rId2"/>
-    <p:sldId id="257" r:id="rId3"/>
-    <p:sldId id="258" r:id="rId4"/>
-    <p:sldId id="259" r:id="rId5"/>
-    <p:sldId id="260" r:id="rId6"/>
+    <p:sldId id="265" r:id="rId3"/>
+    <p:sldId id="263" r:id="rId4"/>
+    <p:sldId id="261" r:id="rId5"/>
+    <p:sldId id="257" r:id="rId6"/>
+    <p:sldId id="258" r:id="rId7"/>
+    <p:sldId id="259" r:id="rId8"/>
+    <p:sldId id="260" r:id="rId9"/>
+    <p:sldId id="262" r:id="rId10"/>
   </p:sldIdLst>
   <p:sldSz cx="12192000" cy="6858000"/>
   <p:notesSz cx="6858000" cy="9144000"/>
@@ -845,7 +849,7 @@
           <a:p>
             <a:fld id="{9CDC8AA7-8D38-46C0-86D3-87BDB8133F92}" type="datetimeFigureOut">
               <a:rPr lang="de-DE" smtClean="0"/>
-              <a:t>18.04.2020</a:t>
+              <a:t>23.04.2020</a:t>
             </a:fld>
             <a:endParaRPr lang="de-DE"/>
           </a:p>
@@ -1235,7 +1239,7 @@
           <p:cNvPr id="2" name="Titel 1">
             <a:extLst>
               <a:ext uri="{FF2B5EF4-FFF2-40B4-BE49-F238E27FC236}">
-                <a16:creationId xmlns="" xmlns:a16="http://schemas.microsoft.com/office/drawing/2014/main" id="{701EABE2-81DB-4A57-87BD-BAC9B81DA953}"/>
+                <a16:creationId xmlns:a16="http://schemas.microsoft.com/office/drawing/2014/main" xmlns="" id="{701EABE2-81DB-4A57-87BD-BAC9B81DA953}"/>
               </a:ext>
             </a:extLst>
           </p:cNvPr>
@@ -1272,7 +1276,7 @@
           <p:cNvPr id="3" name="Untertitel 2">
             <a:extLst>
               <a:ext uri="{FF2B5EF4-FFF2-40B4-BE49-F238E27FC236}">
-                <a16:creationId xmlns="" xmlns:a16="http://schemas.microsoft.com/office/drawing/2014/main" id="{9E44B19B-9953-4462-B98C-34C559DFD4BA}"/>
+                <a16:creationId xmlns:a16="http://schemas.microsoft.com/office/drawing/2014/main" xmlns="" id="{9E44B19B-9953-4462-B98C-34C559DFD4BA}"/>
               </a:ext>
             </a:extLst>
           </p:cNvPr>
@@ -1342,7 +1346,7 @@
           <p:cNvPr id="4" name="Datumsplatzhalter 3">
             <a:extLst>
               <a:ext uri="{FF2B5EF4-FFF2-40B4-BE49-F238E27FC236}">
-                <a16:creationId xmlns="" xmlns:a16="http://schemas.microsoft.com/office/drawing/2014/main" id="{85282A0B-87AA-4F5C-9252-AB7E74ABF29B}"/>
+                <a16:creationId xmlns:a16="http://schemas.microsoft.com/office/drawing/2014/main" xmlns="" id="{85282A0B-87AA-4F5C-9252-AB7E74ABF29B}"/>
               </a:ext>
             </a:extLst>
           </p:cNvPr>
@@ -1360,7 +1364,7 @@
           <a:p>
             <a:fld id="{0BE53A1E-06E4-4C2E-89F2-9370B10FF3AC}" type="datetime1">
               <a:rPr lang="de-DE" smtClean="0"/>
-              <a:t>18.04.2020</a:t>
+              <a:t>23.04.2020</a:t>
             </a:fld>
             <a:endParaRPr lang="de-DE" dirty="0"/>
           </a:p>
@@ -1371,7 +1375,7 @@
           <p:cNvPr id="5" name="Fußzeilenplatzhalter 4">
             <a:extLst>
               <a:ext uri="{FF2B5EF4-FFF2-40B4-BE49-F238E27FC236}">
-                <a16:creationId xmlns="" xmlns:a16="http://schemas.microsoft.com/office/drawing/2014/main" id="{CCE46F71-BCF6-41F3-8C17-381DF36140FE}"/>
+                <a16:creationId xmlns:a16="http://schemas.microsoft.com/office/drawing/2014/main" xmlns="" id="{CCE46F71-BCF6-41F3-8C17-381DF36140FE}"/>
               </a:ext>
             </a:extLst>
           </p:cNvPr>
@@ -1404,7 +1408,7 @@
           <p:cNvPr id="6" name="Foliennummernplatzhalter 5">
             <a:extLst>
               <a:ext uri="{FF2B5EF4-FFF2-40B4-BE49-F238E27FC236}">
-                <a16:creationId xmlns="" xmlns:a16="http://schemas.microsoft.com/office/drawing/2014/main" id="{DF41A37E-A33B-4798-9922-3B8B5AE5A27B}"/>
+                <a16:creationId xmlns:a16="http://schemas.microsoft.com/office/drawing/2014/main" xmlns="" id="{DF41A37E-A33B-4798-9922-3B8B5AE5A27B}"/>
               </a:ext>
             </a:extLst>
           </p:cNvPr>
@@ -1471,7 +1475,7 @@
           <p:cNvPr id="2" name="Titel 1">
             <a:extLst>
               <a:ext uri="{FF2B5EF4-FFF2-40B4-BE49-F238E27FC236}">
-                <a16:creationId xmlns="" xmlns:a16="http://schemas.microsoft.com/office/drawing/2014/main" id="{FCE4A30D-3A8C-4B77-B82E-724CCF54EFD5}"/>
+                <a16:creationId xmlns:a16="http://schemas.microsoft.com/office/drawing/2014/main" xmlns="" id="{FCE4A30D-3A8C-4B77-B82E-724CCF54EFD5}"/>
               </a:ext>
             </a:extLst>
           </p:cNvPr>
@@ -1499,7 +1503,7 @@
           <p:cNvPr id="3" name="Vertikaler Textplatzhalter 2">
             <a:extLst>
               <a:ext uri="{FF2B5EF4-FFF2-40B4-BE49-F238E27FC236}">
-                <a16:creationId xmlns="" xmlns:a16="http://schemas.microsoft.com/office/drawing/2014/main" id="{D0312C4C-DD67-420D-AE80-FBF20CAD00FE}"/>
+                <a16:creationId xmlns:a16="http://schemas.microsoft.com/office/drawing/2014/main" xmlns="" id="{D0312C4C-DD67-420D-AE80-FBF20CAD00FE}"/>
               </a:ext>
             </a:extLst>
           </p:cNvPr>
@@ -1556,7 +1560,7 @@
           <p:cNvPr id="4" name="Datumsplatzhalter 3">
             <a:extLst>
               <a:ext uri="{FF2B5EF4-FFF2-40B4-BE49-F238E27FC236}">
-                <a16:creationId xmlns="" xmlns:a16="http://schemas.microsoft.com/office/drawing/2014/main" id="{752D94C2-424D-4096-8FAE-F12A3D4A5C7D}"/>
+                <a16:creationId xmlns:a16="http://schemas.microsoft.com/office/drawing/2014/main" xmlns="" id="{752D94C2-424D-4096-8FAE-F12A3D4A5C7D}"/>
               </a:ext>
             </a:extLst>
           </p:cNvPr>
@@ -1574,7 +1578,7 @@
           <a:p>
             <a:fld id="{97DCCE8C-7C19-4CE2-849C-730D9D984115}" type="datetime1">
               <a:rPr lang="de-DE" smtClean="0"/>
-              <a:t>18.04.2020</a:t>
+              <a:t>23.04.2020</a:t>
             </a:fld>
             <a:endParaRPr lang="de-DE"/>
           </a:p>
@@ -1585,7 +1589,7 @@
           <p:cNvPr id="5" name="Fußzeilenplatzhalter 4">
             <a:extLst>
               <a:ext uri="{FF2B5EF4-FFF2-40B4-BE49-F238E27FC236}">
-                <a16:creationId xmlns="" xmlns:a16="http://schemas.microsoft.com/office/drawing/2014/main" id="{02BB29D6-C358-4D1F-90A7-5282C5CF3A2B}"/>
+                <a16:creationId xmlns:a16="http://schemas.microsoft.com/office/drawing/2014/main" xmlns="" id="{02BB29D6-C358-4D1F-90A7-5282C5CF3A2B}"/>
               </a:ext>
             </a:extLst>
           </p:cNvPr>
@@ -1613,7 +1617,7 @@
           <p:cNvPr id="6" name="Foliennummernplatzhalter 5">
             <a:extLst>
               <a:ext uri="{FF2B5EF4-FFF2-40B4-BE49-F238E27FC236}">
-                <a16:creationId xmlns="" xmlns:a16="http://schemas.microsoft.com/office/drawing/2014/main" id="{AE9CFC43-FC34-49A0-9C58-C1BA7EAB4CD1}"/>
+                <a16:creationId xmlns:a16="http://schemas.microsoft.com/office/drawing/2014/main" xmlns="" id="{AE9CFC43-FC34-49A0-9C58-C1BA7EAB4CD1}"/>
               </a:ext>
             </a:extLst>
           </p:cNvPr>
@@ -1680,7 +1684,7 @@
           <p:cNvPr id="2" name="Vertikaler Titel 1">
             <a:extLst>
               <a:ext uri="{FF2B5EF4-FFF2-40B4-BE49-F238E27FC236}">
-                <a16:creationId xmlns="" xmlns:a16="http://schemas.microsoft.com/office/drawing/2014/main" id="{C6AE7126-CFA4-458D-B5F5-AA476ABB117D}"/>
+                <a16:creationId xmlns:a16="http://schemas.microsoft.com/office/drawing/2014/main" xmlns="" id="{C6AE7126-CFA4-458D-B5F5-AA476ABB117D}"/>
               </a:ext>
             </a:extLst>
           </p:cNvPr>
@@ -1713,7 +1717,7 @@
           <p:cNvPr id="3" name="Vertikaler Textplatzhalter 2">
             <a:extLst>
               <a:ext uri="{FF2B5EF4-FFF2-40B4-BE49-F238E27FC236}">
-                <a16:creationId xmlns="" xmlns:a16="http://schemas.microsoft.com/office/drawing/2014/main" id="{E4719945-B69E-4CB7-AF62-A8E248C097C4}"/>
+                <a16:creationId xmlns:a16="http://schemas.microsoft.com/office/drawing/2014/main" xmlns="" id="{E4719945-B69E-4CB7-AF62-A8E248C097C4}"/>
               </a:ext>
             </a:extLst>
           </p:cNvPr>
@@ -1775,7 +1779,7 @@
           <p:cNvPr id="4" name="Datumsplatzhalter 3">
             <a:extLst>
               <a:ext uri="{FF2B5EF4-FFF2-40B4-BE49-F238E27FC236}">
-                <a16:creationId xmlns="" xmlns:a16="http://schemas.microsoft.com/office/drawing/2014/main" id="{194C9456-1825-45D5-AFC8-7437C4E58D48}"/>
+                <a16:creationId xmlns:a16="http://schemas.microsoft.com/office/drawing/2014/main" xmlns="" id="{194C9456-1825-45D5-AFC8-7437C4E58D48}"/>
               </a:ext>
             </a:extLst>
           </p:cNvPr>
@@ -1793,7 +1797,7 @@
           <a:p>
             <a:fld id="{221A1AFA-2D7A-4A35-B2E9-5179FAD91C9A}" type="datetime1">
               <a:rPr lang="de-DE" smtClean="0"/>
-              <a:t>18.04.2020</a:t>
+              <a:t>23.04.2020</a:t>
             </a:fld>
             <a:endParaRPr lang="de-DE"/>
           </a:p>
@@ -1804,7 +1808,7 @@
           <p:cNvPr id="5" name="Fußzeilenplatzhalter 4">
             <a:extLst>
               <a:ext uri="{FF2B5EF4-FFF2-40B4-BE49-F238E27FC236}">
-                <a16:creationId xmlns="" xmlns:a16="http://schemas.microsoft.com/office/drawing/2014/main" id="{0B1CC9B3-FE3E-4DC0-B71D-312C93D1814D}"/>
+                <a16:creationId xmlns:a16="http://schemas.microsoft.com/office/drawing/2014/main" xmlns="" id="{0B1CC9B3-FE3E-4DC0-B71D-312C93D1814D}"/>
               </a:ext>
             </a:extLst>
           </p:cNvPr>
@@ -1832,7 +1836,7 @@
           <p:cNvPr id="6" name="Foliennummernplatzhalter 5">
             <a:extLst>
               <a:ext uri="{FF2B5EF4-FFF2-40B4-BE49-F238E27FC236}">
-                <a16:creationId xmlns="" xmlns:a16="http://schemas.microsoft.com/office/drawing/2014/main" id="{41E050D8-C164-4E85-94F4-BA2B19D46D58}"/>
+                <a16:creationId xmlns:a16="http://schemas.microsoft.com/office/drawing/2014/main" xmlns="" id="{41E050D8-C164-4E85-94F4-BA2B19D46D58}"/>
               </a:ext>
             </a:extLst>
           </p:cNvPr>
@@ -1899,7 +1903,7 @@
           <p:cNvPr id="2" name="Titel 1">
             <a:extLst>
               <a:ext uri="{FF2B5EF4-FFF2-40B4-BE49-F238E27FC236}">
-                <a16:creationId xmlns="" xmlns:a16="http://schemas.microsoft.com/office/drawing/2014/main" id="{C9100C2D-6625-4AF5-8937-424086BE0285}"/>
+                <a16:creationId xmlns:a16="http://schemas.microsoft.com/office/drawing/2014/main" xmlns="" id="{C9100C2D-6625-4AF5-8937-424086BE0285}"/>
               </a:ext>
             </a:extLst>
           </p:cNvPr>
@@ -1927,7 +1931,7 @@
           <p:cNvPr id="3" name="Inhaltsplatzhalter 2">
             <a:extLst>
               <a:ext uri="{FF2B5EF4-FFF2-40B4-BE49-F238E27FC236}">
-                <a16:creationId xmlns="" xmlns:a16="http://schemas.microsoft.com/office/drawing/2014/main" id="{38D1AAA1-BE3D-4A43-91C4-A2C3C6173375}"/>
+                <a16:creationId xmlns:a16="http://schemas.microsoft.com/office/drawing/2014/main" xmlns="" id="{38D1AAA1-BE3D-4A43-91C4-A2C3C6173375}"/>
               </a:ext>
             </a:extLst>
           </p:cNvPr>
@@ -1984,7 +1988,7 @@
           <p:cNvPr id="4" name="Datumsplatzhalter 3">
             <a:extLst>
               <a:ext uri="{FF2B5EF4-FFF2-40B4-BE49-F238E27FC236}">
-                <a16:creationId xmlns="" xmlns:a16="http://schemas.microsoft.com/office/drawing/2014/main" id="{48884C8B-06F5-44CC-B1D1-2A02463EC226}"/>
+                <a16:creationId xmlns:a16="http://schemas.microsoft.com/office/drawing/2014/main" xmlns="" id="{48884C8B-06F5-44CC-B1D1-2A02463EC226}"/>
               </a:ext>
             </a:extLst>
           </p:cNvPr>
@@ -2002,7 +2006,7 @@
           <a:p>
             <a:fld id="{C0D11AC0-B5D5-4B5F-9ECB-B7E6CF8984ED}" type="datetime1">
               <a:rPr lang="de-DE" smtClean="0"/>
-              <a:t>18.04.2020</a:t>
+              <a:t>23.04.2020</a:t>
             </a:fld>
             <a:endParaRPr lang="de-DE"/>
           </a:p>
@@ -2013,7 +2017,7 @@
           <p:cNvPr id="5" name="Fußzeilenplatzhalter 4">
             <a:extLst>
               <a:ext uri="{FF2B5EF4-FFF2-40B4-BE49-F238E27FC236}">
-                <a16:creationId xmlns="" xmlns:a16="http://schemas.microsoft.com/office/drawing/2014/main" id="{2EE480CA-0EC1-4AF7-9F30-F143FE83D99B}"/>
+                <a16:creationId xmlns:a16="http://schemas.microsoft.com/office/drawing/2014/main" xmlns="" id="{2EE480CA-0EC1-4AF7-9F30-F143FE83D99B}"/>
               </a:ext>
             </a:extLst>
           </p:cNvPr>
@@ -2046,7 +2050,7 @@
           <p:cNvPr id="6" name="Foliennummernplatzhalter 5">
             <a:extLst>
               <a:ext uri="{FF2B5EF4-FFF2-40B4-BE49-F238E27FC236}">
-                <a16:creationId xmlns="" xmlns:a16="http://schemas.microsoft.com/office/drawing/2014/main" id="{13337EC3-94DD-4B09-A484-F0141C1CB8B0}"/>
+                <a16:creationId xmlns:a16="http://schemas.microsoft.com/office/drawing/2014/main" xmlns="" id="{13337EC3-94DD-4B09-A484-F0141C1CB8B0}"/>
               </a:ext>
             </a:extLst>
           </p:cNvPr>
@@ -2113,7 +2117,7 @@
           <p:cNvPr id="2" name="Titel 1">
             <a:extLst>
               <a:ext uri="{FF2B5EF4-FFF2-40B4-BE49-F238E27FC236}">
-                <a16:creationId xmlns="" xmlns:a16="http://schemas.microsoft.com/office/drawing/2014/main" id="{CBDD584A-A976-4556-9716-DA9197EACC6F}"/>
+                <a16:creationId xmlns:a16="http://schemas.microsoft.com/office/drawing/2014/main" xmlns="" id="{CBDD584A-A976-4556-9716-DA9197EACC6F}"/>
               </a:ext>
             </a:extLst>
           </p:cNvPr>
@@ -2150,7 +2154,7 @@
           <p:cNvPr id="3" name="Textplatzhalter 2">
             <a:extLst>
               <a:ext uri="{FF2B5EF4-FFF2-40B4-BE49-F238E27FC236}">
-                <a16:creationId xmlns="" xmlns:a16="http://schemas.microsoft.com/office/drawing/2014/main" id="{C713F004-8C3B-4899-9F30-C6CC20E50B36}"/>
+                <a16:creationId xmlns:a16="http://schemas.microsoft.com/office/drawing/2014/main" xmlns="" id="{C713F004-8C3B-4899-9F30-C6CC20E50B36}"/>
               </a:ext>
             </a:extLst>
           </p:cNvPr>
@@ -2275,7 +2279,7 @@
           <p:cNvPr id="4" name="Datumsplatzhalter 3">
             <a:extLst>
               <a:ext uri="{FF2B5EF4-FFF2-40B4-BE49-F238E27FC236}">
-                <a16:creationId xmlns="" xmlns:a16="http://schemas.microsoft.com/office/drawing/2014/main" id="{B300BECA-2226-430E-B31A-3A70D7FB0DD4}"/>
+                <a16:creationId xmlns:a16="http://schemas.microsoft.com/office/drawing/2014/main" xmlns="" id="{B300BECA-2226-430E-B31A-3A70D7FB0DD4}"/>
               </a:ext>
             </a:extLst>
           </p:cNvPr>
@@ -2293,7 +2297,7 @@
           <a:p>
             <a:fld id="{0123EED1-A1E1-4DB9-BAD8-427B5E5A78DA}" type="datetime1">
               <a:rPr lang="de-DE" smtClean="0"/>
-              <a:t>18.04.2020</a:t>
+              <a:t>23.04.2020</a:t>
             </a:fld>
             <a:endParaRPr lang="de-DE"/>
           </a:p>
@@ -2304,7 +2308,7 @@
           <p:cNvPr id="5" name="Fußzeilenplatzhalter 4">
             <a:extLst>
               <a:ext uri="{FF2B5EF4-FFF2-40B4-BE49-F238E27FC236}">
-                <a16:creationId xmlns="" xmlns:a16="http://schemas.microsoft.com/office/drawing/2014/main" id="{9D2C0B24-C4C7-4E3E-A30D-AD2B22A8CAC5}"/>
+                <a16:creationId xmlns:a16="http://schemas.microsoft.com/office/drawing/2014/main" xmlns="" id="{9D2C0B24-C4C7-4E3E-A30D-AD2B22A8CAC5}"/>
               </a:ext>
             </a:extLst>
           </p:cNvPr>
@@ -2337,7 +2341,7 @@
           <p:cNvPr id="6" name="Foliennummernplatzhalter 5">
             <a:extLst>
               <a:ext uri="{FF2B5EF4-FFF2-40B4-BE49-F238E27FC236}">
-                <a16:creationId xmlns="" xmlns:a16="http://schemas.microsoft.com/office/drawing/2014/main" id="{15EF3485-89F1-47E8-AB99-914FE8775138}"/>
+                <a16:creationId xmlns:a16="http://schemas.microsoft.com/office/drawing/2014/main" xmlns="" id="{15EF3485-89F1-47E8-AB99-914FE8775138}"/>
               </a:ext>
             </a:extLst>
           </p:cNvPr>
@@ -2404,7 +2408,7 @@
           <p:cNvPr id="2" name="Titel 1">
             <a:extLst>
               <a:ext uri="{FF2B5EF4-FFF2-40B4-BE49-F238E27FC236}">
-                <a16:creationId xmlns="" xmlns:a16="http://schemas.microsoft.com/office/drawing/2014/main" id="{6B45D284-4E4F-4976-80EC-400821F99BCF}"/>
+                <a16:creationId xmlns:a16="http://schemas.microsoft.com/office/drawing/2014/main" xmlns="" id="{6B45D284-4E4F-4976-80EC-400821F99BCF}"/>
               </a:ext>
             </a:extLst>
           </p:cNvPr>
@@ -2432,7 +2436,7 @@
           <p:cNvPr id="3" name="Inhaltsplatzhalter 2">
             <a:extLst>
               <a:ext uri="{FF2B5EF4-FFF2-40B4-BE49-F238E27FC236}">
-                <a16:creationId xmlns="" xmlns:a16="http://schemas.microsoft.com/office/drawing/2014/main" id="{61C980E4-B51F-4860-A848-EB6955BA36AF}"/>
+                <a16:creationId xmlns:a16="http://schemas.microsoft.com/office/drawing/2014/main" xmlns="" id="{61C980E4-B51F-4860-A848-EB6955BA36AF}"/>
               </a:ext>
             </a:extLst>
           </p:cNvPr>
@@ -2494,7 +2498,7 @@
           <p:cNvPr id="4" name="Inhaltsplatzhalter 3">
             <a:extLst>
               <a:ext uri="{FF2B5EF4-FFF2-40B4-BE49-F238E27FC236}">
-                <a16:creationId xmlns="" xmlns:a16="http://schemas.microsoft.com/office/drawing/2014/main" id="{8D7C296F-6044-4CF6-BBE5-CEA4560EEEB9}"/>
+                <a16:creationId xmlns:a16="http://schemas.microsoft.com/office/drawing/2014/main" xmlns="" id="{8D7C296F-6044-4CF6-BBE5-CEA4560EEEB9}"/>
               </a:ext>
             </a:extLst>
           </p:cNvPr>
@@ -2556,7 +2560,7 @@
           <p:cNvPr id="5" name="Datumsplatzhalter 4">
             <a:extLst>
               <a:ext uri="{FF2B5EF4-FFF2-40B4-BE49-F238E27FC236}">
-                <a16:creationId xmlns="" xmlns:a16="http://schemas.microsoft.com/office/drawing/2014/main" id="{F87A09FB-245D-407E-94D1-C81BBB221DC2}"/>
+                <a16:creationId xmlns:a16="http://schemas.microsoft.com/office/drawing/2014/main" xmlns="" id="{F87A09FB-245D-407E-94D1-C81BBB221DC2}"/>
               </a:ext>
             </a:extLst>
           </p:cNvPr>
@@ -2574,7 +2578,7 @@
           <a:p>
             <a:fld id="{C0292DAF-4A36-4066-A6DB-535EF8475358}" type="datetime1">
               <a:rPr lang="de-DE" smtClean="0"/>
-              <a:t>18.04.2020</a:t>
+              <a:t>23.04.2020</a:t>
             </a:fld>
             <a:endParaRPr lang="de-DE"/>
           </a:p>
@@ -2585,7 +2589,7 @@
           <p:cNvPr id="6" name="Fußzeilenplatzhalter 5">
             <a:extLst>
               <a:ext uri="{FF2B5EF4-FFF2-40B4-BE49-F238E27FC236}">
-                <a16:creationId xmlns="" xmlns:a16="http://schemas.microsoft.com/office/drawing/2014/main" id="{7713AD3F-FB16-4761-97DD-7D2895FBAF79}"/>
+                <a16:creationId xmlns:a16="http://schemas.microsoft.com/office/drawing/2014/main" xmlns="" id="{7713AD3F-FB16-4761-97DD-7D2895FBAF79}"/>
               </a:ext>
             </a:extLst>
           </p:cNvPr>
@@ -2618,7 +2622,7 @@
           <p:cNvPr id="7" name="Foliennummernplatzhalter 6">
             <a:extLst>
               <a:ext uri="{FF2B5EF4-FFF2-40B4-BE49-F238E27FC236}">
-                <a16:creationId xmlns="" xmlns:a16="http://schemas.microsoft.com/office/drawing/2014/main" id="{E08B0646-8FC5-4829-A454-55B654DBA3C4}"/>
+                <a16:creationId xmlns:a16="http://schemas.microsoft.com/office/drawing/2014/main" xmlns="" id="{E08B0646-8FC5-4829-A454-55B654DBA3C4}"/>
               </a:ext>
             </a:extLst>
           </p:cNvPr>
@@ -2685,7 +2689,7 @@
           <p:cNvPr id="2" name="Titel 1">
             <a:extLst>
               <a:ext uri="{FF2B5EF4-FFF2-40B4-BE49-F238E27FC236}">
-                <a16:creationId xmlns="" xmlns:a16="http://schemas.microsoft.com/office/drawing/2014/main" id="{87FFCFA6-D29A-4DD6-8A93-5742D6DB0521}"/>
+                <a16:creationId xmlns:a16="http://schemas.microsoft.com/office/drawing/2014/main" xmlns="" id="{87FFCFA6-D29A-4DD6-8A93-5742D6DB0521}"/>
               </a:ext>
             </a:extLst>
           </p:cNvPr>
@@ -2718,7 +2722,7 @@
           <p:cNvPr id="3" name="Textplatzhalter 2">
             <a:extLst>
               <a:ext uri="{FF2B5EF4-FFF2-40B4-BE49-F238E27FC236}">
-                <a16:creationId xmlns="" xmlns:a16="http://schemas.microsoft.com/office/drawing/2014/main" id="{52A062D5-F9A3-40F3-940E-784410DB79B5}"/>
+                <a16:creationId xmlns:a16="http://schemas.microsoft.com/office/drawing/2014/main" xmlns="" id="{52A062D5-F9A3-40F3-940E-784410DB79B5}"/>
               </a:ext>
             </a:extLst>
           </p:cNvPr>
@@ -2789,7 +2793,7 @@
           <p:cNvPr id="4" name="Inhaltsplatzhalter 3">
             <a:extLst>
               <a:ext uri="{FF2B5EF4-FFF2-40B4-BE49-F238E27FC236}">
-                <a16:creationId xmlns="" xmlns:a16="http://schemas.microsoft.com/office/drawing/2014/main" id="{0F2C725F-CDA6-419C-9990-237B92011EB3}"/>
+                <a16:creationId xmlns:a16="http://schemas.microsoft.com/office/drawing/2014/main" xmlns="" id="{0F2C725F-CDA6-419C-9990-237B92011EB3}"/>
               </a:ext>
             </a:extLst>
           </p:cNvPr>
@@ -2851,7 +2855,7 @@
           <p:cNvPr id="5" name="Textplatzhalter 4">
             <a:extLst>
               <a:ext uri="{FF2B5EF4-FFF2-40B4-BE49-F238E27FC236}">
-                <a16:creationId xmlns="" xmlns:a16="http://schemas.microsoft.com/office/drawing/2014/main" id="{57D0AB86-7ACC-4F81-BA1E-EABC81375E4C}"/>
+                <a16:creationId xmlns:a16="http://schemas.microsoft.com/office/drawing/2014/main" xmlns="" id="{57D0AB86-7ACC-4F81-BA1E-EABC81375E4C}"/>
               </a:ext>
             </a:extLst>
           </p:cNvPr>
@@ -2922,7 +2926,7 @@
           <p:cNvPr id="6" name="Inhaltsplatzhalter 5">
             <a:extLst>
               <a:ext uri="{FF2B5EF4-FFF2-40B4-BE49-F238E27FC236}">
-                <a16:creationId xmlns="" xmlns:a16="http://schemas.microsoft.com/office/drawing/2014/main" id="{1A5FCBEC-2F64-4023-881F-8C2D77F12391}"/>
+                <a16:creationId xmlns:a16="http://schemas.microsoft.com/office/drawing/2014/main" xmlns="" id="{1A5FCBEC-2F64-4023-881F-8C2D77F12391}"/>
               </a:ext>
             </a:extLst>
           </p:cNvPr>
@@ -2984,7 +2988,7 @@
           <p:cNvPr id="7" name="Datumsplatzhalter 6">
             <a:extLst>
               <a:ext uri="{FF2B5EF4-FFF2-40B4-BE49-F238E27FC236}">
-                <a16:creationId xmlns="" xmlns:a16="http://schemas.microsoft.com/office/drawing/2014/main" id="{1B579458-8146-4585-8116-8815B1984C10}"/>
+                <a16:creationId xmlns:a16="http://schemas.microsoft.com/office/drawing/2014/main" xmlns="" id="{1B579458-8146-4585-8116-8815B1984C10}"/>
               </a:ext>
             </a:extLst>
           </p:cNvPr>
@@ -3002,7 +3006,7 @@
           <a:p>
             <a:fld id="{082539BE-CECA-45E4-BBE9-22C1404E74AB}" type="datetime1">
               <a:rPr lang="de-DE" smtClean="0"/>
-              <a:t>18.04.2020</a:t>
+              <a:t>23.04.2020</a:t>
             </a:fld>
             <a:endParaRPr lang="de-DE"/>
           </a:p>
@@ -3013,7 +3017,7 @@
           <p:cNvPr id="8" name="Fußzeilenplatzhalter 7">
             <a:extLst>
               <a:ext uri="{FF2B5EF4-FFF2-40B4-BE49-F238E27FC236}">
-                <a16:creationId xmlns="" xmlns:a16="http://schemas.microsoft.com/office/drawing/2014/main" id="{B8FE971A-3252-4BEE-AE2A-ED9DD64D786C}"/>
+                <a16:creationId xmlns:a16="http://schemas.microsoft.com/office/drawing/2014/main" xmlns="" id="{B8FE971A-3252-4BEE-AE2A-ED9DD64D786C}"/>
               </a:ext>
             </a:extLst>
           </p:cNvPr>
@@ -3046,7 +3050,7 @@
           <p:cNvPr id="9" name="Foliennummernplatzhalter 8">
             <a:extLst>
               <a:ext uri="{FF2B5EF4-FFF2-40B4-BE49-F238E27FC236}">
-                <a16:creationId xmlns="" xmlns:a16="http://schemas.microsoft.com/office/drawing/2014/main" id="{224F811E-098E-42CD-BF79-561DBDB14DE9}"/>
+                <a16:creationId xmlns:a16="http://schemas.microsoft.com/office/drawing/2014/main" xmlns="" id="{224F811E-098E-42CD-BF79-561DBDB14DE9}"/>
               </a:ext>
             </a:extLst>
           </p:cNvPr>
@@ -3113,7 +3117,7 @@
           <p:cNvPr id="2" name="Titel 1">
             <a:extLst>
               <a:ext uri="{FF2B5EF4-FFF2-40B4-BE49-F238E27FC236}">
-                <a16:creationId xmlns="" xmlns:a16="http://schemas.microsoft.com/office/drawing/2014/main" id="{466DE76C-FB01-463F-B2AD-A897695D3F41}"/>
+                <a16:creationId xmlns:a16="http://schemas.microsoft.com/office/drawing/2014/main" xmlns="" id="{466DE76C-FB01-463F-B2AD-A897695D3F41}"/>
               </a:ext>
             </a:extLst>
           </p:cNvPr>
@@ -3141,7 +3145,7 @@
           <p:cNvPr id="3" name="Datumsplatzhalter 2">
             <a:extLst>
               <a:ext uri="{FF2B5EF4-FFF2-40B4-BE49-F238E27FC236}">
-                <a16:creationId xmlns="" xmlns:a16="http://schemas.microsoft.com/office/drawing/2014/main" id="{6F7936C0-FCFE-4A57-9E63-31F514892227}"/>
+                <a16:creationId xmlns:a16="http://schemas.microsoft.com/office/drawing/2014/main" xmlns="" id="{6F7936C0-FCFE-4A57-9E63-31F514892227}"/>
               </a:ext>
             </a:extLst>
           </p:cNvPr>
@@ -3159,7 +3163,7 @@
           <a:p>
             <a:fld id="{7AFFB96A-BCEB-45BA-8370-8CD7A48406BE}" type="datetime1">
               <a:rPr lang="de-DE" smtClean="0"/>
-              <a:t>18.04.2020</a:t>
+              <a:t>23.04.2020</a:t>
             </a:fld>
             <a:endParaRPr lang="de-DE"/>
           </a:p>
@@ -3170,7 +3174,7 @@
           <p:cNvPr id="4" name="Fußzeilenplatzhalter 3">
             <a:extLst>
               <a:ext uri="{FF2B5EF4-FFF2-40B4-BE49-F238E27FC236}">
-                <a16:creationId xmlns="" xmlns:a16="http://schemas.microsoft.com/office/drawing/2014/main" id="{BF4C0BEA-1F74-43B8-B16A-0B93A98AF74A}"/>
+                <a16:creationId xmlns:a16="http://schemas.microsoft.com/office/drawing/2014/main" xmlns="" id="{BF4C0BEA-1F74-43B8-B16A-0B93A98AF74A}"/>
               </a:ext>
             </a:extLst>
           </p:cNvPr>
@@ -3198,7 +3202,7 @@
           <p:cNvPr id="5" name="Foliennummernplatzhalter 4">
             <a:extLst>
               <a:ext uri="{FF2B5EF4-FFF2-40B4-BE49-F238E27FC236}">
-                <a16:creationId xmlns="" xmlns:a16="http://schemas.microsoft.com/office/drawing/2014/main" id="{FDC612F2-A418-4792-A4B4-C0ABBAAB10A0}"/>
+                <a16:creationId xmlns:a16="http://schemas.microsoft.com/office/drawing/2014/main" xmlns="" id="{FDC612F2-A418-4792-A4B4-C0ABBAAB10A0}"/>
               </a:ext>
             </a:extLst>
           </p:cNvPr>
@@ -3265,7 +3269,7 @@
           <p:cNvPr id="2" name="Datumsplatzhalter 1">
             <a:extLst>
               <a:ext uri="{FF2B5EF4-FFF2-40B4-BE49-F238E27FC236}">
-                <a16:creationId xmlns="" xmlns:a16="http://schemas.microsoft.com/office/drawing/2014/main" id="{F1A16BA6-C843-4946-87C4-F009F9659E53}"/>
+                <a16:creationId xmlns:a16="http://schemas.microsoft.com/office/drawing/2014/main" xmlns="" id="{F1A16BA6-C843-4946-87C4-F009F9659E53}"/>
               </a:ext>
             </a:extLst>
           </p:cNvPr>
@@ -3283,7 +3287,7 @@
           <a:p>
             <a:fld id="{DE3AD3D5-E4EA-4F9D-AD7B-23F76A457472}" type="datetime1">
               <a:rPr lang="de-DE" smtClean="0"/>
-              <a:t>18.04.2020</a:t>
+              <a:t>23.04.2020</a:t>
             </a:fld>
             <a:endParaRPr lang="de-DE"/>
           </a:p>
@@ -3294,7 +3298,7 @@
           <p:cNvPr id="3" name="Fußzeilenplatzhalter 2">
             <a:extLst>
               <a:ext uri="{FF2B5EF4-FFF2-40B4-BE49-F238E27FC236}">
-                <a16:creationId xmlns="" xmlns:a16="http://schemas.microsoft.com/office/drawing/2014/main" id="{74AD0BED-584B-4312-BC56-F22A5A97A8EA}"/>
+                <a16:creationId xmlns:a16="http://schemas.microsoft.com/office/drawing/2014/main" xmlns="" id="{74AD0BED-584B-4312-BC56-F22A5A97A8EA}"/>
               </a:ext>
             </a:extLst>
           </p:cNvPr>
@@ -3327,7 +3331,7 @@
           <p:cNvPr id="4" name="Foliennummernplatzhalter 3">
             <a:extLst>
               <a:ext uri="{FF2B5EF4-FFF2-40B4-BE49-F238E27FC236}">
-                <a16:creationId xmlns="" xmlns:a16="http://schemas.microsoft.com/office/drawing/2014/main" id="{ECAC19A7-F328-409E-92C0-6618959AF8AB}"/>
+                <a16:creationId xmlns:a16="http://schemas.microsoft.com/office/drawing/2014/main" xmlns="" id="{ECAC19A7-F328-409E-92C0-6618959AF8AB}"/>
               </a:ext>
             </a:extLst>
           </p:cNvPr>
@@ -3394,7 +3398,7 @@
           <p:cNvPr id="2" name="Titel 1">
             <a:extLst>
               <a:ext uri="{FF2B5EF4-FFF2-40B4-BE49-F238E27FC236}">
-                <a16:creationId xmlns="" xmlns:a16="http://schemas.microsoft.com/office/drawing/2014/main" id="{36B5D893-6A5A-4F5D-9559-23E40882374B}"/>
+                <a16:creationId xmlns:a16="http://schemas.microsoft.com/office/drawing/2014/main" xmlns="" id="{36B5D893-6A5A-4F5D-9559-23E40882374B}"/>
               </a:ext>
             </a:extLst>
           </p:cNvPr>
@@ -3431,7 +3435,7 @@
           <p:cNvPr id="3" name="Inhaltsplatzhalter 2">
             <a:extLst>
               <a:ext uri="{FF2B5EF4-FFF2-40B4-BE49-F238E27FC236}">
-                <a16:creationId xmlns="" xmlns:a16="http://schemas.microsoft.com/office/drawing/2014/main" id="{46211E4B-EF89-4D03-A97A-6EB546C0498D}"/>
+                <a16:creationId xmlns:a16="http://schemas.microsoft.com/office/drawing/2014/main" xmlns="" id="{46211E4B-EF89-4D03-A97A-6EB546C0498D}"/>
               </a:ext>
             </a:extLst>
           </p:cNvPr>
@@ -3521,7 +3525,7 @@
           <p:cNvPr id="4" name="Textplatzhalter 3">
             <a:extLst>
               <a:ext uri="{FF2B5EF4-FFF2-40B4-BE49-F238E27FC236}">
-                <a16:creationId xmlns="" xmlns:a16="http://schemas.microsoft.com/office/drawing/2014/main" id="{D4BEF54F-E067-4073-A803-29399235D78F}"/>
+                <a16:creationId xmlns:a16="http://schemas.microsoft.com/office/drawing/2014/main" xmlns="" id="{D4BEF54F-E067-4073-A803-29399235D78F}"/>
               </a:ext>
             </a:extLst>
           </p:cNvPr>
@@ -3592,7 +3596,7 @@
           <p:cNvPr id="5" name="Datumsplatzhalter 4">
             <a:extLst>
               <a:ext uri="{FF2B5EF4-FFF2-40B4-BE49-F238E27FC236}">
-                <a16:creationId xmlns="" xmlns:a16="http://schemas.microsoft.com/office/drawing/2014/main" id="{FF25F891-DBFE-4A5B-99B6-66F48C54174B}"/>
+                <a16:creationId xmlns:a16="http://schemas.microsoft.com/office/drawing/2014/main" xmlns="" id="{FF25F891-DBFE-4A5B-99B6-66F48C54174B}"/>
               </a:ext>
             </a:extLst>
           </p:cNvPr>
@@ -3610,7 +3614,7 @@
           <a:p>
             <a:fld id="{85B45B05-9F08-4563-869B-61599241AF1E}" type="datetime1">
               <a:rPr lang="de-DE" smtClean="0"/>
-              <a:t>18.04.2020</a:t>
+              <a:t>23.04.2020</a:t>
             </a:fld>
             <a:endParaRPr lang="de-DE"/>
           </a:p>
@@ -3621,7 +3625,7 @@
           <p:cNvPr id="6" name="Fußzeilenplatzhalter 5">
             <a:extLst>
               <a:ext uri="{FF2B5EF4-FFF2-40B4-BE49-F238E27FC236}">
-                <a16:creationId xmlns="" xmlns:a16="http://schemas.microsoft.com/office/drawing/2014/main" id="{C508CE39-F26E-4C31-84CD-D89EC83686D4}"/>
+                <a16:creationId xmlns:a16="http://schemas.microsoft.com/office/drawing/2014/main" xmlns="" id="{C508CE39-F26E-4C31-84CD-D89EC83686D4}"/>
               </a:ext>
             </a:extLst>
           </p:cNvPr>
@@ -3654,7 +3658,7 @@
           <p:cNvPr id="7" name="Foliennummernplatzhalter 6">
             <a:extLst>
               <a:ext uri="{FF2B5EF4-FFF2-40B4-BE49-F238E27FC236}">
-                <a16:creationId xmlns="" xmlns:a16="http://schemas.microsoft.com/office/drawing/2014/main" id="{5E1B48FE-614D-4BF1-8C39-73558F055C10}"/>
+                <a16:creationId xmlns:a16="http://schemas.microsoft.com/office/drawing/2014/main" xmlns="" id="{5E1B48FE-614D-4BF1-8C39-73558F055C10}"/>
               </a:ext>
             </a:extLst>
           </p:cNvPr>
@@ -3721,7 +3725,7 @@
           <p:cNvPr id="2" name="Titel 1">
             <a:extLst>
               <a:ext uri="{FF2B5EF4-FFF2-40B4-BE49-F238E27FC236}">
-                <a16:creationId xmlns="" xmlns:a16="http://schemas.microsoft.com/office/drawing/2014/main" id="{F9563009-E30B-45AC-BDD7-44EA72F78222}"/>
+                <a16:creationId xmlns:a16="http://schemas.microsoft.com/office/drawing/2014/main" xmlns="" id="{F9563009-E30B-45AC-BDD7-44EA72F78222}"/>
               </a:ext>
             </a:extLst>
           </p:cNvPr>
@@ -3758,7 +3762,7 @@
           <p:cNvPr id="3" name="Bildplatzhalter 2">
             <a:extLst>
               <a:ext uri="{FF2B5EF4-FFF2-40B4-BE49-F238E27FC236}">
-                <a16:creationId xmlns="" xmlns:a16="http://schemas.microsoft.com/office/drawing/2014/main" id="{11F2FF9F-8E72-4929-BF76-ED1330B5F674}"/>
+                <a16:creationId xmlns:a16="http://schemas.microsoft.com/office/drawing/2014/main" xmlns="" id="{11F2FF9F-8E72-4929-BF76-ED1330B5F674}"/>
               </a:ext>
             </a:extLst>
           </p:cNvPr>
@@ -3825,7 +3829,7 @@
           <p:cNvPr id="4" name="Textplatzhalter 3">
             <a:extLst>
               <a:ext uri="{FF2B5EF4-FFF2-40B4-BE49-F238E27FC236}">
-                <a16:creationId xmlns="" xmlns:a16="http://schemas.microsoft.com/office/drawing/2014/main" id="{4A21AA90-B6A3-4F03-A71E-8D4EFEBB4E8A}"/>
+                <a16:creationId xmlns:a16="http://schemas.microsoft.com/office/drawing/2014/main" xmlns="" id="{4A21AA90-B6A3-4F03-A71E-8D4EFEBB4E8A}"/>
               </a:ext>
             </a:extLst>
           </p:cNvPr>
@@ -3896,7 +3900,7 @@
           <p:cNvPr id="5" name="Datumsplatzhalter 4">
             <a:extLst>
               <a:ext uri="{FF2B5EF4-FFF2-40B4-BE49-F238E27FC236}">
-                <a16:creationId xmlns="" xmlns:a16="http://schemas.microsoft.com/office/drawing/2014/main" id="{B9A970BA-F10E-430D-9B5F-218F0B6AAD68}"/>
+                <a16:creationId xmlns:a16="http://schemas.microsoft.com/office/drawing/2014/main" xmlns="" id="{B9A970BA-F10E-430D-9B5F-218F0B6AAD68}"/>
               </a:ext>
             </a:extLst>
           </p:cNvPr>
@@ -3914,7 +3918,7 @@
           <a:p>
             <a:fld id="{D652A3BE-F7B5-4A63-8062-DDAA4613127D}" type="datetime1">
               <a:rPr lang="de-DE" smtClean="0"/>
-              <a:t>18.04.2020</a:t>
+              <a:t>23.04.2020</a:t>
             </a:fld>
             <a:endParaRPr lang="de-DE"/>
           </a:p>
@@ -3925,7 +3929,7 @@
           <p:cNvPr id="6" name="Fußzeilenplatzhalter 5">
             <a:extLst>
               <a:ext uri="{FF2B5EF4-FFF2-40B4-BE49-F238E27FC236}">
-                <a16:creationId xmlns="" xmlns:a16="http://schemas.microsoft.com/office/drawing/2014/main" id="{A141BF1C-61CE-44FF-8ABE-F08D6373AD97}"/>
+                <a16:creationId xmlns:a16="http://schemas.microsoft.com/office/drawing/2014/main" xmlns="" id="{A141BF1C-61CE-44FF-8ABE-F08D6373AD97}"/>
               </a:ext>
             </a:extLst>
           </p:cNvPr>
@@ -3958,7 +3962,7 @@
           <p:cNvPr id="7" name="Foliennummernplatzhalter 6">
             <a:extLst>
               <a:ext uri="{FF2B5EF4-FFF2-40B4-BE49-F238E27FC236}">
-                <a16:creationId xmlns="" xmlns:a16="http://schemas.microsoft.com/office/drawing/2014/main" id="{E76983E8-6FBA-42E6-85DE-B77806E23CA0}"/>
+                <a16:creationId xmlns:a16="http://schemas.microsoft.com/office/drawing/2014/main" xmlns="" id="{E76983E8-6FBA-42E6-85DE-B77806E23CA0}"/>
               </a:ext>
             </a:extLst>
           </p:cNvPr>
@@ -4030,7 +4034,7 @@
           <p:cNvPr id="2" name="Titelplatzhalter 1">
             <a:extLst>
               <a:ext uri="{FF2B5EF4-FFF2-40B4-BE49-F238E27FC236}">
-                <a16:creationId xmlns="" xmlns:a16="http://schemas.microsoft.com/office/drawing/2014/main" id="{F1B54F3D-85D6-4E2A-A184-2AD8788616C7}"/>
+                <a16:creationId xmlns:a16="http://schemas.microsoft.com/office/drawing/2014/main" xmlns="" id="{F1B54F3D-85D6-4E2A-A184-2AD8788616C7}"/>
               </a:ext>
             </a:extLst>
           </p:cNvPr>
@@ -4068,7 +4072,7 @@
           <p:cNvPr id="3" name="Textplatzhalter 2">
             <a:extLst>
               <a:ext uri="{FF2B5EF4-FFF2-40B4-BE49-F238E27FC236}">
-                <a16:creationId xmlns="" xmlns:a16="http://schemas.microsoft.com/office/drawing/2014/main" id="{62C62B55-DAE8-4571-9836-D8A9517A6717}"/>
+                <a16:creationId xmlns:a16="http://schemas.microsoft.com/office/drawing/2014/main" xmlns="" id="{62C62B55-DAE8-4571-9836-D8A9517A6717}"/>
               </a:ext>
             </a:extLst>
           </p:cNvPr>
@@ -4135,7 +4139,7 @@
           <p:cNvPr id="4" name="Datumsplatzhalter 3">
             <a:extLst>
               <a:ext uri="{FF2B5EF4-FFF2-40B4-BE49-F238E27FC236}">
-                <a16:creationId xmlns="" xmlns:a16="http://schemas.microsoft.com/office/drawing/2014/main" id="{202396F9-D19B-4197-A727-060829339B6B}"/>
+                <a16:creationId xmlns:a16="http://schemas.microsoft.com/office/drawing/2014/main" xmlns="" id="{202396F9-D19B-4197-A727-060829339B6B}"/>
               </a:ext>
             </a:extLst>
           </p:cNvPr>
@@ -4171,7 +4175,7 @@
           <a:p>
             <a:fld id="{021D039D-3FEB-4CB2-8AA5-58331A7224C8}" type="datetime1">
               <a:rPr lang="de-DE" smtClean="0"/>
-              <a:t>18.04.2020</a:t>
+              <a:t>23.04.2020</a:t>
             </a:fld>
             <a:endParaRPr lang="de-DE" dirty="0"/>
           </a:p>
@@ -4182,7 +4186,7 @@
           <p:cNvPr id="5" name="Fußzeilenplatzhalter 4">
             <a:extLst>
               <a:ext uri="{FF2B5EF4-FFF2-40B4-BE49-F238E27FC236}">
-                <a16:creationId xmlns="" xmlns:a16="http://schemas.microsoft.com/office/drawing/2014/main" id="{B1EA6A1B-5C13-45F1-9B85-4169FD91138A}"/>
+                <a16:creationId xmlns:a16="http://schemas.microsoft.com/office/drawing/2014/main" xmlns="" id="{B1EA6A1B-5C13-45F1-9B85-4169FD91138A}"/>
               </a:ext>
             </a:extLst>
           </p:cNvPr>
@@ -4233,7 +4237,7 @@
           <p:cNvPr id="7" name="Grafik 6">
             <a:extLst>
               <a:ext uri="{FF2B5EF4-FFF2-40B4-BE49-F238E27FC236}">
-                <a16:creationId xmlns="" xmlns:a16="http://schemas.microsoft.com/office/drawing/2014/main" id="{C59B35B2-0CE6-4FF9-984D-F5719598069C}"/>
+                <a16:creationId xmlns:a16="http://schemas.microsoft.com/office/drawing/2014/main" xmlns="" id="{C59B35B2-0CE6-4FF9-984D-F5719598069C}"/>
               </a:ext>
             </a:extLst>
           </p:cNvPr>
@@ -4269,7 +4273,7 @@
           <p:cNvPr id="8" name="Foliennummernplatzhalter 7">
             <a:extLst>
               <a:ext uri="{FF2B5EF4-FFF2-40B4-BE49-F238E27FC236}">
-                <a16:creationId xmlns="" xmlns:a16="http://schemas.microsoft.com/office/drawing/2014/main" id="{8B9E18AC-CAF1-4471-BF04-547435D80DDB}"/>
+                <a16:creationId xmlns:a16="http://schemas.microsoft.com/office/drawing/2014/main" xmlns="" id="{8B9E18AC-CAF1-4471-BF04-547435D80DDB}"/>
               </a:ext>
             </a:extLst>
           </p:cNvPr>
@@ -4638,7 +4642,7 @@
           <p:cNvPr id="2" name="Titel 1">
             <a:extLst>
               <a:ext uri="{FF2B5EF4-FFF2-40B4-BE49-F238E27FC236}">
-                <a16:creationId xmlns="" xmlns:a16="http://schemas.microsoft.com/office/drawing/2014/main" id="{19B6AC69-F81D-4459-ACD2-8110FA9FCE24}"/>
+                <a16:creationId xmlns:a16="http://schemas.microsoft.com/office/drawing/2014/main" xmlns="" id="{19B6AC69-F81D-4459-ACD2-8110FA9FCE24}"/>
               </a:ext>
             </a:extLst>
           </p:cNvPr>
@@ -4666,7 +4670,7 @@
           <p:cNvPr id="3" name="Untertitel 2">
             <a:extLst>
               <a:ext uri="{FF2B5EF4-FFF2-40B4-BE49-F238E27FC236}">
-                <a16:creationId xmlns="" xmlns:a16="http://schemas.microsoft.com/office/drawing/2014/main" id="{13737FBA-E6BC-4517-8A74-4336C01F7072}"/>
+                <a16:creationId xmlns:a16="http://schemas.microsoft.com/office/drawing/2014/main" xmlns="" id="{13737FBA-E6BC-4517-8A74-4336C01F7072}"/>
               </a:ext>
             </a:extLst>
           </p:cNvPr>
@@ -4785,9 +4789,61 @@
           <a:lstStyle/>
           <a:p>
             <a:r>
-              <a:rPr lang="en-US" dirty="0"/>
-              <a:t>Web Architecture</a:t>
-            </a:r>
+              <a:rPr lang="en-US" dirty="0" smtClean="0"/>
+              <a:t>This Sprint</a:t>
+            </a:r>
+            <a:endParaRPr lang="en-US" dirty="0"/>
+          </a:p>
+        </p:txBody>
+      </p:sp>
+      <p:sp>
+        <p:nvSpPr>
+          <p:cNvPr id="3" name="Espace réservé du contenu 2"/>
+          <p:cNvSpPr>
+            <a:spLocks noGrp="1"/>
+          </p:cNvSpPr>
+          <p:nvPr>
+            <p:ph idx="1"/>
+          </p:nvPr>
+        </p:nvSpPr>
+        <p:spPr/>
+        <p:txBody>
+          <a:bodyPr/>
+          <a:lstStyle/>
+          <a:p>
+            <a:r>
+              <a:rPr lang="en-US" dirty="0" smtClean="0"/>
+              <a:t>Read </a:t>
+            </a:r>
+            <a:r>
+              <a:rPr lang="en-US" dirty="0" err="1" smtClean="0"/>
+              <a:t>Raschka</a:t>
+            </a:r>
+            <a:r>
+              <a:rPr lang="en-US" dirty="0" smtClean="0"/>
+              <a:t> book (Python Machine Learning). </a:t>
+            </a:r>
+          </a:p>
+          <a:p>
+            <a:r>
+              <a:rPr lang="en-US" dirty="0" smtClean="0"/>
+              <a:t>Read the report of the previous semester.</a:t>
+            </a:r>
+          </a:p>
+          <a:p>
+            <a:r>
+              <a:rPr lang="en-US" dirty="0" smtClean="0"/>
+              <a:t>Understanding the different algorithms of ML.</a:t>
+            </a:r>
+          </a:p>
+          <a:p>
+            <a:r>
+              <a:rPr lang="en-US" dirty="0" smtClean="0"/>
+              <a:t>Making familiar with the working environment and the existing code.</a:t>
+            </a:r>
+          </a:p>
+          <a:p>
+            <a:endParaRPr lang="en-US" dirty="0" smtClean="0"/>
           </a:p>
         </p:txBody>
       </p:sp>
@@ -4808,9 +4864,9 @@
           <a:p>
             <a:fld id="{C0D11AC0-B5D5-4B5F-9ECB-B7E6CF8984ED}" type="datetime1">
               <a:rPr lang="de-DE" smtClean="0"/>
-              <a:t>18.04.2020</a:t>
+              <a:t>23.04.2020</a:t>
             </a:fld>
-            <a:endParaRPr lang="de-DE" dirty="0"/>
+            <a:endParaRPr lang="de-DE"/>
           </a:p>
         </p:txBody>
       </p:sp>
@@ -4851,6 +4907,757 @@
             <a:fld id="{9A48FC86-4651-46AF-9E4A-D3FC30E17613}" type="slidenum">
               <a:rPr lang="de-DE" smtClean="0"/>
               <a:t>2</a:t>
+            </a:fld>
+            <a:endParaRPr lang="de-DE"/>
+          </a:p>
+        </p:txBody>
+      </p:sp>
+    </p:spTree>
+    <p:extLst>
+      <p:ext uri="{BB962C8B-B14F-4D97-AF65-F5344CB8AC3E}">
+        <p14:creationId xmlns:p14="http://schemas.microsoft.com/office/powerpoint/2010/main" val="321940152"/>
+      </p:ext>
+    </p:extLst>
+  </p:cSld>
+  <p:clrMapOvr>
+    <a:masterClrMapping/>
+  </p:clrMapOvr>
+</p:sld>
+</file>
+
+<file path=ppt/slides/slide3.xml><?xml version="1.0" encoding="utf-8"?>
+<p:sld xmlns:a="http://schemas.openxmlformats.org/drawingml/2006/main" xmlns:r="http://schemas.openxmlformats.org/officeDocument/2006/relationships" xmlns:p="http://schemas.openxmlformats.org/presentationml/2006/main">
+  <p:cSld>
+    <p:spTree>
+      <p:nvGrpSpPr>
+        <p:cNvPr id="1" name=""/>
+        <p:cNvGrpSpPr/>
+        <p:nvPr/>
+      </p:nvGrpSpPr>
+      <p:grpSpPr>
+        <a:xfrm>
+          <a:off x="0" y="0"/>
+          <a:ext cx="0" cy="0"/>
+          <a:chOff x="0" y="0"/>
+          <a:chExt cx="0" cy="0"/>
+        </a:xfrm>
+      </p:grpSpPr>
+      <p:sp>
+        <p:nvSpPr>
+          <p:cNvPr id="2" name="Titre 1"/>
+          <p:cNvSpPr>
+            <a:spLocks noGrp="1"/>
+          </p:cNvSpPr>
+          <p:nvPr>
+            <p:ph type="title"/>
+          </p:nvPr>
+        </p:nvSpPr>
+        <p:spPr/>
+        <p:txBody>
+          <a:bodyPr/>
+          <a:lstStyle/>
+          <a:p>
+            <a:r>
+              <a:rPr lang="en-US" dirty="0" smtClean="0"/>
+              <a:t>This Sprint</a:t>
+            </a:r>
+            <a:endParaRPr lang="en-US" dirty="0"/>
+          </a:p>
+        </p:txBody>
+      </p:sp>
+      <p:sp>
+        <p:nvSpPr>
+          <p:cNvPr id="3" name="Espace réservé du contenu 2"/>
+          <p:cNvSpPr>
+            <a:spLocks noGrp="1"/>
+          </p:cNvSpPr>
+          <p:nvPr>
+            <p:ph idx="1"/>
+          </p:nvPr>
+        </p:nvSpPr>
+        <p:spPr/>
+        <p:txBody>
+          <a:bodyPr/>
+          <a:lstStyle/>
+          <a:p>
+            <a:r>
+              <a:rPr lang="en-US" dirty="0" smtClean="0"/>
+              <a:t>Adding </a:t>
+            </a:r>
+            <a:r>
+              <a:rPr lang="en-US" dirty="0"/>
+              <a:t>more statistical tools</a:t>
+            </a:r>
+            <a:endParaRPr lang="en-US" dirty="0" smtClean="0"/>
+          </a:p>
+          <a:p>
+            <a:r>
+              <a:rPr lang="en-US" dirty="0" smtClean="0"/>
+              <a:t>Select </a:t>
+            </a:r>
+            <a:r>
+              <a:rPr lang="en-US" dirty="0"/>
+              <a:t>the best </a:t>
+            </a:r>
+            <a:r>
+              <a:rPr lang="en-US" dirty="0" smtClean="0"/>
+              <a:t>model</a:t>
+            </a:r>
+          </a:p>
+          <a:p>
+            <a:r>
+              <a:rPr lang="en-US" dirty="0" smtClean="0"/>
+              <a:t>Implement </a:t>
+            </a:r>
+            <a:r>
+              <a:rPr lang="en-US" dirty="0"/>
+              <a:t>the </a:t>
+            </a:r>
+            <a:r>
+              <a:rPr lang="en-US" dirty="0" smtClean="0"/>
+              <a:t>frontend</a:t>
+            </a:r>
+          </a:p>
+          <a:p>
+            <a:r>
+              <a:rPr lang="en-US" dirty="0" smtClean="0"/>
+              <a:t>Implement simple backend</a:t>
+            </a:r>
+          </a:p>
+          <a:p>
+            <a:endParaRPr lang="en-US" dirty="0"/>
+          </a:p>
+          <a:p>
+            <a:endParaRPr lang="en-US" dirty="0"/>
+          </a:p>
+        </p:txBody>
+      </p:sp>
+      <p:sp>
+        <p:nvSpPr>
+          <p:cNvPr id="4" name="Espace réservé de la date 3"/>
+          <p:cNvSpPr>
+            <a:spLocks noGrp="1"/>
+          </p:cNvSpPr>
+          <p:nvPr>
+            <p:ph type="dt" sz="half" idx="10"/>
+          </p:nvPr>
+        </p:nvSpPr>
+        <p:spPr/>
+        <p:txBody>
+          <a:bodyPr/>
+          <a:lstStyle/>
+          <a:p>
+            <a:fld id="{C0D11AC0-B5D5-4B5F-9ECB-B7E6CF8984ED}" type="datetime1">
+              <a:rPr lang="de-DE" smtClean="0"/>
+              <a:t>23.04.2020</a:t>
+            </a:fld>
+            <a:endParaRPr lang="de-DE"/>
+          </a:p>
+        </p:txBody>
+      </p:sp>
+      <p:sp>
+        <p:nvSpPr>
+          <p:cNvPr id="5" name="Espace réservé du pied de page 4"/>
+          <p:cNvSpPr>
+            <a:spLocks noGrp="1"/>
+          </p:cNvSpPr>
+          <p:nvPr>
+            <p:ph type="ftr" sz="quarter" idx="11"/>
+          </p:nvPr>
+        </p:nvSpPr>
+        <p:spPr/>
+        <p:txBody>
+          <a:bodyPr/>
+          <a:lstStyle/>
+          <a:p>
+            <a:endParaRPr lang="de-DE" dirty="0"/>
+          </a:p>
+        </p:txBody>
+      </p:sp>
+      <p:sp>
+        <p:nvSpPr>
+          <p:cNvPr id="6" name="Espace réservé du numéro de diapositive 5"/>
+          <p:cNvSpPr>
+            <a:spLocks noGrp="1"/>
+          </p:cNvSpPr>
+          <p:nvPr>
+            <p:ph type="sldNum" sz="quarter" idx="12"/>
+          </p:nvPr>
+        </p:nvSpPr>
+        <p:spPr/>
+        <p:txBody>
+          <a:bodyPr/>
+          <a:lstStyle/>
+          <a:p>
+            <a:fld id="{9A48FC86-4651-46AF-9E4A-D3FC30E17613}" type="slidenum">
+              <a:rPr lang="de-DE" smtClean="0"/>
+              <a:t>3</a:t>
+            </a:fld>
+            <a:endParaRPr lang="de-DE"/>
+          </a:p>
+        </p:txBody>
+      </p:sp>
+    </p:spTree>
+    <p:extLst>
+      <p:ext uri="{BB962C8B-B14F-4D97-AF65-F5344CB8AC3E}">
+        <p14:creationId xmlns:p14="http://schemas.microsoft.com/office/powerpoint/2010/main" val="422790374"/>
+      </p:ext>
+    </p:extLst>
+  </p:cSld>
+  <p:clrMapOvr>
+    <a:masterClrMapping/>
+  </p:clrMapOvr>
+</p:sld>
+</file>
+
+<file path=ppt/slides/slide4.xml><?xml version="1.0" encoding="utf-8"?>
+<p:sld xmlns:a="http://schemas.openxmlformats.org/drawingml/2006/main" xmlns:r="http://schemas.openxmlformats.org/officeDocument/2006/relationships" xmlns:p="http://schemas.openxmlformats.org/presentationml/2006/main">
+  <p:cSld>
+    <p:spTree>
+      <p:nvGrpSpPr>
+        <p:cNvPr id="1" name=""/>
+        <p:cNvGrpSpPr/>
+        <p:nvPr/>
+      </p:nvGrpSpPr>
+      <p:grpSpPr>
+        <a:xfrm>
+          <a:off x="0" y="0"/>
+          <a:ext cx="0" cy="0"/>
+          <a:chOff x="0" y="0"/>
+          <a:chExt cx="0" cy="0"/>
+        </a:xfrm>
+      </p:grpSpPr>
+      <p:sp>
+        <p:nvSpPr>
+          <p:cNvPr id="2" name="Titre 1"/>
+          <p:cNvSpPr>
+            <a:spLocks noGrp="1"/>
+          </p:cNvSpPr>
+          <p:nvPr>
+            <p:ph type="title"/>
+          </p:nvPr>
+        </p:nvSpPr>
+        <p:spPr/>
+        <p:txBody>
+          <a:bodyPr/>
+          <a:lstStyle/>
+          <a:p>
+            <a:r>
+              <a:rPr lang="en-US" dirty="0" smtClean="0"/>
+              <a:t>Model</a:t>
+            </a:r>
+            <a:endParaRPr lang="en-US" dirty="0"/>
+          </a:p>
+        </p:txBody>
+      </p:sp>
+      <p:sp>
+        <p:nvSpPr>
+          <p:cNvPr id="3" name="Espace réservé du contenu 2"/>
+          <p:cNvSpPr>
+            <a:spLocks noGrp="1"/>
+          </p:cNvSpPr>
+          <p:nvPr>
+            <p:ph idx="1"/>
+          </p:nvPr>
+        </p:nvSpPr>
+        <p:spPr/>
+        <p:txBody>
+          <a:bodyPr>
+            <a:normAutofit fontScale="92500" lnSpcReduction="20000"/>
+          </a:bodyPr>
+          <a:lstStyle/>
+          <a:p>
+            <a:r>
+              <a:rPr lang="en-US" dirty="0"/>
+              <a:t>Adding more statistical </a:t>
+            </a:r>
+            <a:r>
+              <a:rPr lang="en-US" dirty="0" smtClean="0"/>
+              <a:t>tools (accuracy, Loss, Mean Absolute Error, Mean Absolute Percentage Error and Mean Square Error)</a:t>
+            </a:r>
+            <a:endParaRPr lang="en-US" dirty="0"/>
+          </a:p>
+          <a:p>
+            <a:r>
+              <a:rPr lang="en-US" dirty="0"/>
+              <a:t>Select the best model </a:t>
+            </a:r>
+            <a:r>
+              <a:rPr lang="en-US" dirty="0" smtClean="0"/>
+              <a:t>(model02_H3_M)</a:t>
+            </a:r>
+          </a:p>
+          <a:p>
+            <a:pPr lvl="1"/>
+            <a:r>
+              <a:rPr lang="en-US" dirty="0" smtClean="0"/>
+              <a:t>Option 2: 21 features</a:t>
+            </a:r>
+          </a:p>
+          <a:p>
+            <a:pPr lvl="1"/>
+            <a:r>
+              <a:rPr lang="en-US" dirty="0" smtClean="0"/>
+              <a:t>3 </a:t>
+            </a:r>
+            <a:r>
+              <a:rPr lang="en-US" dirty="0"/>
+              <a:t>Hidden </a:t>
+            </a:r>
+            <a:r>
+              <a:rPr lang="en-US" dirty="0" smtClean="0"/>
+              <a:t>Layers</a:t>
+            </a:r>
+          </a:p>
+          <a:p>
+            <a:pPr lvl="1"/>
+            <a:r>
+              <a:rPr lang="en-US" dirty="0"/>
+              <a:t>Medium Amount of </a:t>
+            </a:r>
+            <a:r>
+              <a:rPr lang="en-US" dirty="0" smtClean="0"/>
+              <a:t>Neurons: 12 </a:t>
+            </a:r>
+            <a:r>
+              <a:rPr lang="en-US" dirty="0"/>
+              <a:t>Neurons </a:t>
+            </a:r>
+            <a:r>
+              <a:rPr lang="en-US" dirty="0" smtClean="0"/>
+              <a:t>in each hidden layer</a:t>
+            </a:r>
+          </a:p>
+          <a:p>
+            <a:pPr lvl="1"/>
+            <a:r>
+              <a:rPr lang="de-DE" dirty="0">
+                <a:ea typeface="+mn-lt"/>
+                <a:cs typeface="+mn-lt"/>
+              </a:rPr>
+              <a:t>Test </a:t>
+            </a:r>
+            <a:r>
+              <a:rPr lang="de-DE" dirty="0" err="1">
+                <a:ea typeface="+mn-lt"/>
+                <a:cs typeface="+mn-lt"/>
+              </a:rPr>
+              <a:t>set</a:t>
+            </a:r>
+            <a:r>
+              <a:rPr lang="de-DE" dirty="0">
+                <a:ea typeface="+mn-lt"/>
+                <a:cs typeface="+mn-lt"/>
+              </a:rPr>
+              <a:t> </a:t>
+            </a:r>
+            <a:r>
+              <a:rPr lang="de-DE" dirty="0" smtClean="0">
+                <a:ea typeface="+mn-lt"/>
+                <a:cs typeface="+mn-lt"/>
+              </a:rPr>
+              <a:t>(10%), Training </a:t>
+            </a:r>
+            <a:r>
+              <a:rPr lang="de-DE" dirty="0" err="1">
+                <a:ea typeface="+mn-lt"/>
+                <a:cs typeface="+mn-lt"/>
+              </a:rPr>
+              <a:t>set</a:t>
+            </a:r>
+            <a:r>
+              <a:rPr lang="de-DE" dirty="0">
+                <a:ea typeface="+mn-lt"/>
+                <a:cs typeface="+mn-lt"/>
+              </a:rPr>
+              <a:t> (80% </a:t>
+            </a:r>
+            <a:r>
+              <a:rPr lang="de-DE" dirty="0" err="1">
+                <a:ea typeface="+mn-lt"/>
+                <a:cs typeface="+mn-lt"/>
+              </a:rPr>
+              <a:t>of</a:t>
+            </a:r>
+            <a:r>
+              <a:rPr lang="de-DE" dirty="0">
+                <a:ea typeface="+mn-lt"/>
+                <a:cs typeface="+mn-lt"/>
+              </a:rPr>
+              <a:t> </a:t>
+            </a:r>
+            <a:r>
+              <a:rPr lang="de-DE" dirty="0" err="1">
+                <a:ea typeface="+mn-lt"/>
+                <a:cs typeface="+mn-lt"/>
+              </a:rPr>
+              <a:t>the</a:t>
+            </a:r>
+            <a:r>
+              <a:rPr lang="de-DE" dirty="0">
+                <a:ea typeface="+mn-lt"/>
+                <a:cs typeface="+mn-lt"/>
+              </a:rPr>
+              <a:t> </a:t>
+            </a:r>
+            <a:r>
+              <a:rPr lang="de-DE" dirty="0" err="1">
+                <a:ea typeface="+mn-lt"/>
+                <a:cs typeface="+mn-lt"/>
+              </a:rPr>
+              <a:t>remaining</a:t>
+            </a:r>
+            <a:r>
+              <a:rPr lang="de-DE" dirty="0">
+                <a:ea typeface="+mn-lt"/>
+                <a:cs typeface="+mn-lt"/>
+              </a:rPr>
+              <a:t> </a:t>
+            </a:r>
+            <a:r>
+              <a:rPr lang="de-DE" dirty="0" smtClean="0">
+                <a:ea typeface="+mn-lt"/>
+                <a:cs typeface="+mn-lt"/>
+              </a:rPr>
+              <a:t>90%) </a:t>
+            </a:r>
+            <a:r>
+              <a:rPr lang="de-DE" dirty="0" err="1">
+                <a:ea typeface="+mn-lt"/>
+                <a:cs typeface="+mn-lt"/>
+              </a:rPr>
+              <a:t>and</a:t>
+            </a:r>
+            <a:r>
+              <a:rPr lang="de-DE" dirty="0">
+                <a:ea typeface="+mn-lt"/>
+                <a:cs typeface="+mn-lt"/>
+              </a:rPr>
+              <a:t> Validation </a:t>
+            </a:r>
+            <a:r>
+              <a:rPr lang="de-DE" dirty="0" err="1">
+                <a:ea typeface="+mn-lt"/>
+                <a:cs typeface="+mn-lt"/>
+              </a:rPr>
+              <a:t>set</a:t>
+            </a:r>
+            <a:r>
+              <a:rPr lang="de-DE" dirty="0">
+                <a:ea typeface="+mn-lt"/>
+                <a:cs typeface="+mn-lt"/>
+              </a:rPr>
+              <a:t> (20% </a:t>
+            </a:r>
+            <a:r>
+              <a:rPr lang="de-DE" dirty="0" err="1">
+                <a:ea typeface="+mn-lt"/>
+                <a:cs typeface="+mn-lt"/>
+              </a:rPr>
+              <a:t>of</a:t>
+            </a:r>
+            <a:r>
+              <a:rPr lang="de-DE" dirty="0">
+                <a:ea typeface="+mn-lt"/>
+                <a:cs typeface="+mn-lt"/>
+              </a:rPr>
+              <a:t> </a:t>
+            </a:r>
+            <a:r>
+              <a:rPr lang="de-DE" dirty="0" err="1">
+                <a:ea typeface="+mn-lt"/>
+                <a:cs typeface="+mn-lt"/>
+              </a:rPr>
+              <a:t>the</a:t>
+            </a:r>
+            <a:r>
+              <a:rPr lang="de-DE" dirty="0">
+                <a:ea typeface="+mn-lt"/>
+                <a:cs typeface="+mn-lt"/>
+              </a:rPr>
+              <a:t> </a:t>
+            </a:r>
+            <a:r>
+              <a:rPr lang="de-DE" dirty="0" err="1">
+                <a:ea typeface="+mn-lt"/>
+                <a:cs typeface="+mn-lt"/>
+              </a:rPr>
+              <a:t>remaining</a:t>
+            </a:r>
+            <a:r>
+              <a:rPr lang="de-DE" dirty="0">
+                <a:ea typeface="+mn-lt"/>
+                <a:cs typeface="+mn-lt"/>
+              </a:rPr>
+              <a:t> </a:t>
+            </a:r>
+            <a:r>
+              <a:rPr lang="de-DE" dirty="0" smtClean="0">
+                <a:ea typeface="+mn-lt"/>
+                <a:cs typeface="+mn-lt"/>
+              </a:rPr>
+              <a:t>90%)</a:t>
+            </a:r>
+            <a:endParaRPr lang="en-US" dirty="0" smtClean="0"/>
+          </a:p>
+          <a:p>
+            <a:pPr marL="457200" lvl="1" indent="0">
+              <a:buNone/>
+            </a:pPr>
+            <a:endParaRPr lang="en-US" b="1" dirty="0" smtClean="0"/>
+          </a:p>
+          <a:p>
+            <a:pPr marL="457200" lvl="1" indent="0">
+              <a:buNone/>
+            </a:pPr>
+            <a:r>
+              <a:rPr lang="en-US" dirty="0" smtClean="0"/>
+              <a:t>Loss</a:t>
+            </a:r>
+            <a:r>
+              <a:rPr lang="en-US" dirty="0"/>
+              <a:t>	</a:t>
+            </a:r>
+            <a:r>
+              <a:rPr lang="en-US" dirty="0" smtClean="0"/>
+              <a:t>			0,972560175</a:t>
+            </a:r>
+            <a:endParaRPr lang="en-US" dirty="0"/>
+          </a:p>
+          <a:p>
+            <a:pPr marL="457200" lvl="1" indent="0">
+              <a:buNone/>
+            </a:pPr>
+            <a:r>
+              <a:rPr lang="en-US" dirty="0"/>
+              <a:t>Test Accuracy	</a:t>
+            </a:r>
+            <a:r>
+              <a:rPr lang="en-US" dirty="0" smtClean="0"/>
+              <a:t>		0,5348056</a:t>
+            </a:r>
+            <a:endParaRPr lang="en-US" dirty="0"/>
+          </a:p>
+          <a:p>
+            <a:pPr marL="457200" lvl="1" indent="0">
+              <a:buNone/>
+            </a:pPr>
+            <a:r>
+              <a:rPr lang="en-US" dirty="0"/>
+              <a:t>Mean Square Error	</a:t>
+            </a:r>
+            <a:r>
+              <a:rPr lang="en-US" dirty="0" smtClean="0"/>
+              <a:t>		1,4089671</a:t>
+            </a:r>
+            <a:endParaRPr lang="en-US" dirty="0"/>
+          </a:p>
+          <a:p>
+            <a:pPr marL="457200" lvl="1" indent="0">
+              <a:buNone/>
+            </a:pPr>
+            <a:r>
+              <a:rPr lang="en-US" dirty="0"/>
+              <a:t>Mean Absolute Error	</a:t>
+            </a:r>
+            <a:r>
+              <a:rPr lang="en-US" dirty="0" smtClean="0"/>
+              <a:t>	1,0107217</a:t>
+            </a:r>
+            <a:endParaRPr lang="en-US" dirty="0"/>
+          </a:p>
+          <a:p>
+            <a:pPr marL="457200" lvl="1" indent="0">
+              <a:buNone/>
+            </a:pPr>
+            <a:r>
+              <a:rPr lang="en-US" dirty="0"/>
+              <a:t>Mean Absolute Percentage Error	99055920</a:t>
+            </a:r>
+          </a:p>
+          <a:p>
+            <a:pPr lvl="1"/>
+            <a:endParaRPr lang="en-US" dirty="0" smtClean="0"/>
+          </a:p>
+        </p:txBody>
+      </p:sp>
+      <p:sp>
+        <p:nvSpPr>
+          <p:cNvPr id="4" name="Espace réservé de la date 3"/>
+          <p:cNvSpPr>
+            <a:spLocks noGrp="1"/>
+          </p:cNvSpPr>
+          <p:nvPr>
+            <p:ph type="dt" sz="half" idx="10"/>
+          </p:nvPr>
+        </p:nvSpPr>
+        <p:spPr/>
+        <p:txBody>
+          <a:bodyPr/>
+          <a:lstStyle/>
+          <a:p>
+            <a:fld id="{C0D11AC0-B5D5-4B5F-9ECB-B7E6CF8984ED}" type="datetime1">
+              <a:rPr lang="de-DE" smtClean="0"/>
+              <a:t>23.04.2020</a:t>
+            </a:fld>
+            <a:endParaRPr lang="de-DE"/>
+          </a:p>
+        </p:txBody>
+      </p:sp>
+      <p:sp>
+        <p:nvSpPr>
+          <p:cNvPr id="5" name="Espace réservé du pied de page 4"/>
+          <p:cNvSpPr>
+            <a:spLocks noGrp="1"/>
+          </p:cNvSpPr>
+          <p:nvPr>
+            <p:ph type="ftr" sz="quarter" idx="11"/>
+          </p:nvPr>
+        </p:nvSpPr>
+        <p:spPr/>
+        <p:txBody>
+          <a:bodyPr/>
+          <a:lstStyle/>
+          <a:p>
+            <a:endParaRPr lang="de-DE" dirty="0"/>
+          </a:p>
+        </p:txBody>
+      </p:sp>
+      <p:sp>
+        <p:nvSpPr>
+          <p:cNvPr id="6" name="Espace réservé du numéro de diapositive 5"/>
+          <p:cNvSpPr>
+            <a:spLocks noGrp="1"/>
+          </p:cNvSpPr>
+          <p:nvPr>
+            <p:ph type="sldNum" sz="quarter" idx="12"/>
+          </p:nvPr>
+        </p:nvSpPr>
+        <p:spPr/>
+        <p:txBody>
+          <a:bodyPr/>
+          <a:lstStyle/>
+          <a:p>
+            <a:fld id="{9A48FC86-4651-46AF-9E4A-D3FC30E17613}" type="slidenum">
+              <a:rPr lang="de-DE" smtClean="0"/>
+              <a:t>4</a:t>
+            </a:fld>
+            <a:endParaRPr lang="de-DE"/>
+          </a:p>
+        </p:txBody>
+      </p:sp>
+    </p:spTree>
+    <p:extLst>
+      <p:ext uri="{BB962C8B-B14F-4D97-AF65-F5344CB8AC3E}">
+        <p14:creationId xmlns:p14="http://schemas.microsoft.com/office/powerpoint/2010/main" val="4011683287"/>
+      </p:ext>
+    </p:extLst>
+  </p:cSld>
+  <p:clrMapOvr>
+    <a:masterClrMapping/>
+  </p:clrMapOvr>
+</p:sld>
+</file>
+
+<file path=ppt/slides/slide5.xml><?xml version="1.0" encoding="utf-8"?>
+<p:sld xmlns:a="http://schemas.openxmlformats.org/drawingml/2006/main" xmlns:r="http://schemas.openxmlformats.org/officeDocument/2006/relationships" xmlns:p="http://schemas.openxmlformats.org/presentationml/2006/main">
+  <p:cSld>
+    <p:spTree>
+      <p:nvGrpSpPr>
+        <p:cNvPr id="1" name=""/>
+        <p:cNvGrpSpPr/>
+        <p:nvPr/>
+      </p:nvGrpSpPr>
+      <p:grpSpPr>
+        <a:xfrm>
+          <a:off x="0" y="0"/>
+          <a:ext cx="0" cy="0"/>
+          <a:chOff x="0" y="0"/>
+          <a:chExt cx="0" cy="0"/>
+        </a:xfrm>
+      </p:grpSpPr>
+      <p:sp>
+        <p:nvSpPr>
+          <p:cNvPr id="2" name="Titre 1"/>
+          <p:cNvSpPr>
+            <a:spLocks noGrp="1"/>
+          </p:cNvSpPr>
+          <p:nvPr>
+            <p:ph type="title"/>
+          </p:nvPr>
+        </p:nvSpPr>
+        <p:spPr/>
+        <p:txBody>
+          <a:bodyPr/>
+          <a:lstStyle/>
+          <a:p>
+            <a:r>
+              <a:rPr lang="en-US" dirty="0"/>
+              <a:t>Web Architecture</a:t>
+            </a:r>
+          </a:p>
+        </p:txBody>
+      </p:sp>
+      <p:sp>
+        <p:nvSpPr>
+          <p:cNvPr id="4" name="Espace réservé de la date 3"/>
+          <p:cNvSpPr>
+            <a:spLocks noGrp="1"/>
+          </p:cNvSpPr>
+          <p:nvPr>
+            <p:ph type="dt" sz="half" idx="10"/>
+          </p:nvPr>
+        </p:nvSpPr>
+        <p:spPr/>
+        <p:txBody>
+          <a:bodyPr/>
+          <a:lstStyle/>
+          <a:p>
+            <a:fld id="{C0D11AC0-B5D5-4B5F-9ECB-B7E6CF8984ED}" type="datetime1">
+              <a:rPr lang="de-DE" smtClean="0"/>
+              <a:t>23.04.2020</a:t>
+            </a:fld>
+            <a:endParaRPr lang="de-DE" dirty="0"/>
+          </a:p>
+        </p:txBody>
+      </p:sp>
+      <p:sp>
+        <p:nvSpPr>
+          <p:cNvPr id="5" name="Espace réservé du pied de page 4"/>
+          <p:cNvSpPr>
+            <a:spLocks noGrp="1"/>
+          </p:cNvSpPr>
+          <p:nvPr>
+            <p:ph type="ftr" sz="quarter" idx="11"/>
+          </p:nvPr>
+        </p:nvSpPr>
+        <p:spPr/>
+        <p:txBody>
+          <a:bodyPr/>
+          <a:lstStyle/>
+          <a:p>
+            <a:endParaRPr lang="de-DE" dirty="0"/>
+          </a:p>
+        </p:txBody>
+      </p:sp>
+      <p:sp>
+        <p:nvSpPr>
+          <p:cNvPr id="6" name="Espace réservé du numéro de diapositive 5"/>
+          <p:cNvSpPr>
+            <a:spLocks noGrp="1"/>
+          </p:cNvSpPr>
+          <p:nvPr>
+            <p:ph type="sldNum" sz="quarter" idx="12"/>
+          </p:nvPr>
+        </p:nvSpPr>
+        <p:spPr/>
+        <p:txBody>
+          <a:bodyPr/>
+          <a:lstStyle/>
+          <a:p>
+            <a:fld id="{9A48FC86-4651-46AF-9E4A-D3FC30E17613}" type="slidenum">
+              <a:rPr lang="de-DE" smtClean="0"/>
+              <a:t>5</a:t>
             </a:fld>
             <a:endParaRPr lang="de-DE"/>
           </a:p>
@@ -5148,7 +5955,7 @@
           <p:cNvPr id="7" name="Group 6">
             <a:extLst>
               <a:ext uri="{FF2B5EF4-FFF2-40B4-BE49-F238E27FC236}">
-                <a16:creationId xmlns="" xmlns:a16="http://schemas.microsoft.com/office/drawing/2014/main" id="{7309C384-6DCD-4775-B2C4-21469D66386A}"/>
+                <a16:creationId xmlns:a16="http://schemas.microsoft.com/office/drawing/2014/main" xmlns="" id="{7309C384-6DCD-4775-B2C4-21469D66386A}"/>
               </a:ext>
             </a:extLst>
           </p:cNvPr>
@@ -5567,7 +6374,7 @@
           <p:cNvPr id="3" name="Group 2">
             <a:extLst>
               <a:ext uri="{FF2B5EF4-FFF2-40B4-BE49-F238E27FC236}">
-                <a16:creationId xmlns="" xmlns:a16="http://schemas.microsoft.com/office/drawing/2014/main" id="{38150398-1A64-4FB7-A3DE-19041D5C1156}"/>
+                <a16:creationId xmlns:a16="http://schemas.microsoft.com/office/drawing/2014/main" xmlns="" id="{38150398-1A64-4FB7-A3DE-19041D5C1156}"/>
               </a:ext>
             </a:extLst>
           </p:cNvPr>
@@ -5763,7 +6570,7 @@
           <p:cNvPr id="22" name="Rectangle 21">
             <a:extLst>
               <a:ext uri="{FF2B5EF4-FFF2-40B4-BE49-F238E27FC236}">
-                <a16:creationId xmlns="" xmlns:a16="http://schemas.microsoft.com/office/drawing/2014/main" id="{38C51A38-4A07-49FD-B6ED-48F08A46D64E}"/>
+                <a16:creationId xmlns:a16="http://schemas.microsoft.com/office/drawing/2014/main" xmlns="" id="{38C51A38-4A07-49FD-B6ED-48F08A46D64E}"/>
               </a:ext>
             </a:extLst>
           </p:cNvPr>
@@ -5855,7 +6662,7 @@
           <p:cNvPr id="23" name="Double flèche verticale 40">
             <a:extLst>
               <a:ext uri="{FF2B5EF4-FFF2-40B4-BE49-F238E27FC236}">
-                <a16:creationId xmlns="" xmlns:a16="http://schemas.microsoft.com/office/drawing/2014/main" id="{10F5781E-ED8C-4D2E-B33A-E89C91B92733}"/>
+                <a16:creationId xmlns:a16="http://schemas.microsoft.com/office/drawing/2014/main" xmlns="" id="{10F5781E-ED8C-4D2E-B33A-E89C91B92733}"/>
               </a:ext>
             </a:extLst>
           </p:cNvPr>
@@ -5929,7 +6736,7 @@
 </p:sld>
 </file>
 
-<file path=ppt/slides/slide3.xml><?xml version="1.0" encoding="utf-8"?>
+<file path=ppt/slides/slide6.xml><?xml version="1.0" encoding="utf-8"?>
 <p:sld xmlns:a="http://schemas.openxmlformats.org/drawingml/2006/main" xmlns:r="http://schemas.openxmlformats.org/officeDocument/2006/relationships" xmlns:p="http://schemas.openxmlformats.org/presentationml/2006/main">
   <p:cSld>
     <p:spTree>
@@ -6026,7 +6833,7 @@
           <a:p>
             <a:fld id="{C0D11AC0-B5D5-4B5F-9ECB-B7E6CF8984ED}" type="datetime1">
               <a:rPr lang="de-DE" smtClean="0"/>
-              <a:t>18.04.2020</a:t>
+              <a:t>23.04.2020</a:t>
             </a:fld>
             <a:endParaRPr lang="de-DE"/>
           </a:p>
@@ -6068,7 +6875,7 @@
           <a:p>
             <a:fld id="{9A48FC86-4651-46AF-9E4A-D3FC30E17613}" type="slidenum">
               <a:rPr lang="de-DE" smtClean="0"/>
-              <a:t>3</a:t>
+              <a:t>6</a:t>
             </a:fld>
             <a:endParaRPr lang="de-DE"/>
           </a:p>
@@ -6124,7 +6931,7 @@
 </p:sld>
 </file>
 
-<file path=ppt/slides/slide4.xml><?xml version="1.0" encoding="utf-8"?>
+<file path=ppt/slides/slide7.xml><?xml version="1.0" encoding="utf-8"?>
 <p:sld xmlns:a="http://schemas.openxmlformats.org/drawingml/2006/main" xmlns:r="http://schemas.openxmlformats.org/officeDocument/2006/relationships" xmlns:p="http://schemas.openxmlformats.org/presentationml/2006/main">
   <p:cSld>
     <p:spTree>
@@ -6210,7 +7017,7 @@
           <a:p>
             <a:fld id="{C0D11AC0-B5D5-4B5F-9ECB-B7E6CF8984ED}" type="datetime1">
               <a:rPr lang="de-DE" smtClean="0"/>
-              <a:t>18.04.2020</a:t>
+              <a:t>23.04.2020</a:t>
             </a:fld>
             <a:endParaRPr lang="de-DE"/>
           </a:p>
@@ -6252,7 +7059,7 @@
           <a:p>
             <a:fld id="{9A48FC86-4651-46AF-9E4A-D3FC30E17613}" type="slidenum">
               <a:rPr lang="de-DE" smtClean="0"/>
-              <a:t>4</a:t>
+              <a:t>7</a:t>
             </a:fld>
             <a:endParaRPr lang="de-DE"/>
           </a:p>
@@ -6367,7 +7174,7 @@
 </p:sld>
 </file>
 
-<file path=ppt/slides/slide5.xml><?xml version="1.0" encoding="utf-8"?>
+<file path=ppt/slides/slide8.xml><?xml version="1.0" encoding="utf-8"?>
 <p:sld xmlns:a="http://schemas.openxmlformats.org/drawingml/2006/main" xmlns:r="http://schemas.openxmlformats.org/officeDocument/2006/relationships" xmlns:p="http://schemas.openxmlformats.org/presentationml/2006/main">
   <p:cSld>
     <p:spTree>
@@ -6453,7 +7260,7 @@
           <a:p>
             <a:fld id="{C0D11AC0-B5D5-4B5F-9ECB-B7E6CF8984ED}" type="datetime1">
               <a:rPr lang="de-DE" smtClean="0"/>
-              <a:t>18.04.2020</a:t>
+              <a:t>23.04.2020</a:t>
             </a:fld>
             <a:endParaRPr lang="de-DE"/>
           </a:p>
@@ -6495,7 +7302,7 @@
           <a:p>
             <a:fld id="{9A48FC86-4651-46AF-9E4A-D3FC30E17613}" type="slidenum">
               <a:rPr lang="de-DE" smtClean="0"/>
-              <a:t>5</a:t>
+              <a:t>8</a:t>
             </a:fld>
             <a:endParaRPr lang="de-DE"/>
           </a:p>
@@ -6505,6 +7312,157 @@
     <p:extLst>
       <p:ext uri="{BB962C8B-B14F-4D97-AF65-F5344CB8AC3E}">
         <p14:creationId xmlns:p14="http://schemas.microsoft.com/office/powerpoint/2010/main" val="4064694010"/>
+      </p:ext>
+    </p:extLst>
+  </p:cSld>
+  <p:clrMapOvr>
+    <a:masterClrMapping/>
+  </p:clrMapOvr>
+</p:sld>
+</file>
+
+<file path=ppt/slides/slide9.xml><?xml version="1.0" encoding="utf-8"?>
+<p:sld xmlns:a="http://schemas.openxmlformats.org/drawingml/2006/main" xmlns:r="http://schemas.openxmlformats.org/officeDocument/2006/relationships" xmlns:p="http://schemas.openxmlformats.org/presentationml/2006/main">
+  <p:cSld>
+    <p:spTree>
+      <p:nvGrpSpPr>
+        <p:cNvPr id="1" name=""/>
+        <p:cNvGrpSpPr/>
+        <p:nvPr/>
+      </p:nvGrpSpPr>
+      <p:grpSpPr>
+        <a:xfrm>
+          <a:off x="0" y="0"/>
+          <a:ext cx="0" cy="0"/>
+          <a:chOff x="0" y="0"/>
+          <a:chExt cx="0" cy="0"/>
+        </a:xfrm>
+      </p:grpSpPr>
+      <p:sp>
+        <p:nvSpPr>
+          <p:cNvPr id="2" name="Titre 1"/>
+          <p:cNvSpPr>
+            <a:spLocks noGrp="1"/>
+          </p:cNvSpPr>
+          <p:nvPr>
+            <p:ph type="title"/>
+          </p:nvPr>
+        </p:nvSpPr>
+        <p:spPr/>
+        <p:txBody>
+          <a:bodyPr/>
+          <a:lstStyle/>
+          <a:p>
+            <a:r>
+              <a:rPr lang="en-US" dirty="0" smtClean="0"/>
+              <a:t>Next Sprint</a:t>
+            </a:r>
+            <a:endParaRPr lang="en-US" dirty="0"/>
+          </a:p>
+        </p:txBody>
+      </p:sp>
+      <p:sp>
+        <p:nvSpPr>
+          <p:cNvPr id="3" name="Espace réservé du contenu 2"/>
+          <p:cNvSpPr>
+            <a:spLocks noGrp="1"/>
+          </p:cNvSpPr>
+          <p:nvPr>
+            <p:ph idx="1"/>
+          </p:nvPr>
+        </p:nvSpPr>
+        <p:spPr/>
+        <p:txBody>
+          <a:bodyPr/>
+          <a:lstStyle/>
+          <a:p>
+            <a:r>
+              <a:rPr lang="en-US" dirty="0" smtClean="0"/>
+              <a:t>Implementation of the backend (Model, Static Matches).</a:t>
+            </a:r>
+          </a:p>
+          <a:p>
+            <a:r>
+              <a:rPr lang="en-US" dirty="0" smtClean="0"/>
+              <a:t>Regression: Predict the goals scored by each team.</a:t>
+            </a:r>
+            <a:endParaRPr lang="en-US" dirty="0"/>
+          </a:p>
+        </p:txBody>
+      </p:sp>
+      <p:sp>
+        <p:nvSpPr>
+          <p:cNvPr id="4" name="Espace réservé de la date 3"/>
+          <p:cNvSpPr>
+            <a:spLocks noGrp="1"/>
+          </p:cNvSpPr>
+          <p:nvPr>
+            <p:ph type="dt" sz="half" idx="10"/>
+          </p:nvPr>
+        </p:nvSpPr>
+        <p:spPr/>
+        <p:txBody>
+          <a:bodyPr/>
+          <a:lstStyle/>
+          <a:p>
+            <a:fld id="{C0D11AC0-B5D5-4B5F-9ECB-B7E6CF8984ED}" type="datetime1">
+              <a:rPr lang="de-DE" smtClean="0"/>
+              <a:t>23.04.2020</a:t>
+            </a:fld>
+            <a:endParaRPr lang="de-DE"/>
+          </a:p>
+        </p:txBody>
+      </p:sp>
+      <p:sp>
+        <p:nvSpPr>
+          <p:cNvPr id="5" name="Espace réservé du pied de page 4"/>
+          <p:cNvSpPr>
+            <a:spLocks noGrp="1"/>
+          </p:cNvSpPr>
+          <p:nvPr>
+            <p:ph type="ftr" sz="quarter" idx="11"/>
+          </p:nvPr>
+        </p:nvSpPr>
+        <p:spPr/>
+        <p:txBody>
+          <a:bodyPr/>
+          <a:lstStyle/>
+          <a:p>
+            <a:r>
+              <a:rPr lang="de-DE" smtClean="0"/>
+              <a:t>Lisa Boos, Khaled Jallouli</a:t>
+            </a:r>
+            <a:endParaRPr lang="de-DE" dirty="0"/>
+          </a:p>
+        </p:txBody>
+      </p:sp>
+      <p:sp>
+        <p:nvSpPr>
+          <p:cNvPr id="6" name="Espace réservé du numéro de diapositive 5"/>
+          <p:cNvSpPr>
+            <a:spLocks noGrp="1"/>
+          </p:cNvSpPr>
+          <p:nvPr>
+            <p:ph type="sldNum" sz="quarter" idx="12"/>
+          </p:nvPr>
+        </p:nvSpPr>
+        <p:spPr/>
+        <p:txBody>
+          <a:bodyPr/>
+          <a:lstStyle/>
+          <a:p>
+            <a:fld id="{9A48FC86-4651-46AF-9E4A-D3FC30E17613}" type="slidenum">
+              <a:rPr lang="de-DE" smtClean="0"/>
+              <a:t>9</a:t>
+            </a:fld>
+            <a:endParaRPr lang="de-DE"/>
+          </a:p>
+        </p:txBody>
+      </p:sp>
+    </p:spTree>
+    <p:extLst>
+      <p:ext uri="{BB962C8B-B14F-4D97-AF65-F5344CB8AC3E}">
+        <p14:creationId xmlns:p14="http://schemas.microsoft.com/office/powerpoint/2010/main" val="1256040228"/>
       </p:ext>
     </p:extLst>
   </p:cSld>

--- a/Web/WebArchitectureDef.pptx
+++ b/Web/WebArchitectureDef.pptx
@@ -5,18 +5,14 @@
     <p:sldMasterId id="2147483648" r:id="rId1"/>
   </p:sldMasterIdLst>
   <p:notesMasterIdLst>
-    <p:notesMasterId r:id="rId11"/>
+    <p:notesMasterId r:id="rId7"/>
   </p:notesMasterIdLst>
   <p:sldIdLst>
     <p:sldId id="256" r:id="rId2"/>
-    <p:sldId id="265" r:id="rId3"/>
-    <p:sldId id="263" r:id="rId4"/>
-    <p:sldId id="261" r:id="rId5"/>
-    <p:sldId id="257" r:id="rId6"/>
-    <p:sldId id="258" r:id="rId7"/>
-    <p:sldId id="259" r:id="rId8"/>
-    <p:sldId id="260" r:id="rId9"/>
-    <p:sldId id="262" r:id="rId10"/>
+    <p:sldId id="257" r:id="rId3"/>
+    <p:sldId id="258" r:id="rId4"/>
+    <p:sldId id="259" r:id="rId5"/>
+    <p:sldId id="260" r:id="rId6"/>
   </p:sldIdLst>
   <p:sldSz cx="12192000" cy="6858000"/>
   <p:notesSz cx="6858000" cy="9144000"/>
@@ -1239,7 +1235,7 @@
           <p:cNvPr id="2" name="Titel 1">
             <a:extLst>
               <a:ext uri="{FF2B5EF4-FFF2-40B4-BE49-F238E27FC236}">
-                <a16:creationId xmlns:a16="http://schemas.microsoft.com/office/drawing/2014/main" xmlns="" id="{701EABE2-81DB-4A57-87BD-BAC9B81DA953}"/>
+                <a16:creationId xmlns="" xmlns:a16="http://schemas.microsoft.com/office/drawing/2014/main" id="{701EABE2-81DB-4A57-87BD-BAC9B81DA953}"/>
               </a:ext>
             </a:extLst>
           </p:cNvPr>
@@ -1276,7 +1272,7 @@
           <p:cNvPr id="3" name="Untertitel 2">
             <a:extLst>
               <a:ext uri="{FF2B5EF4-FFF2-40B4-BE49-F238E27FC236}">
-                <a16:creationId xmlns:a16="http://schemas.microsoft.com/office/drawing/2014/main" xmlns="" id="{9E44B19B-9953-4462-B98C-34C559DFD4BA}"/>
+                <a16:creationId xmlns="" xmlns:a16="http://schemas.microsoft.com/office/drawing/2014/main" id="{9E44B19B-9953-4462-B98C-34C559DFD4BA}"/>
               </a:ext>
             </a:extLst>
           </p:cNvPr>
@@ -1346,7 +1342,7 @@
           <p:cNvPr id="4" name="Datumsplatzhalter 3">
             <a:extLst>
               <a:ext uri="{FF2B5EF4-FFF2-40B4-BE49-F238E27FC236}">
-                <a16:creationId xmlns:a16="http://schemas.microsoft.com/office/drawing/2014/main" xmlns="" id="{85282A0B-87AA-4F5C-9252-AB7E74ABF29B}"/>
+                <a16:creationId xmlns="" xmlns:a16="http://schemas.microsoft.com/office/drawing/2014/main" id="{85282A0B-87AA-4F5C-9252-AB7E74ABF29B}"/>
               </a:ext>
             </a:extLst>
           </p:cNvPr>
@@ -1375,7 +1371,7 @@
           <p:cNvPr id="5" name="Fußzeilenplatzhalter 4">
             <a:extLst>
               <a:ext uri="{FF2B5EF4-FFF2-40B4-BE49-F238E27FC236}">
-                <a16:creationId xmlns:a16="http://schemas.microsoft.com/office/drawing/2014/main" xmlns="" id="{CCE46F71-BCF6-41F3-8C17-381DF36140FE}"/>
+                <a16:creationId xmlns="" xmlns:a16="http://schemas.microsoft.com/office/drawing/2014/main" id="{CCE46F71-BCF6-41F3-8C17-381DF36140FE}"/>
               </a:ext>
             </a:extLst>
           </p:cNvPr>
@@ -1408,7 +1404,7 @@
           <p:cNvPr id="6" name="Foliennummernplatzhalter 5">
             <a:extLst>
               <a:ext uri="{FF2B5EF4-FFF2-40B4-BE49-F238E27FC236}">
-                <a16:creationId xmlns:a16="http://schemas.microsoft.com/office/drawing/2014/main" xmlns="" id="{DF41A37E-A33B-4798-9922-3B8B5AE5A27B}"/>
+                <a16:creationId xmlns="" xmlns:a16="http://schemas.microsoft.com/office/drawing/2014/main" id="{DF41A37E-A33B-4798-9922-3B8B5AE5A27B}"/>
               </a:ext>
             </a:extLst>
           </p:cNvPr>
@@ -1475,7 +1471,7 @@
           <p:cNvPr id="2" name="Titel 1">
             <a:extLst>
               <a:ext uri="{FF2B5EF4-FFF2-40B4-BE49-F238E27FC236}">
-                <a16:creationId xmlns:a16="http://schemas.microsoft.com/office/drawing/2014/main" xmlns="" id="{FCE4A30D-3A8C-4B77-B82E-724CCF54EFD5}"/>
+                <a16:creationId xmlns="" xmlns:a16="http://schemas.microsoft.com/office/drawing/2014/main" id="{FCE4A30D-3A8C-4B77-B82E-724CCF54EFD5}"/>
               </a:ext>
             </a:extLst>
           </p:cNvPr>
@@ -1503,7 +1499,7 @@
           <p:cNvPr id="3" name="Vertikaler Textplatzhalter 2">
             <a:extLst>
               <a:ext uri="{FF2B5EF4-FFF2-40B4-BE49-F238E27FC236}">
-                <a16:creationId xmlns:a16="http://schemas.microsoft.com/office/drawing/2014/main" xmlns="" id="{D0312C4C-DD67-420D-AE80-FBF20CAD00FE}"/>
+                <a16:creationId xmlns="" xmlns:a16="http://schemas.microsoft.com/office/drawing/2014/main" id="{D0312C4C-DD67-420D-AE80-FBF20CAD00FE}"/>
               </a:ext>
             </a:extLst>
           </p:cNvPr>
@@ -1560,7 +1556,7 @@
           <p:cNvPr id="4" name="Datumsplatzhalter 3">
             <a:extLst>
               <a:ext uri="{FF2B5EF4-FFF2-40B4-BE49-F238E27FC236}">
-                <a16:creationId xmlns:a16="http://schemas.microsoft.com/office/drawing/2014/main" xmlns="" id="{752D94C2-424D-4096-8FAE-F12A3D4A5C7D}"/>
+                <a16:creationId xmlns="" xmlns:a16="http://schemas.microsoft.com/office/drawing/2014/main" id="{752D94C2-424D-4096-8FAE-F12A3D4A5C7D}"/>
               </a:ext>
             </a:extLst>
           </p:cNvPr>
@@ -1589,7 +1585,7 @@
           <p:cNvPr id="5" name="Fußzeilenplatzhalter 4">
             <a:extLst>
               <a:ext uri="{FF2B5EF4-FFF2-40B4-BE49-F238E27FC236}">
-                <a16:creationId xmlns:a16="http://schemas.microsoft.com/office/drawing/2014/main" xmlns="" id="{02BB29D6-C358-4D1F-90A7-5282C5CF3A2B}"/>
+                <a16:creationId xmlns="" xmlns:a16="http://schemas.microsoft.com/office/drawing/2014/main" id="{02BB29D6-C358-4D1F-90A7-5282C5CF3A2B}"/>
               </a:ext>
             </a:extLst>
           </p:cNvPr>
@@ -1617,7 +1613,7 @@
           <p:cNvPr id="6" name="Foliennummernplatzhalter 5">
             <a:extLst>
               <a:ext uri="{FF2B5EF4-FFF2-40B4-BE49-F238E27FC236}">
-                <a16:creationId xmlns:a16="http://schemas.microsoft.com/office/drawing/2014/main" xmlns="" id="{AE9CFC43-FC34-49A0-9C58-C1BA7EAB4CD1}"/>
+                <a16:creationId xmlns="" xmlns:a16="http://schemas.microsoft.com/office/drawing/2014/main" id="{AE9CFC43-FC34-49A0-9C58-C1BA7EAB4CD1}"/>
               </a:ext>
             </a:extLst>
           </p:cNvPr>
@@ -1684,7 +1680,7 @@
           <p:cNvPr id="2" name="Vertikaler Titel 1">
             <a:extLst>
               <a:ext uri="{FF2B5EF4-FFF2-40B4-BE49-F238E27FC236}">
-                <a16:creationId xmlns:a16="http://schemas.microsoft.com/office/drawing/2014/main" xmlns="" id="{C6AE7126-CFA4-458D-B5F5-AA476ABB117D}"/>
+                <a16:creationId xmlns="" xmlns:a16="http://schemas.microsoft.com/office/drawing/2014/main" id="{C6AE7126-CFA4-458D-B5F5-AA476ABB117D}"/>
               </a:ext>
             </a:extLst>
           </p:cNvPr>
@@ -1717,7 +1713,7 @@
           <p:cNvPr id="3" name="Vertikaler Textplatzhalter 2">
             <a:extLst>
               <a:ext uri="{FF2B5EF4-FFF2-40B4-BE49-F238E27FC236}">
-                <a16:creationId xmlns:a16="http://schemas.microsoft.com/office/drawing/2014/main" xmlns="" id="{E4719945-B69E-4CB7-AF62-A8E248C097C4}"/>
+                <a16:creationId xmlns="" xmlns:a16="http://schemas.microsoft.com/office/drawing/2014/main" id="{E4719945-B69E-4CB7-AF62-A8E248C097C4}"/>
               </a:ext>
             </a:extLst>
           </p:cNvPr>
@@ -1779,7 +1775,7 @@
           <p:cNvPr id="4" name="Datumsplatzhalter 3">
             <a:extLst>
               <a:ext uri="{FF2B5EF4-FFF2-40B4-BE49-F238E27FC236}">
-                <a16:creationId xmlns:a16="http://schemas.microsoft.com/office/drawing/2014/main" xmlns="" id="{194C9456-1825-45D5-AFC8-7437C4E58D48}"/>
+                <a16:creationId xmlns="" xmlns:a16="http://schemas.microsoft.com/office/drawing/2014/main" id="{194C9456-1825-45D5-AFC8-7437C4E58D48}"/>
               </a:ext>
             </a:extLst>
           </p:cNvPr>
@@ -1808,7 +1804,7 @@
           <p:cNvPr id="5" name="Fußzeilenplatzhalter 4">
             <a:extLst>
               <a:ext uri="{FF2B5EF4-FFF2-40B4-BE49-F238E27FC236}">
-                <a16:creationId xmlns:a16="http://schemas.microsoft.com/office/drawing/2014/main" xmlns="" id="{0B1CC9B3-FE3E-4DC0-B71D-312C93D1814D}"/>
+                <a16:creationId xmlns="" xmlns:a16="http://schemas.microsoft.com/office/drawing/2014/main" id="{0B1CC9B3-FE3E-4DC0-B71D-312C93D1814D}"/>
               </a:ext>
             </a:extLst>
           </p:cNvPr>
@@ -1836,7 +1832,7 @@
           <p:cNvPr id="6" name="Foliennummernplatzhalter 5">
             <a:extLst>
               <a:ext uri="{FF2B5EF4-FFF2-40B4-BE49-F238E27FC236}">
-                <a16:creationId xmlns:a16="http://schemas.microsoft.com/office/drawing/2014/main" xmlns="" id="{41E050D8-C164-4E85-94F4-BA2B19D46D58}"/>
+                <a16:creationId xmlns="" xmlns:a16="http://schemas.microsoft.com/office/drawing/2014/main" id="{41E050D8-C164-4E85-94F4-BA2B19D46D58}"/>
               </a:ext>
             </a:extLst>
           </p:cNvPr>
@@ -1903,7 +1899,7 @@
           <p:cNvPr id="2" name="Titel 1">
             <a:extLst>
               <a:ext uri="{FF2B5EF4-FFF2-40B4-BE49-F238E27FC236}">
-                <a16:creationId xmlns:a16="http://schemas.microsoft.com/office/drawing/2014/main" xmlns="" id="{C9100C2D-6625-4AF5-8937-424086BE0285}"/>
+                <a16:creationId xmlns="" xmlns:a16="http://schemas.microsoft.com/office/drawing/2014/main" id="{C9100C2D-6625-4AF5-8937-424086BE0285}"/>
               </a:ext>
             </a:extLst>
           </p:cNvPr>
@@ -1931,7 +1927,7 @@
           <p:cNvPr id="3" name="Inhaltsplatzhalter 2">
             <a:extLst>
               <a:ext uri="{FF2B5EF4-FFF2-40B4-BE49-F238E27FC236}">
-                <a16:creationId xmlns:a16="http://schemas.microsoft.com/office/drawing/2014/main" xmlns="" id="{38D1AAA1-BE3D-4A43-91C4-A2C3C6173375}"/>
+                <a16:creationId xmlns="" xmlns:a16="http://schemas.microsoft.com/office/drawing/2014/main" id="{38D1AAA1-BE3D-4A43-91C4-A2C3C6173375}"/>
               </a:ext>
             </a:extLst>
           </p:cNvPr>
@@ -1988,7 +1984,7 @@
           <p:cNvPr id="4" name="Datumsplatzhalter 3">
             <a:extLst>
               <a:ext uri="{FF2B5EF4-FFF2-40B4-BE49-F238E27FC236}">
-                <a16:creationId xmlns:a16="http://schemas.microsoft.com/office/drawing/2014/main" xmlns="" id="{48884C8B-06F5-44CC-B1D1-2A02463EC226}"/>
+                <a16:creationId xmlns="" xmlns:a16="http://schemas.microsoft.com/office/drawing/2014/main" id="{48884C8B-06F5-44CC-B1D1-2A02463EC226}"/>
               </a:ext>
             </a:extLst>
           </p:cNvPr>
@@ -2017,7 +2013,7 @@
           <p:cNvPr id="5" name="Fußzeilenplatzhalter 4">
             <a:extLst>
               <a:ext uri="{FF2B5EF4-FFF2-40B4-BE49-F238E27FC236}">
-                <a16:creationId xmlns:a16="http://schemas.microsoft.com/office/drawing/2014/main" xmlns="" id="{2EE480CA-0EC1-4AF7-9F30-F143FE83D99B}"/>
+                <a16:creationId xmlns="" xmlns:a16="http://schemas.microsoft.com/office/drawing/2014/main" id="{2EE480CA-0EC1-4AF7-9F30-F143FE83D99B}"/>
               </a:ext>
             </a:extLst>
           </p:cNvPr>
@@ -2050,7 +2046,7 @@
           <p:cNvPr id="6" name="Foliennummernplatzhalter 5">
             <a:extLst>
               <a:ext uri="{FF2B5EF4-FFF2-40B4-BE49-F238E27FC236}">
-                <a16:creationId xmlns:a16="http://schemas.microsoft.com/office/drawing/2014/main" xmlns="" id="{13337EC3-94DD-4B09-A484-F0141C1CB8B0}"/>
+                <a16:creationId xmlns="" xmlns:a16="http://schemas.microsoft.com/office/drawing/2014/main" id="{13337EC3-94DD-4B09-A484-F0141C1CB8B0}"/>
               </a:ext>
             </a:extLst>
           </p:cNvPr>
@@ -2117,7 +2113,7 @@
           <p:cNvPr id="2" name="Titel 1">
             <a:extLst>
               <a:ext uri="{FF2B5EF4-FFF2-40B4-BE49-F238E27FC236}">
-                <a16:creationId xmlns:a16="http://schemas.microsoft.com/office/drawing/2014/main" xmlns="" id="{CBDD584A-A976-4556-9716-DA9197EACC6F}"/>
+                <a16:creationId xmlns="" xmlns:a16="http://schemas.microsoft.com/office/drawing/2014/main" id="{CBDD584A-A976-4556-9716-DA9197EACC6F}"/>
               </a:ext>
             </a:extLst>
           </p:cNvPr>
@@ -2154,7 +2150,7 @@
           <p:cNvPr id="3" name="Textplatzhalter 2">
             <a:extLst>
               <a:ext uri="{FF2B5EF4-FFF2-40B4-BE49-F238E27FC236}">
-                <a16:creationId xmlns:a16="http://schemas.microsoft.com/office/drawing/2014/main" xmlns="" id="{C713F004-8C3B-4899-9F30-C6CC20E50B36}"/>
+                <a16:creationId xmlns="" xmlns:a16="http://schemas.microsoft.com/office/drawing/2014/main" id="{C713F004-8C3B-4899-9F30-C6CC20E50B36}"/>
               </a:ext>
             </a:extLst>
           </p:cNvPr>
@@ -2279,7 +2275,7 @@
           <p:cNvPr id="4" name="Datumsplatzhalter 3">
             <a:extLst>
               <a:ext uri="{FF2B5EF4-FFF2-40B4-BE49-F238E27FC236}">
-                <a16:creationId xmlns:a16="http://schemas.microsoft.com/office/drawing/2014/main" xmlns="" id="{B300BECA-2226-430E-B31A-3A70D7FB0DD4}"/>
+                <a16:creationId xmlns="" xmlns:a16="http://schemas.microsoft.com/office/drawing/2014/main" id="{B300BECA-2226-430E-B31A-3A70D7FB0DD4}"/>
               </a:ext>
             </a:extLst>
           </p:cNvPr>
@@ -2308,7 +2304,7 @@
           <p:cNvPr id="5" name="Fußzeilenplatzhalter 4">
             <a:extLst>
               <a:ext uri="{FF2B5EF4-FFF2-40B4-BE49-F238E27FC236}">
-                <a16:creationId xmlns:a16="http://schemas.microsoft.com/office/drawing/2014/main" xmlns="" id="{9D2C0B24-C4C7-4E3E-A30D-AD2B22A8CAC5}"/>
+                <a16:creationId xmlns="" xmlns:a16="http://schemas.microsoft.com/office/drawing/2014/main" id="{9D2C0B24-C4C7-4E3E-A30D-AD2B22A8CAC5}"/>
               </a:ext>
             </a:extLst>
           </p:cNvPr>
@@ -2341,7 +2337,7 @@
           <p:cNvPr id="6" name="Foliennummernplatzhalter 5">
             <a:extLst>
               <a:ext uri="{FF2B5EF4-FFF2-40B4-BE49-F238E27FC236}">
-                <a16:creationId xmlns:a16="http://schemas.microsoft.com/office/drawing/2014/main" xmlns="" id="{15EF3485-89F1-47E8-AB99-914FE8775138}"/>
+                <a16:creationId xmlns="" xmlns:a16="http://schemas.microsoft.com/office/drawing/2014/main" id="{15EF3485-89F1-47E8-AB99-914FE8775138}"/>
               </a:ext>
             </a:extLst>
           </p:cNvPr>
@@ -2408,7 +2404,7 @@
           <p:cNvPr id="2" name="Titel 1">
             <a:extLst>
               <a:ext uri="{FF2B5EF4-FFF2-40B4-BE49-F238E27FC236}">
-                <a16:creationId xmlns:a16="http://schemas.microsoft.com/office/drawing/2014/main" xmlns="" id="{6B45D284-4E4F-4976-80EC-400821F99BCF}"/>
+                <a16:creationId xmlns="" xmlns:a16="http://schemas.microsoft.com/office/drawing/2014/main" id="{6B45D284-4E4F-4976-80EC-400821F99BCF}"/>
               </a:ext>
             </a:extLst>
           </p:cNvPr>
@@ -2436,7 +2432,7 @@
           <p:cNvPr id="3" name="Inhaltsplatzhalter 2">
             <a:extLst>
               <a:ext uri="{FF2B5EF4-FFF2-40B4-BE49-F238E27FC236}">
-                <a16:creationId xmlns:a16="http://schemas.microsoft.com/office/drawing/2014/main" xmlns="" id="{61C980E4-B51F-4860-A848-EB6955BA36AF}"/>
+                <a16:creationId xmlns="" xmlns:a16="http://schemas.microsoft.com/office/drawing/2014/main" id="{61C980E4-B51F-4860-A848-EB6955BA36AF}"/>
               </a:ext>
             </a:extLst>
           </p:cNvPr>
@@ -2498,7 +2494,7 @@
           <p:cNvPr id="4" name="Inhaltsplatzhalter 3">
             <a:extLst>
               <a:ext uri="{FF2B5EF4-FFF2-40B4-BE49-F238E27FC236}">
-                <a16:creationId xmlns:a16="http://schemas.microsoft.com/office/drawing/2014/main" xmlns="" id="{8D7C296F-6044-4CF6-BBE5-CEA4560EEEB9}"/>
+                <a16:creationId xmlns="" xmlns:a16="http://schemas.microsoft.com/office/drawing/2014/main" id="{8D7C296F-6044-4CF6-BBE5-CEA4560EEEB9}"/>
               </a:ext>
             </a:extLst>
           </p:cNvPr>
@@ -2560,7 +2556,7 @@
           <p:cNvPr id="5" name="Datumsplatzhalter 4">
             <a:extLst>
               <a:ext uri="{FF2B5EF4-FFF2-40B4-BE49-F238E27FC236}">
-                <a16:creationId xmlns:a16="http://schemas.microsoft.com/office/drawing/2014/main" xmlns="" id="{F87A09FB-245D-407E-94D1-C81BBB221DC2}"/>
+                <a16:creationId xmlns="" xmlns:a16="http://schemas.microsoft.com/office/drawing/2014/main" id="{F87A09FB-245D-407E-94D1-C81BBB221DC2}"/>
               </a:ext>
             </a:extLst>
           </p:cNvPr>
@@ -2589,7 +2585,7 @@
           <p:cNvPr id="6" name="Fußzeilenplatzhalter 5">
             <a:extLst>
               <a:ext uri="{FF2B5EF4-FFF2-40B4-BE49-F238E27FC236}">
-                <a16:creationId xmlns:a16="http://schemas.microsoft.com/office/drawing/2014/main" xmlns="" id="{7713AD3F-FB16-4761-97DD-7D2895FBAF79}"/>
+                <a16:creationId xmlns="" xmlns:a16="http://schemas.microsoft.com/office/drawing/2014/main" id="{7713AD3F-FB16-4761-97DD-7D2895FBAF79}"/>
               </a:ext>
             </a:extLst>
           </p:cNvPr>
@@ -2622,7 +2618,7 @@
           <p:cNvPr id="7" name="Foliennummernplatzhalter 6">
             <a:extLst>
               <a:ext uri="{FF2B5EF4-FFF2-40B4-BE49-F238E27FC236}">
-                <a16:creationId xmlns:a16="http://schemas.microsoft.com/office/drawing/2014/main" xmlns="" id="{E08B0646-8FC5-4829-A454-55B654DBA3C4}"/>
+                <a16:creationId xmlns="" xmlns:a16="http://schemas.microsoft.com/office/drawing/2014/main" id="{E08B0646-8FC5-4829-A454-55B654DBA3C4}"/>
               </a:ext>
             </a:extLst>
           </p:cNvPr>
@@ -2689,7 +2685,7 @@
           <p:cNvPr id="2" name="Titel 1">
             <a:extLst>
               <a:ext uri="{FF2B5EF4-FFF2-40B4-BE49-F238E27FC236}">
-                <a16:creationId xmlns:a16="http://schemas.microsoft.com/office/drawing/2014/main" xmlns="" id="{87FFCFA6-D29A-4DD6-8A93-5742D6DB0521}"/>
+                <a16:creationId xmlns="" xmlns:a16="http://schemas.microsoft.com/office/drawing/2014/main" id="{87FFCFA6-D29A-4DD6-8A93-5742D6DB0521}"/>
               </a:ext>
             </a:extLst>
           </p:cNvPr>
@@ -2722,7 +2718,7 @@
           <p:cNvPr id="3" name="Textplatzhalter 2">
             <a:extLst>
               <a:ext uri="{FF2B5EF4-FFF2-40B4-BE49-F238E27FC236}">
-                <a16:creationId xmlns:a16="http://schemas.microsoft.com/office/drawing/2014/main" xmlns="" id="{52A062D5-F9A3-40F3-940E-784410DB79B5}"/>
+                <a16:creationId xmlns="" xmlns:a16="http://schemas.microsoft.com/office/drawing/2014/main" id="{52A062D5-F9A3-40F3-940E-784410DB79B5}"/>
               </a:ext>
             </a:extLst>
           </p:cNvPr>
@@ -2793,7 +2789,7 @@
           <p:cNvPr id="4" name="Inhaltsplatzhalter 3">
             <a:extLst>
               <a:ext uri="{FF2B5EF4-FFF2-40B4-BE49-F238E27FC236}">
-                <a16:creationId xmlns:a16="http://schemas.microsoft.com/office/drawing/2014/main" xmlns="" id="{0F2C725F-CDA6-419C-9990-237B92011EB3}"/>
+                <a16:creationId xmlns="" xmlns:a16="http://schemas.microsoft.com/office/drawing/2014/main" id="{0F2C725F-CDA6-419C-9990-237B92011EB3}"/>
               </a:ext>
             </a:extLst>
           </p:cNvPr>
@@ -2855,7 +2851,7 @@
           <p:cNvPr id="5" name="Textplatzhalter 4">
             <a:extLst>
               <a:ext uri="{FF2B5EF4-FFF2-40B4-BE49-F238E27FC236}">
-                <a16:creationId xmlns:a16="http://schemas.microsoft.com/office/drawing/2014/main" xmlns="" id="{57D0AB86-7ACC-4F81-BA1E-EABC81375E4C}"/>
+                <a16:creationId xmlns="" xmlns:a16="http://schemas.microsoft.com/office/drawing/2014/main" id="{57D0AB86-7ACC-4F81-BA1E-EABC81375E4C}"/>
               </a:ext>
             </a:extLst>
           </p:cNvPr>
@@ -2926,7 +2922,7 @@
           <p:cNvPr id="6" name="Inhaltsplatzhalter 5">
             <a:extLst>
               <a:ext uri="{FF2B5EF4-FFF2-40B4-BE49-F238E27FC236}">
-                <a16:creationId xmlns:a16="http://schemas.microsoft.com/office/drawing/2014/main" xmlns="" id="{1A5FCBEC-2F64-4023-881F-8C2D77F12391}"/>
+                <a16:creationId xmlns="" xmlns:a16="http://schemas.microsoft.com/office/drawing/2014/main" id="{1A5FCBEC-2F64-4023-881F-8C2D77F12391}"/>
               </a:ext>
             </a:extLst>
           </p:cNvPr>
@@ -2988,7 +2984,7 @@
           <p:cNvPr id="7" name="Datumsplatzhalter 6">
             <a:extLst>
               <a:ext uri="{FF2B5EF4-FFF2-40B4-BE49-F238E27FC236}">
-                <a16:creationId xmlns:a16="http://schemas.microsoft.com/office/drawing/2014/main" xmlns="" id="{1B579458-8146-4585-8116-8815B1984C10}"/>
+                <a16:creationId xmlns="" xmlns:a16="http://schemas.microsoft.com/office/drawing/2014/main" id="{1B579458-8146-4585-8116-8815B1984C10}"/>
               </a:ext>
             </a:extLst>
           </p:cNvPr>
@@ -3017,7 +3013,7 @@
           <p:cNvPr id="8" name="Fußzeilenplatzhalter 7">
             <a:extLst>
               <a:ext uri="{FF2B5EF4-FFF2-40B4-BE49-F238E27FC236}">
-                <a16:creationId xmlns:a16="http://schemas.microsoft.com/office/drawing/2014/main" xmlns="" id="{B8FE971A-3252-4BEE-AE2A-ED9DD64D786C}"/>
+                <a16:creationId xmlns="" xmlns:a16="http://schemas.microsoft.com/office/drawing/2014/main" id="{B8FE971A-3252-4BEE-AE2A-ED9DD64D786C}"/>
               </a:ext>
             </a:extLst>
           </p:cNvPr>
@@ -3050,7 +3046,7 @@
           <p:cNvPr id="9" name="Foliennummernplatzhalter 8">
             <a:extLst>
               <a:ext uri="{FF2B5EF4-FFF2-40B4-BE49-F238E27FC236}">
-                <a16:creationId xmlns:a16="http://schemas.microsoft.com/office/drawing/2014/main" xmlns="" id="{224F811E-098E-42CD-BF79-561DBDB14DE9}"/>
+                <a16:creationId xmlns="" xmlns:a16="http://schemas.microsoft.com/office/drawing/2014/main" id="{224F811E-098E-42CD-BF79-561DBDB14DE9}"/>
               </a:ext>
             </a:extLst>
           </p:cNvPr>
@@ -3117,7 +3113,7 @@
           <p:cNvPr id="2" name="Titel 1">
             <a:extLst>
               <a:ext uri="{FF2B5EF4-FFF2-40B4-BE49-F238E27FC236}">
-                <a16:creationId xmlns:a16="http://schemas.microsoft.com/office/drawing/2014/main" xmlns="" id="{466DE76C-FB01-463F-B2AD-A897695D3F41}"/>
+                <a16:creationId xmlns="" xmlns:a16="http://schemas.microsoft.com/office/drawing/2014/main" id="{466DE76C-FB01-463F-B2AD-A897695D3F41}"/>
               </a:ext>
             </a:extLst>
           </p:cNvPr>
@@ -3145,7 +3141,7 @@
           <p:cNvPr id="3" name="Datumsplatzhalter 2">
             <a:extLst>
               <a:ext uri="{FF2B5EF4-FFF2-40B4-BE49-F238E27FC236}">
-                <a16:creationId xmlns:a16="http://schemas.microsoft.com/office/drawing/2014/main" xmlns="" id="{6F7936C0-FCFE-4A57-9E63-31F514892227}"/>
+                <a16:creationId xmlns="" xmlns:a16="http://schemas.microsoft.com/office/drawing/2014/main" id="{6F7936C0-FCFE-4A57-9E63-31F514892227}"/>
               </a:ext>
             </a:extLst>
           </p:cNvPr>
@@ -3174,7 +3170,7 @@
           <p:cNvPr id="4" name="Fußzeilenplatzhalter 3">
             <a:extLst>
               <a:ext uri="{FF2B5EF4-FFF2-40B4-BE49-F238E27FC236}">
-                <a16:creationId xmlns:a16="http://schemas.microsoft.com/office/drawing/2014/main" xmlns="" id="{BF4C0BEA-1F74-43B8-B16A-0B93A98AF74A}"/>
+                <a16:creationId xmlns="" xmlns:a16="http://schemas.microsoft.com/office/drawing/2014/main" id="{BF4C0BEA-1F74-43B8-B16A-0B93A98AF74A}"/>
               </a:ext>
             </a:extLst>
           </p:cNvPr>
@@ -3202,7 +3198,7 @@
           <p:cNvPr id="5" name="Foliennummernplatzhalter 4">
             <a:extLst>
               <a:ext uri="{FF2B5EF4-FFF2-40B4-BE49-F238E27FC236}">
-                <a16:creationId xmlns:a16="http://schemas.microsoft.com/office/drawing/2014/main" xmlns="" id="{FDC612F2-A418-4792-A4B4-C0ABBAAB10A0}"/>
+                <a16:creationId xmlns="" xmlns:a16="http://schemas.microsoft.com/office/drawing/2014/main" id="{FDC612F2-A418-4792-A4B4-C0ABBAAB10A0}"/>
               </a:ext>
             </a:extLst>
           </p:cNvPr>
@@ -3269,7 +3265,7 @@
           <p:cNvPr id="2" name="Datumsplatzhalter 1">
             <a:extLst>
               <a:ext uri="{FF2B5EF4-FFF2-40B4-BE49-F238E27FC236}">
-                <a16:creationId xmlns:a16="http://schemas.microsoft.com/office/drawing/2014/main" xmlns="" id="{F1A16BA6-C843-4946-87C4-F009F9659E53}"/>
+                <a16:creationId xmlns="" xmlns:a16="http://schemas.microsoft.com/office/drawing/2014/main" id="{F1A16BA6-C843-4946-87C4-F009F9659E53}"/>
               </a:ext>
             </a:extLst>
           </p:cNvPr>
@@ -3298,7 +3294,7 @@
           <p:cNvPr id="3" name="Fußzeilenplatzhalter 2">
             <a:extLst>
               <a:ext uri="{FF2B5EF4-FFF2-40B4-BE49-F238E27FC236}">
-                <a16:creationId xmlns:a16="http://schemas.microsoft.com/office/drawing/2014/main" xmlns="" id="{74AD0BED-584B-4312-BC56-F22A5A97A8EA}"/>
+                <a16:creationId xmlns="" xmlns:a16="http://schemas.microsoft.com/office/drawing/2014/main" id="{74AD0BED-584B-4312-BC56-F22A5A97A8EA}"/>
               </a:ext>
             </a:extLst>
           </p:cNvPr>
@@ -3331,7 +3327,7 @@
           <p:cNvPr id="4" name="Foliennummernplatzhalter 3">
             <a:extLst>
               <a:ext uri="{FF2B5EF4-FFF2-40B4-BE49-F238E27FC236}">
-                <a16:creationId xmlns:a16="http://schemas.microsoft.com/office/drawing/2014/main" xmlns="" id="{ECAC19A7-F328-409E-92C0-6618959AF8AB}"/>
+                <a16:creationId xmlns="" xmlns:a16="http://schemas.microsoft.com/office/drawing/2014/main" id="{ECAC19A7-F328-409E-92C0-6618959AF8AB}"/>
               </a:ext>
             </a:extLst>
           </p:cNvPr>
@@ -3398,7 +3394,7 @@
           <p:cNvPr id="2" name="Titel 1">
             <a:extLst>
               <a:ext uri="{FF2B5EF4-FFF2-40B4-BE49-F238E27FC236}">
-                <a16:creationId xmlns:a16="http://schemas.microsoft.com/office/drawing/2014/main" xmlns="" id="{36B5D893-6A5A-4F5D-9559-23E40882374B}"/>
+                <a16:creationId xmlns="" xmlns:a16="http://schemas.microsoft.com/office/drawing/2014/main" id="{36B5D893-6A5A-4F5D-9559-23E40882374B}"/>
               </a:ext>
             </a:extLst>
           </p:cNvPr>
@@ -3435,7 +3431,7 @@
           <p:cNvPr id="3" name="Inhaltsplatzhalter 2">
             <a:extLst>
               <a:ext uri="{FF2B5EF4-FFF2-40B4-BE49-F238E27FC236}">
-                <a16:creationId xmlns:a16="http://schemas.microsoft.com/office/drawing/2014/main" xmlns="" id="{46211E4B-EF89-4D03-A97A-6EB546C0498D}"/>
+                <a16:creationId xmlns="" xmlns:a16="http://schemas.microsoft.com/office/drawing/2014/main" id="{46211E4B-EF89-4D03-A97A-6EB546C0498D}"/>
               </a:ext>
             </a:extLst>
           </p:cNvPr>
@@ -3525,7 +3521,7 @@
           <p:cNvPr id="4" name="Textplatzhalter 3">
             <a:extLst>
               <a:ext uri="{FF2B5EF4-FFF2-40B4-BE49-F238E27FC236}">
-                <a16:creationId xmlns:a16="http://schemas.microsoft.com/office/drawing/2014/main" xmlns="" id="{D4BEF54F-E067-4073-A803-29399235D78F}"/>
+                <a16:creationId xmlns="" xmlns:a16="http://schemas.microsoft.com/office/drawing/2014/main" id="{D4BEF54F-E067-4073-A803-29399235D78F}"/>
               </a:ext>
             </a:extLst>
           </p:cNvPr>
@@ -3596,7 +3592,7 @@
           <p:cNvPr id="5" name="Datumsplatzhalter 4">
             <a:extLst>
               <a:ext uri="{FF2B5EF4-FFF2-40B4-BE49-F238E27FC236}">
-                <a16:creationId xmlns:a16="http://schemas.microsoft.com/office/drawing/2014/main" xmlns="" id="{FF25F891-DBFE-4A5B-99B6-66F48C54174B}"/>
+                <a16:creationId xmlns="" xmlns:a16="http://schemas.microsoft.com/office/drawing/2014/main" id="{FF25F891-DBFE-4A5B-99B6-66F48C54174B}"/>
               </a:ext>
             </a:extLst>
           </p:cNvPr>
@@ -3625,7 +3621,7 @@
           <p:cNvPr id="6" name="Fußzeilenplatzhalter 5">
             <a:extLst>
               <a:ext uri="{FF2B5EF4-FFF2-40B4-BE49-F238E27FC236}">
-                <a16:creationId xmlns:a16="http://schemas.microsoft.com/office/drawing/2014/main" xmlns="" id="{C508CE39-F26E-4C31-84CD-D89EC83686D4}"/>
+                <a16:creationId xmlns="" xmlns:a16="http://schemas.microsoft.com/office/drawing/2014/main" id="{C508CE39-F26E-4C31-84CD-D89EC83686D4}"/>
               </a:ext>
             </a:extLst>
           </p:cNvPr>
@@ -3658,7 +3654,7 @@
           <p:cNvPr id="7" name="Foliennummernplatzhalter 6">
             <a:extLst>
               <a:ext uri="{FF2B5EF4-FFF2-40B4-BE49-F238E27FC236}">
-                <a16:creationId xmlns:a16="http://schemas.microsoft.com/office/drawing/2014/main" xmlns="" id="{5E1B48FE-614D-4BF1-8C39-73558F055C10}"/>
+                <a16:creationId xmlns="" xmlns:a16="http://schemas.microsoft.com/office/drawing/2014/main" id="{5E1B48FE-614D-4BF1-8C39-73558F055C10}"/>
               </a:ext>
             </a:extLst>
           </p:cNvPr>
@@ -3725,7 +3721,7 @@
           <p:cNvPr id="2" name="Titel 1">
             <a:extLst>
               <a:ext uri="{FF2B5EF4-FFF2-40B4-BE49-F238E27FC236}">
-                <a16:creationId xmlns:a16="http://schemas.microsoft.com/office/drawing/2014/main" xmlns="" id="{F9563009-E30B-45AC-BDD7-44EA72F78222}"/>
+                <a16:creationId xmlns="" xmlns:a16="http://schemas.microsoft.com/office/drawing/2014/main" id="{F9563009-E30B-45AC-BDD7-44EA72F78222}"/>
               </a:ext>
             </a:extLst>
           </p:cNvPr>
@@ -3762,7 +3758,7 @@
           <p:cNvPr id="3" name="Bildplatzhalter 2">
             <a:extLst>
               <a:ext uri="{FF2B5EF4-FFF2-40B4-BE49-F238E27FC236}">
-                <a16:creationId xmlns:a16="http://schemas.microsoft.com/office/drawing/2014/main" xmlns="" id="{11F2FF9F-8E72-4929-BF76-ED1330B5F674}"/>
+                <a16:creationId xmlns="" xmlns:a16="http://schemas.microsoft.com/office/drawing/2014/main" id="{11F2FF9F-8E72-4929-BF76-ED1330B5F674}"/>
               </a:ext>
             </a:extLst>
           </p:cNvPr>
@@ -3829,7 +3825,7 @@
           <p:cNvPr id="4" name="Textplatzhalter 3">
             <a:extLst>
               <a:ext uri="{FF2B5EF4-FFF2-40B4-BE49-F238E27FC236}">
-                <a16:creationId xmlns:a16="http://schemas.microsoft.com/office/drawing/2014/main" xmlns="" id="{4A21AA90-B6A3-4F03-A71E-8D4EFEBB4E8A}"/>
+                <a16:creationId xmlns="" xmlns:a16="http://schemas.microsoft.com/office/drawing/2014/main" id="{4A21AA90-B6A3-4F03-A71E-8D4EFEBB4E8A}"/>
               </a:ext>
             </a:extLst>
           </p:cNvPr>
@@ -3900,7 +3896,7 @@
           <p:cNvPr id="5" name="Datumsplatzhalter 4">
             <a:extLst>
               <a:ext uri="{FF2B5EF4-FFF2-40B4-BE49-F238E27FC236}">
-                <a16:creationId xmlns:a16="http://schemas.microsoft.com/office/drawing/2014/main" xmlns="" id="{B9A970BA-F10E-430D-9B5F-218F0B6AAD68}"/>
+                <a16:creationId xmlns="" xmlns:a16="http://schemas.microsoft.com/office/drawing/2014/main" id="{B9A970BA-F10E-430D-9B5F-218F0B6AAD68}"/>
               </a:ext>
             </a:extLst>
           </p:cNvPr>
@@ -3929,7 +3925,7 @@
           <p:cNvPr id="6" name="Fußzeilenplatzhalter 5">
             <a:extLst>
               <a:ext uri="{FF2B5EF4-FFF2-40B4-BE49-F238E27FC236}">
-                <a16:creationId xmlns:a16="http://schemas.microsoft.com/office/drawing/2014/main" xmlns="" id="{A141BF1C-61CE-44FF-8ABE-F08D6373AD97}"/>
+                <a16:creationId xmlns="" xmlns:a16="http://schemas.microsoft.com/office/drawing/2014/main" id="{A141BF1C-61CE-44FF-8ABE-F08D6373AD97}"/>
               </a:ext>
             </a:extLst>
           </p:cNvPr>
@@ -3962,7 +3958,7 @@
           <p:cNvPr id="7" name="Foliennummernplatzhalter 6">
             <a:extLst>
               <a:ext uri="{FF2B5EF4-FFF2-40B4-BE49-F238E27FC236}">
-                <a16:creationId xmlns:a16="http://schemas.microsoft.com/office/drawing/2014/main" xmlns="" id="{E76983E8-6FBA-42E6-85DE-B77806E23CA0}"/>
+                <a16:creationId xmlns="" xmlns:a16="http://schemas.microsoft.com/office/drawing/2014/main" id="{E76983E8-6FBA-42E6-85DE-B77806E23CA0}"/>
               </a:ext>
             </a:extLst>
           </p:cNvPr>
@@ -4034,7 +4030,7 @@
           <p:cNvPr id="2" name="Titelplatzhalter 1">
             <a:extLst>
               <a:ext uri="{FF2B5EF4-FFF2-40B4-BE49-F238E27FC236}">
-                <a16:creationId xmlns:a16="http://schemas.microsoft.com/office/drawing/2014/main" xmlns="" id="{F1B54F3D-85D6-4E2A-A184-2AD8788616C7}"/>
+                <a16:creationId xmlns="" xmlns:a16="http://schemas.microsoft.com/office/drawing/2014/main" id="{F1B54F3D-85D6-4E2A-A184-2AD8788616C7}"/>
               </a:ext>
             </a:extLst>
           </p:cNvPr>
@@ -4072,7 +4068,7 @@
           <p:cNvPr id="3" name="Textplatzhalter 2">
             <a:extLst>
               <a:ext uri="{FF2B5EF4-FFF2-40B4-BE49-F238E27FC236}">
-                <a16:creationId xmlns:a16="http://schemas.microsoft.com/office/drawing/2014/main" xmlns="" id="{62C62B55-DAE8-4571-9836-D8A9517A6717}"/>
+                <a16:creationId xmlns="" xmlns:a16="http://schemas.microsoft.com/office/drawing/2014/main" id="{62C62B55-DAE8-4571-9836-D8A9517A6717}"/>
               </a:ext>
             </a:extLst>
           </p:cNvPr>
@@ -4139,7 +4135,7 @@
           <p:cNvPr id="4" name="Datumsplatzhalter 3">
             <a:extLst>
               <a:ext uri="{FF2B5EF4-FFF2-40B4-BE49-F238E27FC236}">
-                <a16:creationId xmlns:a16="http://schemas.microsoft.com/office/drawing/2014/main" xmlns="" id="{202396F9-D19B-4197-A727-060829339B6B}"/>
+                <a16:creationId xmlns="" xmlns:a16="http://schemas.microsoft.com/office/drawing/2014/main" id="{202396F9-D19B-4197-A727-060829339B6B}"/>
               </a:ext>
             </a:extLst>
           </p:cNvPr>
@@ -4186,7 +4182,7 @@
           <p:cNvPr id="5" name="Fußzeilenplatzhalter 4">
             <a:extLst>
               <a:ext uri="{FF2B5EF4-FFF2-40B4-BE49-F238E27FC236}">
-                <a16:creationId xmlns:a16="http://schemas.microsoft.com/office/drawing/2014/main" xmlns="" id="{B1EA6A1B-5C13-45F1-9B85-4169FD91138A}"/>
+                <a16:creationId xmlns="" xmlns:a16="http://schemas.microsoft.com/office/drawing/2014/main" id="{B1EA6A1B-5C13-45F1-9B85-4169FD91138A}"/>
               </a:ext>
             </a:extLst>
           </p:cNvPr>
@@ -4237,7 +4233,7 @@
           <p:cNvPr id="7" name="Grafik 6">
             <a:extLst>
               <a:ext uri="{FF2B5EF4-FFF2-40B4-BE49-F238E27FC236}">
-                <a16:creationId xmlns:a16="http://schemas.microsoft.com/office/drawing/2014/main" xmlns="" id="{C59B35B2-0CE6-4FF9-984D-F5719598069C}"/>
+                <a16:creationId xmlns="" xmlns:a16="http://schemas.microsoft.com/office/drawing/2014/main" id="{C59B35B2-0CE6-4FF9-984D-F5719598069C}"/>
               </a:ext>
             </a:extLst>
           </p:cNvPr>
@@ -4273,7 +4269,7 @@
           <p:cNvPr id="8" name="Foliennummernplatzhalter 7">
             <a:extLst>
               <a:ext uri="{FF2B5EF4-FFF2-40B4-BE49-F238E27FC236}">
-                <a16:creationId xmlns:a16="http://schemas.microsoft.com/office/drawing/2014/main" xmlns="" id="{8B9E18AC-CAF1-4471-BF04-547435D80DDB}"/>
+                <a16:creationId xmlns="" xmlns:a16="http://schemas.microsoft.com/office/drawing/2014/main" id="{8B9E18AC-CAF1-4471-BF04-547435D80DDB}"/>
               </a:ext>
             </a:extLst>
           </p:cNvPr>
@@ -4642,7 +4638,7 @@
           <p:cNvPr id="2" name="Titel 1">
             <a:extLst>
               <a:ext uri="{FF2B5EF4-FFF2-40B4-BE49-F238E27FC236}">
-                <a16:creationId xmlns:a16="http://schemas.microsoft.com/office/drawing/2014/main" xmlns="" id="{19B6AC69-F81D-4459-ACD2-8110FA9FCE24}"/>
+                <a16:creationId xmlns="" xmlns:a16="http://schemas.microsoft.com/office/drawing/2014/main" id="{19B6AC69-F81D-4459-ACD2-8110FA9FCE24}"/>
               </a:ext>
             </a:extLst>
           </p:cNvPr>
@@ -4670,7 +4666,7 @@
           <p:cNvPr id="3" name="Untertitel 2">
             <a:extLst>
               <a:ext uri="{FF2B5EF4-FFF2-40B4-BE49-F238E27FC236}">
-                <a16:creationId xmlns:a16="http://schemas.microsoft.com/office/drawing/2014/main" xmlns="" id="{13737FBA-E6BC-4517-8A74-4336C01F7072}"/>
+                <a16:creationId xmlns="" xmlns:a16="http://schemas.microsoft.com/office/drawing/2014/main" id="{13737FBA-E6BC-4517-8A74-4336C01F7072}"/>
               </a:ext>
             </a:extLst>
           </p:cNvPr>
@@ -4789,809 +4785,6 @@
           <a:lstStyle/>
           <a:p>
             <a:r>
-              <a:rPr lang="en-US" dirty="0" smtClean="0"/>
-              <a:t>This Sprint</a:t>
-            </a:r>
-            <a:endParaRPr lang="en-US" dirty="0"/>
-          </a:p>
-        </p:txBody>
-      </p:sp>
-      <p:sp>
-        <p:nvSpPr>
-          <p:cNvPr id="3" name="Espace réservé du contenu 2"/>
-          <p:cNvSpPr>
-            <a:spLocks noGrp="1"/>
-          </p:cNvSpPr>
-          <p:nvPr>
-            <p:ph idx="1"/>
-          </p:nvPr>
-        </p:nvSpPr>
-        <p:spPr/>
-        <p:txBody>
-          <a:bodyPr/>
-          <a:lstStyle/>
-          <a:p>
-            <a:r>
-              <a:rPr lang="en-US" dirty="0" smtClean="0"/>
-              <a:t>Read </a:t>
-            </a:r>
-            <a:r>
-              <a:rPr lang="en-US" dirty="0" err="1" smtClean="0"/>
-              <a:t>Raschka</a:t>
-            </a:r>
-            <a:r>
-              <a:rPr lang="en-US" dirty="0" smtClean="0"/>
-              <a:t> book (Python Machine Learning). </a:t>
-            </a:r>
-          </a:p>
-          <a:p>
-            <a:r>
-              <a:rPr lang="en-US" dirty="0" smtClean="0"/>
-              <a:t>Read the report of the previous semester.</a:t>
-            </a:r>
-          </a:p>
-          <a:p>
-            <a:r>
-              <a:rPr lang="en-US" dirty="0" smtClean="0"/>
-              <a:t>Understanding the different algorithms of ML.</a:t>
-            </a:r>
-          </a:p>
-          <a:p>
-            <a:r>
-              <a:rPr lang="en-US" dirty="0" smtClean="0"/>
-              <a:t>Making familiar with the working environment and the existing code.</a:t>
-            </a:r>
-          </a:p>
-          <a:p>
-            <a:endParaRPr lang="en-US" dirty="0" smtClean="0"/>
-          </a:p>
-        </p:txBody>
-      </p:sp>
-      <p:sp>
-        <p:nvSpPr>
-          <p:cNvPr id="4" name="Espace réservé de la date 3"/>
-          <p:cNvSpPr>
-            <a:spLocks noGrp="1"/>
-          </p:cNvSpPr>
-          <p:nvPr>
-            <p:ph type="dt" sz="half" idx="10"/>
-          </p:nvPr>
-        </p:nvSpPr>
-        <p:spPr/>
-        <p:txBody>
-          <a:bodyPr/>
-          <a:lstStyle/>
-          <a:p>
-            <a:fld id="{C0D11AC0-B5D5-4B5F-9ECB-B7E6CF8984ED}" type="datetime1">
-              <a:rPr lang="de-DE" smtClean="0"/>
-              <a:t>23.04.2020</a:t>
-            </a:fld>
-            <a:endParaRPr lang="de-DE"/>
-          </a:p>
-        </p:txBody>
-      </p:sp>
-      <p:sp>
-        <p:nvSpPr>
-          <p:cNvPr id="5" name="Espace réservé du pied de page 4"/>
-          <p:cNvSpPr>
-            <a:spLocks noGrp="1"/>
-          </p:cNvSpPr>
-          <p:nvPr>
-            <p:ph type="ftr" sz="quarter" idx="11"/>
-          </p:nvPr>
-        </p:nvSpPr>
-        <p:spPr/>
-        <p:txBody>
-          <a:bodyPr/>
-          <a:lstStyle/>
-          <a:p>
-            <a:endParaRPr lang="de-DE" dirty="0"/>
-          </a:p>
-        </p:txBody>
-      </p:sp>
-      <p:sp>
-        <p:nvSpPr>
-          <p:cNvPr id="6" name="Espace réservé du numéro de diapositive 5"/>
-          <p:cNvSpPr>
-            <a:spLocks noGrp="1"/>
-          </p:cNvSpPr>
-          <p:nvPr>
-            <p:ph type="sldNum" sz="quarter" idx="12"/>
-          </p:nvPr>
-        </p:nvSpPr>
-        <p:spPr/>
-        <p:txBody>
-          <a:bodyPr/>
-          <a:lstStyle/>
-          <a:p>
-            <a:fld id="{9A48FC86-4651-46AF-9E4A-D3FC30E17613}" type="slidenum">
-              <a:rPr lang="de-DE" smtClean="0"/>
-              <a:t>2</a:t>
-            </a:fld>
-            <a:endParaRPr lang="de-DE"/>
-          </a:p>
-        </p:txBody>
-      </p:sp>
-    </p:spTree>
-    <p:extLst>
-      <p:ext uri="{BB962C8B-B14F-4D97-AF65-F5344CB8AC3E}">
-        <p14:creationId xmlns:p14="http://schemas.microsoft.com/office/powerpoint/2010/main" val="321940152"/>
-      </p:ext>
-    </p:extLst>
-  </p:cSld>
-  <p:clrMapOvr>
-    <a:masterClrMapping/>
-  </p:clrMapOvr>
-</p:sld>
-</file>
-
-<file path=ppt/slides/slide3.xml><?xml version="1.0" encoding="utf-8"?>
-<p:sld xmlns:a="http://schemas.openxmlformats.org/drawingml/2006/main" xmlns:r="http://schemas.openxmlformats.org/officeDocument/2006/relationships" xmlns:p="http://schemas.openxmlformats.org/presentationml/2006/main">
-  <p:cSld>
-    <p:spTree>
-      <p:nvGrpSpPr>
-        <p:cNvPr id="1" name=""/>
-        <p:cNvGrpSpPr/>
-        <p:nvPr/>
-      </p:nvGrpSpPr>
-      <p:grpSpPr>
-        <a:xfrm>
-          <a:off x="0" y="0"/>
-          <a:ext cx="0" cy="0"/>
-          <a:chOff x="0" y="0"/>
-          <a:chExt cx="0" cy="0"/>
-        </a:xfrm>
-      </p:grpSpPr>
-      <p:sp>
-        <p:nvSpPr>
-          <p:cNvPr id="2" name="Titre 1"/>
-          <p:cNvSpPr>
-            <a:spLocks noGrp="1"/>
-          </p:cNvSpPr>
-          <p:nvPr>
-            <p:ph type="title"/>
-          </p:nvPr>
-        </p:nvSpPr>
-        <p:spPr/>
-        <p:txBody>
-          <a:bodyPr/>
-          <a:lstStyle/>
-          <a:p>
-            <a:r>
-              <a:rPr lang="en-US" dirty="0" smtClean="0"/>
-              <a:t>This Sprint</a:t>
-            </a:r>
-            <a:endParaRPr lang="en-US" dirty="0"/>
-          </a:p>
-        </p:txBody>
-      </p:sp>
-      <p:sp>
-        <p:nvSpPr>
-          <p:cNvPr id="3" name="Espace réservé du contenu 2"/>
-          <p:cNvSpPr>
-            <a:spLocks noGrp="1"/>
-          </p:cNvSpPr>
-          <p:nvPr>
-            <p:ph idx="1"/>
-          </p:nvPr>
-        </p:nvSpPr>
-        <p:spPr/>
-        <p:txBody>
-          <a:bodyPr/>
-          <a:lstStyle/>
-          <a:p>
-            <a:r>
-              <a:rPr lang="en-US" dirty="0" smtClean="0"/>
-              <a:t>Adding </a:t>
-            </a:r>
-            <a:r>
-              <a:rPr lang="en-US" dirty="0"/>
-              <a:t>more statistical tools</a:t>
-            </a:r>
-            <a:endParaRPr lang="en-US" dirty="0" smtClean="0"/>
-          </a:p>
-          <a:p>
-            <a:r>
-              <a:rPr lang="en-US" dirty="0" smtClean="0"/>
-              <a:t>Select </a:t>
-            </a:r>
-            <a:r>
-              <a:rPr lang="en-US" dirty="0"/>
-              <a:t>the best </a:t>
-            </a:r>
-            <a:r>
-              <a:rPr lang="en-US" dirty="0" smtClean="0"/>
-              <a:t>model</a:t>
-            </a:r>
-          </a:p>
-          <a:p>
-            <a:r>
-              <a:rPr lang="en-US" dirty="0" smtClean="0"/>
-              <a:t>Implement </a:t>
-            </a:r>
-            <a:r>
-              <a:rPr lang="en-US" dirty="0"/>
-              <a:t>the </a:t>
-            </a:r>
-            <a:r>
-              <a:rPr lang="en-US" dirty="0" smtClean="0"/>
-              <a:t>frontend</a:t>
-            </a:r>
-          </a:p>
-          <a:p>
-            <a:r>
-              <a:rPr lang="en-US" dirty="0" smtClean="0"/>
-              <a:t>Implement simple backend</a:t>
-            </a:r>
-          </a:p>
-          <a:p>
-            <a:endParaRPr lang="en-US" dirty="0"/>
-          </a:p>
-          <a:p>
-            <a:endParaRPr lang="en-US" dirty="0"/>
-          </a:p>
-        </p:txBody>
-      </p:sp>
-      <p:sp>
-        <p:nvSpPr>
-          <p:cNvPr id="4" name="Espace réservé de la date 3"/>
-          <p:cNvSpPr>
-            <a:spLocks noGrp="1"/>
-          </p:cNvSpPr>
-          <p:nvPr>
-            <p:ph type="dt" sz="half" idx="10"/>
-          </p:nvPr>
-        </p:nvSpPr>
-        <p:spPr/>
-        <p:txBody>
-          <a:bodyPr/>
-          <a:lstStyle/>
-          <a:p>
-            <a:fld id="{C0D11AC0-B5D5-4B5F-9ECB-B7E6CF8984ED}" type="datetime1">
-              <a:rPr lang="de-DE" smtClean="0"/>
-              <a:t>23.04.2020</a:t>
-            </a:fld>
-            <a:endParaRPr lang="de-DE"/>
-          </a:p>
-        </p:txBody>
-      </p:sp>
-      <p:sp>
-        <p:nvSpPr>
-          <p:cNvPr id="5" name="Espace réservé du pied de page 4"/>
-          <p:cNvSpPr>
-            <a:spLocks noGrp="1"/>
-          </p:cNvSpPr>
-          <p:nvPr>
-            <p:ph type="ftr" sz="quarter" idx="11"/>
-          </p:nvPr>
-        </p:nvSpPr>
-        <p:spPr/>
-        <p:txBody>
-          <a:bodyPr/>
-          <a:lstStyle/>
-          <a:p>
-            <a:endParaRPr lang="de-DE" dirty="0"/>
-          </a:p>
-        </p:txBody>
-      </p:sp>
-      <p:sp>
-        <p:nvSpPr>
-          <p:cNvPr id="6" name="Espace réservé du numéro de diapositive 5"/>
-          <p:cNvSpPr>
-            <a:spLocks noGrp="1"/>
-          </p:cNvSpPr>
-          <p:nvPr>
-            <p:ph type="sldNum" sz="quarter" idx="12"/>
-          </p:nvPr>
-        </p:nvSpPr>
-        <p:spPr/>
-        <p:txBody>
-          <a:bodyPr/>
-          <a:lstStyle/>
-          <a:p>
-            <a:fld id="{9A48FC86-4651-46AF-9E4A-D3FC30E17613}" type="slidenum">
-              <a:rPr lang="de-DE" smtClean="0"/>
-              <a:t>3</a:t>
-            </a:fld>
-            <a:endParaRPr lang="de-DE"/>
-          </a:p>
-        </p:txBody>
-      </p:sp>
-    </p:spTree>
-    <p:extLst>
-      <p:ext uri="{BB962C8B-B14F-4D97-AF65-F5344CB8AC3E}">
-        <p14:creationId xmlns:p14="http://schemas.microsoft.com/office/powerpoint/2010/main" val="422790374"/>
-      </p:ext>
-    </p:extLst>
-  </p:cSld>
-  <p:clrMapOvr>
-    <a:masterClrMapping/>
-  </p:clrMapOvr>
-</p:sld>
-</file>
-
-<file path=ppt/slides/slide4.xml><?xml version="1.0" encoding="utf-8"?>
-<p:sld xmlns:a="http://schemas.openxmlformats.org/drawingml/2006/main" xmlns:r="http://schemas.openxmlformats.org/officeDocument/2006/relationships" xmlns:p="http://schemas.openxmlformats.org/presentationml/2006/main">
-  <p:cSld>
-    <p:spTree>
-      <p:nvGrpSpPr>
-        <p:cNvPr id="1" name=""/>
-        <p:cNvGrpSpPr/>
-        <p:nvPr/>
-      </p:nvGrpSpPr>
-      <p:grpSpPr>
-        <a:xfrm>
-          <a:off x="0" y="0"/>
-          <a:ext cx="0" cy="0"/>
-          <a:chOff x="0" y="0"/>
-          <a:chExt cx="0" cy="0"/>
-        </a:xfrm>
-      </p:grpSpPr>
-      <p:sp>
-        <p:nvSpPr>
-          <p:cNvPr id="2" name="Titre 1"/>
-          <p:cNvSpPr>
-            <a:spLocks noGrp="1"/>
-          </p:cNvSpPr>
-          <p:nvPr>
-            <p:ph type="title"/>
-          </p:nvPr>
-        </p:nvSpPr>
-        <p:spPr/>
-        <p:txBody>
-          <a:bodyPr/>
-          <a:lstStyle/>
-          <a:p>
-            <a:r>
-              <a:rPr lang="en-US" dirty="0" smtClean="0"/>
-              <a:t>Model</a:t>
-            </a:r>
-            <a:endParaRPr lang="en-US" dirty="0"/>
-          </a:p>
-        </p:txBody>
-      </p:sp>
-      <p:sp>
-        <p:nvSpPr>
-          <p:cNvPr id="3" name="Espace réservé du contenu 2"/>
-          <p:cNvSpPr>
-            <a:spLocks noGrp="1"/>
-          </p:cNvSpPr>
-          <p:nvPr>
-            <p:ph idx="1"/>
-          </p:nvPr>
-        </p:nvSpPr>
-        <p:spPr/>
-        <p:txBody>
-          <a:bodyPr>
-            <a:normAutofit fontScale="92500" lnSpcReduction="20000"/>
-          </a:bodyPr>
-          <a:lstStyle/>
-          <a:p>
-            <a:r>
-              <a:rPr lang="en-US" dirty="0"/>
-              <a:t>Adding more statistical </a:t>
-            </a:r>
-            <a:r>
-              <a:rPr lang="en-US" dirty="0" smtClean="0"/>
-              <a:t>tools (accuracy, Loss, Mean Absolute Error, Mean Absolute Percentage Error and Mean Square Error)</a:t>
-            </a:r>
-            <a:endParaRPr lang="en-US" dirty="0"/>
-          </a:p>
-          <a:p>
-            <a:r>
-              <a:rPr lang="en-US" dirty="0"/>
-              <a:t>Select the best model </a:t>
-            </a:r>
-            <a:r>
-              <a:rPr lang="en-US" dirty="0" smtClean="0"/>
-              <a:t>(model02_H3_M)</a:t>
-            </a:r>
-          </a:p>
-          <a:p>
-            <a:pPr lvl="1"/>
-            <a:r>
-              <a:rPr lang="en-US" dirty="0" smtClean="0"/>
-              <a:t>Option 2: 21 features</a:t>
-            </a:r>
-          </a:p>
-          <a:p>
-            <a:pPr lvl="1"/>
-            <a:r>
-              <a:rPr lang="en-US" dirty="0" smtClean="0"/>
-              <a:t>3 </a:t>
-            </a:r>
-            <a:r>
-              <a:rPr lang="en-US" dirty="0"/>
-              <a:t>Hidden </a:t>
-            </a:r>
-            <a:r>
-              <a:rPr lang="en-US" dirty="0" smtClean="0"/>
-              <a:t>Layers</a:t>
-            </a:r>
-          </a:p>
-          <a:p>
-            <a:pPr lvl="1"/>
-            <a:r>
-              <a:rPr lang="en-US" dirty="0"/>
-              <a:t>Medium Amount of </a:t>
-            </a:r>
-            <a:r>
-              <a:rPr lang="en-US" dirty="0" smtClean="0"/>
-              <a:t>Neurons: 12 </a:t>
-            </a:r>
-            <a:r>
-              <a:rPr lang="en-US" dirty="0"/>
-              <a:t>Neurons </a:t>
-            </a:r>
-            <a:r>
-              <a:rPr lang="en-US" dirty="0" smtClean="0"/>
-              <a:t>in each hidden layer</a:t>
-            </a:r>
-          </a:p>
-          <a:p>
-            <a:pPr lvl="1"/>
-            <a:r>
-              <a:rPr lang="de-DE" dirty="0">
-                <a:ea typeface="+mn-lt"/>
-                <a:cs typeface="+mn-lt"/>
-              </a:rPr>
-              <a:t>Test </a:t>
-            </a:r>
-            <a:r>
-              <a:rPr lang="de-DE" dirty="0" err="1">
-                <a:ea typeface="+mn-lt"/>
-                <a:cs typeface="+mn-lt"/>
-              </a:rPr>
-              <a:t>set</a:t>
-            </a:r>
-            <a:r>
-              <a:rPr lang="de-DE" dirty="0">
-                <a:ea typeface="+mn-lt"/>
-                <a:cs typeface="+mn-lt"/>
-              </a:rPr>
-              <a:t> </a:t>
-            </a:r>
-            <a:r>
-              <a:rPr lang="de-DE" dirty="0" smtClean="0">
-                <a:ea typeface="+mn-lt"/>
-                <a:cs typeface="+mn-lt"/>
-              </a:rPr>
-              <a:t>(10%), Training </a:t>
-            </a:r>
-            <a:r>
-              <a:rPr lang="de-DE" dirty="0" err="1">
-                <a:ea typeface="+mn-lt"/>
-                <a:cs typeface="+mn-lt"/>
-              </a:rPr>
-              <a:t>set</a:t>
-            </a:r>
-            <a:r>
-              <a:rPr lang="de-DE" dirty="0">
-                <a:ea typeface="+mn-lt"/>
-                <a:cs typeface="+mn-lt"/>
-              </a:rPr>
-              <a:t> (80% </a:t>
-            </a:r>
-            <a:r>
-              <a:rPr lang="de-DE" dirty="0" err="1">
-                <a:ea typeface="+mn-lt"/>
-                <a:cs typeface="+mn-lt"/>
-              </a:rPr>
-              <a:t>of</a:t>
-            </a:r>
-            <a:r>
-              <a:rPr lang="de-DE" dirty="0">
-                <a:ea typeface="+mn-lt"/>
-                <a:cs typeface="+mn-lt"/>
-              </a:rPr>
-              <a:t> </a:t>
-            </a:r>
-            <a:r>
-              <a:rPr lang="de-DE" dirty="0" err="1">
-                <a:ea typeface="+mn-lt"/>
-                <a:cs typeface="+mn-lt"/>
-              </a:rPr>
-              <a:t>the</a:t>
-            </a:r>
-            <a:r>
-              <a:rPr lang="de-DE" dirty="0">
-                <a:ea typeface="+mn-lt"/>
-                <a:cs typeface="+mn-lt"/>
-              </a:rPr>
-              <a:t> </a:t>
-            </a:r>
-            <a:r>
-              <a:rPr lang="de-DE" dirty="0" err="1">
-                <a:ea typeface="+mn-lt"/>
-                <a:cs typeface="+mn-lt"/>
-              </a:rPr>
-              <a:t>remaining</a:t>
-            </a:r>
-            <a:r>
-              <a:rPr lang="de-DE" dirty="0">
-                <a:ea typeface="+mn-lt"/>
-                <a:cs typeface="+mn-lt"/>
-              </a:rPr>
-              <a:t> </a:t>
-            </a:r>
-            <a:r>
-              <a:rPr lang="de-DE" dirty="0" smtClean="0">
-                <a:ea typeface="+mn-lt"/>
-                <a:cs typeface="+mn-lt"/>
-              </a:rPr>
-              <a:t>90%) </a:t>
-            </a:r>
-            <a:r>
-              <a:rPr lang="de-DE" dirty="0" err="1">
-                <a:ea typeface="+mn-lt"/>
-                <a:cs typeface="+mn-lt"/>
-              </a:rPr>
-              <a:t>and</a:t>
-            </a:r>
-            <a:r>
-              <a:rPr lang="de-DE" dirty="0">
-                <a:ea typeface="+mn-lt"/>
-                <a:cs typeface="+mn-lt"/>
-              </a:rPr>
-              <a:t> Validation </a:t>
-            </a:r>
-            <a:r>
-              <a:rPr lang="de-DE" dirty="0" err="1">
-                <a:ea typeface="+mn-lt"/>
-                <a:cs typeface="+mn-lt"/>
-              </a:rPr>
-              <a:t>set</a:t>
-            </a:r>
-            <a:r>
-              <a:rPr lang="de-DE" dirty="0">
-                <a:ea typeface="+mn-lt"/>
-                <a:cs typeface="+mn-lt"/>
-              </a:rPr>
-              <a:t> (20% </a:t>
-            </a:r>
-            <a:r>
-              <a:rPr lang="de-DE" dirty="0" err="1">
-                <a:ea typeface="+mn-lt"/>
-                <a:cs typeface="+mn-lt"/>
-              </a:rPr>
-              <a:t>of</a:t>
-            </a:r>
-            <a:r>
-              <a:rPr lang="de-DE" dirty="0">
-                <a:ea typeface="+mn-lt"/>
-                <a:cs typeface="+mn-lt"/>
-              </a:rPr>
-              <a:t> </a:t>
-            </a:r>
-            <a:r>
-              <a:rPr lang="de-DE" dirty="0" err="1">
-                <a:ea typeface="+mn-lt"/>
-                <a:cs typeface="+mn-lt"/>
-              </a:rPr>
-              <a:t>the</a:t>
-            </a:r>
-            <a:r>
-              <a:rPr lang="de-DE" dirty="0">
-                <a:ea typeface="+mn-lt"/>
-                <a:cs typeface="+mn-lt"/>
-              </a:rPr>
-              <a:t> </a:t>
-            </a:r>
-            <a:r>
-              <a:rPr lang="de-DE" dirty="0" err="1">
-                <a:ea typeface="+mn-lt"/>
-                <a:cs typeface="+mn-lt"/>
-              </a:rPr>
-              <a:t>remaining</a:t>
-            </a:r>
-            <a:r>
-              <a:rPr lang="de-DE" dirty="0">
-                <a:ea typeface="+mn-lt"/>
-                <a:cs typeface="+mn-lt"/>
-              </a:rPr>
-              <a:t> </a:t>
-            </a:r>
-            <a:r>
-              <a:rPr lang="de-DE" dirty="0" smtClean="0">
-                <a:ea typeface="+mn-lt"/>
-                <a:cs typeface="+mn-lt"/>
-              </a:rPr>
-              <a:t>90%)</a:t>
-            </a:r>
-            <a:endParaRPr lang="en-US" dirty="0" smtClean="0"/>
-          </a:p>
-          <a:p>
-            <a:pPr marL="457200" lvl="1" indent="0">
-              <a:buNone/>
-            </a:pPr>
-            <a:endParaRPr lang="en-US" b="1" dirty="0" smtClean="0"/>
-          </a:p>
-          <a:p>
-            <a:pPr marL="457200" lvl="1" indent="0">
-              <a:buNone/>
-            </a:pPr>
-            <a:r>
-              <a:rPr lang="en-US" dirty="0" smtClean="0"/>
-              <a:t>Loss</a:t>
-            </a:r>
-            <a:r>
-              <a:rPr lang="en-US" dirty="0"/>
-              <a:t>	</a:t>
-            </a:r>
-            <a:r>
-              <a:rPr lang="en-US" dirty="0" smtClean="0"/>
-              <a:t>			0,972560175</a:t>
-            </a:r>
-            <a:endParaRPr lang="en-US" dirty="0"/>
-          </a:p>
-          <a:p>
-            <a:pPr marL="457200" lvl="1" indent="0">
-              <a:buNone/>
-            </a:pPr>
-            <a:r>
-              <a:rPr lang="en-US" dirty="0"/>
-              <a:t>Test Accuracy	</a:t>
-            </a:r>
-            <a:r>
-              <a:rPr lang="en-US" dirty="0" smtClean="0"/>
-              <a:t>		0,5348056</a:t>
-            </a:r>
-            <a:endParaRPr lang="en-US" dirty="0"/>
-          </a:p>
-          <a:p>
-            <a:pPr marL="457200" lvl="1" indent="0">
-              <a:buNone/>
-            </a:pPr>
-            <a:r>
-              <a:rPr lang="en-US" dirty="0"/>
-              <a:t>Mean Square Error	</a:t>
-            </a:r>
-            <a:r>
-              <a:rPr lang="en-US" dirty="0" smtClean="0"/>
-              <a:t>		1,4089671</a:t>
-            </a:r>
-            <a:endParaRPr lang="en-US" dirty="0"/>
-          </a:p>
-          <a:p>
-            <a:pPr marL="457200" lvl="1" indent="0">
-              <a:buNone/>
-            </a:pPr>
-            <a:r>
-              <a:rPr lang="en-US" dirty="0"/>
-              <a:t>Mean Absolute Error	</a:t>
-            </a:r>
-            <a:r>
-              <a:rPr lang="en-US" dirty="0" smtClean="0"/>
-              <a:t>	1,0107217</a:t>
-            </a:r>
-            <a:endParaRPr lang="en-US" dirty="0"/>
-          </a:p>
-          <a:p>
-            <a:pPr marL="457200" lvl="1" indent="0">
-              <a:buNone/>
-            </a:pPr>
-            <a:r>
-              <a:rPr lang="en-US" dirty="0"/>
-              <a:t>Mean Absolute Percentage Error	99055920</a:t>
-            </a:r>
-          </a:p>
-          <a:p>
-            <a:pPr lvl="1"/>
-            <a:endParaRPr lang="en-US" dirty="0" smtClean="0"/>
-          </a:p>
-        </p:txBody>
-      </p:sp>
-      <p:sp>
-        <p:nvSpPr>
-          <p:cNvPr id="4" name="Espace réservé de la date 3"/>
-          <p:cNvSpPr>
-            <a:spLocks noGrp="1"/>
-          </p:cNvSpPr>
-          <p:nvPr>
-            <p:ph type="dt" sz="half" idx="10"/>
-          </p:nvPr>
-        </p:nvSpPr>
-        <p:spPr/>
-        <p:txBody>
-          <a:bodyPr/>
-          <a:lstStyle/>
-          <a:p>
-            <a:fld id="{C0D11AC0-B5D5-4B5F-9ECB-B7E6CF8984ED}" type="datetime1">
-              <a:rPr lang="de-DE" smtClean="0"/>
-              <a:t>23.04.2020</a:t>
-            </a:fld>
-            <a:endParaRPr lang="de-DE"/>
-          </a:p>
-        </p:txBody>
-      </p:sp>
-      <p:sp>
-        <p:nvSpPr>
-          <p:cNvPr id="5" name="Espace réservé du pied de page 4"/>
-          <p:cNvSpPr>
-            <a:spLocks noGrp="1"/>
-          </p:cNvSpPr>
-          <p:nvPr>
-            <p:ph type="ftr" sz="quarter" idx="11"/>
-          </p:nvPr>
-        </p:nvSpPr>
-        <p:spPr/>
-        <p:txBody>
-          <a:bodyPr/>
-          <a:lstStyle/>
-          <a:p>
-            <a:endParaRPr lang="de-DE" dirty="0"/>
-          </a:p>
-        </p:txBody>
-      </p:sp>
-      <p:sp>
-        <p:nvSpPr>
-          <p:cNvPr id="6" name="Espace réservé du numéro de diapositive 5"/>
-          <p:cNvSpPr>
-            <a:spLocks noGrp="1"/>
-          </p:cNvSpPr>
-          <p:nvPr>
-            <p:ph type="sldNum" sz="quarter" idx="12"/>
-          </p:nvPr>
-        </p:nvSpPr>
-        <p:spPr/>
-        <p:txBody>
-          <a:bodyPr/>
-          <a:lstStyle/>
-          <a:p>
-            <a:fld id="{9A48FC86-4651-46AF-9E4A-D3FC30E17613}" type="slidenum">
-              <a:rPr lang="de-DE" smtClean="0"/>
-              <a:t>4</a:t>
-            </a:fld>
-            <a:endParaRPr lang="de-DE"/>
-          </a:p>
-        </p:txBody>
-      </p:sp>
-    </p:spTree>
-    <p:extLst>
-      <p:ext uri="{BB962C8B-B14F-4D97-AF65-F5344CB8AC3E}">
-        <p14:creationId xmlns:p14="http://schemas.microsoft.com/office/powerpoint/2010/main" val="4011683287"/>
-      </p:ext>
-    </p:extLst>
-  </p:cSld>
-  <p:clrMapOvr>
-    <a:masterClrMapping/>
-  </p:clrMapOvr>
-</p:sld>
-</file>
-
-<file path=ppt/slides/slide5.xml><?xml version="1.0" encoding="utf-8"?>
-<p:sld xmlns:a="http://schemas.openxmlformats.org/drawingml/2006/main" xmlns:r="http://schemas.openxmlformats.org/officeDocument/2006/relationships" xmlns:p="http://schemas.openxmlformats.org/presentationml/2006/main">
-  <p:cSld>
-    <p:spTree>
-      <p:nvGrpSpPr>
-        <p:cNvPr id="1" name=""/>
-        <p:cNvGrpSpPr/>
-        <p:nvPr/>
-      </p:nvGrpSpPr>
-      <p:grpSpPr>
-        <a:xfrm>
-          <a:off x="0" y="0"/>
-          <a:ext cx="0" cy="0"/>
-          <a:chOff x="0" y="0"/>
-          <a:chExt cx="0" cy="0"/>
-        </a:xfrm>
-      </p:grpSpPr>
-      <p:sp>
-        <p:nvSpPr>
-          <p:cNvPr id="2" name="Titre 1"/>
-          <p:cNvSpPr>
-            <a:spLocks noGrp="1"/>
-          </p:cNvSpPr>
-          <p:nvPr>
-            <p:ph type="title"/>
-          </p:nvPr>
-        </p:nvSpPr>
-        <p:spPr/>
-        <p:txBody>
-          <a:bodyPr/>
-          <a:lstStyle/>
-          <a:p>
-            <a:r>
               <a:rPr lang="en-US" dirty="0"/>
               <a:t>Web Architecture</a:t>
             </a:r>
@@ -5657,7 +4850,7 @@
           <a:p>
             <a:fld id="{9A48FC86-4651-46AF-9E4A-D3FC30E17613}" type="slidenum">
               <a:rPr lang="de-DE" smtClean="0"/>
-              <a:t>5</a:t>
+              <a:t>2</a:t>
             </a:fld>
             <a:endParaRPr lang="de-DE"/>
           </a:p>
@@ -5955,7 +5148,7 @@
           <p:cNvPr id="7" name="Group 6">
             <a:extLst>
               <a:ext uri="{FF2B5EF4-FFF2-40B4-BE49-F238E27FC236}">
-                <a16:creationId xmlns:a16="http://schemas.microsoft.com/office/drawing/2014/main" xmlns="" id="{7309C384-6DCD-4775-B2C4-21469D66386A}"/>
+                <a16:creationId xmlns="" xmlns:a16="http://schemas.microsoft.com/office/drawing/2014/main" id="{7309C384-6DCD-4775-B2C4-21469D66386A}"/>
               </a:ext>
             </a:extLst>
           </p:cNvPr>
@@ -6374,7 +5567,7 @@
           <p:cNvPr id="3" name="Group 2">
             <a:extLst>
               <a:ext uri="{FF2B5EF4-FFF2-40B4-BE49-F238E27FC236}">
-                <a16:creationId xmlns:a16="http://schemas.microsoft.com/office/drawing/2014/main" xmlns="" id="{38150398-1A64-4FB7-A3DE-19041D5C1156}"/>
+                <a16:creationId xmlns="" xmlns:a16="http://schemas.microsoft.com/office/drawing/2014/main" id="{38150398-1A64-4FB7-A3DE-19041D5C1156}"/>
               </a:ext>
             </a:extLst>
           </p:cNvPr>
@@ -6570,7 +5763,7 @@
           <p:cNvPr id="22" name="Rectangle 21">
             <a:extLst>
               <a:ext uri="{FF2B5EF4-FFF2-40B4-BE49-F238E27FC236}">
-                <a16:creationId xmlns:a16="http://schemas.microsoft.com/office/drawing/2014/main" xmlns="" id="{38C51A38-4A07-49FD-B6ED-48F08A46D64E}"/>
+                <a16:creationId xmlns="" xmlns:a16="http://schemas.microsoft.com/office/drawing/2014/main" id="{38C51A38-4A07-49FD-B6ED-48F08A46D64E}"/>
               </a:ext>
             </a:extLst>
           </p:cNvPr>
@@ -6662,7 +5855,7 @@
           <p:cNvPr id="23" name="Double flèche verticale 40">
             <a:extLst>
               <a:ext uri="{FF2B5EF4-FFF2-40B4-BE49-F238E27FC236}">
-                <a16:creationId xmlns:a16="http://schemas.microsoft.com/office/drawing/2014/main" xmlns="" id="{10F5781E-ED8C-4D2E-B33A-E89C91B92733}"/>
+                <a16:creationId xmlns="" xmlns:a16="http://schemas.microsoft.com/office/drawing/2014/main" id="{10F5781E-ED8C-4D2E-B33A-E89C91B92733}"/>
               </a:ext>
             </a:extLst>
           </p:cNvPr>
@@ -6736,7 +5929,7 @@
 </p:sld>
 </file>
 
-<file path=ppt/slides/slide6.xml><?xml version="1.0" encoding="utf-8"?>
+<file path=ppt/slides/slide3.xml><?xml version="1.0" encoding="utf-8"?>
 <p:sld xmlns:a="http://schemas.openxmlformats.org/drawingml/2006/main" xmlns:r="http://schemas.openxmlformats.org/officeDocument/2006/relationships" xmlns:p="http://schemas.openxmlformats.org/presentationml/2006/main">
   <p:cSld>
     <p:spTree>
@@ -6875,7 +6068,7 @@
           <a:p>
             <a:fld id="{9A48FC86-4651-46AF-9E4A-D3FC30E17613}" type="slidenum">
               <a:rPr lang="de-DE" smtClean="0"/>
-              <a:t>6</a:t>
+              <a:t>3</a:t>
             </a:fld>
             <a:endParaRPr lang="de-DE"/>
           </a:p>
@@ -6931,7 +6124,7 @@
 </p:sld>
 </file>
 
-<file path=ppt/slides/slide7.xml><?xml version="1.0" encoding="utf-8"?>
+<file path=ppt/slides/slide4.xml><?xml version="1.0" encoding="utf-8"?>
 <p:sld xmlns:a="http://schemas.openxmlformats.org/drawingml/2006/main" xmlns:r="http://schemas.openxmlformats.org/officeDocument/2006/relationships" xmlns:p="http://schemas.openxmlformats.org/presentationml/2006/main">
   <p:cSld>
     <p:spTree>
@@ -7059,7 +6252,7 @@
           <a:p>
             <a:fld id="{9A48FC86-4651-46AF-9E4A-D3FC30E17613}" type="slidenum">
               <a:rPr lang="de-DE" smtClean="0"/>
-              <a:t>7</a:t>
+              <a:t>4</a:t>
             </a:fld>
             <a:endParaRPr lang="de-DE"/>
           </a:p>
@@ -7174,7 +6367,7 @@
 </p:sld>
 </file>
 
-<file path=ppt/slides/slide8.xml><?xml version="1.0" encoding="utf-8"?>
+<file path=ppt/slides/slide5.xml><?xml version="1.0" encoding="utf-8"?>
 <p:sld xmlns:a="http://schemas.openxmlformats.org/drawingml/2006/main" xmlns:r="http://schemas.openxmlformats.org/officeDocument/2006/relationships" xmlns:p="http://schemas.openxmlformats.org/presentationml/2006/main">
   <p:cSld>
     <p:spTree>
@@ -7302,7 +6495,7 @@
           <a:p>
             <a:fld id="{9A48FC86-4651-46AF-9E4A-D3FC30E17613}" type="slidenum">
               <a:rPr lang="de-DE" smtClean="0"/>
-              <a:t>8</a:t>
+              <a:t>5</a:t>
             </a:fld>
             <a:endParaRPr lang="de-DE"/>
           </a:p>
@@ -7312,157 +6505,6 @@
     <p:extLst>
       <p:ext uri="{BB962C8B-B14F-4D97-AF65-F5344CB8AC3E}">
         <p14:creationId xmlns:p14="http://schemas.microsoft.com/office/powerpoint/2010/main" val="4064694010"/>
-      </p:ext>
-    </p:extLst>
-  </p:cSld>
-  <p:clrMapOvr>
-    <a:masterClrMapping/>
-  </p:clrMapOvr>
-</p:sld>
-</file>
-
-<file path=ppt/slides/slide9.xml><?xml version="1.0" encoding="utf-8"?>
-<p:sld xmlns:a="http://schemas.openxmlformats.org/drawingml/2006/main" xmlns:r="http://schemas.openxmlformats.org/officeDocument/2006/relationships" xmlns:p="http://schemas.openxmlformats.org/presentationml/2006/main">
-  <p:cSld>
-    <p:spTree>
-      <p:nvGrpSpPr>
-        <p:cNvPr id="1" name=""/>
-        <p:cNvGrpSpPr/>
-        <p:nvPr/>
-      </p:nvGrpSpPr>
-      <p:grpSpPr>
-        <a:xfrm>
-          <a:off x="0" y="0"/>
-          <a:ext cx="0" cy="0"/>
-          <a:chOff x="0" y="0"/>
-          <a:chExt cx="0" cy="0"/>
-        </a:xfrm>
-      </p:grpSpPr>
-      <p:sp>
-        <p:nvSpPr>
-          <p:cNvPr id="2" name="Titre 1"/>
-          <p:cNvSpPr>
-            <a:spLocks noGrp="1"/>
-          </p:cNvSpPr>
-          <p:nvPr>
-            <p:ph type="title"/>
-          </p:nvPr>
-        </p:nvSpPr>
-        <p:spPr/>
-        <p:txBody>
-          <a:bodyPr/>
-          <a:lstStyle/>
-          <a:p>
-            <a:r>
-              <a:rPr lang="en-US" dirty="0" smtClean="0"/>
-              <a:t>Next Sprint</a:t>
-            </a:r>
-            <a:endParaRPr lang="en-US" dirty="0"/>
-          </a:p>
-        </p:txBody>
-      </p:sp>
-      <p:sp>
-        <p:nvSpPr>
-          <p:cNvPr id="3" name="Espace réservé du contenu 2"/>
-          <p:cNvSpPr>
-            <a:spLocks noGrp="1"/>
-          </p:cNvSpPr>
-          <p:nvPr>
-            <p:ph idx="1"/>
-          </p:nvPr>
-        </p:nvSpPr>
-        <p:spPr/>
-        <p:txBody>
-          <a:bodyPr/>
-          <a:lstStyle/>
-          <a:p>
-            <a:r>
-              <a:rPr lang="en-US" dirty="0" smtClean="0"/>
-              <a:t>Implementation of the backend (Model, Static Matches).</a:t>
-            </a:r>
-          </a:p>
-          <a:p>
-            <a:r>
-              <a:rPr lang="en-US" dirty="0" smtClean="0"/>
-              <a:t>Regression: Predict the goals scored by each team.</a:t>
-            </a:r>
-            <a:endParaRPr lang="en-US" dirty="0"/>
-          </a:p>
-        </p:txBody>
-      </p:sp>
-      <p:sp>
-        <p:nvSpPr>
-          <p:cNvPr id="4" name="Espace réservé de la date 3"/>
-          <p:cNvSpPr>
-            <a:spLocks noGrp="1"/>
-          </p:cNvSpPr>
-          <p:nvPr>
-            <p:ph type="dt" sz="half" idx="10"/>
-          </p:nvPr>
-        </p:nvSpPr>
-        <p:spPr/>
-        <p:txBody>
-          <a:bodyPr/>
-          <a:lstStyle/>
-          <a:p>
-            <a:fld id="{C0D11AC0-B5D5-4B5F-9ECB-B7E6CF8984ED}" type="datetime1">
-              <a:rPr lang="de-DE" smtClean="0"/>
-              <a:t>23.04.2020</a:t>
-            </a:fld>
-            <a:endParaRPr lang="de-DE"/>
-          </a:p>
-        </p:txBody>
-      </p:sp>
-      <p:sp>
-        <p:nvSpPr>
-          <p:cNvPr id="5" name="Espace réservé du pied de page 4"/>
-          <p:cNvSpPr>
-            <a:spLocks noGrp="1"/>
-          </p:cNvSpPr>
-          <p:nvPr>
-            <p:ph type="ftr" sz="quarter" idx="11"/>
-          </p:nvPr>
-        </p:nvSpPr>
-        <p:spPr/>
-        <p:txBody>
-          <a:bodyPr/>
-          <a:lstStyle/>
-          <a:p>
-            <a:r>
-              <a:rPr lang="de-DE" smtClean="0"/>
-              <a:t>Lisa Boos, Khaled Jallouli</a:t>
-            </a:r>
-            <a:endParaRPr lang="de-DE" dirty="0"/>
-          </a:p>
-        </p:txBody>
-      </p:sp>
-      <p:sp>
-        <p:nvSpPr>
-          <p:cNvPr id="6" name="Espace réservé du numéro de diapositive 5"/>
-          <p:cNvSpPr>
-            <a:spLocks noGrp="1"/>
-          </p:cNvSpPr>
-          <p:nvPr>
-            <p:ph type="sldNum" sz="quarter" idx="12"/>
-          </p:nvPr>
-        </p:nvSpPr>
-        <p:spPr/>
-        <p:txBody>
-          <a:bodyPr/>
-          <a:lstStyle/>
-          <a:p>
-            <a:fld id="{9A48FC86-4651-46AF-9E4A-D3FC30E17613}" type="slidenum">
-              <a:rPr lang="de-DE" smtClean="0"/>
-              <a:t>9</a:t>
-            </a:fld>
-            <a:endParaRPr lang="de-DE"/>
-          </a:p>
-        </p:txBody>
-      </p:sp>
-    </p:spTree>
-    <p:extLst>
-      <p:ext uri="{BB962C8B-B14F-4D97-AF65-F5344CB8AC3E}">
-        <p14:creationId xmlns:p14="http://schemas.microsoft.com/office/powerpoint/2010/main" val="1256040228"/>
       </p:ext>
     </p:extLst>
   </p:cSld>
